--- a/figures/Workflow.pptx
+++ b/figures/Workflow.pptx
@@ -107,6 +107,11 @@
       </a:defRPr>
     </a:lvl9pPr>
   </p:defaultTextStyle>
+  <p:extLst>
+    <p:ext uri="{EFAFB233-063F-42B5-8137-9DF3F51BA10A}">
+      <p15:sldGuideLst xmlns:p15="http://schemas.microsoft.com/office/powerpoint/2012/main"/>
+    </p:ext>
+  </p:extLst>
 </p:presentation>
 </file>
 
@@ -4388,7 +4393,7 @@
         <p:spPr>
           <a:xfrm>
             <a:off x="8165261" y="705971"/>
-            <a:ext cx="2966867" cy="1989428"/>
+            <a:ext cx="2966867" cy="2177177"/>
           </a:xfrm>
           <a:prstGeom prst="roundRect">
             <a:avLst>
@@ -4560,8 +4565,8 @@
         </p:nvCxnSpPr>
         <p:spPr>
           <a:xfrm flipV="1">
-            <a:off x="7590201" y="1700685"/>
-            <a:ext cx="575060" cy="95691"/>
+            <a:off x="7590201" y="1794560"/>
+            <a:ext cx="575060" cy="1816"/>
           </a:xfrm>
           <a:prstGeom prst="bentConnector3">
             <a:avLst>
@@ -4613,8 +4618,8 @@
         </p:nvSpPr>
         <p:spPr>
           <a:xfrm>
-            <a:off x="8165265" y="3785461"/>
-            <a:ext cx="2966867" cy="1716786"/>
+            <a:off x="8165265" y="4031077"/>
+            <a:ext cx="2966867" cy="1471169"/>
           </a:xfrm>
           <a:prstGeom prst="roundRect">
             <a:avLst>
@@ -4679,8 +4684,8 @@
         </p:nvSpPr>
         <p:spPr>
           <a:xfrm>
-            <a:off x="8569837" y="4151407"/>
-            <a:ext cx="2157721" cy="549695"/>
+            <a:off x="8576185" y="4366501"/>
+            <a:ext cx="2157721" cy="901381"/>
           </a:xfrm>
           <a:prstGeom prst="rect">
             <a:avLst/>
@@ -4709,63 +4714,7 @@
             <a:pPr algn="ctr"/>
             <a:r>
               <a:rPr lang="en-US" dirty="0"/>
-              <a:t>Collect Best Cluster Metrics</a:t>
-            </a:r>
-          </a:p>
-        </p:txBody>
-      </p:sp>
-      <p:sp>
-        <p:nvSpPr>
-          <p:cNvPr id="55" name="Rectangle 54">
-            <a:extLst>
-              <a:ext uri="{FF2B5EF4-FFF2-40B4-BE49-F238E27FC236}">
-                <a16:creationId xmlns:a16="http://schemas.microsoft.com/office/drawing/2014/main" id="{C8D18B83-A92E-CE62-8278-5695B87A6953}"/>
-              </a:ext>
-            </a:extLst>
-          </p:cNvPr>
-          <p:cNvSpPr/>
-          <p:nvPr/>
-        </p:nvSpPr>
-        <p:spPr>
-          <a:xfrm>
-            <a:off x="8569837" y="4836838"/>
-            <a:ext cx="2157721" cy="549695"/>
-          </a:xfrm>
-          <a:prstGeom prst="rect">
-            <a:avLst/>
-          </a:prstGeom>
-        </p:spPr>
-        <p:style>
-          <a:lnRef idx="2">
-            <a:schemeClr val="accent5">
-              <a:shade val="15000"/>
-            </a:schemeClr>
-          </a:lnRef>
-          <a:fillRef idx="1">
-            <a:schemeClr val="accent5"/>
-          </a:fillRef>
-          <a:effectRef idx="0">
-            <a:schemeClr val="accent5"/>
-          </a:effectRef>
-          <a:fontRef idx="minor">
-            <a:schemeClr val="lt1"/>
-          </a:fontRef>
-        </p:style>
-        <p:txBody>
-          <a:bodyPr rtlCol="0" anchor="ctr"/>
-          <a:lstStyle/>
-          <a:p>
-            <a:pPr algn="ctr"/>
-            <a:r>
-              <a:rPr lang="en-US" dirty="0"/>
-              <a:t>Collect Best</a:t>
-            </a:r>
-          </a:p>
-          <a:p>
-            <a:pPr algn="ctr"/>
-            <a:r>
-              <a:rPr lang="en-US" dirty="0"/>
-              <a:t>PDB Structure</a:t>
+              <a:t>Collect Best Cluster Metrics and PDB Structure</a:t>
             </a:r>
           </a:p>
         </p:txBody>
@@ -4788,8 +4737,8 @@
         </p:nvCxnSpPr>
         <p:spPr>
           <a:xfrm rot="5400000">
-            <a:off x="9556180" y="2787914"/>
-            <a:ext cx="185030" cy="12700"/>
+            <a:off x="9570574" y="2961269"/>
+            <a:ext cx="156243" cy="1"/>
           </a:xfrm>
           <a:prstGeom prst="bentConnector3">
             <a:avLst>
@@ -4877,8 +4826,8 @@
         </p:nvSpPr>
         <p:spPr>
           <a:xfrm>
-            <a:off x="8165261" y="2880429"/>
-            <a:ext cx="2966867" cy="717717"/>
+            <a:off x="8165260" y="3039391"/>
+            <a:ext cx="2966867" cy="805326"/>
           </a:xfrm>
           <a:prstGeom prst="roundRect">
             <a:avLst>
@@ -4947,8 +4896,8 @@
         </p:nvCxnSpPr>
         <p:spPr>
           <a:xfrm rot="16200000" flipH="1">
-            <a:off x="9555040" y="3691801"/>
-            <a:ext cx="187315" cy="4"/>
+            <a:off x="9555516" y="3937894"/>
+            <a:ext cx="186360" cy="5"/>
           </a:xfrm>
           <a:prstGeom prst="bentConnector3">
             <a:avLst>
@@ -4991,7 +4940,7 @@
         </p:nvSpPr>
         <p:spPr>
           <a:xfrm>
-            <a:off x="8569836" y="3225983"/>
+            <a:off x="8576184" y="3429087"/>
             <a:ext cx="2157721" cy="276293"/>
           </a:xfrm>
           <a:prstGeom prst="rect">
@@ -5149,8 +5098,8 @@
         </p:nvCxnSpPr>
         <p:spPr>
           <a:xfrm flipV="1">
-            <a:off x="7590197" y="1700685"/>
-            <a:ext cx="575064" cy="2661956"/>
+            <a:off x="7590197" y="1794560"/>
+            <a:ext cx="575064" cy="2568081"/>
           </a:xfrm>
           <a:prstGeom prst="bentConnector3">
             <a:avLst>

--- a/figures/Workflow.pptx
+++ b/figures/Workflow.pptx
@@ -5,10 +5,11 @@
     <p:sldMasterId id="2147483660" r:id="rId1"/>
   </p:sldMasterIdLst>
   <p:notesMasterIdLst>
-    <p:notesMasterId r:id="rId3"/>
+    <p:notesMasterId r:id="rId4"/>
   </p:notesMasterIdLst>
   <p:sldIdLst>
     <p:sldId id="256" r:id="rId2"/>
+    <p:sldId id="257" r:id="rId3"/>
   </p:sldIdLst>
   <p:sldSz cx="12192000" cy="6858000"/>
   <p:notesSz cx="6858000" cy="9144000"/>
@@ -115,6 +116,4303 @@
 </p:presentation>
 </file>
 
+<file path=ppt/diagrams/colors1.xml><?xml version="1.0" encoding="utf-8"?>
+<dgm:colorsDef xmlns:dgm="http://schemas.openxmlformats.org/drawingml/2006/diagram" xmlns:a="http://schemas.openxmlformats.org/drawingml/2006/main" uniqueId="urn:microsoft.com/office/officeart/2005/8/colors/colorful2">
+  <dgm:title val=""/>
+  <dgm:desc val=""/>
+  <dgm:catLst>
+    <dgm:cat type="colorful" pri="10200"/>
+  </dgm:catLst>
+  <dgm:styleLbl name="node0">
+    <dgm:fillClrLst meth="repeat">
+      <a:schemeClr val="accent1"/>
+    </dgm:fillClrLst>
+    <dgm:linClrLst meth="repeat">
+      <a:schemeClr val="lt1"/>
+    </dgm:linClrLst>
+    <dgm:effectClrLst/>
+    <dgm:txLinClrLst/>
+    <dgm:txFillClrLst/>
+    <dgm:txEffectClrLst/>
+  </dgm:styleLbl>
+  <dgm:styleLbl name="node1">
+    <dgm:fillClrLst>
+      <a:schemeClr val="accent2"/>
+      <a:schemeClr val="accent3"/>
+    </dgm:fillClrLst>
+    <dgm:linClrLst meth="repeat">
+      <a:schemeClr val="lt1"/>
+    </dgm:linClrLst>
+    <dgm:effectClrLst/>
+    <dgm:txLinClrLst/>
+    <dgm:txFillClrLst/>
+    <dgm:txEffectClrLst/>
+  </dgm:styleLbl>
+  <dgm:styleLbl name="alignNode1">
+    <dgm:fillClrLst>
+      <a:schemeClr val="accent2"/>
+      <a:schemeClr val="accent3"/>
+    </dgm:fillClrLst>
+    <dgm:linClrLst>
+      <a:schemeClr val="accent2"/>
+      <a:schemeClr val="accent3"/>
+    </dgm:linClrLst>
+    <dgm:effectClrLst/>
+    <dgm:txLinClrLst/>
+    <dgm:txFillClrLst/>
+    <dgm:txEffectClrLst/>
+  </dgm:styleLbl>
+  <dgm:styleLbl name="lnNode1">
+    <dgm:fillClrLst>
+      <a:schemeClr val="accent2"/>
+      <a:schemeClr val="accent3"/>
+    </dgm:fillClrLst>
+    <dgm:linClrLst meth="repeat">
+      <a:schemeClr val="lt1"/>
+    </dgm:linClrLst>
+    <dgm:effectClrLst/>
+    <dgm:txLinClrLst/>
+    <dgm:txFillClrLst/>
+    <dgm:txEffectClrLst/>
+  </dgm:styleLbl>
+  <dgm:styleLbl name="vennNode1">
+    <dgm:fillClrLst>
+      <a:schemeClr val="accent2">
+        <a:alpha val="50000"/>
+      </a:schemeClr>
+      <a:schemeClr val="accent3">
+        <a:alpha val="50000"/>
+      </a:schemeClr>
+    </dgm:fillClrLst>
+    <dgm:linClrLst meth="repeat">
+      <a:schemeClr val="lt1"/>
+    </dgm:linClrLst>
+    <dgm:effectClrLst/>
+    <dgm:txLinClrLst/>
+    <dgm:txFillClrLst/>
+    <dgm:txEffectClrLst/>
+  </dgm:styleLbl>
+  <dgm:styleLbl name="node2">
+    <dgm:fillClrLst>
+      <a:schemeClr val="accent3"/>
+    </dgm:fillClrLst>
+    <dgm:linClrLst meth="repeat">
+      <a:schemeClr val="lt1"/>
+    </dgm:linClrLst>
+    <dgm:effectClrLst/>
+    <dgm:txLinClrLst/>
+    <dgm:txFillClrLst/>
+    <dgm:txEffectClrLst/>
+  </dgm:styleLbl>
+  <dgm:styleLbl name="node3">
+    <dgm:fillClrLst>
+      <a:schemeClr val="accent4"/>
+    </dgm:fillClrLst>
+    <dgm:linClrLst meth="repeat">
+      <a:schemeClr val="lt1"/>
+    </dgm:linClrLst>
+    <dgm:effectClrLst/>
+    <dgm:txLinClrLst/>
+    <dgm:txFillClrLst/>
+    <dgm:txEffectClrLst/>
+  </dgm:styleLbl>
+  <dgm:styleLbl name="node4">
+    <dgm:fillClrLst>
+      <a:schemeClr val="accent5"/>
+    </dgm:fillClrLst>
+    <dgm:linClrLst meth="repeat">
+      <a:schemeClr val="lt1"/>
+    </dgm:linClrLst>
+    <dgm:effectClrLst/>
+    <dgm:txLinClrLst/>
+    <dgm:txFillClrLst/>
+    <dgm:txEffectClrLst/>
+  </dgm:styleLbl>
+  <dgm:styleLbl name="fgImgPlace1">
+    <dgm:fillClrLst>
+      <a:schemeClr val="accent2">
+        <a:tint val="50000"/>
+      </a:schemeClr>
+      <a:schemeClr val="accent3">
+        <a:tint val="50000"/>
+      </a:schemeClr>
+    </dgm:fillClrLst>
+    <dgm:linClrLst meth="repeat">
+      <a:schemeClr val="lt1"/>
+    </dgm:linClrLst>
+    <dgm:effectClrLst/>
+    <dgm:txLinClrLst/>
+    <dgm:txFillClrLst meth="repeat">
+      <a:schemeClr val="lt1"/>
+    </dgm:txFillClrLst>
+    <dgm:txEffectClrLst/>
+  </dgm:styleLbl>
+  <dgm:styleLbl name="alignImgPlace1">
+    <dgm:fillClrLst>
+      <a:schemeClr val="accent2">
+        <a:tint val="50000"/>
+      </a:schemeClr>
+      <a:schemeClr val="accent3">
+        <a:tint val="20000"/>
+      </a:schemeClr>
+    </dgm:fillClrLst>
+    <dgm:linClrLst meth="repeat">
+      <a:schemeClr val="lt1"/>
+    </dgm:linClrLst>
+    <dgm:effectClrLst/>
+    <dgm:txLinClrLst/>
+    <dgm:txFillClrLst meth="repeat">
+      <a:schemeClr val="lt1"/>
+    </dgm:txFillClrLst>
+    <dgm:txEffectClrLst/>
+  </dgm:styleLbl>
+  <dgm:styleLbl name="bgImgPlace1">
+    <dgm:fillClrLst>
+      <a:schemeClr val="accent2">
+        <a:tint val="50000"/>
+      </a:schemeClr>
+      <a:schemeClr val="accent3">
+        <a:tint val="20000"/>
+      </a:schemeClr>
+    </dgm:fillClrLst>
+    <dgm:linClrLst meth="repeat">
+      <a:schemeClr val="lt1"/>
+    </dgm:linClrLst>
+    <dgm:effectClrLst/>
+    <dgm:txLinClrLst/>
+    <dgm:txFillClrLst meth="repeat">
+      <a:schemeClr val="lt1"/>
+    </dgm:txFillClrLst>
+    <dgm:txEffectClrLst/>
+  </dgm:styleLbl>
+  <dgm:styleLbl name="sibTrans2D1">
+    <dgm:fillClrLst>
+      <a:schemeClr val="accent2"/>
+      <a:schemeClr val="accent3"/>
+    </dgm:fillClrLst>
+    <dgm:linClrLst meth="repeat">
+      <a:schemeClr val="lt1"/>
+    </dgm:linClrLst>
+    <dgm:effectClrLst/>
+    <dgm:txLinClrLst/>
+    <dgm:txFillClrLst/>
+    <dgm:txEffectClrLst/>
+  </dgm:styleLbl>
+  <dgm:styleLbl name="fgSibTrans2D1">
+    <dgm:fillClrLst>
+      <a:schemeClr val="accent2"/>
+      <a:schemeClr val="accent3"/>
+    </dgm:fillClrLst>
+    <dgm:linClrLst meth="repeat">
+      <a:schemeClr val="lt1"/>
+    </dgm:linClrLst>
+    <dgm:effectClrLst/>
+    <dgm:txLinClrLst/>
+    <dgm:txFillClrLst meth="repeat">
+      <a:schemeClr val="lt1"/>
+    </dgm:txFillClrLst>
+    <dgm:txEffectClrLst/>
+  </dgm:styleLbl>
+  <dgm:styleLbl name="bgSibTrans2D1">
+    <dgm:fillClrLst>
+      <a:schemeClr val="accent2"/>
+      <a:schemeClr val="accent3"/>
+    </dgm:fillClrLst>
+    <dgm:linClrLst meth="repeat">
+      <a:schemeClr val="lt1"/>
+    </dgm:linClrLst>
+    <dgm:effectClrLst/>
+    <dgm:txLinClrLst/>
+    <dgm:txFillClrLst meth="repeat">
+      <a:schemeClr val="lt1"/>
+    </dgm:txFillClrLst>
+    <dgm:txEffectClrLst/>
+  </dgm:styleLbl>
+  <dgm:styleLbl name="sibTrans1D1">
+    <dgm:fillClrLst/>
+    <dgm:linClrLst>
+      <a:schemeClr val="accent2"/>
+      <a:schemeClr val="accent3"/>
+    </dgm:linClrLst>
+    <dgm:effectClrLst/>
+    <dgm:txLinClrLst/>
+    <dgm:txFillClrLst meth="repeat">
+      <a:schemeClr val="tx1"/>
+    </dgm:txFillClrLst>
+    <dgm:txEffectClrLst/>
+  </dgm:styleLbl>
+  <dgm:styleLbl name="callout">
+    <dgm:fillClrLst meth="repeat">
+      <a:schemeClr val="accent2"/>
+    </dgm:fillClrLst>
+    <dgm:linClrLst meth="repeat">
+      <a:schemeClr val="accent2">
+        <a:tint val="50000"/>
+      </a:schemeClr>
+    </dgm:linClrLst>
+    <dgm:effectClrLst/>
+    <dgm:txLinClrLst/>
+    <dgm:txFillClrLst meth="repeat">
+      <a:schemeClr val="tx1"/>
+    </dgm:txFillClrLst>
+    <dgm:txEffectClrLst/>
+  </dgm:styleLbl>
+  <dgm:styleLbl name="asst0">
+    <dgm:fillClrLst meth="repeat">
+      <a:schemeClr val="accent2"/>
+    </dgm:fillClrLst>
+    <dgm:linClrLst meth="repeat">
+      <a:schemeClr val="lt1">
+        <a:shade val="80000"/>
+      </a:schemeClr>
+    </dgm:linClrLst>
+    <dgm:effectClrLst/>
+    <dgm:txLinClrLst/>
+    <dgm:txFillClrLst/>
+    <dgm:txEffectClrLst/>
+  </dgm:styleLbl>
+  <dgm:styleLbl name="asst1">
+    <dgm:fillClrLst meth="repeat">
+      <a:schemeClr val="accent3"/>
+    </dgm:fillClrLst>
+    <dgm:linClrLst meth="repeat">
+      <a:schemeClr val="lt1">
+        <a:shade val="80000"/>
+      </a:schemeClr>
+    </dgm:linClrLst>
+    <dgm:effectClrLst/>
+    <dgm:txLinClrLst/>
+    <dgm:txFillClrLst/>
+    <dgm:txEffectClrLst/>
+  </dgm:styleLbl>
+  <dgm:styleLbl name="asst2">
+    <dgm:fillClrLst>
+      <a:schemeClr val="accent4"/>
+    </dgm:fillClrLst>
+    <dgm:linClrLst meth="repeat">
+      <a:schemeClr val="lt1"/>
+    </dgm:linClrLst>
+    <dgm:effectClrLst/>
+    <dgm:txLinClrLst/>
+    <dgm:txFillClrLst/>
+    <dgm:txEffectClrLst/>
+  </dgm:styleLbl>
+  <dgm:styleLbl name="asst3">
+    <dgm:fillClrLst>
+      <a:schemeClr val="accent5"/>
+    </dgm:fillClrLst>
+    <dgm:linClrLst meth="repeat">
+      <a:schemeClr val="lt1"/>
+    </dgm:linClrLst>
+    <dgm:effectClrLst/>
+    <dgm:txLinClrLst/>
+    <dgm:txFillClrLst/>
+    <dgm:txEffectClrLst/>
+  </dgm:styleLbl>
+  <dgm:styleLbl name="asst4">
+    <dgm:fillClrLst>
+      <a:schemeClr val="accent6"/>
+    </dgm:fillClrLst>
+    <dgm:linClrLst meth="repeat">
+      <a:schemeClr val="lt1"/>
+    </dgm:linClrLst>
+    <dgm:effectClrLst/>
+    <dgm:txLinClrLst/>
+    <dgm:txFillClrLst/>
+    <dgm:txEffectClrLst/>
+  </dgm:styleLbl>
+  <dgm:styleLbl name="parChTrans2D1">
+    <dgm:fillClrLst meth="repeat">
+      <a:schemeClr val="accent2"/>
+    </dgm:fillClrLst>
+    <dgm:linClrLst meth="repeat">
+      <a:schemeClr val="lt1"/>
+    </dgm:linClrLst>
+    <dgm:effectClrLst/>
+    <dgm:txLinClrLst/>
+    <dgm:txFillClrLst meth="repeat">
+      <a:schemeClr val="lt1"/>
+    </dgm:txFillClrLst>
+    <dgm:txEffectClrLst/>
+  </dgm:styleLbl>
+  <dgm:styleLbl name="parChTrans2D2">
+    <dgm:fillClrLst meth="repeat">
+      <a:schemeClr val="accent3"/>
+    </dgm:fillClrLst>
+    <dgm:linClrLst meth="repeat">
+      <a:schemeClr val="lt1"/>
+    </dgm:linClrLst>
+    <dgm:effectClrLst/>
+    <dgm:txLinClrLst/>
+    <dgm:txFillClrLst/>
+    <dgm:txEffectClrLst/>
+  </dgm:styleLbl>
+  <dgm:styleLbl name="parChTrans2D3">
+    <dgm:fillClrLst meth="repeat">
+      <a:schemeClr val="accent4"/>
+    </dgm:fillClrLst>
+    <dgm:linClrLst meth="repeat">
+      <a:schemeClr val="lt1"/>
+    </dgm:linClrLst>
+    <dgm:effectClrLst/>
+    <dgm:txLinClrLst/>
+    <dgm:txFillClrLst/>
+    <dgm:txEffectClrLst/>
+  </dgm:styleLbl>
+  <dgm:styleLbl name="parChTrans2D4">
+    <dgm:fillClrLst meth="repeat">
+      <a:schemeClr val="accent5"/>
+    </dgm:fillClrLst>
+    <dgm:linClrLst meth="repeat">
+      <a:schemeClr val="lt1"/>
+    </dgm:linClrLst>
+    <dgm:effectClrLst/>
+    <dgm:txLinClrLst/>
+    <dgm:txFillClrLst meth="repeat">
+      <a:schemeClr val="lt1"/>
+    </dgm:txFillClrLst>
+    <dgm:txEffectClrLst/>
+  </dgm:styleLbl>
+  <dgm:styleLbl name="parChTrans1D1">
+    <dgm:fillClrLst meth="repeat">
+      <a:schemeClr val="accent2"/>
+    </dgm:fillClrLst>
+    <dgm:linClrLst meth="repeat">
+      <a:schemeClr val="accent2"/>
+    </dgm:linClrLst>
+    <dgm:effectClrLst/>
+    <dgm:txLinClrLst/>
+    <dgm:txFillClrLst meth="repeat">
+      <a:schemeClr val="tx1"/>
+    </dgm:txFillClrLst>
+    <dgm:txEffectClrLst/>
+  </dgm:styleLbl>
+  <dgm:styleLbl name="parChTrans1D2">
+    <dgm:fillClrLst meth="repeat">
+      <a:schemeClr val="accent2">
+        <a:tint val="90000"/>
+      </a:schemeClr>
+    </dgm:fillClrLst>
+    <dgm:linClrLst meth="repeat">
+      <a:schemeClr val="accent3"/>
+    </dgm:linClrLst>
+    <dgm:effectClrLst/>
+    <dgm:txLinClrLst/>
+    <dgm:txFillClrLst meth="repeat">
+      <a:schemeClr val="tx1"/>
+    </dgm:txFillClrLst>
+    <dgm:txEffectClrLst/>
+  </dgm:styleLbl>
+  <dgm:styleLbl name="parChTrans1D3">
+    <dgm:fillClrLst meth="repeat">
+      <a:schemeClr val="accent2">
+        <a:tint val="70000"/>
+      </a:schemeClr>
+    </dgm:fillClrLst>
+    <dgm:linClrLst meth="repeat">
+      <a:schemeClr val="accent4"/>
+    </dgm:linClrLst>
+    <dgm:effectClrLst/>
+    <dgm:txLinClrLst/>
+    <dgm:txFillClrLst meth="repeat">
+      <a:schemeClr val="tx1"/>
+    </dgm:txFillClrLst>
+    <dgm:txEffectClrLst/>
+  </dgm:styleLbl>
+  <dgm:styleLbl name="parChTrans1D4">
+    <dgm:fillClrLst meth="repeat">
+      <a:schemeClr val="accent2">
+        <a:tint val="50000"/>
+      </a:schemeClr>
+    </dgm:fillClrLst>
+    <dgm:linClrLst meth="repeat">
+      <a:schemeClr val="accent5"/>
+    </dgm:linClrLst>
+    <dgm:effectClrLst/>
+    <dgm:txLinClrLst/>
+    <dgm:txFillClrLst meth="repeat">
+      <a:schemeClr val="tx1"/>
+    </dgm:txFillClrLst>
+    <dgm:txEffectClrLst/>
+  </dgm:styleLbl>
+  <dgm:styleLbl name="fgAcc1">
+    <dgm:fillClrLst meth="repeat">
+      <a:schemeClr val="lt1">
+        <a:alpha val="90000"/>
+      </a:schemeClr>
+    </dgm:fillClrLst>
+    <dgm:linClrLst>
+      <a:schemeClr val="accent2"/>
+      <a:schemeClr val="accent3"/>
+    </dgm:linClrLst>
+    <dgm:effectClrLst/>
+    <dgm:txLinClrLst/>
+    <dgm:txFillClrLst meth="repeat">
+      <a:schemeClr val="dk1"/>
+    </dgm:txFillClrLst>
+    <dgm:txEffectClrLst/>
+  </dgm:styleLbl>
+  <dgm:styleLbl name="conFgAcc1">
+    <dgm:fillClrLst meth="repeat">
+      <a:schemeClr val="lt1">
+        <a:alpha val="90000"/>
+      </a:schemeClr>
+    </dgm:fillClrLst>
+    <dgm:linClrLst>
+      <a:schemeClr val="accent2"/>
+      <a:schemeClr val="accent3"/>
+    </dgm:linClrLst>
+    <dgm:effectClrLst/>
+    <dgm:txLinClrLst/>
+    <dgm:txFillClrLst meth="repeat">
+      <a:schemeClr val="dk1"/>
+    </dgm:txFillClrLst>
+    <dgm:txEffectClrLst/>
+  </dgm:styleLbl>
+  <dgm:styleLbl name="alignAcc1">
+    <dgm:fillClrLst meth="repeat">
+      <a:schemeClr val="lt1">
+        <a:alpha val="90000"/>
+      </a:schemeClr>
+    </dgm:fillClrLst>
+    <dgm:linClrLst>
+      <a:schemeClr val="accent2"/>
+      <a:schemeClr val="accent3"/>
+    </dgm:linClrLst>
+    <dgm:effectClrLst/>
+    <dgm:txLinClrLst/>
+    <dgm:txFillClrLst meth="repeat">
+      <a:schemeClr val="dk1"/>
+    </dgm:txFillClrLst>
+    <dgm:txEffectClrLst/>
+  </dgm:styleLbl>
+  <dgm:styleLbl name="trAlignAcc1">
+    <dgm:fillClrLst meth="repeat">
+      <a:schemeClr val="lt1">
+        <a:alpha val="40000"/>
+      </a:schemeClr>
+    </dgm:fillClrLst>
+    <dgm:linClrLst meth="repeat">
+      <a:schemeClr val="accent2"/>
+    </dgm:linClrLst>
+    <dgm:effectClrLst/>
+    <dgm:txLinClrLst/>
+    <dgm:txFillClrLst meth="repeat">
+      <a:schemeClr val="dk1"/>
+    </dgm:txFillClrLst>
+    <dgm:txEffectClrLst/>
+  </dgm:styleLbl>
+  <dgm:styleLbl name="bgAcc1">
+    <dgm:fillClrLst meth="repeat">
+      <a:schemeClr val="lt1">
+        <a:alpha val="90000"/>
+      </a:schemeClr>
+    </dgm:fillClrLst>
+    <dgm:linClrLst>
+      <a:schemeClr val="accent2"/>
+      <a:schemeClr val="accent3"/>
+    </dgm:linClrLst>
+    <dgm:effectClrLst/>
+    <dgm:txLinClrLst/>
+    <dgm:txFillClrLst meth="repeat">
+      <a:schemeClr val="dk1"/>
+    </dgm:txFillClrLst>
+    <dgm:txEffectClrLst/>
+  </dgm:styleLbl>
+  <dgm:styleLbl name="solidFgAcc1">
+    <dgm:fillClrLst meth="repeat">
+      <a:schemeClr val="lt1"/>
+    </dgm:fillClrLst>
+    <dgm:linClrLst>
+      <a:schemeClr val="accent2"/>
+      <a:schemeClr val="accent3"/>
+    </dgm:linClrLst>
+    <dgm:effectClrLst/>
+    <dgm:txLinClrLst/>
+    <dgm:txFillClrLst meth="repeat">
+      <a:schemeClr val="dk1"/>
+    </dgm:txFillClrLst>
+    <dgm:txEffectClrLst/>
+  </dgm:styleLbl>
+  <dgm:styleLbl name="solidAlignAcc1">
+    <dgm:fillClrLst meth="repeat">
+      <a:schemeClr val="lt1"/>
+    </dgm:fillClrLst>
+    <dgm:linClrLst>
+      <a:schemeClr val="accent2"/>
+      <a:schemeClr val="accent3"/>
+    </dgm:linClrLst>
+    <dgm:effectClrLst/>
+    <dgm:txLinClrLst/>
+    <dgm:txFillClrLst meth="repeat">
+      <a:schemeClr val="dk1"/>
+    </dgm:txFillClrLst>
+    <dgm:txEffectClrLst/>
+  </dgm:styleLbl>
+  <dgm:styleLbl name="solidBgAcc1">
+    <dgm:fillClrLst meth="repeat">
+      <a:schemeClr val="lt1"/>
+    </dgm:fillClrLst>
+    <dgm:linClrLst>
+      <a:schemeClr val="accent2"/>
+      <a:schemeClr val="accent3"/>
+    </dgm:linClrLst>
+    <dgm:effectClrLst/>
+    <dgm:txLinClrLst/>
+    <dgm:txFillClrLst meth="repeat">
+      <a:schemeClr val="dk1"/>
+    </dgm:txFillClrLst>
+    <dgm:txEffectClrLst/>
+  </dgm:styleLbl>
+  <dgm:styleLbl name="fgAccFollowNode1">
+    <dgm:fillClrLst>
+      <a:schemeClr val="accent2">
+        <a:tint val="40000"/>
+        <a:alpha val="90000"/>
+      </a:schemeClr>
+      <a:schemeClr val="accent3">
+        <a:tint val="40000"/>
+        <a:alpha val="90000"/>
+      </a:schemeClr>
+    </dgm:fillClrLst>
+    <dgm:linClrLst>
+      <a:schemeClr val="accent2">
+        <a:tint val="40000"/>
+        <a:alpha val="90000"/>
+      </a:schemeClr>
+      <a:schemeClr val="accent3">
+        <a:tint val="40000"/>
+        <a:alpha val="90000"/>
+      </a:schemeClr>
+    </dgm:linClrLst>
+    <dgm:effectClrLst/>
+    <dgm:txLinClrLst/>
+    <dgm:txFillClrLst meth="repeat">
+      <a:schemeClr val="dk1"/>
+    </dgm:txFillClrLst>
+    <dgm:txEffectClrLst/>
+  </dgm:styleLbl>
+  <dgm:styleLbl name="alignAccFollowNode1">
+    <dgm:fillClrLst>
+      <a:schemeClr val="accent2">
+        <a:tint val="40000"/>
+        <a:alpha val="90000"/>
+      </a:schemeClr>
+      <a:schemeClr val="accent3">
+        <a:tint val="40000"/>
+        <a:alpha val="90000"/>
+      </a:schemeClr>
+    </dgm:fillClrLst>
+    <dgm:linClrLst>
+      <a:schemeClr val="accent2">
+        <a:tint val="40000"/>
+        <a:alpha val="90000"/>
+      </a:schemeClr>
+      <a:schemeClr val="accent3">
+        <a:tint val="40000"/>
+        <a:alpha val="90000"/>
+      </a:schemeClr>
+    </dgm:linClrLst>
+    <dgm:effectClrLst/>
+    <dgm:txLinClrLst/>
+    <dgm:txFillClrLst meth="repeat">
+      <a:schemeClr val="dk1"/>
+    </dgm:txFillClrLst>
+    <dgm:txEffectClrLst/>
+  </dgm:styleLbl>
+  <dgm:styleLbl name="bgAccFollowNode1">
+    <dgm:fillClrLst>
+      <a:schemeClr val="accent2">
+        <a:tint val="40000"/>
+        <a:alpha val="90000"/>
+      </a:schemeClr>
+      <a:schemeClr val="accent3">
+        <a:tint val="40000"/>
+        <a:alpha val="90000"/>
+      </a:schemeClr>
+    </dgm:fillClrLst>
+    <dgm:linClrLst>
+      <a:schemeClr val="accent2">
+        <a:tint val="40000"/>
+        <a:alpha val="90000"/>
+      </a:schemeClr>
+      <a:schemeClr val="accent3">
+        <a:tint val="40000"/>
+        <a:alpha val="90000"/>
+      </a:schemeClr>
+    </dgm:linClrLst>
+    <dgm:effectClrLst/>
+    <dgm:txLinClrLst/>
+    <dgm:txFillClrLst meth="repeat">
+      <a:schemeClr val="dk1"/>
+    </dgm:txFillClrLst>
+    <dgm:txEffectClrLst/>
+  </dgm:styleLbl>
+  <dgm:styleLbl name="fgAcc0">
+    <dgm:fillClrLst meth="repeat">
+      <a:schemeClr val="lt1">
+        <a:alpha val="90000"/>
+      </a:schemeClr>
+    </dgm:fillClrLst>
+    <dgm:linClrLst>
+      <a:schemeClr val="accent1"/>
+    </dgm:linClrLst>
+    <dgm:effectClrLst/>
+    <dgm:txLinClrLst/>
+    <dgm:txFillClrLst meth="repeat">
+      <a:schemeClr val="dk1"/>
+    </dgm:txFillClrLst>
+    <dgm:txEffectClrLst/>
+  </dgm:styleLbl>
+  <dgm:styleLbl name="fgAcc2">
+    <dgm:fillClrLst meth="repeat">
+      <a:schemeClr val="lt1">
+        <a:alpha val="90000"/>
+      </a:schemeClr>
+    </dgm:fillClrLst>
+    <dgm:linClrLst>
+      <a:schemeClr val="accent3"/>
+    </dgm:linClrLst>
+    <dgm:effectClrLst/>
+    <dgm:txLinClrLst/>
+    <dgm:txFillClrLst meth="repeat">
+      <a:schemeClr val="dk1"/>
+    </dgm:txFillClrLst>
+    <dgm:txEffectClrLst/>
+  </dgm:styleLbl>
+  <dgm:styleLbl name="fgAcc3">
+    <dgm:fillClrLst meth="repeat">
+      <a:schemeClr val="lt1">
+        <a:alpha val="90000"/>
+      </a:schemeClr>
+    </dgm:fillClrLst>
+    <dgm:linClrLst>
+      <a:schemeClr val="accent4"/>
+    </dgm:linClrLst>
+    <dgm:effectClrLst/>
+    <dgm:txLinClrLst/>
+    <dgm:txFillClrLst meth="repeat">
+      <a:schemeClr val="dk1"/>
+    </dgm:txFillClrLst>
+    <dgm:txEffectClrLst/>
+  </dgm:styleLbl>
+  <dgm:styleLbl name="fgAcc4">
+    <dgm:fillClrLst meth="repeat">
+      <a:schemeClr val="lt1">
+        <a:alpha val="90000"/>
+      </a:schemeClr>
+    </dgm:fillClrLst>
+    <dgm:linClrLst>
+      <a:schemeClr val="accent5"/>
+    </dgm:linClrLst>
+    <dgm:effectClrLst/>
+    <dgm:txLinClrLst/>
+    <dgm:txFillClrLst meth="repeat">
+      <a:schemeClr val="dk1"/>
+    </dgm:txFillClrLst>
+    <dgm:txEffectClrLst/>
+  </dgm:styleLbl>
+  <dgm:styleLbl name="bgShp">
+    <dgm:fillClrLst meth="repeat">
+      <a:schemeClr val="accent2">
+        <a:tint val="40000"/>
+      </a:schemeClr>
+    </dgm:fillClrLst>
+    <dgm:linClrLst meth="repeat">
+      <a:schemeClr val="dk1"/>
+    </dgm:linClrLst>
+    <dgm:effectClrLst/>
+    <dgm:txLinClrLst/>
+    <dgm:txFillClrLst meth="repeat">
+      <a:schemeClr val="dk1"/>
+    </dgm:txFillClrLst>
+    <dgm:txEffectClrLst/>
+  </dgm:styleLbl>
+  <dgm:styleLbl name="dkBgShp">
+    <dgm:fillClrLst meth="repeat">
+      <a:schemeClr val="accent2">
+        <a:shade val="90000"/>
+      </a:schemeClr>
+    </dgm:fillClrLst>
+    <dgm:linClrLst meth="repeat">
+      <a:schemeClr val="dk1"/>
+    </dgm:linClrLst>
+    <dgm:effectClrLst/>
+    <dgm:txLinClrLst/>
+    <dgm:txFillClrLst meth="repeat">
+      <a:schemeClr val="lt1"/>
+    </dgm:txFillClrLst>
+    <dgm:txEffectClrLst/>
+  </dgm:styleLbl>
+  <dgm:styleLbl name="trBgShp">
+    <dgm:fillClrLst meth="repeat">
+      <a:schemeClr val="accent2">
+        <a:tint val="50000"/>
+        <a:alpha val="40000"/>
+      </a:schemeClr>
+    </dgm:fillClrLst>
+    <dgm:linClrLst meth="repeat">
+      <a:schemeClr val="accent2"/>
+    </dgm:linClrLst>
+    <dgm:effectClrLst/>
+    <dgm:txLinClrLst/>
+    <dgm:txFillClrLst meth="repeat">
+      <a:schemeClr val="lt1"/>
+    </dgm:txFillClrLst>
+    <dgm:txEffectClrLst/>
+  </dgm:styleLbl>
+  <dgm:styleLbl name="fgShp">
+    <dgm:fillClrLst meth="repeat">
+      <a:schemeClr val="accent2">
+        <a:tint val="40000"/>
+      </a:schemeClr>
+    </dgm:fillClrLst>
+    <dgm:linClrLst meth="repeat">
+      <a:schemeClr val="lt1"/>
+    </dgm:linClrLst>
+    <dgm:effectClrLst/>
+    <dgm:txLinClrLst/>
+    <dgm:txFillClrLst meth="repeat">
+      <a:schemeClr val="dk1"/>
+    </dgm:txFillClrLst>
+    <dgm:txEffectClrLst/>
+  </dgm:styleLbl>
+  <dgm:styleLbl name="revTx">
+    <dgm:fillClrLst meth="repeat">
+      <a:schemeClr val="lt1">
+        <a:alpha val="0"/>
+      </a:schemeClr>
+    </dgm:fillClrLst>
+    <dgm:linClrLst meth="repeat">
+      <a:schemeClr val="dk1">
+        <a:alpha val="0"/>
+      </a:schemeClr>
+    </dgm:linClrLst>
+    <dgm:effectClrLst/>
+    <dgm:txLinClrLst/>
+    <dgm:txFillClrLst meth="repeat">
+      <a:schemeClr val="tx1"/>
+    </dgm:txFillClrLst>
+    <dgm:txEffectClrLst/>
+  </dgm:styleLbl>
+</dgm:colorsDef>
+</file>
+
+<file path=ppt/diagrams/data1.xml><?xml version="1.0" encoding="utf-8"?>
+<dgm:dataModel xmlns:dgm="http://schemas.openxmlformats.org/drawingml/2006/diagram" xmlns:a="http://schemas.openxmlformats.org/drawingml/2006/main">
+  <dgm:ptLst>
+    <dgm:pt modelId="{2C51816A-3FA0-4E56-BBB7-EB629C6769DA}" type="doc">
+      <dgm:prSet loTypeId="urn:microsoft.com/office/officeart/2005/8/layout/bProcess3" loCatId="process" qsTypeId="urn:microsoft.com/office/officeart/2005/8/quickstyle/simple1" qsCatId="simple" csTypeId="urn:microsoft.com/office/officeart/2005/8/colors/colorful2" csCatId="colorful" phldr="1"/>
+      <dgm:spPr/>
+    </dgm:pt>
+    <dgm:pt modelId="{ED7EF4D6-F530-4E5C-9C5E-A455F28C1138}">
+      <dgm:prSet phldrT="[Text]"/>
+      <dgm:spPr/>
+      <dgm:t>
+        <a:bodyPr/>
+        <a:lstStyle/>
+        <a:p>
+          <a:r>
+            <a:rPr lang="en-US" dirty="0"/>
+            <a:t>Select Top 50</a:t>
+          </a:r>
+        </a:p>
+      </dgm:t>
+    </dgm:pt>
+    <dgm:pt modelId="{BE975FC3-1052-43EA-BE5F-73248E12B20E}" type="parTrans" cxnId="{EFA49CFD-A434-4092-9A09-190949F37A2E}">
+      <dgm:prSet/>
+      <dgm:spPr/>
+      <dgm:t>
+        <a:bodyPr/>
+        <a:lstStyle/>
+        <a:p>
+          <a:endParaRPr lang="en-US"/>
+        </a:p>
+      </dgm:t>
+    </dgm:pt>
+    <dgm:pt modelId="{D61C189E-D013-4CE7-A79B-9AF2D7AFDB90}" type="sibTrans" cxnId="{EFA49CFD-A434-4092-9A09-190949F37A2E}">
+      <dgm:prSet/>
+      <dgm:spPr/>
+      <dgm:t>
+        <a:bodyPr/>
+        <a:lstStyle/>
+        <a:p>
+          <a:endParaRPr lang="en-US"/>
+        </a:p>
+      </dgm:t>
+    </dgm:pt>
+    <dgm:pt modelId="{984B680A-88DA-44A4-A8D0-3317105BE9F7}">
+      <dgm:prSet phldrT="[Text]"/>
+      <dgm:spPr/>
+      <dgm:t>
+        <a:bodyPr/>
+        <a:lstStyle/>
+        <a:p>
+          <a:r>
+            <a:rPr lang="en-US" dirty="0"/>
+            <a:t>Flexible Refinement</a:t>
+          </a:r>
+        </a:p>
+      </dgm:t>
+    </dgm:pt>
+    <dgm:pt modelId="{7557EE51-3E30-4AB1-8769-4627FE70C984}" type="parTrans" cxnId="{4099BAF9-0B83-4BAA-9BEF-A6C203D43668}">
+      <dgm:prSet/>
+      <dgm:spPr/>
+      <dgm:t>
+        <a:bodyPr/>
+        <a:lstStyle/>
+        <a:p>
+          <a:endParaRPr lang="en-US"/>
+        </a:p>
+      </dgm:t>
+    </dgm:pt>
+    <dgm:pt modelId="{1E65890B-E9B3-4D62-BEBE-D307DFB09A9A}" type="sibTrans" cxnId="{4099BAF9-0B83-4BAA-9BEF-A6C203D43668}">
+      <dgm:prSet/>
+      <dgm:spPr/>
+      <dgm:t>
+        <a:bodyPr/>
+        <a:lstStyle/>
+        <a:p>
+          <a:endParaRPr lang="en-US"/>
+        </a:p>
+      </dgm:t>
+    </dgm:pt>
+    <dgm:pt modelId="{8B9D00D3-2F6E-42E2-A34A-F58E22C0EEE4}">
+      <dgm:prSet phldrT="[Text]"/>
+      <dgm:spPr/>
+      <dgm:t>
+        <a:bodyPr/>
+        <a:lstStyle/>
+        <a:p>
+          <a:r>
+            <a:rPr lang="en-US" i="1" dirty="0"/>
+            <a:t>Rigid body energy minimization with CNS (it0)</a:t>
+          </a:r>
+          <a:endParaRPr lang="en-US" dirty="0"/>
+        </a:p>
+      </dgm:t>
+    </dgm:pt>
+    <dgm:pt modelId="{D1716229-44EE-44DB-A48C-1B302B234E31}" type="parTrans" cxnId="{3F3B2B3D-DCBF-47F8-A84F-9F1A1D47B3BE}">
+      <dgm:prSet/>
+      <dgm:spPr/>
+      <dgm:t>
+        <a:bodyPr/>
+        <a:lstStyle/>
+        <a:p>
+          <a:endParaRPr lang="en-US"/>
+        </a:p>
+      </dgm:t>
+    </dgm:pt>
+    <dgm:pt modelId="{F67DE878-65D1-4A66-8400-80F54683220C}" type="sibTrans" cxnId="{3F3B2B3D-DCBF-47F8-A84F-9F1A1D47B3BE}">
+      <dgm:prSet/>
+      <dgm:spPr/>
+      <dgm:t>
+        <a:bodyPr/>
+        <a:lstStyle/>
+        <a:p>
+          <a:endParaRPr lang="en-US"/>
+        </a:p>
+      </dgm:t>
+    </dgm:pt>
+    <dgm:pt modelId="{D7F4CB82-F4A9-46E6-974B-A91AD55DD853}">
+      <dgm:prSet phldrT="[Text]"/>
+      <dgm:spPr/>
+      <dgm:t>
+        <a:bodyPr/>
+        <a:lstStyle/>
+        <a:p>
+          <a:r>
+            <a:rPr lang="en-US" dirty="0"/>
+            <a:t>Rigid Body</a:t>
+          </a:r>
+        </a:p>
+      </dgm:t>
+    </dgm:pt>
+    <dgm:pt modelId="{32880A71-A937-4203-8C89-EE17CCF4F14F}" type="parTrans" cxnId="{9E88D995-EAE4-4A3F-B1E5-AC1499AA3204}">
+      <dgm:prSet/>
+      <dgm:spPr/>
+      <dgm:t>
+        <a:bodyPr/>
+        <a:lstStyle/>
+        <a:p>
+          <a:endParaRPr lang="en-US"/>
+        </a:p>
+      </dgm:t>
+    </dgm:pt>
+    <dgm:pt modelId="{865263D2-48B5-4CD2-9418-E0C0443D6022}" type="sibTrans" cxnId="{9E88D995-EAE4-4A3F-B1E5-AC1499AA3204}">
+      <dgm:prSet/>
+      <dgm:spPr/>
+      <dgm:t>
+        <a:bodyPr/>
+        <a:lstStyle/>
+        <a:p>
+          <a:endParaRPr lang="en-US"/>
+        </a:p>
+      </dgm:t>
+    </dgm:pt>
+    <dgm:pt modelId="{3D25B6C0-5560-4B6A-A479-01C187E65D94}">
+      <dgm:prSet phldrT="[Text]"/>
+      <dgm:spPr/>
+      <dgm:t>
+        <a:bodyPr/>
+        <a:lstStyle/>
+        <a:p>
+          <a:r>
+            <a:rPr lang="en-US" i="1" dirty="0"/>
+            <a:t>semi-flexible refinement using a simulated annealing protocol through molecular dynamics simulations in torsion angle space (it1)</a:t>
+          </a:r>
+          <a:endParaRPr lang="en-US" dirty="0"/>
+        </a:p>
+      </dgm:t>
+    </dgm:pt>
+    <dgm:pt modelId="{6E8CFBFB-C86B-4252-950E-FE474459E467}" type="parTrans" cxnId="{0383AFFE-3181-4285-8734-20E1D28584D6}">
+      <dgm:prSet/>
+      <dgm:spPr/>
+      <dgm:t>
+        <a:bodyPr/>
+        <a:lstStyle/>
+        <a:p>
+          <a:endParaRPr lang="en-US"/>
+        </a:p>
+      </dgm:t>
+    </dgm:pt>
+    <dgm:pt modelId="{E230F4C7-BFE6-4801-8C2B-B1CDAD9EC16A}" type="sibTrans" cxnId="{0383AFFE-3181-4285-8734-20E1D28584D6}">
+      <dgm:prSet/>
+      <dgm:spPr/>
+      <dgm:t>
+        <a:bodyPr/>
+        <a:lstStyle/>
+        <a:p>
+          <a:endParaRPr lang="en-US"/>
+        </a:p>
+      </dgm:t>
+    </dgm:pt>
+    <dgm:pt modelId="{12EFD806-F31A-4191-BAEF-64B530415ED9}">
+      <dgm:prSet phldrT="[Text]"/>
+      <dgm:spPr/>
+      <dgm:t>
+        <a:bodyPr/>
+        <a:lstStyle/>
+        <a:p>
+          <a:r>
+            <a:rPr lang="en-US" dirty="0"/>
+            <a:t>Select Top 1 Cluster</a:t>
+          </a:r>
+        </a:p>
+      </dgm:t>
+    </dgm:pt>
+    <dgm:pt modelId="{7632AED8-FF0A-4379-9318-AC19679D32AA}" type="parTrans" cxnId="{9F74693B-00AE-451D-ABBE-10E522161BA5}">
+      <dgm:prSet/>
+      <dgm:spPr/>
+      <dgm:t>
+        <a:bodyPr/>
+        <a:lstStyle/>
+        <a:p>
+          <a:endParaRPr lang="en-US"/>
+        </a:p>
+      </dgm:t>
+    </dgm:pt>
+    <dgm:pt modelId="{31CAA017-AF37-48A9-A805-B587B3A2EE3C}" type="sibTrans" cxnId="{9F74693B-00AE-451D-ABBE-10E522161BA5}">
+      <dgm:prSet/>
+      <dgm:spPr/>
+      <dgm:t>
+        <a:bodyPr/>
+        <a:lstStyle/>
+        <a:p>
+          <a:endParaRPr lang="en-US"/>
+        </a:p>
+      </dgm:t>
+    </dgm:pt>
+    <dgm:pt modelId="{94A83885-D46D-4A6B-84E1-866FE27DF947}">
+      <dgm:prSet phldrT="[Text]"/>
+      <dgm:spPr/>
+      <dgm:t>
+        <a:bodyPr/>
+        <a:lstStyle/>
+        <a:p>
+          <a:r>
+            <a:rPr lang="en-US" dirty="0"/>
+            <a:t>Solvent Refinement</a:t>
+          </a:r>
+        </a:p>
+      </dgm:t>
+    </dgm:pt>
+    <dgm:pt modelId="{B3F4E22C-2E79-43D0-8676-AF149EDD2971}" type="parTrans" cxnId="{8938F08B-0D7C-48C8-A480-5F660DE746E9}">
+      <dgm:prSet/>
+      <dgm:spPr/>
+      <dgm:t>
+        <a:bodyPr/>
+        <a:lstStyle/>
+        <a:p>
+          <a:endParaRPr lang="en-US"/>
+        </a:p>
+      </dgm:t>
+    </dgm:pt>
+    <dgm:pt modelId="{03704BC2-A6D9-47FE-B5E4-F926BD565EEC}" type="sibTrans" cxnId="{8938F08B-0D7C-48C8-A480-5F660DE746E9}">
+      <dgm:prSet/>
+      <dgm:spPr/>
+      <dgm:t>
+        <a:bodyPr/>
+        <a:lstStyle/>
+        <a:p>
+          <a:endParaRPr lang="en-US"/>
+        </a:p>
+      </dgm:t>
+    </dgm:pt>
+    <dgm:pt modelId="{746C7A8A-0E73-45A9-93E0-794954DCA5D9}">
+      <dgm:prSet phldrT="[Text]"/>
+      <dgm:spPr/>
+      <dgm:t>
+        <a:bodyPr/>
+        <a:lstStyle/>
+        <a:p>
+          <a:r>
+            <a:rPr lang="en-US" i="1" dirty="0"/>
+            <a:t>Refinement by a short molecular dynamics simulation in explicit solvent (</a:t>
+          </a:r>
+          <a:r>
+            <a:rPr lang="en-US" i="1" dirty="0" err="1"/>
+            <a:t>itw</a:t>
+          </a:r>
+          <a:r>
+            <a:rPr lang="en-US" i="1" dirty="0"/>
+            <a:t>)</a:t>
+          </a:r>
+          <a:endParaRPr lang="en-US" dirty="0"/>
+        </a:p>
+      </dgm:t>
+    </dgm:pt>
+    <dgm:pt modelId="{A85D9534-1CB8-40BC-BACE-727EE4DAB202}" type="parTrans" cxnId="{8E759A7A-3322-4496-B2F9-156B717BD360}">
+      <dgm:prSet/>
+      <dgm:spPr/>
+      <dgm:t>
+        <a:bodyPr/>
+        <a:lstStyle/>
+        <a:p>
+          <a:endParaRPr lang="en-US"/>
+        </a:p>
+      </dgm:t>
+    </dgm:pt>
+    <dgm:pt modelId="{9662BB07-E360-4DA1-B229-5FF242637A56}" type="sibTrans" cxnId="{8E759A7A-3322-4496-B2F9-156B717BD360}">
+      <dgm:prSet/>
+      <dgm:spPr/>
+      <dgm:t>
+        <a:bodyPr/>
+        <a:lstStyle/>
+        <a:p>
+          <a:endParaRPr lang="en-US"/>
+        </a:p>
+      </dgm:t>
+    </dgm:pt>
+    <dgm:pt modelId="{71F968E8-F80B-4880-B033-5BA463255BC7}">
+      <dgm:prSet phldrT="[Text]"/>
+      <dgm:spPr/>
+      <dgm:t>
+        <a:bodyPr/>
+        <a:lstStyle/>
+        <a:p>
+          <a:r>
+            <a:rPr lang="en-US" dirty="0"/>
+            <a:t>Molecular Dynamics Scoring</a:t>
+          </a:r>
+        </a:p>
+      </dgm:t>
+    </dgm:pt>
+    <dgm:pt modelId="{CB2F5534-8CDA-4511-9E4F-6A73F9D10052}" type="parTrans" cxnId="{33B3638F-B9AF-4F87-AC84-EF3B3C0F5422}">
+      <dgm:prSet/>
+      <dgm:spPr/>
+      <dgm:t>
+        <a:bodyPr/>
+        <a:lstStyle/>
+        <a:p>
+          <a:endParaRPr lang="en-US"/>
+        </a:p>
+      </dgm:t>
+    </dgm:pt>
+    <dgm:pt modelId="{5B4F7496-7FC8-4BD0-AEFF-B530855C32EC}" type="sibTrans" cxnId="{33B3638F-B9AF-4F87-AC84-EF3B3C0F5422}">
+      <dgm:prSet/>
+      <dgm:spPr/>
+      <dgm:t>
+        <a:bodyPr/>
+        <a:lstStyle/>
+        <a:p>
+          <a:endParaRPr lang="en-US"/>
+        </a:p>
+      </dgm:t>
+    </dgm:pt>
+    <dgm:pt modelId="{08FE72B4-6FD4-40F3-97F0-C24060459316}">
+      <dgm:prSet phldrT="[Text]"/>
+      <dgm:spPr/>
+      <dgm:t>
+        <a:bodyPr/>
+        <a:lstStyle/>
+        <a:p>
+          <a:r>
+            <a:rPr lang="en-US" i="0" dirty="0"/>
+            <a:t>Calculate CAPRI metrics</a:t>
+          </a:r>
+        </a:p>
+      </dgm:t>
+    </dgm:pt>
+    <dgm:pt modelId="{7B7C5D81-AE38-4BBE-A523-F538D48CE92B}" type="parTrans" cxnId="{4C2223D9-043B-47E6-9E47-1F30164EBC58}">
+      <dgm:prSet/>
+      <dgm:spPr/>
+      <dgm:t>
+        <a:bodyPr/>
+        <a:lstStyle/>
+        <a:p>
+          <a:endParaRPr lang="en-US"/>
+        </a:p>
+      </dgm:t>
+    </dgm:pt>
+    <dgm:pt modelId="{34FD114B-C9B1-4330-8A8B-5742DDA85739}" type="sibTrans" cxnId="{4C2223D9-043B-47E6-9E47-1F30164EBC58}">
+      <dgm:prSet/>
+      <dgm:spPr/>
+      <dgm:t>
+        <a:bodyPr/>
+        <a:lstStyle/>
+        <a:p>
+          <a:endParaRPr lang="en-US"/>
+        </a:p>
+      </dgm:t>
+    </dgm:pt>
+    <dgm:pt modelId="{F179A573-4738-49D2-B04D-7E8554085003}">
+      <dgm:prSet phldrT="[Text]"/>
+      <dgm:spPr/>
+      <dgm:t>
+        <a:bodyPr/>
+        <a:lstStyle/>
+        <a:p>
+          <a:r>
+            <a:rPr lang="en-US" dirty="0"/>
+            <a:t>Samples 200 models</a:t>
+          </a:r>
+        </a:p>
+      </dgm:t>
+    </dgm:pt>
+    <dgm:pt modelId="{AAFE7FC5-3142-49BB-B351-D497868348CC}" type="parTrans" cxnId="{123FA91D-CD61-4E58-99ED-E2043F70BD4A}">
+      <dgm:prSet/>
+      <dgm:spPr/>
+      <dgm:t>
+        <a:bodyPr/>
+        <a:lstStyle/>
+        <a:p>
+          <a:endParaRPr lang="en-US"/>
+        </a:p>
+      </dgm:t>
+    </dgm:pt>
+    <dgm:pt modelId="{CB1A9742-9DD7-40C6-97B9-09C123034D70}" type="sibTrans" cxnId="{123FA91D-CD61-4E58-99ED-E2043F70BD4A}">
+      <dgm:prSet/>
+      <dgm:spPr/>
+      <dgm:t>
+        <a:bodyPr/>
+        <a:lstStyle/>
+        <a:p>
+          <a:endParaRPr lang="en-US"/>
+        </a:p>
+      </dgm:t>
+    </dgm:pt>
+    <dgm:pt modelId="{07EFBE8F-148A-44BE-BE37-B2F953F2A897}">
+      <dgm:prSet phldrT="[Text]"/>
+      <dgm:spPr/>
+      <dgm:t>
+        <a:bodyPr/>
+        <a:lstStyle/>
+        <a:p>
+          <a:r>
+            <a:rPr lang="en-US" dirty="0"/>
+            <a:t>Topology Modeling</a:t>
+          </a:r>
+        </a:p>
+      </dgm:t>
+    </dgm:pt>
+    <dgm:pt modelId="{37D048EE-2CBA-44EF-BBAB-5B6AE503F5EC}" type="parTrans" cxnId="{4E8D4957-DAF9-4C12-9A13-096CF567F74B}">
+      <dgm:prSet/>
+      <dgm:spPr/>
+      <dgm:t>
+        <a:bodyPr/>
+        <a:lstStyle/>
+        <a:p>
+          <a:endParaRPr lang="en-US"/>
+        </a:p>
+      </dgm:t>
+    </dgm:pt>
+    <dgm:pt modelId="{0E882212-4C7C-4437-9A27-70CF7DD7A2E0}" type="sibTrans" cxnId="{4E8D4957-DAF9-4C12-9A13-096CF567F74B}">
+      <dgm:prSet/>
+      <dgm:spPr/>
+      <dgm:t>
+        <a:bodyPr/>
+        <a:lstStyle/>
+        <a:p>
+          <a:endParaRPr lang="en-US"/>
+        </a:p>
+      </dgm:t>
+    </dgm:pt>
+    <dgm:pt modelId="{9AAA9540-26EA-4280-A3D0-95AA9007C3BC}">
+      <dgm:prSet phldrT="[Text]"/>
+      <dgm:spPr/>
+      <dgm:t>
+        <a:bodyPr/>
+        <a:lstStyle/>
+        <a:p>
+          <a:r>
+            <a:rPr lang="en-US" dirty="0"/>
+            <a:t>Create CNS all-atom topology</a:t>
+          </a:r>
+        </a:p>
+      </dgm:t>
+    </dgm:pt>
+    <dgm:pt modelId="{90E3FA91-9E8F-48D5-8A94-534680A23D30}" type="parTrans" cxnId="{411D51E7-EDDD-42ED-8FF5-9344714FD95E}">
+      <dgm:prSet/>
+      <dgm:spPr/>
+      <dgm:t>
+        <a:bodyPr/>
+        <a:lstStyle/>
+        <a:p>
+          <a:endParaRPr lang="en-US"/>
+        </a:p>
+      </dgm:t>
+    </dgm:pt>
+    <dgm:pt modelId="{D414168A-2800-4446-AB6C-3B3EF9E1C066}" type="sibTrans" cxnId="{411D51E7-EDDD-42ED-8FF5-9344714FD95E}">
+      <dgm:prSet/>
+      <dgm:spPr/>
+      <dgm:t>
+        <a:bodyPr/>
+        <a:lstStyle/>
+        <a:p>
+          <a:endParaRPr lang="en-US"/>
+        </a:p>
+      </dgm:t>
+    </dgm:pt>
+    <dgm:pt modelId="{F9764D7F-2F44-4EFA-80EC-F82992912FBE}">
+      <dgm:prSet phldrT="[Text]"/>
+      <dgm:spPr/>
+      <dgm:t>
+        <a:bodyPr/>
+        <a:lstStyle/>
+        <a:p>
+          <a:r>
+            <a:rPr lang="en-US" dirty="0"/>
+            <a:t>Performs a short molecular dynamics simulation on the input models and scores them.</a:t>
+          </a:r>
+        </a:p>
+      </dgm:t>
+    </dgm:pt>
+    <dgm:pt modelId="{5A316F46-9385-44E1-97A7-62C6C9030441}" type="parTrans" cxnId="{08282229-F536-4462-B9B0-696B483C7D37}">
+      <dgm:prSet/>
+      <dgm:spPr/>
+      <dgm:t>
+        <a:bodyPr/>
+        <a:lstStyle/>
+        <a:p>
+          <a:endParaRPr lang="en-US"/>
+        </a:p>
+      </dgm:t>
+    </dgm:pt>
+    <dgm:pt modelId="{CB0A7F79-5589-473A-B925-C4B72C13F9A3}" type="sibTrans" cxnId="{08282229-F536-4462-B9B0-696B483C7D37}">
+      <dgm:prSet/>
+      <dgm:spPr/>
+      <dgm:t>
+        <a:bodyPr/>
+        <a:lstStyle/>
+        <a:p>
+          <a:endParaRPr lang="en-US"/>
+        </a:p>
+      </dgm:t>
+    </dgm:pt>
+    <dgm:pt modelId="{ACC33CEC-62A0-47DB-B6A8-36619620365E}">
+      <dgm:prSet phldrT="[Text]"/>
+      <dgm:spPr/>
+      <dgm:t>
+        <a:bodyPr/>
+        <a:lstStyle/>
+        <a:p>
+          <a:r>
+            <a:rPr lang="en-US" dirty="0"/>
+            <a:t>Cluster based on Contacts</a:t>
+          </a:r>
+        </a:p>
+      </dgm:t>
+    </dgm:pt>
+    <dgm:pt modelId="{408B8078-38AD-41B5-B9F7-2EF45DD9DF3A}" type="parTrans" cxnId="{EB70D869-B0E2-4471-A3CA-845E7DFC3B7E}">
+      <dgm:prSet/>
+      <dgm:spPr/>
+      <dgm:t>
+        <a:bodyPr/>
+        <a:lstStyle/>
+        <a:p>
+          <a:endParaRPr lang="en-US"/>
+        </a:p>
+      </dgm:t>
+    </dgm:pt>
+    <dgm:pt modelId="{78AFC349-EA41-48AA-8FC4-3D6C2AB5D4A9}" type="sibTrans" cxnId="{EB70D869-B0E2-4471-A3CA-845E7DFC3B7E}">
+      <dgm:prSet/>
+      <dgm:spPr/>
+      <dgm:t>
+        <a:bodyPr/>
+        <a:lstStyle/>
+        <a:p>
+          <a:endParaRPr lang="en-US"/>
+        </a:p>
+      </dgm:t>
+    </dgm:pt>
+    <dgm:pt modelId="{3947D610-E62D-4C28-9CBF-57E380EEC5B6}" type="pres">
+      <dgm:prSet presAssocID="{2C51816A-3FA0-4E56-BBB7-EB629C6769DA}" presName="Name0" presStyleCnt="0">
+        <dgm:presLayoutVars>
+          <dgm:dir/>
+          <dgm:resizeHandles val="exact"/>
+        </dgm:presLayoutVars>
+      </dgm:prSet>
+      <dgm:spPr/>
+    </dgm:pt>
+    <dgm:pt modelId="{D88FD4A9-3995-4332-905A-770D098929CA}" type="pres">
+      <dgm:prSet presAssocID="{07EFBE8F-148A-44BE-BE37-B2F953F2A897}" presName="node" presStyleLbl="node1" presStyleIdx="0" presStyleCnt="9">
+        <dgm:presLayoutVars>
+          <dgm:bulletEnabled val="1"/>
+        </dgm:presLayoutVars>
+      </dgm:prSet>
+      <dgm:spPr/>
+    </dgm:pt>
+    <dgm:pt modelId="{92540282-BCAF-4823-96AC-89F7B7B0E3B6}" type="pres">
+      <dgm:prSet presAssocID="{0E882212-4C7C-4437-9A27-70CF7DD7A2E0}" presName="sibTrans" presStyleLbl="sibTrans1D1" presStyleIdx="0" presStyleCnt="8"/>
+      <dgm:spPr/>
+    </dgm:pt>
+    <dgm:pt modelId="{1717C6B7-1BAD-4E13-AA96-6045594F3BEA}" type="pres">
+      <dgm:prSet presAssocID="{0E882212-4C7C-4437-9A27-70CF7DD7A2E0}" presName="connectorText" presStyleLbl="sibTrans1D1" presStyleIdx="0" presStyleCnt="8"/>
+      <dgm:spPr/>
+    </dgm:pt>
+    <dgm:pt modelId="{8321943B-8E0D-48D5-9AC3-FE8F25A1ABD8}" type="pres">
+      <dgm:prSet presAssocID="{D7F4CB82-F4A9-46E6-974B-A91AD55DD853}" presName="node" presStyleLbl="node1" presStyleIdx="1" presStyleCnt="9">
+        <dgm:presLayoutVars>
+          <dgm:bulletEnabled val="1"/>
+        </dgm:presLayoutVars>
+      </dgm:prSet>
+      <dgm:spPr/>
+    </dgm:pt>
+    <dgm:pt modelId="{CF25F124-B583-4992-8CF8-080D77F9FEE2}" type="pres">
+      <dgm:prSet presAssocID="{865263D2-48B5-4CD2-9418-E0C0443D6022}" presName="sibTrans" presStyleLbl="sibTrans1D1" presStyleIdx="1" presStyleCnt="8"/>
+      <dgm:spPr/>
+    </dgm:pt>
+    <dgm:pt modelId="{13E7DF31-E9D7-4631-8620-B0769DBF55BB}" type="pres">
+      <dgm:prSet presAssocID="{865263D2-48B5-4CD2-9418-E0C0443D6022}" presName="connectorText" presStyleLbl="sibTrans1D1" presStyleIdx="1" presStyleCnt="8"/>
+      <dgm:spPr/>
+    </dgm:pt>
+    <dgm:pt modelId="{73699401-302B-42CE-A5F3-F348C717DA12}" type="pres">
+      <dgm:prSet presAssocID="{ED7EF4D6-F530-4E5C-9C5E-A455F28C1138}" presName="node" presStyleLbl="node1" presStyleIdx="2" presStyleCnt="9">
+        <dgm:presLayoutVars>
+          <dgm:bulletEnabled val="1"/>
+        </dgm:presLayoutVars>
+      </dgm:prSet>
+      <dgm:spPr/>
+    </dgm:pt>
+    <dgm:pt modelId="{BD5C47F2-53D6-480B-A685-7E34492B1444}" type="pres">
+      <dgm:prSet presAssocID="{D61C189E-D013-4CE7-A79B-9AF2D7AFDB90}" presName="sibTrans" presStyleLbl="sibTrans1D1" presStyleIdx="2" presStyleCnt="8"/>
+      <dgm:spPr/>
+    </dgm:pt>
+    <dgm:pt modelId="{78B16691-6DEF-49F2-9C48-8F4424DE1059}" type="pres">
+      <dgm:prSet presAssocID="{D61C189E-D013-4CE7-A79B-9AF2D7AFDB90}" presName="connectorText" presStyleLbl="sibTrans1D1" presStyleIdx="2" presStyleCnt="8"/>
+      <dgm:spPr/>
+    </dgm:pt>
+    <dgm:pt modelId="{AC9F0B07-24CA-4A66-8DEF-77A0451AF17A}" type="pres">
+      <dgm:prSet presAssocID="{984B680A-88DA-44A4-A8D0-3317105BE9F7}" presName="node" presStyleLbl="node1" presStyleIdx="3" presStyleCnt="9">
+        <dgm:presLayoutVars>
+          <dgm:bulletEnabled val="1"/>
+        </dgm:presLayoutVars>
+      </dgm:prSet>
+      <dgm:spPr/>
+    </dgm:pt>
+    <dgm:pt modelId="{73976861-8F4B-43E1-8A95-173B626F0190}" type="pres">
+      <dgm:prSet presAssocID="{1E65890B-E9B3-4D62-BEBE-D307DFB09A9A}" presName="sibTrans" presStyleLbl="sibTrans1D1" presStyleIdx="3" presStyleCnt="8"/>
+      <dgm:spPr/>
+    </dgm:pt>
+    <dgm:pt modelId="{30641874-2E81-44E9-B1D0-48F8520552C9}" type="pres">
+      <dgm:prSet presAssocID="{1E65890B-E9B3-4D62-BEBE-D307DFB09A9A}" presName="connectorText" presStyleLbl="sibTrans1D1" presStyleIdx="3" presStyleCnt="8"/>
+      <dgm:spPr/>
+    </dgm:pt>
+    <dgm:pt modelId="{A1B27C3C-5F14-4E51-BF23-216FA9BE7CA6}" type="pres">
+      <dgm:prSet presAssocID="{12EFD806-F31A-4191-BAEF-64B530415ED9}" presName="node" presStyleLbl="node1" presStyleIdx="4" presStyleCnt="9">
+        <dgm:presLayoutVars>
+          <dgm:bulletEnabled val="1"/>
+        </dgm:presLayoutVars>
+      </dgm:prSet>
+      <dgm:spPr/>
+    </dgm:pt>
+    <dgm:pt modelId="{A1BC6239-5103-4706-8E52-FA3077528A80}" type="pres">
+      <dgm:prSet presAssocID="{31CAA017-AF37-48A9-A805-B587B3A2EE3C}" presName="sibTrans" presStyleLbl="sibTrans1D1" presStyleIdx="4" presStyleCnt="8"/>
+      <dgm:spPr/>
+    </dgm:pt>
+    <dgm:pt modelId="{F6211ECB-920E-4D06-8833-B9B8981C6EAD}" type="pres">
+      <dgm:prSet presAssocID="{31CAA017-AF37-48A9-A805-B587B3A2EE3C}" presName="connectorText" presStyleLbl="sibTrans1D1" presStyleIdx="4" presStyleCnt="8"/>
+      <dgm:spPr/>
+    </dgm:pt>
+    <dgm:pt modelId="{EDC6CA5C-B64E-4B60-9976-9E345153EA88}" type="pres">
+      <dgm:prSet presAssocID="{94A83885-D46D-4A6B-84E1-866FE27DF947}" presName="node" presStyleLbl="node1" presStyleIdx="5" presStyleCnt="9">
+        <dgm:presLayoutVars>
+          <dgm:bulletEnabled val="1"/>
+        </dgm:presLayoutVars>
+      </dgm:prSet>
+      <dgm:spPr/>
+    </dgm:pt>
+    <dgm:pt modelId="{ED6C4AB7-0221-41B2-9045-556CC456ED7B}" type="pres">
+      <dgm:prSet presAssocID="{03704BC2-A6D9-47FE-B5E4-F926BD565EEC}" presName="sibTrans" presStyleLbl="sibTrans1D1" presStyleIdx="5" presStyleCnt="8"/>
+      <dgm:spPr/>
+    </dgm:pt>
+    <dgm:pt modelId="{845EABB7-048E-4992-B7B1-4EE749EAD2F1}" type="pres">
+      <dgm:prSet presAssocID="{03704BC2-A6D9-47FE-B5E4-F926BD565EEC}" presName="connectorText" presStyleLbl="sibTrans1D1" presStyleIdx="5" presStyleCnt="8"/>
+      <dgm:spPr/>
+    </dgm:pt>
+    <dgm:pt modelId="{923096E4-1758-4523-B7E6-BE8FFC7B7063}" type="pres">
+      <dgm:prSet presAssocID="{71F968E8-F80B-4880-B033-5BA463255BC7}" presName="node" presStyleLbl="node1" presStyleIdx="6" presStyleCnt="9">
+        <dgm:presLayoutVars>
+          <dgm:bulletEnabled val="1"/>
+        </dgm:presLayoutVars>
+      </dgm:prSet>
+      <dgm:spPr/>
+    </dgm:pt>
+    <dgm:pt modelId="{96C8288A-0509-4FCB-9E82-3887A2A8869B}" type="pres">
+      <dgm:prSet presAssocID="{5B4F7496-7FC8-4BD0-AEFF-B530855C32EC}" presName="sibTrans" presStyleLbl="sibTrans1D1" presStyleIdx="6" presStyleCnt="8"/>
+      <dgm:spPr/>
+    </dgm:pt>
+    <dgm:pt modelId="{E015EB6F-0F2B-438B-BACD-667E42EF8E46}" type="pres">
+      <dgm:prSet presAssocID="{5B4F7496-7FC8-4BD0-AEFF-B530855C32EC}" presName="connectorText" presStyleLbl="sibTrans1D1" presStyleIdx="6" presStyleCnt="8"/>
+      <dgm:spPr/>
+    </dgm:pt>
+    <dgm:pt modelId="{C87BB87B-ACFE-488C-A167-BD8F9AC661A7}" type="pres">
+      <dgm:prSet presAssocID="{ACC33CEC-62A0-47DB-B6A8-36619620365E}" presName="node" presStyleLbl="node1" presStyleIdx="7" presStyleCnt="9">
+        <dgm:presLayoutVars>
+          <dgm:bulletEnabled val="1"/>
+        </dgm:presLayoutVars>
+      </dgm:prSet>
+      <dgm:spPr/>
+    </dgm:pt>
+    <dgm:pt modelId="{77F6E8B4-A6D7-4017-9682-D211F506C15B}" type="pres">
+      <dgm:prSet presAssocID="{78AFC349-EA41-48AA-8FC4-3D6C2AB5D4A9}" presName="sibTrans" presStyleLbl="sibTrans1D1" presStyleIdx="7" presStyleCnt="8"/>
+      <dgm:spPr/>
+    </dgm:pt>
+    <dgm:pt modelId="{62CB8948-565E-41D6-9545-E1D92807D28E}" type="pres">
+      <dgm:prSet presAssocID="{78AFC349-EA41-48AA-8FC4-3D6C2AB5D4A9}" presName="connectorText" presStyleLbl="sibTrans1D1" presStyleIdx="7" presStyleCnt="8"/>
+      <dgm:spPr/>
+    </dgm:pt>
+    <dgm:pt modelId="{24F1E0BE-FA49-4108-B537-FFD2917A3653}" type="pres">
+      <dgm:prSet presAssocID="{08FE72B4-6FD4-40F3-97F0-C24060459316}" presName="node" presStyleLbl="node1" presStyleIdx="8" presStyleCnt="9">
+        <dgm:presLayoutVars>
+          <dgm:bulletEnabled val="1"/>
+        </dgm:presLayoutVars>
+      </dgm:prSet>
+      <dgm:spPr/>
+    </dgm:pt>
+  </dgm:ptLst>
+  <dgm:cxnLst>
+    <dgm:cxn modelId="{5248E304-8157-4D3E-8EB1-2C75EA27F27C}" type="presOf" srcId="{71F968E8-F80B-4880-B033-5BA463255BC7}" destId="{923096E4-1758-4523-B7E6-BE8FFC7B7063}" srcOrd="0" destOrd="0" presId="urn:microsoft.com/office/officeart/2005/8/layout/bProcess3"/>
+    <dgm:cxn modelId="{05A93209-3080-47D9-BB8A-5276DC5E0E10}" type="presOf" srcId="{ED7EF4D6-F530-4E5C-9C5E-A455F28C1138}" destId="{73699401-302B-42CE-A5F3-F348C717DA12}" srcOrd="0" destOrd="0" presId="urn:microsoft.com/office/officeart/2005/8/layout/bProcess3"/>
+    <dgm:cxn modelId="{C5701A10-646F-4AA7-8F7C-9C0A1FBA1873}" type="presOf" srcId="{0E882212-4C7C-4437-9A27-70CF7DD7A2E0}" destId="{92540282-BCAF-4823-96AC-89F7B7B0E3B6}" srcOrd="0" destOrd="0" presId="urn:microsoft.com/office/officeart/2005/8/layout/bProcess3"/>
+    <dgm:cxn modelId="{448DCB13-79B4-4AC1-BC4B-8C08B4A6B0AF}" type="presOf" srcId="{08FE72B4-6FD4-40F3-97F0-C24060459316}" destId="{24F1E0BE-FA49-4108-B537-FFD2917A3653}" srcOrd="0" destOrd="0" presId="urn:microsoft.com/office/officeart/2005/8/layout/bProcess3"/>
+    <dgm:cxn modelId="{A8E94314-B5BA-494C-905D-B289C8C6A044}" type="presOf" srcId="{31CAA017-AF37-48A9-A805-B587B3A2EE3C}" destId="{A1BC6239-5103-4706-8E52-FA3077528A80}" srcOrd="0" destOrd="0" presId="urn:microsoft.com/office/officeart/2005/8/layout/bProcess3"/>
+    <dgm:cxn modelId="{123FA91D-CD61-4E58-99ED-E2043F70BD4A}" srcId="{D7F4CB82-F4A9-46E6-974B-A91AD55DD853}" destId="{F179A573-4738-49D2-B04D-7E8554085003}" srcOrd="1" destOrd="0" parTransId="{AAFE7FC5-3142-49BB-B351-D497868348CC}" sibTransId="{CB1A9742-9DD7-40C6-97B9-09C123034D70}"/>
+    <dgm:cxn modelId="{538BC21D-3D87-4E3B-B877-8F1FC9AF0FED}" type="presOf" srcId="{865263D2-48B5-4CD2-9418-E0C0443D6022}" destId="{CF25F124-B583-4992-8CF8-080D77F9FEE2}" srcOrd="0" destOrd="0" presId="urn:microsoft.com/office/officeart/2005/8/layout/bProcess3"/>
+    <dgm:cxn modelId="{08282229-F536-4462-B9B0-696B483C7D37}" srcId="{71F968E8-F80B-4880-B033-5BA463255BC7}" destId="{F9764D7F-2F44-4EFA-80EC-F82992912FBE}" srcOrd="0" destOrd="0" parTransId="{5A316F46-9385-44E1-97A7-62C6C9030441}" sibTransId="{CB0A7F79-5589-473A-B925-C4B72C13F9A3}"/>
+    <dgm:cxn modelId="{00C8712F-6623-4E1E-82CB-A0F6D0EA0658}" type="presOf" srcId="{D7F4CB82-F4A9-46E6-974B-A91AD55DD853}" destId="{8321943B-8E0D-48D5-9AC3-FE8F25A1ABD8}" srcOrd="0" destOrd="0" presId="urn:microsoft.com/office/officeart/2005/8/layout/bProcess3"/>
+    <dgm:cxn modelId="{955C4432-A903-49AE-AD97-C856E324C803}" type="presOf" srcId="{03704BC2-A6D9-47FE-B5E4-F926BD565EEC}" destId="{845EABB7-048E-4992-B7B1-4EE749EAD2F1}" srcOrd="1" destOrd="0" presId="urn:microsoft.com/office/officeart/2005/8/layout/bProcess3"/>
+    <dgm:cxn modelId="{2541EA33-88FB-405C-8275-8DCD26240025}" type="presOf" srcId="{5B4F7496-7FC8-4BD0-AEFF-B530855C32EC}" destId="{96C8288A-0509-4FCB-9E82-3887A2A8869B}" srcOrd="0" destOrd="0" presId="urn:microsoft.com/office/officeart/2005/8/layout/bProcess3"/>
+    <dgm:cxn modelId="{31308137-8595-4456-B3B7-8ED05ABD7B4F}" type="presOf" srcId="{ACC33CEC-62A0-47DB-B6A8-36619620365E}" destId="{C87BB87B-ACFE-488C-A167-BD8F9AC661A7}" srcOrd="0" destOrd="0" presId="urn:microsoft.com/office/officeart/2005/8/layout/bProcess3"/>
+    <dgm:cxn modelId="{9F74693B-00AE-451D-ABBE-10E522161BA5}" srcId="{2C51816A-3FA0-4E56-BBB7-EB629C6769DA}" destId="{12EFD806-F31A-4191-BAEF-64B530415ED9}" srcOrd="4" destOrd="0" parTransId="{7632AED8-FF0A-4379-9318-AC19679D32AA}" sibTransId="{31CAA017-AF37-48A9-A805-B587B3A2EE3C}"/>
+    <dgm:cxn modelId="{3F3B2B3D-DCBF-47F8-A84F-9F1A1D47B3BE}" srcId="{D7F4CB82-F4A9-46E6-974B-A91AD55DD853}" destId="{8B9D00D3-2F6E-42E2-A34A-F58E22C0EEE4}" srcOrd="0" destOrd="0" parTransId="{D1716229-44EE-44DB-A48C-1B302B234E31}" sibTransId="{F67DE878-65D1-4A66-8400-80F54683220C}"/>
+    <dgm:cxn modelId="{22B27467-803B-4D2A-9E0A-96FFC48C479E}" type="presOf" srcId="{8B9D00D3-2F6E-42E2-A34A-F58E22C0EEE4}" destId="{8321943B-8E0D-48D5-9AC3-FE8F25A1ABD8}" srcOrd="0" destOrd="1" presId="urn:microsoft.com/office/officeart/2005/8/layout/bProcess3"/>
+    <dgm:cxn modelId="{EB70D869-B0E2-4471-A3CA-845E7DFC3B7E}" srcId="{2C51816A-3FA0-4E56-BBB7-EB629C6769DA}" destId="{ACC33CEC-62A0-47DB-B6A8-36619620365E}" srcOrd="7" destOrd="0" parTransId="{408B8078-38AD-41B5-B9F7-2EF45DD9DF3A}" sibTransId="{78AFC349-EA41-48AA-8FC4-3D6C2AB5D4A9}"/>
+    <dgm:cxn modelId="{CF25014A-8011-4E64-9188-542C17048C61}" type="presOf" srcId="{31CAA017-AF37-48A9-A805-B587B3A2EE3C}" destId="{F6211ECB-920E-4D06-8833-B9B8981C6EAD}" srcOrd="1" destOrd="0" presId="urn:microsoft.com/office/officeart/2005/8/layout/bProcess3"/>
+    <dgm:cxn modelId="{966FAF6A-1F75-419A-8E38-13C50EA3C477}" type="presOf" srcId="{1E65890B-E9B3-4D62-BEBE-D307DFB09A9A}" destId="{30641874-2E81-44E9-B1D0-48F8520552C9}" srcOrd="1" destOrd="0" presId="urn:microsoft.com/office/officeart/2005/8/layout/bProcess3"/>
+    <dgm:cxn modelId="{680CF051-C61C-4979-A22D-25EFEDAFB9AF}" type="presOf" srcId="{984B680A-88DA-44A4-A8D0-3317105BE9F7}" destId="{AC9F0B07-24CA-4A66-8DEF-77A0451AF17A}" srcOrd="0" destOrd="0" presId="urn:microsoft.com/office/officeart/2005/8/layout/bProcess3"/>
+    <dgm:cxn modelId="{4E8D4957-DAF9-4C12-9A13-096CF567F74B}" srcId="{2C51816A-3FA0-4E56-BBB7-EB629C6769DA}" destId="{07EFBE8F-148A-44BE-BE37-B2F953F2A897}" srcOrd="0" destOrd="0" parTransId="{37D048EE-2CBA-44EF-BBAB-5B6AE503F5EC}" sibTransId="{0E882212-4C7C-4437-9A27-70CF7DD7A2E0}"/>
+    <dgm:cxn modelId="{013C1579-82BA-4FC7-A833-043F63249B4E}" type="presOf" srcId="{F9764D7F-2F44-4EFA-80EC-F82992912FBE}" destId="{923096E4-1758-4523-B7E6-BE8FFC7B7063}" srcOrd="0" destOrd="1" presId="urn:microsoft.com/office/officeart/2005/8/layout/bProcess3"/>
+    <dgm:cxn modelId="{8E759A7A-3322-4496-B2F9-156B717BD360}" srcId="{94A83885-D46D-4A6B-84E1-866FE27DF947}" destId="{746C7A8A-0E73-45A9-93E0-794954DCA5D9}" srcOrd="0" destOrd="0" parTransId="{A85D9534-1CB8-40BC-BACE-727EE4DAB202}" sibTransId="{9662BB07-E360-4DA1-B229-5FF242637A56}"/>
+    <dgm:cxn modelId="{4281AA88-BDC5-47A6-B27F-EAA39E29EA32}" type="presOf" srcId="{746C7A8A-0E73-45A9-93E0-794954DCA5D9}" destId="{EDC6CA5C-B64E-4B60-9976-9E345153EA88}" srcOrd="0" destOrd="1" presId="urn:microsoft.com/office/officeart/2005/8/layout/bProcess3"/>
+    <dgm:cxn modelId="{8938F08B-0D7C-48C8-A480-5F660DE746E9}" srcId="{2C51816A-3FA0-4E56-BBB7-EB629C6769DA}" destId="{94A83885-D46D-4A6B-84E1-866FE27DF947}" srcOrd="5" destOrd="0" parTransId="{B3F4E22C-2E79-43D0-8676-AF149EDD2971}" sibTransId="{03704BC2-A6D9-47FE-B5E4-F926BD565EEC}"/>
+    <dgm:cxn modelId="{33B3638F-B9AF-4F87-AC84-EF3B3C0F5422}" srcId="{2C51816A-3FA0-4E56-BBB7-EB629C6769DA}" destId="{71F968E8-F80B-4880-B033-5BA463255BC7}" srcOrd="6" destOrd="0" parTransId="{CB2F5534-8CDA-4511-9E4F-6A73F9D10052}" sibTransId="{5B4F7496-7FC8-4BD0-AEFF-B530855C32EC}"/>
+    <dgm:cxn modelId="{8B9A4F90-E1D7-4294-86A0-7355E7008BE3}" type="presOf" srcId="{94A83885-D46D-4A6B-84E1-866FE27DF947}" destId="{EDC6CA5C-B64E-4B60-9976-9E345153EA88}" srcOrd="0" destOrd="0" presId="urn:microsoft.com/office/officeart/2005/8/layout/bProcess3"/>
+    <dgm:cxn modelId="{9E88D995-EAE4-4A3F-B1E5-AC1499AA3204}" srcId="{2C51816A-3FA0-4E56-BBB7-EB629C6769DA}" destId="{D7F4CB82-F4A9-46E6-974B-A91AD55DD853}" srcOrd="1" destOrd="0" parTransId="{32880A71-A937-4203-8C89-EE17CCF4F14F}" sibTransId="{865263D2-48B5-4CD2-9418-E0C0443D6022}"/>
+    <dgm:cxn modelId="{59527998-BCDE-432A-B5A5-7CC4D72040BD}" type="presOf" srcId="{3D25B6C0-5560-4B6A-A479-01C187E65D94}" destId="{AC9F0B07-24CA-4A66-8DEF-77A0451AF17A}" srcOrd="0" destOrd="1" presId="urn:microsoft.com/office/officeart/2005/8/layout/bProcess3"/>
+    <dgm:cxn modelId="{D4880999-FEA0-4D4D-A02F-6FB10A67D2B2}" type="presOf" srcId="{D61C189E-D013-4CE7-A79B-9AF2D7AFDB90}" destId="{BD5C47F2-53D6-480B-A685-7E34492B1444}" srcOrd="0" destOrd="0" presId="urn:microsoft.com/office/officeart/2005/8/layout/bProcess3"/>
+    <dgm:cxn modelId="{72FC92A4-F022-47E9-A415-329148AC408E}" type="presOf" srcId="{0E882212-4C7C-4437-9A27-70CF7DD7A2E0}" destId="{1717C6B7-1BAD-4E13-AA96-6045594F3BEA}" srcOrd="1" destOrd="0" presId="urn:microsoft.com/office/officeart/2005/8/layout/bProcess3"/>
+    <dgm:cxn modelId="{2042D6AB-3F8C-4897-93E2-F37A37C89347}" type="presOf" srcId="{78AFC349-EA41-48AA-8FC4-3D6C2AB5D4A9}" destId="{62CB8948-565E-41D6-9545-E1D92807D28E}" srcOrd="1" destOrd="0" presId="urn:microsoft.com/office/officeart/2005/8/layout/bProcess3"/>
+    <dgm:cxn modelId="{5E81F6B4-D495-4206-B576-A58302102D7C}" type="presOf" srcId="{12EFD806-F31A-4191-BAEF-64B530415ED9}" destId="{A1B27C3C-5F14-4E51-BF23-216FA9BE7CA6}" srcOrd="0" destOrd="0" presId="urn:microsoft.com/office/officeart/2005/8/layout/bProcess3"/>
+    <dgm:cxn modelId="{A44152BB-E18E-4E7E-A33B-76CBF29B79DD}" type="presOf" srcId="{2C51816A-3FA0-4E56-BBB7-EB629C6769DA}" destId="{3947D610-E62D-4C28-9CBF-57E380EEC5B6}" srcOrd="0" destOrd="0" presId="urn:microsoft.com/office/officeart/2005/8/layout/bProcess3"/>
+    <dgm:cxn modelId="{23F5FABD-9A91-4B03-AFFF-41F474D21B9A}" type="presOf" srcId="{D61C189E-D013-4CE7-A79B-9AF2D7AFDB90}" destId="{78B16691-6DEF-49F2-9C48-8F4424DE1059}" srcOrd="1" destOrd="0" presId="urn:microsoft.com/office/officeart/2005/8/layout/bProcess3"/>
+    <dgm:cxn modelId="{2B547FBE-BF41-4797-B3F9-0DAECB903A32}" type="presOf" srcId="{03704BC2-A6D9-47FE-B5E4-F926BD565EEC}" destId="{ED6C4AB7-0221-41B2-9045-556CC456ED7B}" srcOrd="0" destOrd="0" presId="urn:microsoft.com/office/officeart/2005/8/layout/bProcess3"/>
+    <dgm:cxn modelId="{168F99BF-E342-4B87-9F6F-5FE047FCFBE3}" type="presOf" srcId="{5B4F7496-7FC8-4BD0-AEFF-B530855C32EC}" destId="{E015EB6F-0F2B-438B-BACD-667E42EF8E46}" srcOrd="1" destOrd="0" presId="urn:microsoft.com/office/officeart/2005/8/layout/bProcess3"/>
+    <dgm:cxn modelId="{5B1D2CCA-F15D-43C6-8794-7D87552DF92B}" type="presOf" srcId="{1E65890B-E9B3-4D62-BEBE-D307DFB09A9A}" destId="{73976861-8F4B-43E1-8A95-173B626F0190}" srcOrd="0" destOrd="0" presId="urn:microsoft.com/office/officeart/2005/8/layout/bProcess3"/>
+    <dgm:cxn modelId="{D32F1BD9-50A1-4924-A10D-903F10B9CA05}" type="presOf" srcId="{865263D2-48B5-4CD2-9418-E0C0443D6022}" destId="{13E7DF31-E9D7-4631-8620-B0769DBF55BB}" srcOrd="1" destOrd="0" presId="urn:microsoft.com/office/officeart/2005/8/layout/bProcess3"/>
+    <dgm:cxn modelId="{4C2223D9-043B-47E6-9E47-1F30164EBC58}" srcId="{2C51816A-3FA0-4E56-BBB7-EB629C6769DA}" destId="{08FE72B4-6FD4-40F3-97F0-C24060459316}" srcOrd="8" destOrd="0" parTransId="{7B7C5D81-AE38-4BBE-A523-F538D48CE92B}" sibTransId="{34FD114B-C9B1-4330-8A8B-5742DDA85739}"/>
+    <dgm:cxn modelId="{17B9E1E6-03AE-443D-A7BF-362BB476416A}" type="presOf" srcId="{9AAA9540-26EA-4280-A3D0-95AA9007C3BC}" destId="{D88FD4A9-3995-4332-905A-770D098929CA}" srcOrd="0" destOrd="1" presId="urn:microsoft.com/office/officeart/2005/8/layout/bProcess3"/>
+    <dgm:cxn modelId="{411D51E7-EDDD-42ED-8FF5-9344714FD95E}" srcId="{07EFBE8F-148A-44BE-BE37-B2F953F2A897}" destId="{9AAA9540-26EA-4280-A3D0-95AA9007C3BC}" srcOrd="0" destOrd="0" parTransId="{90E3FA91-9E8F-48D5-8A94-534680A23D30}" sibTransId="{D414168A-2800-4446-AB6C-3B3EF9E1C066}"/>
+    <dgm:cxn modelId="{AC98DBEC-D1B9-49CF-8AE2-57B8BD8CE0F0}" type="presOf" srcId="{78AFC349-EA41-48AA-8FC4-3D6C2AB5D4A9}" destId="{77F6E8B4-A6D7-4017-9682-D211F506C15B}" srcOrd="0" destOrd="0" presId="urn:microsoft.com/office/officeart/2005/8/layout/bProcess3"/>
+    <dgm:cxn modelId="{9CC6F0F0-5E03-4ABD-B2DB-59658705AB7C}" type="presOf" srcId="{F179A573-4738-49D2-B04D-7E8554085003}" destId="{8321943B-8E0D-48D5-9AC3-FE8F25A1ABD8}" srcOrd="0" destOrd="2" presId="urn:microsoft.com/office/officeart/2005/8/layout/bProcess3"/>
+    <dgm:cxn modelId="{50DFF9F7-4196-4429-AAE7-3C2AE0CF1735}" type="presOf" srcId="{07EFBE8F-148A-44BE-BE37-B2F953F2A897}" destId="{D88FD4A9-3995-4332-905A-770D098929CA}" srcOrd="0" destOrd="0" presId="urn:microsoft.com/office/officeart/2005/8/layout/bProcess3"/>
+    <dgm:cxn modelId="{4099BAF9-0B83-4BAA-9BEF-A6C203D43668}" srcId="{2C51816A-3FA0-4E56-BBB7-EB629C6769DA}" destId="{984B680A-88DA-44A4-A8D0-3317105BE9F7}" srcOrd="3" destOrd="0" parTransId="{7557EE51-3E30-4AB1-8769-4627FE70C984}" sibTransId="{1E65890B-E9B3-4D62-BEBE-D307DFB09A9A}"/>
+    <dgm:cxn modelId="{EFA49CFD-A434-4092-9A09-190949F37A2E}" srcId="{2C51816A-3FA0-4E56-BBB7-EB629C6769DA}" destId="{ED7EF4D6-F530-4E5C-9C5E-A455F28C1138}" srcOrd="2" destOrd="0" parTransId="{BE975FC3-1052-43EA-BE5F-73248E12B20E}" sibTransId="{D61C189E-D013-4CE7-A79B-9AF2D7AFDB90}"/>
+    <dgm:cxn modelId="{0383AFFE-3181-4285-8734-20E1D28584D6}" srcId="{984B680A-88DA-44A4-A8D0-3317105BE9F7}" destId="{3D25B6C0-5560-4B6A-A479-01C187E65D94}" srcOrd="0" destOrd="0" parTransId="{6E8CFBFB-C86B-4252-950E-FE474459E467}" sibTransId="{E230F4C7-BFE6-4801-8C2B-B1CDAD9EC16A}"/>
+    <dgm:cxn modelId="{75F76686-F22A-4062-8597-AC3A96B55BE5}" type="presParOf" srcId="{3947D610-E62D-4C28-9CBF-57E380EEC5B6}" destId="{D88FD4A9-3995-4332-905A-770D098929CA}" srcOrd="0" destOrd="0" presId="urn:microsoft.com/office/officeart/2005/8/layout/bProcess3"/>
+    <dgm:cxn modelId="{C5905991-5A2F-4A62-ACEE-267144A2738F}" type="presParOf" srcId="{3947D610-E62D-4C28-9CBF-57E380EEC5B6}" destId="{92540282-BCAF-4823-96AC-89F7B7B0E3B6}" srcOrd="1" destOrd="0" presId="urn:microsoft.com/office/officeart/2005/8/layout/bProcess3"/>
+    <dgm:cxn modelId="{91C3E2F9-0201-4454-914D-B1D33FF8AB86}" type="presParOf" srcId="{92540282-BCAF-4823-96AC-89F7B7B0E3B6}" destId="{1717C6B7-1BAD-4E13-AA96-6045594F3BEA}" srcOrd="0" destOrd="0" presId="urn:microsoft.com/office/officeart/2005/8/layout/bProcess3"/>
+    <dgm:cxn modelId="{87032703-F9F9-4CA4-8284-D0CE9919FAC4}" type="presParOf" srcId="{3947D610-E62D-4C28-9CBF-57E380EEC5B6}" destId="{8321943B-8E0D-48D5-9AC3-FE8F25A1ABD8}" srcOrd="2" destOrd="0" presId="urn:microsoft.com/office/officeart/2005/8/layout/bProcess3"/>
+    <dgm:cxn modelId="{9D000773-6C30-46B8-8641-CC6E427973FD}" type="presParOf" srcId="{3947D610-E62D-4C28-9CBF-57E380EEC5B6}" destId="{CF25F124-B583-4992-8CF8-080D77F9FEE2}" srcOrd="3" destOrd="0" presId="urn:microsoft.com/office/officeart/2005/8/layout/bProcess3"/>
+    <dgm:cxn modelId="{43A29D40-38EA-4E03-B2F6-E8DAEDAC2046}" type="presParOf" srcId="{CF25F124-B583-4992-8CF8-080D77F9FEE2}" destId="{13E7DF31-E9D7-4631-8620-B0769DBF55BB}" srcOrd="0" destOrd="0" presId="urn:microsoft.com/office/officeart/2005/8/layout/bProcess3"/>
+    <dgm:cxn modelId="{491F8773-4BC2-4460-AB5B-10AAEFA99FEB}" type="presParOf" srcId="{3947D610-E62D-4C28-9CBF-57E380EEC5B6}" destId="{73699401-302B-42CE-A5F3-F348C717DA12}" srcOrd="4" destOrd="0" presId="urn:microsoft.com/office/officeart/2005/8/layout/bProcess3"/>
+    <dgm:cxn modelId="{8E6D595C-C930-4433-A74B-0F059AF896D9}" type="presParOf" srcId="{3947D610-E62D-4C28-9CBF-57E380EEC5B6}" destId="{BD5C47F2-53D6-480B-A685-7E34492B1444}" srcOrd="5" destOrd="0" presId="urn:microsoft.com/office/officeart/2005/8/layout/bProcess3"/>
+    <dgm:cxn modelId="{4273E953-C401-472C-8B66-F889DED95404}" type="presParOf" srcId="{BD5C47F2-53D6-480B-A685-7E34492B1444}" destId="{78B16691-6DEF-49F2-9C48-8F4424DE1059}" srcOrd="0" destOrd="0" presId="urn:microsoft.com/office/officeart/2005/8/layout/bProcess3"/>
+    <dgm:cxn modelId="{A98735D1-8C9E-4A3D-A1D9-3FB1C45C890B}" type="presParOf" srcId="{3947D610-E62D-4C28-9CBF-57E380EEC5B6}" destId="{AC9F0B07-24CA-4A66-8DEF-77A0451AF17A}" srcOrd="6" destOrd="0" presId="urn:microsoft.com/office/officeart/2005/8/layout/bProcess3"/>
+    <dgm:cxn modelId="{598BA696-0F4D-42A8-AD5D-FA77BBF965A4}" type="presParOf" srcId="{3947D610-E62D-4C28-9CBF-57E380EEC5B6}" destId="{73976861-8F4B-43E1-8A95-173B626F0190}" srcOrd="7" destOrd="0" presId="urn:microsoft.com/office/officeart/2005/8/layout/bProcess3"/>
+    <dgm:cxn modelId="{E1E0B715-E9DA-4A2C-8570-4752B92B8595}" type="presParOf" srcId="{73976861-8F4B-43E1-8A95-173B626F0190}" destId="{30641874-2E81-44E9-B1D0-48F8520552C9}" srcOrd="0" destOrd="0" presId="urn:microsoft.com/office/officeart/2005/8/layout/bProcess3"/>
+    <dgm:cxn modelId="{C3A1069E-9186-4113-A750-BD059F762619}" type="presParOf" srcId="{3947D610-E62D-4C28-9CBF-57E380EEC5B6}" destId="{A1B27C3C-5F14-4E51-BF23-216FA9BE7CA6}" srcOrd="8" destOrd="0" presId="urn:microsoft.com/office/officeart/2005/8/layout/bProcess3"/>
+    <dgm:cxn modelId="{06EB7299-3002-4585-97E7-6D5AE7FB36EC}" type="presParOf" srcId="{3947D610-E62D-4C28-9CBF-57E380EEC5B6}" destId="{A1BC6239-5103-4706-8E52-FA3077528A80}" srcOrd="9" destOrd="0" presId="urn:microsoft.com/office/officeart/2005/8/layout/bProcess3"/>
+    <dgm:cxn modelId="{7B1F2D9A-DD93-4781-8353-D0B3FF232615}" type="presParOf" srcId="{A1BC6239-5103-4706-8E52-FA3077528A80}" destId="{F6211ECB-920E-4D06-8833-B9B8981C6EAD}" srcOrd="0" destOrd="0" presId="urn:microsoft.com/office/officeart/2005/8/layout/bProcess3"/>
+    <dgm:cxn modelId="{447D04BF-C4B9-4549-B201-2C501096844E}" type="presParOf" srcId="{3947D610-E62D-4C28-9CBF-57E380EEC5B6}" destId="{EDC6CA5C-B64E-4B60-9976-9E345153EA88}" srcOrd="10" destOrd="0" presId="urn:microsoft.com/office/officeart/2005/8/layout/bProcess3"/>
+    <dgm:cxn modelId="{B87A7856-567C-40C3-8C26-ADC2BF68FCE4}" type="presParOf" srcId="{3947D610-E62D-4C28-9CBF-57E380EEC5B6}" destId="{ED6C4AB7-0221-41B2-9045-556CC456ED7B}" srcOrd="11" destOrd="0" presId="urn:microsoft.com/office/officeart/2005/8/layout/bProcess3"/>
+    <dgm:cxn modelId="{9B7C0CF0-007F-4B1A-A642-590CDAA89612}" type="presParOf" srcId="{ED6C4AB7-0221-41B2-9045-556CC456ED7B}" destId="{845EABB7-048E-4992-B7B1-4EE749EAD2F1}" srcOrd="0" destOrd="0" presId="urn:microsoft.com/office/officeart/2005/8/layout/bProcess3"/>
+    <dgm:cxn modelId="{76C27591-14A2-4993-9F12-7A6400334821}" type="presParOf" srcId="{3947D610-E62D-4C28-9CBF-57E380EEC5B6}" destId="{923096E4-1758-4523-B7E6-BE8FFC7B7063}" srcOrd="12" destOrd="0" presId="urn:microsoft.com/office/officeart/2005/8/layout/bProcess3"/>
+    <dgm:cxn modelId="{191B2E60-DA83-4904-99DF-CA81FF620EDF}" type="presParOf" srcId="{3947D610-E62D-4C28-9CBF-57E380EEC5B6}" destId="{96C8288A-0509-4FCB-9E82-3887A2A8869B}" srcOrd="13" destOrd="0" presId="urn:microsoft.com/office/officeart/2005/8/layout/bProcess3"/>
+    <dgm:cxn modelId="{46B86C73-2DBC-4F05-BF61-0E3F98F50B20}" type="presParOf" srcId="{96C8288A-0509-4FCB-9E82-3887A2A8869B}" destId="{E015EB6F-0F2B-438B-BACD-667E42EF8E46}" srcOrd="0" destOrd="0" presId="urn:microsoft.com/office/officeart/2005/8/layout/bProcess3"/>
+    <dgm:cxn modelId="{C7C030B3-0CFE-4199-AB39-9B3C379261B3}" type="presParOf" srcId="{3947D610-E62D-4C28-9CBF-57E380EEC5B6}" destId="{C87BB87B-ACFE-488C-A167-BD8F9AC661A7}" srcOrd="14" destOrd="0" presId="urn:microsoft.com/office/officeart/2005/8/layout/bProcess3"/>
+    <dgm:cxn modelId="{E5860949-AED8-46E1-8599-3B461D44622E}" type="presParOf" srcId="{3947D610-E62D-4C28-9CBF-57E380EEC5B6}" destId="{77F6E8B4-A6D7-4017-9682-D211F506C15B}" srcOrd="15" destOrd="0" presId="urn:microsoft.com/office/officeart/2005/8/layout/bProcess3"/>
+    <dgm:cxn modelId="{5FE23455-5027-4673-ADAF-839D5BF1110D}" type="presParOf" srcId="{77F6E8B4-A6D7-4017-9682-D211F506C15B}" destId="{62CB8948-565E-41D6-9545-E1D92807D28E}" srcOrd="0" destOrd="0" presId="urn:microsoft.com/office/officeart/2005/8/layout/bProcess3"/>
+    <dgm:cxn modelId="{68B98159-F1AA-4BB1-A1E5-C17BDCC0C682}" type="presParOf" srcId="{3947D610-E62D-4C28-9CBF-57E380EEC5B6}" destId="{24F1E0BE-FA49-4108-B537-FFD2917A3653}" srcOrd="16" destOrd="0" presId="urn:microsoft.com/office/officeart/2005/8/layout/bProcess3"/>
+  </dgm:cxnLst>
+  <dgm:bg/>
+  <dgm:whole/>
+  <dgm:extLst>
+    <a:ext uri="http://schemas.microsoft.com/office/drawing/2008/diagram">
+      <dsp:dataModelExt xmlns:dsp="http://schemas.microsoft.com/office/drawing/2008/diagram" relId="rId6" minVer="http://schemas.openxmlformats.org/drawingml/2006/diagram"/>
+    </a:ext>
+  </dgm:extLst>
+</dgm:dataModel>
+</file>
+
+<file path=ppt/diagrams/drawing1.xml><?xml version="1.0" encoding="utf-8"?>
+<dsp:drawing xmlns:dgm="http://schemas.openxmlformats.org/drawingml/2006/diagram" xmlns:dsp="http://schemas.microsoft.com/office/drawing/2008/diagram" xmlns:a="http://schemas.openxmlformats.org/drawingml/2006/main">
+  <dsp:spTree>
+    <dsp:nvGrpSpPr>
+      <dsp:cNvPr id="0" name=""/>
+      <dsp:cNvGrpSpPr/>
+    </dsp:nvGrpSpPr>
+    <dsp:grpSpPr/>
+    <dsp:sp modelId="{92540282-BCAF-4823-96AC-89F7B7B0E3B6}">
+      <dsp:nvSpPr>
+        <dsp:cNvPr id="0" name=""/>
+        <dsp:cNvSpPr/>
+      </dsp:nvSpPr>
+      <dsp:spPr>
+        <a:xfrm>
+          <a:off x="1808058" y="426968"/>
+          <a:ext cx="331132" cy="91440"/>
+        </a:xfrm>
+        <a:custGeom>
+          <a:avLst/>
+          <a:gdLst/>
+          <a:ahLst/>
+          <a:cxnLst/>
+          <a:rect l="0" t="0" r="0" b="0"/>
+          <a:pathLst>
+            <a:path>
+              <a:moveTo>
+                <a:pt x="0" y="45720"/>
+              </a:moveTo>
+              <a:lnTo>
+                <a:pt x="331132" y="45720"/>
+              </a:lnTo>
+            </a:path>
+          </a:pathLst>
+        </a:custGeom>
+        <a:noFill/>
+        <a:ln w="12700" cap="flat" cmpd="sng" algn="ctr">
+          <a:solidFill>
+            <a:schemeClr val="accent2">
+              <a:hueOff val="0"/>
+              <a:satOff val="0"/>
+              <a:lumOff val="0"/>
+              <a:alphaOff val="0"/>
+            </a:schemeClr>
+          </a:solidFill>
+          <a:prstDash val="solid"/>
+          <a:miter lim="800000"/>
+          <a:tailEnd type="arrow"/>
+        </a:ln>
+        <a:effectLst/>
+      </dsp:spPr>
+      <dsp:style>
+        <a:lnRef idx="1">
+          <a:scrgbClr r="0" g="0" b="0"/>
+        </a:lnRef>
+        <a:fillRef idx="0">
+          <a:scrgbClr r="0" g="0" b="0"/>
+        </a:fillRef>
+        <a:effectRef idx="0">
+          <a:scrgbClr r="0" g="0" b="0"/>
+        </a:effectRef>
+        <a:fontRef idx="minor"/>
+      </dsp:style>
+      <dsp:txBody>
+        <a:bodyPr spcFirstLastPara="0" vert="horz" wrap="square" lIns="12700" tIns="0" rIns="12700" bIns="0" numCol="1" spcCol="1270" anchor="ctr" anchorCtr="0">
+          <a:noAutofit/>
+        </a:bodyPr>
+        <a:lstStyle/>
+        <a:p>
+          <a:pPr marL="0" lvl="0" indent="0" algn="ctr" defTabSz="222250">
+            <a:lnSpc>
+              <a:spcPct val="90000"/>
+            </a:lnSpc>
+            <a:spcBef>
+              <a:spcPct val="0"/>
+            </a:spcBef>
+            <a:spcAft>
+              <a:spcPct val="35000"/>
+            </a:spcAft>
+            <a:buNone/>
+          </a:pPr>
+          <a:endParaRPr lang="en-US" sz="500" kern="1200"/>
+        </a:p>
+      </dsp:txBody>
+      <dsp:txXfrm>
+        <a:off x="1964581" y="470879"/>
+        <a:ext cx="18086" cy="3617"/>
+      </dsp:txXfrm>
+    </dsp:sp>
+    <dsp:sp modelId="{D88FD4A9-3995-4332-905A-770D098929CA}">
+      <dsp:nvSpPr>
+        <dsp:cNvPr id="0" name=""/>
+        <dsp:cNvSpPr/>
+      </dsp:nvSpPr>
+      <dsp:spPr>
+        <a:xfrm>
+          <a:off x="237108" y="863"/>
+          <a:ext cx="1572750" cy="943650"/>
+        </a:xfrm>
+        <a:prstGeom prst="rect">
+          <a:avLst/>
+        </a:prstGeom>
+        <a:solidFill>
+          <a:schemeClr val="accent2">
+            <a:hueOff val="0"/>
+            <a:satOff val="0"/>
+            <a:lumOff val="0"/>
+            <a:alphaOff val="0"/>
+          </a:schemeClr>
+        </a:solidFill>
+        <a:ln w="19050" cap="flat" cmpd="sng" algn="ctr">
+          <a:solidFill>
+            <a:schemeClr val="lt1">
+              <a:hueOff val="0"/>
+              <a:satOff val="0"/>
+              <a:lumOff val="0"/>
+              <a:alphaOff val="0"/>
+            </a:schemeClr>
+          </a:solidFill>
+          <a:prstDash val="solid"/>
+          <a:miter lim="800000"/>
+        </a:ln>
+        <a:effectLst/>
+      </dsp:spPr>
+      <dsp:style>
+        <a:lnRef idx="2">
+          <a:scrgbClr r="0" g="0" b="0"/>
+        </a:lnRef>
+        <a:fillRef idx="1">
+          <a:scrgbClr r="0" g="0" b="0"/>
+        </a:fillRef>
+        <a:effectRef idx="0">
+          <a:scrgbClr r="0" g="0" b="0"/>
+        </a:effectRef>
+        <a:fontRef idx="minor">
+          <a:schemeClr val="lt1"/>
+        </a:fontRef>
+      </dsp:style>
+      <dsp:txBody>
+        <a:bodyPr spcFirstLastPara="0" vert="horz" wrap="square" lIns="71120" tIns="71120" rIns="71120" bIns="71120" numCol="1" spcCol="1270" anchor="t" anchorCtr="0">
+          <a:noAutofit/>
+        </a:bodyPr>
+        <a:lstStyle/>
+        <a:p>
+          <a:pPr marL="0" lvl="0" indent="0" algn="l" defTabSz="444500">
+            <a:lnSpc>
+              <a:spcPct val="90000"/>
+            </a:lnSpc>
+            <a:spcBef>
+              <a:spcPct val="0"/>
+            </a:spcBef>
+            <a:spcAft>
+              <a:spcPct val="35000"/>
+            </a:spcAft>
+            <a:buNone/>
+          </a:pPr>
+          <a:r>
+            <a:rPr lang="en-US" sz="1000" kern="1200" dirty="0"/>
+            <a:t>Topology Modeling</a:t>
+          </a:r>
+        </a:p>
+        <a:p>
+          <a:pPr marL="57150" lvl="1" indent="-57150" algn="l" defTabSz="355600">
+            <a:lnSpc>
+              <a:spcPct val="90000"/>
+            </a:lnSpc>
+            <a:spcBef>
+              <a:spcPct val="0"/>
+            </a:spcBef>
+            <a:spcAft>
+              <a:spcPct val="15000"/>
+            </a:spcAft>
+            <a:buChar char="•"/>
+          </a:pPr>
+          <a:r>
+            <a:rPr lang="en-US" sz="800" kern="1200" dirty="0"/>
+            <a:t>Create CNS all-atom topology</a:t>
+          </a:r>
+        </a:p>
+      </dsp:txBody>
+      <dsp:txXfrm>
+        <a:off x="237108" y="863"/>
+        <a:ext cx="1572750" cy="943650"/>
+      </dsp:txXfrm>
+    </dsp:sp>
+    <dsp:sp modelId="{CF25F124-B583-4992-8CF8-080D77F9FEE2}">
+      <dsp:nvSpPr>
+        <dsp:cNvPr id="0" name=""/>
+        <dsp:cNvSpPr/>
+      </dsp:nvSpPr>
+      <dsp:spPr>
+        <a:xfrm>
+          <a:off x="1023483" y="942713"/>
+          <a:ext cx="1934483" cy="331132"/>
+        </a:xfrm>
+        <a:custGeom>
+          <a:avLst/>
+          <a:gdLst/>
+          <a:ahLst/>
+          <a:cxnLst/>
+          <a:rect l="0" t="0" r="0" b="0"/>
+          <a:pathLst>
+            <a:path>
+              <a:moveTo>
+                <a:pt x="1934483" y="0"/>
+              </a:moveTo>
+              <a:lnTo>
+                <a:pt x="1934483" y="182666"/>
+              </a:lnTo>
+              <a:lnTo>
+                <a:pt x="0" y="182666"/>
+              </a:lnTo>
+              <a:lnTo>
+                <a:pt x="0" y="331132"/>
+              </a:lnTo>
+            </a:path>
+          </a:pathLst>
+        </a:custGeom>
+        <a:noFill/>
+        <a:ln w="12700" cap="flat" cmpd="sng" algn="ctr">
+          <a:solidFill>
+            <a:schemeClr val="accent2">
+              <a:hueOff val="810733"/>
+              <a:satOff val="2196"/>
+              <a:lumOff val="-1737"/>
+              <a:alphaOff val="0"/>
+            </a:schemeClr>
+          </a:solidFill>
+          <a:prstDash val="solid"/>
+          <a:miter lim="800000"/>
+          <a:tailEnd type="arrow"/>
+        </a:ln>
+        <a:effectLst/>
+      </dsp:spPr>
+      <dsp:style>
+        <a:lnRef idx="1">
+          <a:scrgbClr r="0" g="0" b="0"/>
+        </a:lnRef>
+        <a:fillRef idx="0">
+          <a:scrgbClr r="0" g="0" b="0"/>
+        </a:fillRef>
+        <a:effectRef idx="0">
+          <a:scrgbClr r="0" g="0" b="0"/>
+        </a:effectRef>
+        <a:fontRef idx="minor"/>
+      </dsp:style>
+      <dsp:txBody>
+        <a:bodyPr spcFirstLastPara="0" vert="horz" wrap="square" lIns="12700" tIns="0" rIns="12700" bIns="0" numCol="1" spcCol="1270" anchor="ctr" anchorCtr="0">
+          <a:noAutofit/>
+        </a:bodyPr>
+        <a:lstStyle/>
+        <a:p>
+          <a:pPr marL="0" lvl="0" indent="0" algn="ctr" defTabSz="222250">
+            <a:lnSpc>
+              <a:spcPct val="90000"/>
+            </a:lnSpc>
+            <a:spcBef>
+              <a:spcPct val="0"/>
+            </a:spcBef>
+            <a:spcAft>
+              <a:spcPct val="35000"/>
+            </a:spcAft>
+            <a:buNone/>
+          </a:pPr>
+          <a:endParaRPr lang="en-US" sz="500" kern="1200"/>
+        </a:p>
+      </dsp:txBody>
+      <dsp:txXfrm>
+        <a:off x="1941524" y="1106471"/>
+        <a:ext cx="98400" cy="3617"/>
+      </dsp:txXfrm>
+    </dsp:sp>
+    <dsp:sp modelId="{8321943B-8E0D-48D5-9AC3-FE8F25A1ABD8}">
+      <dsp:nvSpPr>
+        <dsp:cNvPr id="0" name=""/>
+        <dsp:cNvSpPr/>
+      </dsp:nvSpPr>
+      <dsp:spPr>
+        <a:xfrm>
+          <a:off x="2171591" y="863"/>
+          <a:ext cx="1572750" cy="943650"/>
+        </a:xfrm>
+        <a:prstGeom prst="rect">
+          <a:avLst/>
+        </a:prstGeom>
+        <a:solidFill>
+          <a:schemeClr val="accent2">
+            <a:hueOff val="709391"/>
+            <a:satOff val="1922"/>
+            <a:lumOff val="-1520"/>
+            <a:alphaOff val="0"/>
+          </a:schemeClr>
+        </a:solidFill>
+        <a:ln w="19050" cap="flat" cmpd="sng" algn="ctr">
+          <a:solidFill>
+            <a:schemeClr val="lt1">
+              <a:hueOff val="0"/>
+              <a:satOff val="0"/>
+              <a:lumOff val="0"/>
+              <a:alphaOff val="0"/>
+            </a:schemeClr>
+          </a:solidFill>
+          <a:prstDash val="solid"/>
+          <a:miter lim="800000"/>
+        </a:ln>
+        <a:effectLst/>
+      </dsp:spPr>
+      <dsp:style>
+        <a:lnRef idx="2">
+          <a:scrgbClr r="0" g="0" b="0"/>
+        </a:lnRef>
+        <a:fillRef idx="1">
+          <a:scrgbClr r="0" g="0" b="0"/>
+        </a:fillRef>
+        <a:effectRef idx="0">
+          <a:scrgbClr r="0" g="0" b="0"/>
+        </a:effectRef>
+        <a:fontRef idx="minor">
+          <a:schemeClr val="lt1"/>
+        </a:fontRef>
+      </dsp:style>
+      <dsp:txBody>
+        <a:bodyPr spcFirstLastPara="0" vert="horz" wrap="square" lIns="71120" tIns="71120" rIns="71120" bIns="71120" numCol="1" spcCol="1270" anchor="t" anchorCtr="0">
+          <a:noAutofit/>
+        </a:bodyPr>
+        <a:lstStyle/>
+        <a:p>
+          <a:pPr marL="0" lvl="0" indent="0" algn="l" defTabSz="444500">
+            <a:lnSpc>
+              <a:spcPct val="90000"/>
+            </a:lnSpc>
+            <a:spcBef>
+              <a:spcPct val="0"/>
+            </a:spcBef>
+            <a:spcAft>
+              <a:spcPct val="35000"/>
+            </a:spcAft>
+            <a:buNone/>
+          </a:pPr>
+          <a:r>
+            <a:rPr lang="en-US" sz="1000" kern="1200" dirty="0"/>
+            <a:t>Rigid Body</a:t>
+          </a:r>
+        </a:p>
+        <a:p>
+          <a:pPr marL="57150" lvl="1" indent="-57150" algn="l" defTabSz="355600">
+            <a:lnSpc>
+              <a:spcPct val="90000"/>
+            </a:lnSpc>
+            <a:spcBef>
+              <a:spcPct val="0"/>
+            </a:spcBef>
+            <a:spcAft>
+              <a:spcPct val="15000"/>
+            </a:spcAft>
+            <a:buChar char="•"/>
+          </a:pPr>
+          <a:r>
+            <a:rPr lang="en-US" sz="800" i="1" kern="1200" dirty="0"/>
+            <a:t>Rigid body energy minimization with CNS (it0)</a:t>
+          </a:r>
+          <a:endParaRPr lang="en-US" sz="800" kern="1200" dirty="0"/>
+        </a:p>
+        <a:p>
+          <a:pPr marL="57150" lvl="1" indent="-57150" algn="l" defTabSz="355600">
+            <a:lnSpc>
+              <a:spcPct val="90000"/>
+            </a:lnSpc>
+            <a:spcBef>
+              <a:spcPct val="0"/>
+            </a:spcBef>
+            <a:spcAft>
+              <a:spcPct val="15000"/>
+            </a:spcAft>
+            <a:buChar char="•"/>
+          </a:pPr>
+          <a:r>
+            <a:rPr lang="en-US" sz="800" kern="1200" dirty="0"/>
+            <a:t>Samples 200 models</a:t>
+          </a:r>
+        </a:p>
+      </dsp:txBody>
+      <dsp:txXfrm>
+        <a:off x="2171591" y="863"/>
+        <a:ext cx="1572750" cy="943650"/>
+      </dsp:txXfrm>
+    </dsp:sp>
+    <dsp:sp modelId="{BD5C47F2-53D6-480B-A685-7E34492B1444}">
+      <dsp:nvSpPr>
+        <dsp:cNvPr id="0" name=""/>
+        <dsp:cNvSpPr/>
+      </dsp:nvSpPr>
+      <dsp:spPr>
+        <a:xfrm>
+          <a:off x="1808058" y="1732351"/>
+          <a:ext cx="331132" cy="91440"/>
+        </a:xfrm>
+        <a:custGeom>
+          <a:avLst/>
+          <a:gdLst/>
+          <a:ahLst/>
+          <a:cxnLst/>
+          <a:rect l="0" t="0" r="0" b="0"/>
+          <a:pathLst>
+            <a:path>
+              <a:moveTo>
+                <a:pt x="0" y="45720"/>
+              </a:moveTo>
+              <a:lnTo>
+                <a:pt x="331132" y="45720"/>
+              </a:lnTo>
+            </a:path>
+          </a:pathLst>
+        </a:custGeom>
+        <a:noFill/>
+        <a:ln w="12700" cap="flat" cmpd="sng" algn="ctr">
+          <a:solidFill>
+            <a:schemeClr val="accent2">
+              <a:hueOff val="1621465"/>
+              <a:satOff val="4393"/>
+              <a:lumOff val="-3473"/>
+              <a:alphaOff val="0"/>
+            </a:schemeClr>
+          </a:solidFill>
+          <a:prstDash val="solid"/>
+          <a:miter lim="800000"/>
+          <a:tailEnd type="arrow"/>
+        </a:ln>
+        <a:effectLst/>
+      </dsp:spPr>
+      <dsp:style>
+        <a:lnRef idx="1">
+          <a:scrgbClr r="0" g="0" b="0"/>
+        </a:lnRef>
+        <a:fillRef idx="0">
+          <a:scrgbClr r="0" g="0" b="0"/>
+        </a:fillRef>
+        <a:effectRef idx="0">
+          <a:scrgbClr r="0" g="0" b="0"/>
+        </a:effectRef>
+        <a:fontRef idx="minor"/>
+      </dsp:style>
+      <dsp:txBody>
+        <a:bodyPr spcFirstLastPara="0" vert="horz" wrap="square" lIns="12700" tIns="0" rIns="12700" bIns="0" numCol="1" spcCol="1270" anchor="ctr" anchorCtr="0">
+          <a:noAutofit/>
+        </a:bodyPr>
+        <a:lstStyle/>
+        <a:p>
+          <a:pPr marL="0" lvl="0" indent="0" algn="ctr" defTabSz="222250">
+            <a:lnSpc>
+              <a:spcPct val="90000"/>
+            </a:lnSpc>
+            <a:spcBef>
+              <a:spcPct val="0"/>
+            </a:spcBef>
+            <a:spcAft>
+              <a:spcPct val="35000"/>
+            </a:spcAft>
+            <a:buNone/>
+          </a:pPr>
+          <a:endParaRPr lang="en-US" sz="500" kern="1200"/>
+        </a:p>
+      </dsp:txBody>
+      <dsp:txXfrm>
+        <a:off x="1964581" y="1776262"/>
+        <a:ext cx="18086" cy="3617"/>
+      </dsp:txXfrm>
+    </dsp:sp>
+    <dsp:sp modelId="{73699401-302B-42CE-A5F3-F348C717DA12}">
+      <dsp:nvSpPr>
+        <dsp:cNvPr id="0" name=""/>
+        <dsp:cNvSpPr/>
+      </dsp:nvSpPr>
+      <dsp:spPr>
+        <a:xfrm>
+          <a:off x="237108" y="1306246"/>
+          <a:ext cx="1572750" cy="943650"/>
+        </a:xfrm>
+        <a:prstGeom prst="rect">
+          <a:avLst/>
+        </a:prstGeom>
+        <a:solidFill>
+          <a:schemeClr val="accent2">
+            <a:hueOff val="1418782"/>
+            <a:satOff val="3844"/>
+            <a:lumOff val="-3039"/>
+            <a:alphaOff val="0"/>
+          </a:schemeClr>
+        </a:solidFill>
+        <a:ln w="19050" cap="flat" cmpd="sng" algn="ctr">
+          <a:solidFill>
+            <a:schemeClr val="lt1">
+              <a:hueOff val="0"/>
+              <a:satOff val="0"/>
+              <a:lumOff val="0"/>
+              <a:alphaOff val="0"/>
+            </a:schemeClr>
+          </a:solidFill>
+          <a:prstDash val="solid"/>
+          <a:miter lim="800000"/>
+        </a:ln>
+        <a:effectLst/>
+      </dsp:spPr>
+      <dsp:style>
+        <a:lnRef idx="2">
+          <a:scrgbClr r="0" g="0" b="0"/>
+        </a:lnRef>
+        <a:fillRef idx="1">
+          <a:scrgbClr r="0" g="0" b="0"/>
+        </a:fillRef>
+        <a:effectRef idx="0">
+          <a:scrgbClr r="0" g="0" b="0"/>
+        </a:effectRef>
+        <a:fontRef idx="minor">
+          <a:schemeClr val="lt1"/>
+        </a:fontRef>
+      </dsp:style>
+      <dsp:txBody>
+        <a:bodyPr spcFirstLastPara="0" vert="horz" wrap="square" lIns="71120" tIns="71120" rIns="71120" bIns="71120" numCol="1" spcCol="1270" anchor="ctr" anchorCtr="0">
+          <a:noAutofit/>
+        </a:bodyPr>
+        <a:lstStyle/>
+        <a:p>
+          <a:pPr marL="0" lvl="0" indent="0" algn="ctr" defTabSz="444500">
+            <a:lnSpc>
+              <a:spcPct val="90000"/>
+            </a:lnSpc>
+            <a:spcBef>
+              <a:spcPct val="0"/>
+            </a:spcBef>
+            <a:spcAft>
+              <a:spcPct val="35000"/>
+            </a:spcAft>
+            <a:buNone/>
+          </a:pPr>
+          <a:r>
+            <a:rPr lang="en-US" sz="1000" kern="1200" dirty="0"/>
+            <a:t>Select Top 50</a:t>
+          </a:r>
+        </a:p>
+      </dsp:txBody>
+      <dsp:txXfrm>
+        <a:off x="237108" y="1306246"/>
+        <a:ext cx="1572750" cy="943650"/>
+      </dsp:txXfrm>
+    </dsp:sp>
+    <dsp:sp modelId="{73976861-8F4B-43E1-8A95-173B626F0190}">
+      <dsp:nvSpPr>
+        <dsp:cNvPr id="0" name=""/>
+        <dsp:cNvSpPr/>
+      </dsp:nvSpPr>
+      <dsp:spPr>
+        <a:xfrm>
+          <a:off x="1023483" y="2248096"/>
+          <a:ext cx="1934483" cy="331132"/>
+        </a:xfrm>
+        <a:custGeom>
+          <a:avLst/>
+          <a:gdLst/>
+          <a:ahLst/>
+          <a:cxnLst/>
+          <a:rect l="0" t="0" r="0" b="0"/>
+          <a:pathLst>
+            <a:path>
+              <a:moveTo>
+                <a:pt x="1934483" y="0"/>
+              </a:moveTo>
+              <a:lnTo>
+                <a:pt x="1934483" y="182666"/>
+              </a:lnTo>
+              <a:lnTo>
+                <a:pt x="0" y="182666"/>
+              </a:lnTo>
+              <a:lnTo>
+                <a:pt x="0" y="331132"/>
+              </a:lnTo>
+            </a:path>
+          </a:pathLst>
+        </a:custGeom>
+        <a:noFill/>
+        <a:ln w="12700" cap="flat" cmpd="sng" algn="ctr">
+          <a:solidFill>
+            <a:schemeClr val="accent2">
+              <a:hueOff val="2432198"/>
+              <a:satOff val="6589"/>
+              <a:lumOff val="-5210"/>
+              <a:alphaOff val="0"/>
+            </a:schemeClr>
+          </a:solidFill>
+          <a:prstDash val="solid"/>
+          <a:miter lim="800000"/>
+          <a:tailEnd type="arrow"/>
+        </a:ln>
+        <a:effectLst/>
+      </dsp:spPr>
+      <dsp:style>
+        <a:lnRef idx="1">
+          <a:scrgbClr r="0" g="0" b="0"/>
+        </a:lnRef>
+        <a:fillRef idx="0">
+          <a:scrgbClr r="0" g="0" b="0"/>
+        </a:fillRef>
+        <a:effectRef idx="0">
+          <a:scrgbClr r="0" g="0" b="0"/>
+        </a:effectRef>
+        <a:fontRef idx="minor"/>
+      </dsp:style>
+      <dsp:txBody>
+        <a:bodyPr spcFirstLastPara="0" vert="horz" wrap="square" lIns="12700" tIns="0" rIns="12700" bIns="0" numCol="1" spcCol="1270" anchor="ctr" anchorCtr="0">
+          <a:noAutofit/>
+        </a:bodyPr>
+        <a:lstStyle/>
+        <a:p>
+          <a:pPr marL="0" lvl="0" indent="0" algn="ctr" defTabSz="222250">
+            <a:lnSpc>
+              <a:spcPct val="90000"/>
+            </a:lnSpc>
+            <a:spcBef>
+              <a:spcPct val="0"/>
+            </a:spcBef>
+            <a:spcAft>
+              <a:spcPct val="35000"/>
+            </a:spcAft>
+            <a:buNone/>
+          </a:pPr>
+          <a:endParaRPr lang="en-US" sz="500" kern="1200"/>
+        </a:p>
+      </dsp:txBody>
+      <dsp:txXfrm>
+        <a:off x="1941524" y="2411854"/>
+        <a:ext cx="98400" cy="3617"/>
+      </dsp:txXfrm>
+    </dsp:sp>
+    <dsp:sp modelId="{AC9F0B07-24CA-4A66-8DEF-77A0451AF17A}">
+      <dsp:nvSpPr>
+        <dsp:cNvPr id="0" name=""/>
+        <dsp:cNvSpPr/>
+      </dsp:nvSpPr>
+      <dsp:spPr>
+        <a:xfrm>
+          <a:off x="2171591" y="1306246"/>
+          <a:ext cx="1572750" cy="943650"/>
+        </a:xfrm>
+        <a:prstGeom prst="rect">
+          <a:avLst/>
+        </a:prstGeom>
+        <a:solidFill>
+          <a:schemeClr val="accent2">
+            <a:hueOff val="2128173"/>
+            <a:satOff val="5766"/>
+            <a:lumOff val="-4559"/>
+            <a:alphaOff val="0"/>
+          </a:schemeClr>
+        </a:solidFill>
+        <a:ln w="19050" cap="flat" cmpd="sng" algn="ctr">
+          <a:solidFill>
+            <a:schemeClr val="lt1">
+              <a:hueOff val="0"/>
+              <a:satOff val="0"/>
+              <a:lumOff val="0"/>
+              <a:alphaOff val="0"/>
+            </a:schemeClr>
+          </a:solidFill>
+          <a:prstDash val="solid"/>
+          <a:miter lim="800000"/>
+        </a:ln>
+        <a:effectLst/>
+      </dsp:spPr>
+      <dsp:style>
+        <a:lnRef idx="2">
+          <a:scrgbClr r="0" g="0" b="0"/>
+        </a:lnRef>
+        <a:fillRef idx="1">
+          <a:scrgbClr r="0" g="0" b="0"/>
+        </a:fillRef>
+        <a:effectRef idx="0">
+          <a:scrgbClr r="0" g="0" b="0"/>
+        </a:effectRef>
+        <a:fontRef idx="minor">
+          <a:schemeClr val="lt1"/>
+        </a:fontRef>
+      </dsp:style>
+      <dsp:txBody>
+        <a:bodyPr spcFirstLastPara="0" vert="horz" wrap="square" lIns="71120" tIns="71120" rIns="71120" bIns="71120" numCol="1" spcCol="1270" anchor="t" anchorCtr="0">
+          <a:noAutofit/>
+        </a:bodyPr>
+        <a:lstStyle/>
+        <a:p>
+          <a:pPr marL="0" lvl="0" indent="0" algn="l" defTabSz="444500">
+            <a:lnSpc>
+              <a:spcPct val="90000"/>
+            </a:lnSpc>
+            <a:spcBef>
+              <a:spcPct val="0"/>
+            </a:spcBef>
+            <a:spcAft>
+              <a:spcPct val="35000"/>
+            </a:spcAft>
+            <a:buNone/>
+          </a:pPr>
+          <a:r>
+            <a:rPr lang="en-US" sz="1000" kern="1200" dirty="0"/>
+            <a:t>Flexible Refinement</a:t>
+          </a:r>
+        </a:p>
+        <a:p>
+          <a:pPr marL="57150" lvl="1" indent="-57150" algn="l" defTabSz="355600">
+            <a:lnSpc>
+              <a:spcPct val="90000"/>
+            </a:lnSpc>
+            <a:spcBef>
+              <a:spcPct val="0"/>
+            </a:spcBef>
+            <a:spcAft>
+              <a:spcPct val="15000"/>
+            </a:spcAft>
+            <a:buChar char="•"/>
+          </a:pPr>
+          <a:r>
+            <a:rPr lang="en-US" sz="800" i="1" kern="1200" dirty="0"/>
+            <a:t>semi-flexible refinement using a simulated annealing protocol through molecular dynamics simulations in torsion angle space (it1)</a:t>
+          </a:r>
+          <a:endParaRPr lang="en-US" sz="800" kern="1200" dirty="0"/>
+        </a:p>
+      </dsp:txBody>
+      <dsp:txXfrm>
+        <a:off x="2171591" y="1306246"/>
+        <a:ext cx="1572750" cy="943650"/>
+      </dsp:txXfrm>
+    </dsp:sp>
+    <dsp:sp modelId="{A1BC6239-5103-4706-8E52-FA3077528A80}">
+      <dsp:nvSpPr>
+        <dsp:cNvPr id="0" name=""/>
+        <dsp:cNvSpPr/>
+      </dsp:nvSpPr>
+      <dsp:spPr>
+        <a:xfrm>
+          <a:off x="1808058" y="3037734"/>
+          <a:ext cx="331132" cy="91440"/>
+        </a:xfrm>
+        <a:custGeom>
+          <a:avLst/>
+          <a:gdLst/>
+          <a:ahLst/>
+          <a:cxnLst/>
+          <a:rect l="0" t="0" r="0" b="0"/>
+          <a:pathLst>
+            <a:path>
+              <a:moveTo>
+                <a:pt x="0" y="45720"/>
+              </a:moveTo>
+              <a:lnTo>
+                <a:pt x="331132" y="45720"/>
+              </a:lnTo>
+            </a:path>
+          </a:pathLst>
+        </a:custGeom>
+        <a:noFill/>
+        <a:ln w="12700" cap="flat" cmpd="sng" algn="ctr">
+          <a:solidFill>
+            <a:schemeClr val="accent2">
+              <a:hueOff val="3242930"/>
+              <a:satOff val="8786"/>
+              <a:lumOff val="-6947"/>
+              <a:alphaOff val="0"/>
+            </a:schemeClr>
+          </a:solidFill>
+          <a:prstDash val="solid"/>
+          <a:miter lim="800000"/>
+          <a:tailEnd type="arrow"/>
+        </a:ln>
+        <a:effectLst/>
+      </dsp:spPr>
+      <dsp:style>
+        <a:lnRef idx="1">
+          <a:scrgbClr r="0" g="0" b="0"/>
+        </a:lnRef>
+        <a:fillRef idx="0">
+          <a:scrgbClr r="0" g="0" b="0"/>
+        </a:fillRef>
+        <a:effectRef idx="0">
+          <a:scrgbClr r="0" g="0" b="0"/>
+        </a:effectRef>
+        <a:fontRef idx="minor"/>
+      </dsp:style>
+      <dsp:txBody>
+        <a:bodyPr spcFirstLastPara="0" vert="horz" wrap="square" lIns="12700" tIns="0" rIns="12700" bIns="0" numCol="1" spcCol="1270" anchor="ctr" anchorCtr="0">
+          <a:noAutofit/>
+        </a:bodyPr>
+        <a:lstStyle/>
+        <a:p>
+          <a:pPr marL="0" lvl="0" indent="0" algn="ctr" defTabSz="222250">
+            <a:lnSpc>
+              <a:spcPct val="90000"/>
+            </a:lnSpc>
+            <a:spcBef>
+              <a:spcPct val="0"/>
+            </a:spcBef>
+            <a:spcAft>
+              <a:spcPct val="35000"/>
+            </a:spcAft>
+            <a:buNone/>
+          </a:pPr>
+          <a:endParaRPr lang="en-US" sz="500" kern="1200"/>
+        </a:p>
+      </dsp:txBody>
+      <dsp:txXfrm>
+        <a:off x="1964581" y="3081645"/>
+        <a:ext cx="18086" cy="3617"/>
+      </dsp:txXfrm>
+    </dsp:sp>
+    <dsp:sp modelId="{A1B27C3C-5F14-4E51-BF23-216FA9BE7CA6}">
+      <dsp:nvSpPr>
+        <dsp:cNvPr id="0" name=""/>
+        <dsp:cNvSpPr/>
+      </dsp:nvSpPr>
+      <dsp:spPr>
+        <a:xfrm>
+          <a:off x="237108" y="2611629"/>
+          <a:ext cx="1572750" cy="943650"/>
+        </a:xfrm>
+        <a:prstGeom prst="rect">
+          <a:avLst/>
+        </a:prstGeom>
+        <a:solidFill>
+          <a:schemeClr val="accent2">
+            <a:hueOff val="2837564"/>
+            <a:satOff val="7688"/>
+            <a:lumOff val="-6079"/>
+            <a:alphaOff val="0"/>
+          </a:schemeClr>
+        </a:solidFill>
+        <a:ln w="19050" cap="flat" cmpd="sng" algn="ctr">
+          <a:solidFill>
+            <a:schemeClr val="lt1">
+              <a:hueOff val="0"/>
+              <a:satOff val="0"/>
+              <a:lumOff val="0"/>
+              <a:alphaOff val="0"/>
+            </a:schemeClr>
+          </a:solidFill>
+          <a:prstDash val="solid"/>
+          <a:miter lim="800000"/>
+        </a:ln>
+        <a:effectLst/>
+      </dsp:spPr>
+      <dsp:style>
+        <a:lnRef idx="2">
+          <a:scrgbClr r="0" g="0" b="0"/>
+        </a:lnRef>
+        <a:fillRef idx="1">
+          <a:scrgbClr r="0" g="0" b="0"/>
+        </a:fillRef>
+        <a:effectRef idx="0">
+          <a:scrgbClr r="0" g="0" b="0"/>
+        </a:effectRef>
+        <a:fontRef idx="minor">
+          <a:schemeClr val="lt1"/>
+        </a:fontRef>
+      </dsp:style>
+      <dsp:txBody>
+        <a:bodyPr spcFirstLastPara="0" vert="horz" wrap="square" lIns="71120" tIns="71120" rIns="71120" bIns="71120" numCol="1" spcCol="1270" anchor="ctr" anchorCtr="0">
+          <a:noAutofit/>
+        </a:bodyPr>
+        <a:lstStyle/>
+        <a:p>
+          <a:pPr marL="0" lvl="0" indent="0" algn="ctr" defTabSz="444500">
+            <a:lnSpc>
+              <a:spcPct val="90000"/>
+            </a:lnSpc>
+            <a:spcBef>
+              <a:spcPct val="0"/>
+            </a:spcBef>
+            <a:spcAft>
+              <a:spcPct val="35000"/>
+            </a:spcAft>
+            <a:buNone/>
+          </a:pPr>
+          <a:r>
+            <a:rPr lang="en-US" sz="1000" kern="1200" dirty="0"/>
+            <a:t>Select Top 1 Cluster</a:t>
+          </a:r>
+        </a:p>
+      </dsp:txBody>
+      <dsp:txXfrm>
+        <a:off x="237108" y="2611629"/>
+        <a:ext cx="1572750" cy="943650"/>
+      </dsp:txXfrm>
+    </dsp:sp>
+    <dsp:sp modelId="{ED6C4AB7-0221-41B2-9045-556CC456ED7B}">
+      <dsp:nvSpPr>
+        <dsp:cNvPr id="0" name=""/>
+        <dsp:cNvSpPr/>
+      </dsp:nvSpPr>
+      <dsp:spPr>
+        <a:xfrm>
+          <a:off x="1023483" y="3553479"/>
+          <a:ext cx="1934483" cy="331132"/>
+        </a:xfrm>
+        <a:custGeom>
+          <a:avLst/>
+          <a:gdLst/>
+          <a:ahLst/>
+          <a:cxnLst/>
+          <a:rect l="0" t="0" r="0" b="0"/>
+          <a:pathLst>
+            <a:path>
+              <a:moveTo>
+                <a:pt x="1934483" y="0"/>
+              </a:moveTo>
+              <a:lnTo>
+                <a:pt x="1934483" y="182666"/>
+              </a:lnTo>
+              <a:lnTo>
+                <a:pt x="0" y="182666"/>
+              </a:lnTo>
+              <a:lnTo>
+                <a:pt x="0" y="331132"/>
+              </a:lnTo>
+            </a:path>
+          </a:pathLst>
+        </a:custGeom>
+        <a:noFill/>
+        <a:ln w="12700" cap="flat" cmpd="sng" algn="ctr">
+          <a:solidFill>
+            <a:schemeClr val="accent2">
+              <a:hueOff val="4053663"/>
+              <a:satOff val="10982"/>
+              <a:lumOff val="-8684"/>
+              <a:alphaOff val="0"/>
+            </a:schemeClr>
+          </a:solidFill>
+          <a:prstDash val="solid"/>
+          <a:miter lim="800000"/>
+          <a:tailEnd type="arrow"/>
+        </a:ln>
+        <a:effectLst/>
+      </dsp:spPr>
+      <dsp:style>
+        <a:lnRef idx="1">
+          <a:scrgbClr r="0" g="0" b="0"/>
+        </a:lnRef>
+        <a:fillRef idx="0">
+          <a:scrgbClr r="0" g="0" b="0"/>
+        </a:fillRef>
+        <a:effectRef idx="0">
+          <a:scrgbClr r="0" g="0" b="0"/>
+        </a:effectRef>
+        <a:fontRef idx="minor"/>
+      </dsp:style>
+      <dsp:txBody>
+        <a:bodyPr spcFirstLastPara="0" vert="horz" wrap="square" lIns="12700" tIns="0" rIns="12700" bIns="0" numCol="1" spcCol="1270" anchor="ctr" anchorCtr="0">
+          <a:noAutofit/>
+        </a:bodyPr>
+        <a:lstStyle/>
+        <a:p>
+          <a:pPr marL="0" lvl="0" indent="0" algn="ctr" defTabSz="222250">
+            <a:lnSpc>
+              <a:spcPct val="90000"/>
+            </a:lnSpc>
+            <a:spcBef>
+              <a:spcPct val="0"/>
+            </a:spcBef>
+            <a:spcAft>
+              <a:spcPct val="35000"/>
+            </a:spcAft>
+            <a:buNone/>
+          </a:pPr>
+          <a:endParaRPr lang="en-US" sz="500" kern="1200"/>
+        </a:p>
+      </dsp:txBody>
+      <dsp:txXfrm>
+        <a:off x="1941524" y="3717237"/>
+        <a:ext cx="98400" cy="3617"/>
+      </dsp:txXfrm>
+    </dsp:sp>
+    <dsp:sp modelId="{EDC6CA5C-B64E-4B60-9976-9E345153EA88}">
+      <dsp:nvSpPr>
+        <dsp:cNvPr id="0" name=""/>
+        <dsp:cNvSpPr/>
+      </dsp:nvSpPr>
+      <dsp:spPr>
+        <a:xfrm>
+          <a:off x="2171591" y="2611629"/>
+          <a:ext cx="1572750" cy="943650"/>
+        </a:xfrm>
+        <a:prstGeom prst="rect">
+          <a:avLst/>
+        </a:prstGeom>
+        <a:solidFill>
+          <a:schemeClr val="accent2">
+            <a:hueOff val="3546955"/>
+            <a:satOff val="9609"/>
+            <a:lumOff val="-7598"/>
+            <a:alphaOff val="0"/>
+          </a:schemeClr>
+        </a:solidFill>
+        <a:ln w="19050" cap="flat" cmpd="sng" algn="ctr">
+          <a:solidFill>
+            <a:schemeClr val="lt1">
+              <a:hueOff val="0"/>
+              <a:satOff val="0"/>
+              <a:lumOff val="0"/>
+              <a:alphaOff val="0"/>
+            </a:schemeClr>
+          </a:solidFill>
+          <a:prstDash val="solid"/>
+          <a:miter lim="800000"/>
+        </a:ln>
+        <a:effectLst/>
+      </dsp:spPr>
+      <dsp:style>
+        <a:lnRef idx="2">
+          <a:scrgbClr r="0" g="0" b="0"/>
+        </a:lnRef>
+        <a:fillRef idx="1">
+          <a:scrgbClr r="0" g="0" b="0"/>
+        </a:fillRef>
+        <a:effectRef idx="0">
+          <a:scrgbClr r="0" g="0" b="0"/>
+        </a:effectRef>
+        <a:fontRef idx="minor">
+          <a:schemeClr val="lt1"/>
+        </a:fontRef>
+      </dsp:style>
+      <dsp:txBody>
+        <a:bodyPr spcFirstLastPara="0" vert="horz" wrap="square" lIns="71120" tIns="71120" rIns="71120" bIns="71120" numCol="1" spcCol="1270" anchor="t" anchorCtr="0">
+          <a:noAutofit/>
+        </a:bodyPr>
+        <a:lstStyle/>
+        <a:p>
+          <a:pPr marL="0" lvl="0" indent="0" algn="l" defTabSz="444500">
+            <a:lnSpc>
+              <a:spcPct val="90000"/>
+            </a:lnSpc>
+            <a:spcBef>
+              <a:spcPct val="0"/>
+            </a:spcBef>
+            <a:spcAft>
+              <a:spcPct val="35000"/>
+            </a:spcAft>
+            <a:buNone/>
+          </a:pPr>
+          <a:r>
+            <a:rPr lang="en-US" sz="1000" kern="1200" dirty="0"/>
+            <a:t>Solvent Refinement</a:t>
+          </a:r>
+        </a:p>
+        <a:p>
+          <a:pPr marL="57150" lvl="1" indent="-57150" algn="l" defTabSz="355600">
+            <a:lnSpc>
+              <a:spcPct val="90000"/>
+            </a:lnSpc>
+            <a:spcBef>
+              <a:spcPct val="0"/>
+            </a:spcBef>
+            <a:spcAft>
+              <a:spcPct val="15000"/>
+            </a:spcAft>
+            <a:buChar char="•"/>
+          </a:pPr>
+          <a:r>
+            <a:rPr lang="en-US" sz="800" i="1" kern="1200" dirty="0"/>
+            <a:t>Refinement by a short molecular dynamics simulation in explicit solvent (</a:t>
+          </a:r>
+          <a:r>
+            <a:rPr lang="en-US" sz="800" i="1" kern="1200" dirty="0" err="1"/>
+            <a:t>itw</a:t>
+          </a:r>
+          <a:r>
+            <a:rPr lang="en-US" sz="800" i="1" kern="1200" dirty="0"/>
+            <a:t>)</a:t>
+          </a:r>
+          <a:endParaRPr lang="en-US" sz="800" kern="1200" dirty="0"/>
+        </a:p>
+      </dsp:txBody>
+      <dsp:txXfrm>
+        <a:off x="2171591" y="2611629"/>
+        <a:ext cx="1572750" cy="943650"/>
+      </dsp:txXfrm>
+    </dsp:sp>
+    <dsp:sp modelId="{96C8288A-0509-4FCB-9E82-3887A2A8869B}">
+      <dsp:nvSpPr>
+        <dsp:cNvPr id="0" name=""/>
+        <dsp:cNvSpPr/>
+      </dsp:nvSpPr>
+      <dsp:spPr>
+        <a:xfrm>
+          <a:off x="1808058" y="4343117"/>
+          <a:ext cx="331132" cy="91440"/>
+        </a:xfrm>
+        <a:custGeom>
+          <a:avLst/>
+          <a:gdLst/>
+          <a:ahLst/>
+          <a:cxnLst/>
+          <a:rect l="0" t="0" r="0" b="0"/>
+          <a:pathLst>
+            <a:path>
+              <a:moveTo>
+                <a:pt x="0" y="45720"/>
+              </a:moveTo>
+              <a:lnTo>
+                <a:pt x="331132" y="45720"/>
+              </a:lnTo>
+            </a:path>
+          </a:pathLst>
+        </a:custGeom>
+        <a:noFill/>
+        <a:ln w="12700" cap="flat" cmpd="sng" algn="ctr">
+          <a:solidFill>
+            <a:schemeClr val="accent2">
+              <a:hueOff val="4864395"/>
+              <a:satOff val="13179"/>
+              <a:lumOff val="-10420"/>
+              <a:alphaOff val="0"/>
+            </a:schemeClr>
+          </a:solidFill>
+          <a:prstDash val="solid"/>
+          <a:miter lim="800000"/>
+          <a:tailEnd type="arrow"/>
+        </a:ln>
+        <a:effectLst/>
+      </dsp:spPr>
+      <dsp:style>
+        <a:lnRef idx="1">
+          <a:scrgbClr r="0" g="0" b="0"/>
+        </a:lnRef>
+        <a:fillRef idx="0">
+          <a:scrgbClr r="0" g="0" b="0"/>
+        </a:fillRef>
+        <a:effectRef idx="0">
+          <a:scrgbClr r="0" g="0" b="0"/>
+        </a:effectRef>
+        <a:fontRef idx="minor"/>
+      </dsp:style>
+      <dsp:txBody>
+        <a:bodyPr spcFirstLastPara="0" vert="horz" wrap="square" lIns="12700" tIns="0" rIns="12700" bIns="0" numCol="1" spcCol="1270" anchor="ctr" anchorCtr="0">
+          <a:noAutofit/>
+        </a:bodyPr>
+        <a:lstStyle/>
+        <a:p>
+          <a:pPr marL="0" lvl="0" indent="0" algn="ctr" defTabSz="222250">
+            <a:lnSpc>
+              <a:spcPct val="90000"/>
+            </a:lnSpc>
+            <a:spcBef>
+              <a:spcPct val="0"/>
+            </a:spcBef>
+            <a:spcAft>
+              <a:spcPct val="35000"/>
+            </a:spcAft>
+            <a:buNone/>
+          </a:pPr>
+          <a:endParaRPr lang="en-US" sz="500" kern="1200"/>
+        </a:p>
+      </dsp:txBody>
+      <dsp:txXfrm>
+        <a:off x="1964581" y="4387028"/>
+        <a:ext cx="18086" cy="3617"/>
+      </dsp:txXfrm>
+    </dsp:sp>
+    <dsp:sp modelId="{923096E4-1758-4523-B7E6-BE8FFC7B7063}">
+      <dsp:nvSpPr>
+        <dsp:cNvPr id="0" name=""/>
+        <dsp:cNvSpPr/>
+      </dsp:nvSpPr>
+      <dsp:spPr>
+        <a:xfrm>
+          <a:off x="237108" y="3917012"/>
+          <a:ext cx="1572750" cy="943650"/>
+        </a:xfrm>
+        <a:prstGeom prst="rect">
+          <a:avLst/>
+        </a:prstGeom>
+        <a:solidFill>
+          <a:schemeClr val="accent2">
+            <a:hueOff val="4256346"/>
+            <a:satOff val="11531"/>
+            <a:lumOff val="-9118"/>
+            <a:alphaOff val="0"/>
+          </a:schemeClr>
+        </a:solidFill>
+        <a:ln w="19050" cap="flat" cmpd="sng" algn="ctr">
+          <a:solidFill>
+            <a:schemeClr val="lt1">
+              <a:hueOff val="0"/>
+              <a:satOff val="0"/>
+              <a:lumOff val="0"/>
+              <a:alphaOff val="0"/>
+            </a:schemeClr>
+          </a:solidFill>
+          <a:prstDash val="solid"/>
+          <a:miter lim="800000"/>
+        </a:ln>
+        <a:effectLst/>
+      </dsp:spPr>
+      <dsp:style>
+        <a:lnRef idx="2">
+          <a:scrgbClr r="0" g="0" b="0"/>
+        </a:lnRef>
+        <a:fillRef idx="1">
+          <a:scrgbClr r="0" g="0" b="0"/>
+        </a:fillRef>
+        <a:effectRef idx="0">
+          <a:scrgbClr r="0" g="0" b="0"/>
+        </a:effectRef>
+        <a:fontRef idx="minor">
+          <a:schemeClr val="lt1"/>
+        </a:fontRef>
+      </dsp:style>
+      <dsp:txBody>
+        <a:bodyPr spcFirstLastPara="0" vert="horz" wrap="square" lIns="71120" tIns="71120" rIns="71120" bIns="71120" numCol="1" spcCol="1270" anchor="t" anchorCtr="0">
+          <a:noAutofit/>
+        </a:bodyPr>
+        <a:lstStyle/>
+        <a:p>
+          <a:pPr marL="0" lvl="0" indent="0" algn="l" defTabSz="444500">
+            <a:lnSpc>
+              <a:spcPct val="90000"/>
+            </a:lnSpc>
+            <a:spcBef>
+              <a:spcPct val="0"/>
+            </a:spcBef>
+            <a:spcAft>
+              <a:spcPct val="35000"/>
+            </a:spcAft>
+            <a:buNone/>
+          </a:pPr>
+          <a:r>
+            <a:rPr lang="en-US" sz="1000" kern="1200" dirty="0"/>
+            <a:t>Molecular Dynamics Scoring</a:t>
+          </a:r>
+        </a:p>
+        <a:p>
+          <a:pPr marL="57150" lvl="1" indent="-57150" algn="l" defTabSz="355600">
+            <a:lnSpc>
+              <a:spcPct val="90000"/>
+            </a:lnSpc>
+            <a:spcBef>
+              <a:spcPct val="0"/>
+            </a:spcBef>
+            <a:spcAft>
+              <a:spcPct val="15000"/>
+            </a:spcAft>
+            <a:buChar char="•"/>
+          </a:pPr>
+          <a:r>
+            <a:rPr lang="en-US" sz="800" kern="1200" dirty="0"/>
+            <a:t>Performs a short molecular dynamics simulation on the input models and scores them.</a:t>
+          </a:r>
+        </a:p>
+      </dsp:txBody>
+      <dsp:txXfrm>
+        <a:off x="237108" y="3917012"/>
+        <a:ext cx="1572750" cy="943650"/>
+      </dsp:txXfrm>
+    </dsp:sp>
+    <dsp:sp modelId="{77F6E8B4-A6D7-4017-9682-D211F506C15B}">
+      <dsp:nvSpPr>
+        <dsp:cNvPr id="0" name=""/>
+        <dsp:cNvSpPr/>
+      </dsp:nvSpPr>
+      <dsp:spPr>
+        <a:xfrm>
+          <a:off x="1023483" y="4858862"/>
+          <a:ext cx="1934483" cy="331132"/>
+        </a:xfrm>
+        <a:custGeom>
+          <a:avLst/>
+          <a:gdLst/>
+          <a:ahLst/>
+          <a:cxnLst/>
+          <a:rect l="0" t="0" r="0" b="0"/>
+          <a:pathLst>
+            <a:path>
+              <a:moveTo>
+                <a:pt x="1934483" y="0"/>
+              </a:moveTo>
+              <a:lnTo>
+                <a:pt x="1934483" y="182666"/>
+              </a:lnTo>
+              <a:lnTo>
+                <a:pt x="0" y="182666"/>
+              </a:lnTo>
+              <a:lnTo>
+                <a:pt x="0" y="331132"/>
+              </a:lnTo>
+            </a:path>
+          </a:pathLst>
+        </a:custGeom>
+        <a:noFill/>
+        <a:ln w="12700" cap="flat" cmpd="sng" algn="ctr">
+          <a:solidFill>
+            <a:schemeClr val="accent2">
+              <a:hueOff val="5675128"/>
+              <a:satOff val="15375"/>
+              <a:lumOff val="-12157"/>
+              <a:alphaOff val="0"/>
+            </a:schemeClr>
+          </a:solidFill>
+          <a:prstDash val="solid"/>
+          <a:miter lim="800000"/>
+          <a:tailEnd type="arrow"/>
+        </a:ln>
+        <a:effectLst/>
+      </dsp:spPr>
+      <dsp:style>
+        <a:lnRef idx="1">
+          <a:scrgbClr r="0" g="0" b="0"/>
+        </a:lnRef>
+        <a:fillRef idx="0">
+          <a:scrgbClr r="0" g="0" b="0"/>
+        </a:fillRef>
+        <a:effectRef idx="0">
+          <a:scrgbClr r="0" g="0" b="0"/>
+        </a:effectRef>
+        <a:fontRef idx="minor"/>
+      </dsp:style>
+      <dsp:txBody>
+        <a:bodyPr spcFirstLastPara="0" vert="horz" wrap="square" lIns="12700" tIns="0" rIns="12700" bIns="0" numCol="1" spcCol="1270" anchor="ctr" anchorCtr="0">
+          <a:noAutofit/>
+        </a:bodyPr>
+        <a:lstStyle/>
+        <a:p>
+          <a:pPr marL="0" lvl="0" indent="0" algn="ctr" defTabSz="222250">
+            <a:lnSpc>
+              <a:spcPct val="90000"/>
+            </a:lnSpc>
+            <a:spcBef>
+              <a:spcPct val="0"/>
+            </a:spcBef>
+            <a:spcAft>
+              <a:spcPct val="35000"/>
+            </a:spcAft>
+            <a:buNone/>
+          </a:pPr>
+          <a:endParaRPr lang="en-US" sz="500" kern="1200"/>
+        </a:p>
+      </dsp:txBody>
+      <dsp:txXfrm>
+        <a:off x="1941524" y="5022620"/>
+        <a:ext cx="98400" cy="3617"/>
+      </dsp:txXfrm>
+    </dsp:sp>
+    <dsp:sp modelId="{C87BB87B-ACFE-488C-A167-BD8F9AC661A7}">
+      <dsp:nvSpPr>
+        <dsp:cNvPr id="0" name=""/>
+        <dsp:cNvSpPr/>
+      </dsp:nvSpPr>
+      <dsp:spPr>
+        <a:xfrm>
+          <a:off x="2171591" y="3917012"/>
+          <a:ext cx="1572750" cy="943650"/>
+        </a:xfrm>
+        <a:prstGeom prst="rect">
+          <a:avLst/>
+        </a:prstGeom>
+        <a:solidFill>
+          <a:schemeClr val="accent2">
+            <a:hueOff val="4965737"/>
+            <a:satOff val="13453"/>
+            <a:lumOff val="-10637"/>
+            <a:alphaOff val="0"/>
+          </a:schemeClr>
+        </a:solidFill>
+        <a:ln w="19050" cap="flat" cmpd="sng" algn="ctr">
+          <a:solidFill>
+            <a:schemeClr val="lt1">
+              <a:hueOff val="0"/>
+              <a:satOff val="0"/>
+              <a:lumOff val="0"/>
+              <a:alphaOff val="0"/>
+            </a:schemeClr>
+          </a:solidFill>
+          <a:prstDash val="solid"/>
+          <a:miter lim="800000"/>
+        </a:ln>
+        <a:effectLst/>
+      </dsp:spPr>
+      <dsp:style>
+        <a:lnRef idx="2">
+          <a:scrgbClr r="0" g="0" b="0"/>
+        </a:lnRef>
+        <a:fillRef idx="1">
+          <a:scrgbClr r="0" g="0" b="0"/>
+        </a:fillRef>
+        <a:effectRef idx="0">
+          <a:scrgbClr r="0" g="0" b="0"/>
+        </a:effectRef>
+        <a:fontRef idx="minor">
+          <a:schemeClr val="lt1"/>
+        </a:fontRef>
+      </dsp:style>
+      <dsp:txBody>
+        <a:bodyPr spcFirstLastPara="0" vert="horz" wrap="square" lIns="71120" tIns="71120" rIns="71120" bIns="71120" numCol="1" spcCol="1270" anchor="ctr" anchorCtr="0">
+          <a:noAutofit/>
+        </a:bodyPr>
+        <a:lstStyle/>
+        <a:p>
+          <a:pPr marL="0" lvl="0" indent="0" algn="ctr" defTabSz="444500">
+            <a:lnSpc>
+              <a:spcPct val="90000"/>
+            </a:lnSpc>
+            <a:spcBef>
+              <a:spcPct val="0"/>
+            </a:spcBef>
+            <a:spcAft>
+              <a:spcPct val="35000"/>
+            </a:spcAft>
+            <a:buNone/>
+          </a:pPr>
+          <a:r>
+            <a:rPr lang="en-US" sz="1000" kern="1200" dirty="0"/>
+            <a:t>Cluster based on Contacts</a:t>
+          </a:r>
+        </a:p>
+      </dsp:txBody>
+      <dsp:txXfrm>
+        <a:off x="2171591" y="3917012"/>
+        <a:ext cx="1572750" cy="943650"/>
+      </dsp:txXfrm>
+    </dsp:sp>
+    <dsp:sp modelId="{24F1E0BE-FA49-4108-B537-FFD2917A3653}">
+      <dsp:nvSpPr>
+        <dsp:cNvPr id="0" name=""/>
+        <dsp:cNvSpPr/>
+      </dsp:nvSpPr>
+      <dsp:spPr>
+        <a:xfrm>
+          <a:off x="237108" y="5222395"/>
+          <a:ext cx="1572750" cy="943650"/>
+        </a:xfrm>
+        <a:prstGeom prst="rect">
+          <a:avLst/>
+        </a:prstGeom>
+        <a:solidFill>
+          <a:schemeClr val="accent2">
+            <a:hueOff val="5675128"/>
+            <a:satOff val="15375"/>
+            <a:lumOff val="-12157"/>
+            <a:alphaOff val="0"/>
+          </a:schemeClr>
+        </a:solidFill>
+        <a:ln w="19050" cap="flat" cmpd="sng" algn="ctr">
+          <a:solidFill>
+            <a:schemeClr val="lt1">
+              <a:hueOff val="0"/>
+              <a:satOff val="0"/>
+              <a:lumOff val="0"/>
+              <a:alphaOff val="0"/>
+            </a:schemeClr>
+          </a:solidFill>
+          <a:prstDash val="solid"/>
+          <a:miter lim="800000"/>
+        </a:ln>
+        <a:effectLst/>
+      </dsp:spPr>
+      <dsp:style>
+        <a:lnRef idx="2">
+          <a:scrgbClr r="0" g="0" b="0"/>
+        </a:lnRef>
+        <a:fillRef idx="1">
+          <a:scrgbClr r="0" g="0" b="0"/>
+        </a:fillRef>
+        <a:effectRef idx="0">
+          <a:scrgbClr r="0" g="0" b="0"/>
+        </a:effectRef>
+        <a:fontRef idx="minor">
+          <a:schemeClr val="lt1"/>
+        </a:fontRef>
+      </dsp:style>
+      <dsp:txBody>
+        <a:bodyPr spcFirstLastPara="0" vert="horz" wrap="square" lIns="71120" tIns="71120" rIns="71120" bIns="71120" numCol="1" spcCol="1270" anchor="ctr" anchorCtr="0">
+          <a:noAutofit/>
+        </a:bodyPr>
+        <a:lstStyle/>
+        <a:p>
+          <a:pPr marL="0" lvl="0" indent="0" algn="ctr" defTabSz="444500">
+            <a:lnSpc>
+              <a:spcPct val="90000"/>
+            </a:lnSpc>
+            <a:spcBef>
+              <a:spcPct val="0"/>
+            </a:spcBef>
+            <a:spcAft>
+              <a:spcPct val="35000"/>
+            </a:spcAft>
+            <a:buNone/>
+          </a:pPr>
+          <a:r>
+            <a:rPr lang="en-US" sz="1000" i="0" kern="1200" dirty="0"/>
+            <a:t>Calculate CAPRI metrics</a:t>
+          </a:r>
+        </a:p>
+      </dsp:txBody>
+      <dsp:txXfrm>
+        <a:off x="237108" y="5222395"/>
+        <a:ext cx="1572750" cy="943650"/>
+      </dsp:txXfrm>
+    </dsp:sp>
+  </dsp:spTree>
+</dsp:drawing>
+</file>
+
+<file path=ppt/diagrams/layout1.xml><?xml version="1.0" encoding="utf-8"?>
+<dgm:layoutDef xmlns:dgm="http://schemas.openxmlformats.org/drawingml/2006/diagram" xmlns:a="http://schemas.openxmlformats.org/drawingml/2006/main" uniqueId="urn:microsoft.com/office/officeart/2005/8/layout/bProcess3">
+  <dgm:title val=""/>
+  <dgm:desc val=""/>
+  <dgm:catLst>
+    <dgm:cat type="process" pri="18000"/>
+  </dgm:catLst>
+  <dgm:sampData>
+    <dgm:dataModel>
+      <dgm:ptLst>
+        <dgm:pt modelId="0" type="doc"/>
+        <dgm:pt modelId="1">
+          <dgm:prSet phldr="1"/>
+        </dgm:pt>
+        <dgm:pt modelId="2">
+          <dgm:prSet phldr="1"/>
+        </dgm:pt>
+        <dgm:pt modelId="3">
+          <dgm:prSet phldr="1"/>
+        </dgm:pt>
+        <dgm:pt modelId="4">
+          <dgm:prSet phldr="1"/>
+        </dgm:pt>
+        <dgm:pt modelId="5">
+          <dgm:prSet phldr="1"/>
+        </dgm:pt>
+      </dgm:ptLst>
+      <dgm:cxnLst>
+        <dgm:cxn modelId="7" srcId="0" destId="1" srcOrd="0" destOrd="0"/>
+        <dgm:cxn modelId="8" srcId="0" destId="2" srcOrd="1" destOrd="0"/>
+        <dgm:cxn modelId="9" srcId="0" destId="3" srcOrd="2" destOrd="0"/>
+        <dgm:cxn modelId="10" srcId="0" destId="4" srcOrd="3" destOrd="0"/>
+        <dgm:cxn modelId="11" srcId="0" destId="5" srcOrd="4" destOrd="0"/>
+      </dgm:cxnLst>
+      <dgm:bg/>
+      <dgm:whole/>
+    </dgm:dataModel>
+  </dgm:sampData>
+  <dgm:styleData>
+    <dgm:dataModel>
+      <dgm:ptLst>
+        <dgm:pt modelId="0" type="doc"/>
+        <dgm:pt modelId="1"/>
+        <dgm:pt modelId="2"/>
+      </dgm:ptLst>
+      <dgm:cxnLst>
+        <dgm:cxn modelId="3" srcId="0" destId="1" srcOrd="0" destOrd="0"/>
+        <dgm:cxn modelId="4" srcId="0" destId="2" srcOrd="1" destOrd="0"/>
+      </dgm:cxnLst>
+      <dgm:bg/>
+      <dgm:whole/>
+    </dgm:dataModel>
+  </dgm:styleData>
+  <dgm:clrData>
+    <dgm:dataModel>
+      <dgm:ptLst>
+        <dgm:pt modelId="0" type="doc"/>
+        <dgm:pt modelId="1"/>
+        <dgm:pt modelId="2"/>
+        <dgm:pt modelId="3"/>
+        <dgm:pt modelId="4"/>
+      </dgm:ptLst>
+      <dgm:cxnLst>
+        <dgm:cxn modelId="5" srcId="0" destId="1" srcOrd="0" destOrd="0"/>
+        <dgm:cxn modelId="6" srcId="0" destId="2" srcOrd="1" destOrd="0"/>
+        <dgm:cxn modelId="7" srcId="0" destId="3" srcOrd="2" destOrd="0"/>
+        <dgm:cxn modelId="8" srcId="0" destId="4" srcOrd="3" destOrd="0"/>
+      </dgm:cxnLst>
+      <dgm:bg/>
+      <dgm:whole/>
+    </dgm:dataModel>
+  </dgm:clrData>
+  <dgm:layoutNode name="Name0">
+    <dgm:varLst>
+      <dgm:dir/>
+      <dgm:resizeHandles val="exact"/>
+    </dgm:varLst>
+    <dgm:choose name="Name1">
+      <dgm:if name="Name2" axis="self" func="var" arg="dir" op="equ" val="norm">
+        <dgm:alg type="snake">
+          <dgm:param type="grDir" val="tL"/>
+          <dgm:param type="flowDir" val="row"/>
+          <dgm:param type="contDir" val="sameDir"/>
+          <dgm:param type="bkpt" val="endCnv"/>
+        </dgm:alg>
+      </dgm:if>
+      <dgm:else name="Name3">
+        <dgm:alg type="snake">
+          <dgm:param type="grDir" val="tR"/>
+          <dgm:param type="flowDir" val="row"/>
+          <dgm:param type="contDir" val="sameDir"/>
+          <dgm:param type="bkpt" val="endCnv"/>
+        </dgm:alg>
+      </dgm:else>
+    </dgm:choose>
+    <dgm:shape xmlns:r="http://schemas.openxmlformats.org/officeDocument/2006/relationships" r:blip="">
+      <dgm:adjLst/>
+    </dgm:shape>
+    <dgm:presOf/>
+    <dgm:constrLst>
+      <dgm:constr type="w" for="ch" ptType="node" refType="w"/>
+      <dgm:constr type="w" for="ch" forName="sibTrans" refType="w" refFor="ch" refPtType="node" op="equ" fact="0.23"/>
+      <dgm:constr type="sp" refType="w" refFor="ch" refForName="sibTrans" op="equ"/>
+      <dgm:constr type="userB" for="des" forName="connectorText" refType="sp"/>
+      <dgm:constr type="primFontSz" for="ch" ptType="node" op="equ" val="65"/>
+      <dgm:constr type="h" for="ch" ptType="sibTrans" op="equ"/>
+      <dgm:constr type="primFontSz" for="des" forName="connectorText" op="equ" val="55"/>
+      <dgm:constr type="primFontSz" for="des" forName="connectorText" refType="primFontSz" refFor="ch" refPtType="node" op="lte" fact="0.8"/>
+    </dgm:constrLst>
+    <dgm:ruleLst/>
+    <dgm:forEach name="nodesForEach" axis="ch" ptType="node">
+      <dgm:layoutNode name="node">
+        <dgm:varLst>
+          <dgm:bulletEnabled val="1"/>
+        </dgm:varLst>
+        <dgm:alg type="tx"/>
+        <dgm:shape xmlns:r="http://schemas.openxmlformats.org/officeDocument/2006/relationships" type="rect" r:blip="">
+          <dgm:adjLst/>
+        </dgm:shape>
+        <dgm:presOf axis="desOrSelf" ptType="node"/>
+        <dgm:constrLst>
+          <dgm:constr type="h" refType="w" fact="0.6"/>
+        </dgm:constrLst>
+        <dgm:ruleLst>
+          <dgm:rule type="primFontSz" val="5" fact="NaN" max="NaN"/>
+        </dgm:ruleLst>
+      </dgm:layoutNode>
+      <dgm:forEach name="sibTransForEach" axis="followSib" ptType="sibTrans" cnt="1">
+        <dgm:layoutNode name="sibTrans">
+          <dgm:choose name="Name4">
+            <dgm:if name="Name5" axis="self" func="var" arg="dir" op="equ" val="norm">
+              <dgm:alg type="conn">
+                <dgm:param type="connRout" val="bend"/>
+                <dgm:param type="dim" val="1D"/>
+                <dgm:param type="begPts" val="midR bCtr"/>
+                <dgm:param type="endPts" val="midL tCtr"/>
+              </dgm:alg>
+            </dgm:if>
+            <dgm:else name="Name6">
+              <dgm:alg type="conn">
+                <dgm:param type="connRout" val="bend"/>
+                <dgm:param type="dim" val="1D"/>
+                <dgm:param type="begPts" val="midL bCtr"/>
+                <dgm:param type="endPts" val="midR tCtr"/>
+              </dgm:alg>
+            </dgm:else>
+          </dgm:choose>
+          <dgm:shape xmlns:r="http://schemas.openxmlformats.org/officeDocument/2006/relationships" type="conn" r:blip="" zOrderOff="-2">
+            <dgm:adjLst/>
+          </dgm:shape>
+          <dgm:presOf axis="self"/>
+          <dgm:constrLst>
+            <dgm:constr type="begPad" val="-0.05"/>
+            <dgm:constr type="endPad" val="0.9"/>
+            <dgm:constr type="userA" for="ch" refType="connDist"/>
+          </dgm:constrLst>
+          <dgm:ruleLst/>
+          <dgm:layoutNode name="connectorText">
+            <dgm:alg type="tx">
+              <dgm:param type="autoTxRot" val="upr"/>
+            </dgm:alg>
+            <dgm:shape xmlns:r="http://schemas.openxmlformats.org/officeDocument/2006/relationships" type="rect" r:blip="" hideGeom="1">
+              <dgm:adjLst/>
+            </dgm:shape>
+            <dgm:presOf axis="self"/>
+            <dgm:constrLst>
+              <dgm:constr type="userA"/>
+              <dgm:constr type="userB"/>
+              <dgm:constr type="w" refType="userA" fact="0.05"/>
+              <dgm:constr type="h" refType="userB" fact="0.01"/>
+              <dgm:constr type="lMarg" val="1"/>
+              <dgm:constr type="rMarg" val="1"/>
+              <dgm:constr type="tMarg"/>
+              <dgm:constr type="bMarg"/>
+            </dgm:constrLst>
+            <dgm:ruleLst>
+              <dgm:rule type="w" val="NaN" fact="0.6" max="NaN"/>
+              <dgm:rule type="h" val="NaN" fact="0.6" max="NaN"/>
+              <dgm:rule type="primFontSz" val="5" fact="NaN" max="NaN"/>
+            </dgm:ruleLst>
+          </dgm:layoutNode>
+        </dgm:layoutNode>
+      </dgm:forEach>
+    </dgm:forEach>
+  </dgm:layoutNode>
+</dgm:layoutDef>
+</file>
+
+<file path=ppt/diagrams/quickStyle1.xml><?xml version="1.0" encoding="utf-8"?>
+<dgm:styleDef xmlns:dgm="http://schemas.openxmlformats.org/drawingml/2006/diagram" xmlns:a="http://schemas.openxmlformats.org/drawingml/2006/main" uniqueId="urn:microsoft.com/office/officeart/2005/8/quickstyle/simple1">
+  <dgm:title val=""/>
+  <dgm:desc val=""/>
+  <dgm:catLst>
+    <dgm:cat type="simple" pri="10100"/>
+  </dgm:catLst>
+  <dgm:scene3d>
+    <a:camera prst="orthographicFront"/>
+    <a:lightRig rig="threePt" dir="t"/>
+  </dgm:scene3d>
+  <dgm:styleLbl name="node0">
+    <dgm:scene3d>
+      <a:camera prst="orthographicFront"/>
+      <a:lightRig rig="threePt" dir="t"/>
+    </dgm:scene3d>
+    <dgm:sp3d/>
+    <dgm:txPr/>
+    <dgm:style>
+      <a:lnRef idx="2">
+        <a:scrgbClr r="0" g="0" b="0"/>
+      </a:lnRef>
+      <a:fillRef idx="1">
+        <a:scrgbClr r="0" g="0" b="0"/>
+      </a:fillRef>
+      <a:effectRef idx="0">
+        <a:scrgbClr r="0" g="0" b="0"/>
+      </a:effectRef>
+      <a:fontRef idx="minor">
+        <a:schemeClr val="lt1"/>
+      </a:fontRef>
+    </dgm:style>
+  </dgm:styleLbl>
+  <dgm:styleLbl name="lnNode1">
+    <dgm:scene3d>
+      <a:camera prst="orthographicFront"/>
+      <a:lightRig rig="threePt" dir="t"/>
+    </dgm:scene3d>
+    <dgm:sp3d/>
+    <dgm:txPr/>
+    <dgm:style>
+      <a:lnRef idx="2">
+        <a:scrgbClr r="0" g="0" b="0"/>
+      </a:lnRef>
+      <a:fillRef idx="1">
+        <a:scrgbClr r="0" g="0" b="0"/>
+      </a:fillRef>
+      <a:effectRef idx="0">
+        <a:scrgbClr r="0" g="0" b="0"/>
+      </a:effectRef>
+      <a:fontRef idx="minor">
+        <a:schemeClr val="lt1"/>
+      </a:fontRef>
+    </dgm:style>
+  </dgm:styleLbl>
+  <dgm:styleLbl name="vennNode1">
+    <dgm:scene3d>
+      <a:camera prst="orthographicFront"/>
+      <a:lightRig rig="threePt" dir="t"/>
+    </dgm:scene3d>
+    <dgm:sp3d/>
+    <dgm:txPr/>
+    <dgm:style>
+      <a:lnRef idx="2">
+        <a:scrgbClr r="0" g="0" b="0"/>
+      </a:lnRef>
+      <a:fillRef idx="1">
+        <a:scrgbClr r="0" g="0" b="0"/>
+      </a:fillRef>
+      <a:effectRef idx="0">
+        <a:scrgbClr r="0" g="0" b="0"/>
+      </a:effectRef>
+      <a:fontRef idx="minor">
+        <a:schemeClr val="tx1"/>
+      </a:fontRef>
+    </dgm:style>
+  </dgm:styleLbl>
+  <dgm:styleLbl name="alignNode1">
+    <dgm:scene3d>
+      <a:camera prst="orthographicFront"/>
+      <a:lightRig rig="threePt" dir="t"/>
+    </dgm:scene3d>
+    <dgm:sp3d/>
+    <dgm:txPr/>
+    <dgm:style>
+      <a:lnRef idx="2">
+        <a:scrgbClr r="0" g="0" b="0"/>
+      </a:lnRef>
+      <a:fillRef idx="1">
+        <a:scrgbClr r="0" g="0" b="0"/>
+      </a:fillRef>
+      <a:effectRef idx="0">
+        <a:scrgbClr r="0" g="0" b="0"/>
+      </a:effectRef>
+      <a:fontRef idx="minor">
+        <a:schemeClr val="lt1"/>
+      </a:fontRef>
+    </dgm:style>
+  </dgm:styleLbl>
+  <dgm:styleLbl name="node1">
+    <dgm:scene3d>
+      <a:camera prst="orthographicFront"/>
+      <a:lightRig rig="threePt" dir="t"/>
+    </dgm:scene3d>
+    <dgm:sp3d/>
+    <dgm:txPr/>
+    <dgm:style>
+      <a:lnRef idx="2">
+        <a:scrgbClr r="0" g="0" b="0"/>
+      </a:lnRef>
+      <a:fillRef idx="1">
+        <a:scrgbClr r="0" g="0" b="0"/>
+      </a:fillRef>
+      <a:effectRef idx="0">
+        <a:scrgbClr r="0" g="0" b="0"/>
+      </a:effectRef>
+      <a:fontRef idx="minor">
+        <a:schemeClr val="lt1"/>
+      </a:fontRef>
+    </dgm:style>
+  </dgm:styleLbl>
+  <dgm:styleLbl name="node2">
+    <dgm:scene3d>
+      <a:camera prst="orthographicFront"/>
+      <a:lightRig rig="threePt" dir="t"/>
+    </dgm:scene3d>
+    <dgm:sp3d/>
+    <dgm:txPr/>
+    <dgm:style>
+      <a:lnRef idx="2">
+        <a:scrgbClr r="0" g="0" b="0"/>
+      </a:lnRef>
+      <a:fillRef idx="1">
+        <a:scrgbClr r="0" g="0" b="0"/>
+      </a:fillRef>
+      <a:effectRef idx="0">
+        <a:scrgbClr r="0" g="0" b="0"/>
+      </a:effectRef>
+      <a:fontRef idx="minor">
+        <a:schemeClr val="lt1"/>
+      </a:fontRef>
+    </dgm:style>
+  </dgm:styleLbl>
+  <dgm:styleLbl name="node3">
+    <dgm:scene3d>
+      <a:camera prst="orthographicFront"/>
+      <a:lightRig rig="threePt" dir="t"/>
+    </dgm:scene3d>
+    <dgm:sp3d/>
+    <dgm:txPr/>
+    <dgm:style>
+      <a:lnRef idx="2">
+        <a:scrgbClr r="0" g="0" b="0"/>
+      </a:lnRef>
+      <a:fillRef idx="1">
+        <a:scrgbClr r="0" g="0" b="0"/>
+      </a:fillRef>
+      <a:effectRef idx="0">
+        <a:scrgbClr r="0" g="0" b="0"/>
+      </a:effectRef>
+      <a:fontRef idx="minor">
+        <a:schemeClr val="lt1"/>
+      </a:fontRef>
+    </dgm:style>
+  </dgm:styleLbl>
+  <dgm:styleLbl name="node4">
+    <dgm:scene3d>
+      <a:camera prst="orthographicFront"/>
+      <a:lightRig rig="threePt" dir="t"/>
+    </dgm:scene3d>
+    <dgm:sp3d/>
+    <dgm:txPr/>
+    <dgm:style>
+      <a:lnRef idx="2">
+        <a:scrgbClr r="0" g="0" b="0"/>
+      </a:lnRef>
+      <a:fillRef idx="1">
+        <a:scrgbClr r="0" g="0" b="0"/>
+      </a:fillRef>
+      <a:effectRef idx="0">
+        <a:scrgbClr r="0" g="0" b="0"/>
+      </a:effectRef>
+      <a:fontRef idx="minor">
+        <a:schemeClr val="lt1"/>
+      </a:fontRef>
+    </dgm:style>
+  </dgm:styleLbl>
+  <dgm:styleLbl name="fgImgPlace1">
+    <dgm:scene3d>
+      <a:camera prst="orthographicFront"/>
+      <a:lightRig rig="threePt" dir="t"/>
+    </dgm:scene3d>
+    <dgm:sp3d/>
+    <dgm:txPr/>
+    <dgm:style>
+      <a:lnRef idx="2">
+        <a:scrgbClr r="0" g="0" b="0"/>
+      </a:lnRef>
+      <a:fillRef idx="1">
+        <a:scrgbClr r="0" g="0" b="0"/>
+      </a:fillRef>
+      <a:effectRef idx="0">
+        <a:scrgbClr r="0" g="0" b="0"/>
+      </a:effectRef>
+      <a:fontRef idx="minor"/>
+    </dgm:style>
+  </dgm:styleLbl>
+  <dgm:styleLbl name="alignImgPlace1">
+    <dgm:scene3d>
+      <a:camera prst="orthographicFront"/>
+      <a:lightRig rig="threePt" dir="t"/>
+    </dgm:scene3d>
+    <dgm:sp3d/>
+    <dgm:txPr/>
+    <dgm:style>
+      <a:lnRef idx="2">
+        <a:scrgbClr r="0" g="0" b="0"/>
+      </a:lnRef>
+      <a:fillRef idx="1">
+        <a:scrgbClr r="0" g="0" b="0"/>
+      </a:fillRef>
+      <a:effectRef idx="0">
+        <a:scrgbClr r="0" g="0" b="0"/>
+      </a:effectRef>
+      <a:fontRef idx="minor"/>
+    </dgm:style>
+  </dgm:styleLbl>
+  <dgm:styleLbl name="bgImgPlace1">
+    <dgm:scene3d>
+      <a:camera prst="orthographicFront"/>
+      <a:lightRig rig="threePt" dir="t"/>
+    </dgm:scene3d>
+    <dgm:sp3d/>
+    <dgm:txPr/>
+    <dgm:style>
+      <a:lnRef idx="2">
+        <a:scrgbClr r="0" g="0" b="0"/>
+      </a:lnRef>
+      <a:fillRef idx="1">
+        <a:scrgbClr r="0" g="0" b="0"/>
+      </a:fillRef>
+      <a:effectRef idx="0">
+        <a:scrgbClr r="0" g="0" b="0"/>
+      </a:effectRef>
+      <a:fontRef idx="minor"/>
+    </dgm:style>
+  </dgm:styleLbl>
+  <dgm:styleLbl name="sibTrans2D1">
+    <dgm:scene3d>
+      <a:camera prst="orthographicFront"/>
+      <a:lightRig rig="threePt" dir="t"/>
+    </dgm:scene3d>
+    <dgm:sp3d/>
+    <dgm:txPr/>
+    <dgm:style>
+      <a:lnRef idx="0">
+        <a:scrgbClr r="0" g="0" b="0"/>
+      </a:lnRef>
+      <a:fillRef idx="1">
+        <a:scrgbClr r="0" g="0" b="0"/>
+      </a:fillRef>
+      <a:effectRef idx="0">
+        <a:scrgbClr r="0" g="0" b="0"/>
+      </a:effectRef>
+      <a:fontRef idx="minor">
+        <a:schemeClr val="lt1"/>
+      </a:fontRef>
+    </dgm:style>
+  </dgm:styleLbl>
+  <dgm:styleLbl name="fgSibTrans2D1">
+    <dgm:scene3d>
+      <a:camera prst="orthographicFront"/>
+      <a:lightRig rig="threePt" dir="t"/>
+    </dgm:scene3d>
+    <dgm:sp3d/>
+    <dgm:txPr/>
+    <dgm:style>
+      <a:lnRef idx="0">
+        <a:scrgbClr r="0" g="0" b="0"/>
+      </a:lnRef>
+      <a:fillRef idx="1">
+        <a:scrgbClr r="0" g="0" b="0"/>
+      </a:fillRef>
+      <a:effectRef idx="0">
+        <a:scrgbClr r="0" g="0" b="0"/>
+      </a:effectRef>
+      <a:fontRef idx="minor">
+        <a:schemeClr val="lt1"/>
+      </a:fontRef>
+    </dgm:style>
+  </dgm:styleLbl>
+  <dgm:styleLbl name="bgSibTrans2D1">
+    <dgm:scene3d>
+      <a:camera prst="orthographicFront"/>
+      <a:lightRig rig="threePt" dir="t"/>
+    </dgm:scene3d>
+    <dgm:sp3d/>
+    <dgm:txPr/>
+    <dgm:style>
+      <a:lnRef idx="0">
+        <a:scrgbClr r="0" g="0" b="0"/>
+      </a:lnRef>
+      <a:fillRef idx="1">
+        <a:scrgbClr r="0" g="0" b="0"/>
+      </a:fillRef>
+      <a:effectRef idx="0">
+        <a:scrgbClr r="0" g="0" b="0"/>
+      </a:effectRef>
+      <a:fontRef idx="minor">
+        <a:schemeClr val="lt1"/>
+      </a:fontRef>
+    </dgm:style>
+  </dgm:styleLbl>
+  <dgm:styleLbl name="sibTrans1D1">
+    <dgm:scene3d>
+      <a:camera prst="orthographicFront"/>
+      <a:lightRig rig="threePt" dir="t"/>
+    </dgm:scene3d>
+    <dgm:sp3d/>
+    <dgm:txPr/>
+    <dgm:style>
+      <a:lnRef idx="1">
+        <a:scrgbClr r="0" g="0" b="0"/>
+      </a:lnRef>
+      <a:fillRef idx="0">
+        <a:scrgbClr r="0" g="0" b="0"/>
+      </a:fillRef>
+      <a:effectRef idx="0">
+        <a:scrgbClr r="0" g="0" b="0"/>
+      </a:effectRef>
+      <a:fontRef idx="minor"/>
+    </dgm:style>
+  </dgm:styleLbl>
+  <dgm:styleLbl name="callout">
+    <dgm:scene3d>
+      <a:camera prst="orthographicFront"/>
+      <a:lightRig rig="threePt" dir="t"/>
+    </dgm:scene3d>
+    <dgm:sp3d/>
+    <dgm:txPr/>
+    <dgm:style>
+      <a:lnRef idx="2">
+        <a:scrgbClr r="0" g="0" b="0"/>
+      </a:lnRef>
+      <a:fillRef idx="1">
+        <a:scrgbClr r="0" g="0" b="0"/>
+      </a:fillRef>
+      <a:effectRef idx="0">
+        <a:scrgbClr r="0" g="0" b="0"/>
+      </a:effectRef>
+      <a:fontRef idx="minor"/>
+    </dgm:style>
+  </dgm:styleLbl>
+  <dgm:styleLbl name="asst0">
+    <dgm:scene3d>
+      <a:camera prst="orthographicFront"/>
+      <a:lightRig rig="threePt" dir="t"/>
+    </dgm:scene3d>
+    <dgm:sp3d/>
+    <dgm:txPr/>
+    <dgm:style>
+      <a:lnRef idx="2">
+        <a:scrgbClr r="0" g="0" b="0"/>
+      </a:lnRef>
+      <a:fillRef idx="1">
+        <a:scrgbClr r="0" g="0" b="0"/>
+      </a:fillRef>
+      <a:effectRef idx="0">
+        <a:scrgbClr r="0" g="0" b="0"/>
+      </a:effectRef>
+      <a:fontRef idx="minor">
+        <a:schemeClr val="lt1"/>
+      </a:fontRef>
+    </dgm:style>
+  </dgm:styleLbl>
+  <dgm:styleLbl name="asst1">
+    <dgm:scene3d>
+      <a:camera prst="orthographicFront"/>
+      <a:lightRig rig="threePt" dir="t"/>
+    </dgm:scene3d>
+    <dgm:sp3d/>
+    <dgm:txPr/>
+    <dgm:style>
+      <a:lnRef idx="2">
+        <a:scrgbClr r="0" g="0" b="0"/>
+      </a:lnRef>
+      <a:fillRef idx="1">
+        <a:scrgbClr r="0" g="0" b="0"/>
+      </a:fillRef>
+      <a:effectRef idx="0">
+        <a:scrgbClr r="0" g="0" b="0"/>
+      </a:effectRef>
+      <a:fontRef idx="minor">
+        <a:schemeClr val="lt1"/>
+      </a:fontRef>
+    </dgm:style>
+  </dgm:styleLbl>
+  <dgm:styleLbl name="asst2">
+    <dgm:scene3d>
+      <a:camera prst="orthographicFront"/>
+      <a:lightRig rig="threePt" dir="t"/>
+    </dgm:scene3d>
+    <dgm:sp3d/>
+    <dgm:txPr/>
+    <dgm:style>
+      <a:lnRef idx="2">
+        <a:scrgbClr r="0" g="0" b="0"/>
+      </a:lnRef>
+      <a:fillRef idx="1">
+        <a:scrgbClr r="0" g="0" b="0"/>
+      </a:fillRef>
+      <a:effectRef idx="0">
+        <a:scrgbClr r="0" g="0" b="0"/>
+      </a:effectRef>
+      <a:fontRef idx="minor">
+        <a:schemeClr val="lt1"/>
+      </a:fontRef>
+    </dgm:style>
+  </dgm:styleLbl>
+  <dgm:styleLbl name="asst3">
+    <dgm:scene3d>
+      <a:camera prst="orthographicFront"/>
+      <a:lightRig rig="threePt" dir="t"/>
+    </dgm:scene3d>
+    <dgm:sp3d/>
+    <dgm:txPr/>
+    <dgm:style>
+      <a:lnRef idx="2">
+        <a:scrgbClr r="0" g="0" b="0"/>
+      </a:lnRef>
+      <a:fillRef idx="1">
+        <a:scrgbClr r="0" g="0" b="0"/>
+      </a:fillRef>
+      <a:effectRef idx="0">
+        <a:scrgbClr r="0" g="0" b="0"/>
+      </a:effectRef>
+      <a:fontRef idx="minor">
+        <a:schemeClr val="lt1"/>
+      </a:fontRef>
+    </dgm:style>
+  </dgm:styleLbl>
+  <dgm:styleLbl name="asst4">
+    <dgm:scene3d>
+      <a:camera prst="orthographicFront"/>
+      <a:lightRig rig="threePt" dir="t"/>
+    </dgm:scene3d>
+    <dgm:sp3d/>
+    <dgm:txPr/>
+    <dgm:style>
+      <a:lnRef idx="2">
+        <a:scrgbClr r="0" g="0" b="0"/>
+      </a:lnRef>
+      <a:fillRef idx="1">
+        <a:scrgbClr r="0" g="0" b="0"/>
+      </a:fillRef>
+      <a:effectRef idx="0">
+        <a:scrgbClr r="0" g="0" b="0"/>
+      </a:effectRef>
+      <a:fontRef idx="minor">
+        <a:schemeClr val="lt1"/>
+      </a:fontRef>
+    </dgm:style>
+  </dgm:styleLbl>
+  <dgm:styleLbl name="parChTrans2D1">
+    <dgm:scene3d>
+      <a:camera prst="orthographicFront"/>
+      <a:lightRig rig="threePt" dir="t"/>
+    </dgm:scene3d>
+    <dgm:sp3d/>
+    <dgm:txPr/>
+    <dgm:style>
+      <a:lnRef idx="2">
+        <a:scrgbClr r="0" g="0" b="0"/>
+      </a:lnRef>
+      <a:fillRef idx="1">
+        <a:scrgbClr r="0" g="0" b="0"/>
+      </a:fillRef>
+      <a:effectRef idx="0">
+        <a:scrgbClr r="0" g="0" b="0"/>
+      </a:effectRef>
+      <a:fontRef idx="minor">
+        <a:schemeClr val="lt1"/>
+      </a:fontRef>
+    </dgm:style>
+  </dgm:styleLbl>
+  <dgm:styleLbl name="parChTrans2D2">
+    <dgm:scene3d>
+      <a:camera prst="orthographicFront"/>
+      <a:lightRig rig="threePt" dir="t"/>
+    </dgm:scene3d>
+    <dgm:sp3d/>
+    <dgm:txPr/>
+    <dgm:style>
+      <a:lnRef idx="2">
+        <a:scrgbClr r="0" g="0" b="0"/>
+      </a:lnRef>
+      <a:fillRef idx="1">
+        <a:scrgbClr r="0" g="0" b="0"/>
+      </a:fillRef>
+      <a:effectRef idx="0">
+        <a:scrgbClr r="0" g="0" b="0"/>
+      </a:effectRef>
+      <a:fontRef idx="minor">
+        <a:schemeClr val="lt1"/>
+      </a:fontRef>
+    </dgm:style>
+  </dgm:styleLbl>
+  <dgm:styleLbl name="parChTrans2D3">
+    <dgm:scene3d>
+      <a:camera prst="orthographicFront"/>
+      <a:lightRig rig="threePt" dir="t"/>
+    </dgm:scene3d>
+    <dgm:sp3d/>
+    <dgm:txPr/>
+    <dgm:style>
+      <a:lnRef idx="2">
+        <a:scrgbClr r="0" g="0" b="0"/>
+      </a:lnRef>
+      <a:fillRef idx="1">
+        <a:scrgbClr r="0" g="0" b="0"/>
+      </a:fillRef>
+      <a:effectRef idx="0">
+        <a:scrgbClr r="0" g="0" b="0"/>
+      </a:effectRef>
+      <a:fontRef idx="minor">
+        <a:schemeClr val="lt1"/>
+      </a:fontRef>
+    </dgm:style>
+  </dgm:styleLbl>
+  <dgm:styleLbl name="parChTrans2D4">
+    <dgm:scene3d>
+      <a:camera prst="orthographicFront"/>
+      <a:lightRig rig="threePt" dir="t"/>
+    </dgm:scene3d>
+    <dgm:sp3d/>
+    <dgm:txPr/>
+    <dgm:style>
+      <a:lnRef idx="2">
+        <a:scrgbClr r="0" g="0" b="0"/>
+      </a:lnRef>
+      <a:fillRef idx="1">
+        <a:scrgbClr r="0" g="0" b="0"/>
+      </a:fillRef>
+      <a:effectRef idx="0">
+        <a:scrgbClr r="0" g="0" b="0"/>
+      </a:effectRef>
+      <a:fontRef idx="minor">
+        <a:schemeClr val="lt1"/>
+      </a:fontRef>
+    </dgm:style>
+  </dgm:styleLbl>
+  <dgm:styleLbl name="parChTrans1D1">
+    <dgm:scene3d>
+      <a:camera prst="orthographicFront"/>
+      <a:lightRig rig="threePt" dir="t"/>
+    </dgm:scene3d>
+    <dgm:sp3d/>
+    <dgm:txPr/>
+    <dgm:style>
+      <a:lnRef idx="2">
+        <a:scrgbClr r="0" g="0" b="0"/>
+      </a:lnRef>
+      <a:fillRef idx="0">
+        <a:scrgbClr r="0" g="0" b="0"/>
+      </a:fillRef>
+      <a:effectRef idx="0">
+        <a:scrgbClr r="0" g="0" b="0"/>
+      </a:effectRef>
+      <a:fontRef idx="minor"/>
+    </dgm:style>
+  </dgm:styleLbl>
+  <dgm:styleLbl name="parChTrans1D2">
+    <dgm:scene3d>
+      <a:camera prst="orthographicFront"/>
+      <a:lightRig rig="threePt" dir="t"/>
+    </dgm:scene3d>
+    <dgm:sp3d/>
+    <dgm:txPr/>
+    <dgm:style>
+      <a:lnRef idx="2">
+        <a:scrgbClr r="0" g="0" b="0"/>
+      </a:lnRef>
+      <a:fillRef idx="0">
+        <a:scrgbClr r="0" g="0" b="0"/>
+      </a:fillRef>
+      <a:effectRef idx="0">
+        <a:scrgbClr r="0" g="0" b="0"/>
+      </a:effectRef>
+      <a:fontRef idx="minor"/>
+    </dgm:style>
+  </dgm:styleLbl>
+  <dgm:styleLbl name="parChTrans1D3">
+    <dgm:scene3d>
+      <a:camera prst="orthographicFront"/>
+      <a:lightRig rig="threePt" dir="t"/>
+    </dgm:scene3d>
+    <dgm:sp3d/>
+    <dgm:txPr/>
+    <dgm:style>
+      <a:lnRef idx="2">
+        <a:scrgbClr r="0" g="0" b="0"/>
+      </a:lnRef>
+      <a:fillRef idx="0">
+        <a:scrgbClr r="0" g="0" b="0"/>
+      </a:fillRef>
+      <a:effectRef idx="0">
+        <a:scrgbClr r="0" g="0" b="0"/>
+      </a:effectRef>
+      <a:fontRef idx="minor"/>
+    </dgm:style>
+  </dgm:styleLbl>
+  <dgm:styleLbl name="parChTrans1D4">
+    <dgm:scene3d>
+      <a:camera prst="orthographicFront"/>
+      <a:lightRig rig="threePt" dir="t"/>
+    </dgm:scene3d>
+    <dgm:sp3d/>
+    <dgm:txPr/>
+    <dgm:style>
+      <a:lnRef idx="2">
+        <a:scrgbClr r="0" g="0" b="0"/>
+      </a:lnRef>
+      <a:fillRef idx="0">
+        <a:scrgbClr r="0" g="0" b="0"/>
+      </a:fillRef>
+      <a:effectRef idx="0">
+        <a:scrgbClr r="0" g="0" b="0"/>
+      </a:effectRef>
+      <a:fontRef idx="minor"/>
+    </dgm:style>
+  </dgm:styleLbl>
+  <dgm:styleLbl name="fgAcc1">
+    <dgm:scene3d>
+      <a:camera prst="orthographicFront"/>
+      <a:lightRig rig="threePt" dir="t"/>
+    </dgm:scene3d>
+    <dgm:sp3d/>
+    <dgm:txPr/>
+    <dgm:style>
+      <a:lnRef idx="2">
+        <a:scrgbClr r="0" g="0" b="0"/>
+      </a:lnRef>
+      <a:fillRef idx="1">
+        <a:scrgbClr r="0" g="0" b="0"/>
+      </a:fillRef>
+      <a:effectRef idx="0">
+        <a:scrgbClr r="0" g="0" b="0"/>
+      </a:effectRef>
+      <a:fontRef idx="minor"/>
+    </dgm:style>
+  </dgm:styleLbl>
+  <dgm:styleLbl name="conFgAcc1">
+    <dgm:scene3d>
+      <a:camera prst="orthographicFront"/>
+      <a:lightRig rig="threePt" dir="t"/>
+    </dgm:scene3d>
+    <dgm:sp3d/>
+    <dgm:txPr/>
+    <dgm:style>
+      <a:lnRef idx="2">
+        <a:scrgbClr r="0" g="0" b="0"/>
+      </a:lnRef>
+      <a:fillRef idx="1">
+        <a:scrgbClr r="0" g="0" b="0"/>
+      </a:fillRef>
+      <a:effectRef idx="0">
+        <a:scrgbClr r="0" g="0" b="0"/>
+      </a:effectRef>
+      <a:fontRef idx="minor"/>
+    </dgm:style>
+  </dgm:styleLbl>
+  <dgm:styleLbl name="alignAcc1">
+    <dgm:scene3d>
+      <a:camera prst="orthographicFront"/>
+      <a:lightRig rig="threePt" dir="t"/>
+    </dgm:scene3d>
+    <dgm:sp3d/>
+    <dgm:txPr/>
+    <dgm:style>
+      <a:lnRef idx="2">
+        <a:scrgbClr r="0" g="0" b="0"/>
+      </a:lnRef>
+      <a:fillRef idx="1">
+        <a:scrgbClr r="0" g="0" b="0"/>
+      </a:fillRef>
+      <a:effectRef idx="0">
+        <a:scrgbClr r="0" g="0" b="0"/>
+      </a:effectRef>
+      <a:fontRef idx="minor"/>
+    </dgm:style>
+  </dgm:styleLbl>
+  <dgm:styleLbl name="trAlignAcc1">
+    <dgm:scene3d>
+      <a:camera prst="orthographicFront"/>
+      <a:lightRig rig="threePt" dir="t"/>
+    </dgm:scene3d>
+    <dgm:sp3d/>
+    <dgm:txPr/>
+    <dgm:style>
+      <a:lnRef idx="1">
+        <a:scrgbClr r="0" g="0" b="0"/>
+      </a:lnRef>
+      <a:fillRef idx="1">
+        <a:scrgbClr r="0" g="0" b="0"/>
+      </a:fillRef>
+      <a:effectRef idx="0">
+        <a:scrgbClr r="0" g="0" b="0"/>
+      </a:effectRef>
+      <a:fontRef idx="minor"/>
+    </dgm:style>
+  </dgm:styleLbl>
+  <dgm:styleLbl name="bgAcc1">
+    <dgm:scene3d>
+      <a:camera prst="orthographicFront"/>
+      <a:lightRig rig="threePt" dir="t"/>
+    </dgm:scene3d>
+    <dgm:sp3d/>
+    <dgm:txPr/>
+    <dgm:style>
+      <a:lnRef idx="2">
+        <a:scrgbClr r="0" g="0" b="0"/>
+      </a:lnRef>
+      <a:fillRef idx="1">
+        <a:scrgbClr r="0" g="0" b="0"/>
+      </a:fillRef>
+      <a:effectRef idx="0">
+        <a:scrgbClr r="0" g="0" b="0"/>
+      </a:effectRef>
+      <a:fontRef idx="minor"/>
+    </dgm:style>
+  </dgm:styleLbl>
+  <dgm:styleLbl name="solidFgAcc1">
+    <dgm:scene3d>
+      <a:camera prst="orthographicFront"/>
+      <a:lightRig rig="threePt" dir="t"/>
+    </dgm:scene3d>
+    <dgm:sp3d/>
+    <dgm:txPr/>
+    <dgm:style>
+      <a:lnRef idx="2">
+        <a:scrgbClr r="0" g="0" b="0"/>
+      </a:lnRef>
+      <a:fillRef idx="1">
+        <a:scrgbClr r="0" g="0" b="0"/>
+      </a:fillRef>
+      <a:effectRef idx="0">
+        <a:scrgbClr r="0" g="0" b="0"/>
+      </a:effectRef>
+      <a:fontRef idx="minor"/>
+    </dgm:style>
+  </dgm:styleLbl>
+  <dgm:styleLbl name="solidAlignAcc1">
+    <dgm:scene3d>
+      <a:camera prst="orthographicFront"/>
+      <a:lightRig rig="threePt" dir="t"/>
+    </dgm:scene3d>
+    <dgm:sp3d/>
+    <dgm:txPr/>
+    <dgm:style>
+      <a:lnRef idx="2">
+        <a:scrgbClr r="0" g="0" b="0"/>
+      </a:lnRef>
+      <a:fillRef idx="1">
+        <a:scrgbClr r="0" g="0" b="0"/>
+      </a:fillRef>
+      <a:effectRef idx="0">
+        <a:scrgbClr r="0" g="0" b="0"/>
+      </a:effectRef>
+      <a:fontRef idx="minor"/>
+    </dgm:style>
+  </dgm:styleLbl>
+  <dgm:styleLbl name="solidBgAcc1">
+    <dgm:scene3d>
+      <a:camera prst="orthographicFront"/>
+      <a:lightRig rig="threePt" dir="t"/>
+    </dgm:scene3d>
+    <dgm:sp3d/>
+    <dgm:txPr/>
+    <dgm:style>
+      <a:lnRef idx="2">
+        <a:scrgbClr r="0" g="0" b="0"/>
+      </a:lnRef>
+      <a:fillRef idx="1">
+        <a:scrgbClr r="0" g="0" b="0"/>
+      </a:fillRef>
+      <a:effectRef idx="0">
+        <a:scrgbClr r="0" g="0" b="0"/>
+      </a:effectRef>
+      <a:fontRef idx="minor"/>
+    </dgm:style>
+  </dgm:styleLbl>
+  <dgm:styleLbl name="fgAccFollowNode1">
+    <dgm:scene3d>
+      <a:camera prst="orthographicFront"/>
+      <a:lightRig rig="threePt" dir="t"/>
+    </dgm:scene3d>
+    <dgm:sp3d/>
+    <dgm:txPr/>
+    <dgm:style>
+      <a:lnRef idx="2">
+        <a:scrgbClr r="0" g="0" b="0"/>
+      </a:lnRef>
+      <a:fillRef idx="1">
+        <a:scrgbClr r="0" g="0" b="0"/>
+      </a:fillRef>
+      <a:effectRef idx="0">
+        <a:scrgbClr r="0" g="0" b="0"/>
+      </a:effectRef>
+      <a:fontRef idx="minor"/>
+    </dgm:style>
+  </dgm:styleLbl>
+  <dgm:styleLbl name="alignAccFollowNode1">
+    <dgm:scene3d>
+      <a:camera prst="orthographicFront"/>
+      <a:lightRig rig="threePt" dir="t"/>
+    </dgm:scene3d>
+    <dgm:sp3d/>
+    <dgm:txPr/>
+    <dgm:style>
+      <a:lnRef idx="2">
+        <a:scrgbClr r="0" g="0" b="0"/>
+      </a:lnRef>
+      <a:fillRef idx="1">
+        <a:scrgbClr r="0" g="0" b="0"/>
+      </a:fillRef>
+      <a:effectRef idx="0">
+        <a:scrgbClr r="0" g="0" b="0"/>
+      </a:effectRef>
+      <a:fontRef idx="minor"/>
+    </dgm:style>
+  </dgm:styleLbl>
+  <dgm:styleLbl name="bgAccFollowNode1">
+    <dgm:scene3d>
+      <a:camera prst="orthographicFront"/>
+      <a:lightRig rig="threePt" dir="t"/>
+    </dgm:scene3d>
+    <dgm:sp3d/>
+    <dgm:txPr/>
+    <dgm:style>
+      <a:lnRef idx="2">
+        <a:scrgbClr r="0" g="0" b="0"/>
+      </a:lnRef>
+      <a:fillRef idx="1">
+        <a:scrgbClr r="0" g="0" b="0"/>
+      </a:fillRef>
+      <a:effectRef idx="0">
+        <a:scrgbClr r="0" g="0" b="0"/>
+      </a:effectRef>
+      <a:fontRef idx="minor"/>
+    </dgm:style>
+  </dgm:styleLbl>
+  <dgm:styleLbl name="fgAcc0">
+    <dgm:scene3d>
+      <a:camera prst="orthographicFront"/>
+      <a:lightRig rig="threePt" dir="t"/>
+    </dgm:scene3d>
+    <dgm:sp3d/>
+    <dgm:txPr/>
+    <dgm:style>
+      <a:lnRef idx="2">
+        <a:scrgbClr r="0" g="0" b="0"/>
+      </a:lnRef>
+      <a:fillRef idx="1">
+        <a:scrgbClr r="0" g="0" b="0"/>
+      </a:fillRef>
+      <a:effectRef idx="0">
+        <a:scrgbClr r="0" g="0" b="0"/>
+      </a:effectRef>
+      <a:fontRef idx="minor"/>
+    </dgm:style>
+  </dgm:styleLbl>
+  <dgm:styleLbl name="fgAcc2">
+    <dgm:scene3d>
+      <a:camera prst="orthographicFront"/>
+      <a:lightRig rig="threePt" dir="t"/>
+    </dgm:scene3d>
+    <dgm:sp3d/>
+    <dgm:txPr/>
+    <dgm:style>
+      <a:lnRef idx="2">
+        <a:scrgbClr r="0" g="0" b="0"/>
+      </a:lnRef>
+      <a:fillRef idx="1">
+        <a:scrgbClr r="0" g="0" b="0"/>
+      </a:fillRef>
+      <a:effectRef idx="0">
+        <a:scrgbClr r="0" g="0" b="0"/>
+      </a:effectRef>
+      <a:fontRef idx="minor"/>
+    </dgm:style>
+  </dgm:styleLbl>
+  <dgm:styleLbl name="fgAcc3">
+    <dgm:scene3d>
+      <a:camera prst="orthographicFront"/>
+      <a:lightRig rig="threePt" dir="t"/>
+    </dgm:scene3d>
+    <dgm:sp3d/>
+    <dgm:txPr/>
+    <dgm:style>
+      <a:lnRef idx="2">
+        <a:scrgbClr r="0" g="0" b="0"/>
+      </a:lnRef>
+      <a:fillRef idx="1">
+        <a:scrgbClr r="0" g="0" b="0"/>
+      </a:fillRef>
+      <a:effectRef idx="0">
+        <a:scrgbClr r="0" g="0" b="0"/>
+      </a:effectRef>
+      <a:fontRef idx="minor"/>
+    </dgm:style>
+  </dgm:styleLbl>
+  <dgm:styleLbl name="fgAcc4">
+    <dgm:scene3d>
+      <a:camera prst="orthographicFront"/>
+      <a:lightRig rig="threePt" dir="t"/>
+    </dgm:scene3d>
+    <dgm:sp3d/>
+    <dgm:txPr/>
+    <dgm:style>
+      <a:lnRef idx="2">
+        <a:scrgbClr r="0" g="0" b="0"/>
+      </a:lnRef>
+      <a:fillRef idx="1">
+        <a:scrgbClr r="0" g="0" b="0"/>
+      </a:fillRef>
+      <a:effectRef idx="0">
+        <a:scrgbClr r="0" g="0" b="0"/>
+      </a:effectRef>
+      <a:fontRef idx="minor"/>
+    </dgm:style>
+  </dgm:styleLbl>
+  <dgm:styleLbl name="bgShp">
+    <dgm:scene3d>
+      <a:camera prst="orthographicFront"/>
+      <a:lightRig rig="threePt" dir="t"/>
+    </dgm:scene3d>
+    <dgm:sp3d/>
+    <dgm:txPr/>
+    <dgm:style>
+      <a:lnRef idx="0">
+        <a:scrgbClr r="0" g="0" b="0"/>
+      </a:lnRef>
+      <a:fillRef idx="1">
+        <a:scrgbClr r="0" g="0" b="0"/>
+      </a:fillRef>
+      <a:effectRef idx="0">
+        <a:scrgbClr r="0" g="0" b="0"/>
+      </a:effectRef>
+      <a:fontRef idx="minor"/>
+    </dgm:style>
+  </dgm:styleLbl>
+  <dgm:styleLbl name="dkBgShp">
+    <dgm:scene3d>
+      <a:camera prst="orthographicFront"/>
+      <a:lightRig rig="threePt" dir="t"/>
+    </dgm:scene3d>
+    <dgm:sp3d/>
+    <dgm:txPr/>
+    <dgm:style>
+      <a:lnRef idx="0">
+        <a:scrgbClr r="0" g="0" b="0"/>
+      </a:lnRef>
+      <a:fillRef idx="1">
+        <a:scrgbClr r="0" g="0" b="0"/>
+      </a:fillRef>
+      <a:effectRef idx="0">
+        <a:scrgbClr r="0" g="0" b="0"/>
+      </a:effectRef>
+      <a:fontRef idx="minor"/>
+    </dgm:style>
+  </dgm:styleLbl>
+  <dgm:styleLbl name="trBgShp">
+    <dgm:scene3d>
+      <a:camera prst="orthographicFront"/>
+      <a:lightRig rig="threePt" dir="t"/>
+    </dgm:scene3d>
+    <dgm:sp3d/>
+    <dgm:txPr/>
+    <dgm:style>
+      <a:lnRef idx="0">
+        <a:scrgbClr r="0" g="0" b="0"/>
+      </a:lnRef>
+      <a:fillRef idx="1">
+        <a:scrgbClr r="0" g="0" b="0"/>
+      </a:fillRef>
+      <a:effectRef idx="0">
+        <a:scrgbClr r="0" g="0" b="0"/>
+      </a:effectRef>
+      <a:fontRef idx="minor"/>
+    </dgm:style>
+  </dgm:styleLbl>
+  <dgm:styleLbl name="fgShp">
+    <dgm:scene3d>
+      <a:camera prst="orthographicFront"/>
+      <a:lightRig rig="threePt" dir="t"/>
+    </dgm:scene3d>
+    <dgm:sp3d/>
+    <dgm:txPr/>
+    <dgm:style>
+      <a:lnRef idx="2">
+        <a:scrgbClr r="0" g="0" b="0"/>
+      </a:lnRef>
+      <a:fillRef idx="1">
+        <a:scrgbClr r="0" g="0" b="0"/>
+      </a:fillRef>
+      <a:effectRef idx="0">
+        <a:scrgbClr r="0" g="0" b="0"/>
+      </a:effectRef>
+      <a:fontRef idx="minor"/>
+    </dgm:style>
+  </dgm:styleLbl>
+  <dgm:styleLbl name="revTx">
+    <dgm:scene3d>
+      <a:camera prst="orthographicFront"/>
+      <a:lightRig rig="threePt" dir="t"/>
+    </dgm:scene3d>
+    <dgm:sp3d/>
+    <dgm:txPr/>
+    <dgm:style>
+      <a:lnRef idx="0">
+        <a:scrgbClr r="0" g="0" b="0"/>
+      </a:lnRef>
+      <a:fillRef idx="0">
+        <a:scrgbClr r="0" g="0" b="0"/>
+      </a:fillRef>
+      <a:effectRef idx="0">
+        <a:scrgbClr r="0" g="0" b="0"/>
+      </a:effectRef>
+      <a:fontRef idx="minor"/>
+    </dgm:style>
+  </dgm:styleLbl>
+</dgm:styleDef>
+</file>
+
 <file path=ppt/notesMasters/notesMaster1.xml><?xml version="1.0" encoding="utf-8"?>
 <p:notesMaster xmlns:a="http://schemas.openxmlformats.org/drawingml/2006/main" xmlns:r="http://schemas.openxmlformats.org/officeDocument/2006/relationships" xmlns:p="http://schemas.openxmlformats.org/presentationml/2006/main">
   <p:cSld>
@@ -197,7 +4495,7 @@
           <a:p>
             <a:fld id="{6A6E1F60-1704-431C-B0BF-FB2EECBD5FFE}" type="datetimeFigureOut">
               <a:rPr lang="en-US" smtClean="0"/>
-              <a:t>6/3/2024</a:t>
+              <a:t>6/4/2024</a:t>
             </a:fld>
             <a:endParaRPr lang="en-US"/>
           </a:p>
@@ -679,7 +4977,7 @@
           <a:p>
             <a:fld id="{042E5A71-3EAB-4179-B449-B9E45921E0E1}" type="datetimeFigureOut">
               <a:rPr lang="en-US" smtClean="0"/>
-              <a:t>6/3/2024</a:t>
+              <a:t>6/4/2024</a:t>
             </a:fld>
             <a:endParaRPr lang="en-US"/>
           </a:p>
@@ -849,7 +5147,7 @@
           <a:p>
             <a:fld id="{042E5A71-3EAB-4179-B449-B9E45921E0E1}" type="datetimeFigureOut">
               <a:rPr lang="en-US" smtClean="0"/>
-              <a:t>6/3/2024</a:t>
+              <a:t>6/4/2024</a:t>
             </a:fld>
             <a:endParaRPr lang="en-US"/>
           </a:p>
@@ -1029,7 +5327,7 @@
           <a:p>
             <a:fld id="{042E5A71-3EAB-4179-B449-B9E45921E0E1}" type="datetimeFigureOut">
               <a:rPr lang="en-US" smtClean="0"/>
-              <a:t>6/3/2024</a:t>
+              <a:t>6/4/2024</a:t>
             </a:fld>
             <a:endParaRPr lang="en-US"/>
           </a:p>
@@ -1199,7 +5497,7 @@
           <a:p>
             <a:fld id="{042E5A71-3EAB-4179-B449-B9E45921E0E1}" type="datetimeFigureOut">
               <a:rPr lang="en-US" smtClean="0"/>
-              <a:t>6/3/2024</a:t>
+              <a:t>6/4/2024</a:t>
             </a:fld>
             <a:endParaRPr lang="en-US"/>
           </a:p>
@@ -1445,7 +5743,7 @@
           <a:p>
             <a:fld id="{042E5A71-3EAB-4179-B449-B9E45921E0E1}" type="datetimeFigureOut">
               <a:rPr lang="en-US" smtClean="0"/>
-              <a:t>6/3/2024</a:t>
+              <a:t>6/4/2024</a:t>
             </a:fld>
             <a:endParaRPr lang="en-US"/>
           </a:p>
@@ -1677,7 +5975,7 @@
           <a:p>
             <a:fld id="{042E5A71-3EAB-4179-B449-B9E45921E0E1}" type="datetimeFigureOut">
               <a:rPr lang="en-US" smtClean="0"/>
-              <a:t>6/3/2024</a:t>
+              <a:t>6/4/2024</a:t>
             </a:fld>
             <a:endParaRPr lang="en-US"/>
           </a:p>
@@ -2044,7 +6342,7 @@
           <a:p>
             <a:fld id="{042E5A71-3EAB-4179-B449-B9E45921E0E1}" type="datetimeFigureOut">
               <a:rPr lang="en-US" smtClean="0"/>
-              <a:t>6/3/2024</a:t>
+              <a:t>6/4/2024</a:t>
             </a:fld>
             <a:endParaRPr lang="en-US"/>
           </a:p>
@@ -2162,7 +6460,7 @@
           <a:p>
             <a:fld id="{042E5A71-3EAB-4179-B449-B9E45921E0E1}" type="datetimeFigureOut">
               <a:rPr lang="en-US" smtClean="0"/>
-              <a:t>6/3/2024</a:t>
+              <a:t>6/4/2024</a:t>
             </a:fld>
             <a:endParaRPr lang="en-US"/>
           </a:p>
@@ -2257,7 +6555,7 @@
           <a:p>
             <a:fld id="{042E5A71-3EAB-4179-B449-B9E45921E0E1}" type="datetimeFigureOut">
               <a:rPr lang="en-US" smtClean="0"/>
-              <a:t>6/3/2024</a:t>
+              <a:t>6/4/2024</a:t>
             </a:fld>
             <a:endParaRPr lang="en-US"/>
           </a:p>
@@ -2534,7 +6832,7 @@
           <a:p>
             <a:fld id="{042E5A71-3EAB-4179-B449-B9E45921E0E1}" type="datetimeFigureOut">
               <a:rPr lang="en-US" smtClean="0"/>
-              <a:t>6/3/2024</a:t>
+              <a:t>6/4/2024</a:t>
             </a:fld>
             <a:endParaRPr lang="en-US"/>
           </a:p>
@@ -2791,7 +7089,7 @@
           <a:p>
             <a:fld id="{042E5A71-3EAB-4179-B449-B9E45921E0E1}" type="datetimeFigureOut">
               <a:rPr lang="en-US" smtClean="0"/>
-              <a:t>6/3/2024</a:t>
+              <a:t>6/4/2024</a:t>
             </a:fld>
             <a:endParaRPr lang="en-US"/>
           </a:p>
@@ -3004,7 +7302,7 @@
           <a:p>
             <a:fld id="{042E5A71-3EAB-4179-B449-B9E45921E0E1}" type="datetimeFigureOut">
               <a:rPr lang="en-US" smtClean="0"/>
-              <a:t>6/3/2024</a:t>
+              <a:t>6/4/2024</a:t>
             </a:fld>
             <a:endParaRPr lang="en-US"/>
           </a:p>
@@ -5141,6 +9439,870 @@
     <p:extLst>
       <p:ext uri="{BB962C8B-B14F-4D97-AF65-F5344CB8AC3E}">
         <p14:creationId xmlns:p14="http://schemas.microsoft.com/office/powerpoint/2010/main" val="1904094455"/>
+      </p:ext>
+    </p:extLst>
+  </p:cSld>
+  <p:clrMapOvr>
+    <a:masterClrMapping/>
+  </p:clrMapOvr>
+</p:sld>
+</file>
+
+<file path=ppt/slides/slide2.xml><?xml version="1.0" encoding="utf-8"?>
+<p:sld xmlns:a="http://schemas.openxmlformats.org/drawingml/2006/main" xmlns:r="http://schemas.openxmlformats.org/officeDocument/2006/relationships" xmlns:p="http://schemas.openxmlformats.org/presentationml/2006/main">
+  <p:cSld>
+    <p:spTree>
+      <p:nvGrpSpPr>
+        <p:cNvPr id="1" name=""/>
+        <p:cNvGrpSpPr/>
+        <p:nvPr/>
+      </p:nvGrpSpPr>
+      <p:grpSpPr>
+        <a:xfrm>
+          <a:off x="0" y="0"/>
+          <a:ext cx="0" cy="0"/>
+          <a:chOff x="0" y="0"/>
+          <a:chExt cx="0" cy="0"/>
+        </a:xfrm>
+      </p:grpSpPr>
+      <p:graphicFrame>
+        <p:nvGraphicFramePr>
+          <p:cNvPr id="2" name="Diagram 1">
+            <a:extLst>
+              <a:ext uri="{FF2B5EF4-FFF2-40B4-BE49-F238E27FC236}">
+                <a16:creationId xmlns:a16="http://schemas.microsoft.com/office/drawing/2014/main" id="{6954FB85-57BD-AE72-AF2F-655916A0070A}"/>
+              </a:ext>
+            </a:extLst>
+          </p:cNvPr>
+          <p:cNvGraphicFramePr/>
+          <p:nvPr>
+            <p:extLst>
+              <p:ext uri="{D42A27DB-BD31-4B8C-83A1-F6EECF244321}">
+                <p14:modId xmlns:p14="http://schemas.microsoft.com/office/powerpoint/2010/main" val="1390497092"/>
+              </p:ext>
+            </p:extLst>
+          </p:nvPr>
+        </p:nvGraphicFramePr>
+        <p:xfrm>
+          <a:off x="85725" y="224366"/>
+          <a:ext cx="3981450" cy="6166909"/>
+        </p:xfrm>
+        <a:graphic>
+          <a:graphicData uri="http://schemas.openxmlformats.org/drawingml/2006/diagram">
+            <dgm:relIds xmlns:dgm="http://schemas.openxmlformats.org/drawingml/2006/diagram" xmlns:r="http://schemas.openxmlformats.org/officeDocument/2006/relationships" r:dm="rId2" r:lo="rId3" r:qs="rId4" r:cs="rId5"/>
+          </a:graphicData>
+        </a:graphic>
+      </p:graphicFrame>
+      <p:sp>
+        <p:nvSpPr>
+          <p:cNvPr id="4" name="TextBox 3">
+            <a:extLst>
+              <a:ext uri="{FF2B5EF4-FFF2-40B4-BE49-F238E27FC236}">
+                <a16:creationId xmlns:a16="http://schemas.microsoft.com/office/drawing/2014/main" id="{67DBE367-5626-0A96-5CB4-7A4E9344CAE9}"/>
+              </a:ext>
+            </a:extLst>
+          </p:cNvPr>
+          <p:cNvSpPr txBox="1"/>
+          <p:nvPr/>
+        </p:nvSpPr>
+        <p:spPr>
+          <a:xfrm>
+            <a:off x="85725" y="6488668"/>
+            <a:ext cx="6096000" cy="369332"/>
+          </a:xfrm>
+          <a:prstGeom prst="rect">
+            <a:avLst/>
+          </a:prstGeom>
+          <a:noFill/>
+        </p:spPr>
+        <p:txBody>
+          <a:bodyPr wrap="square">
+            <a:spAutoFit/>
+          </a:bodyPr>
+          <a:lstStyle/>
+          <a:p>
+            <a:r>
+              <a:rPr lang="en-US" dirty="0"/>
+              <a:t>https://www.bonvinlab.org/haddock3/modules/index.html</a:t>
+            </a:r>
+          </a:p>
+        </p:txBody>
+      </p:sp>
+      <p:graphicFrame>
+        <p:nvGraphicFramePr>
+          <p:cNvPr id="5" name="Table 4">
+            <a:extLst>
+              <a:ext uri="{FF2B5EF4-FFF2-40B4-BE49-F238E27FC236}">
+                <a16:creationId xmlns:a16="http://schemas.microsoft.com/office/drawing/2014/main" id="{76FF6AAD-419D-0214-6BE0-0D1F4A801A5E}"/>
+              </a:ext>
+            </a:extLst>
+          </p:cNvPr>
+          <p:cNvGraphicFramePr>
+            <a:graphicFrameLocks noGrp="1"/>
+          </p:cNvGraphicFramePr>
+          <p:nvPr>
+            <p:extLst>
+              <p:ext uri="{D42A27DB-BD31-4B8C-83A1-F6EECF244321}">
+                <p14:modId xmlns:p14="http://schemas.microsoft.com/office/powerpoint/2010/main" val="4090034450"/>
+              </p:ext>
+            </p:extLst>
+          </p:nvPr>
+        </p:nvGraphicFramePr>
+        <p:xfrm>
+          <a:off x="4259175" y="1125960"/>
+          <a:ext cx="7731303" cy="4363720"/>
+        </p:xfrm>
+        <a:graphic>
+          <a:graphicData uri="http://schemas.openxmlformats.org/drawingml/2006/table">
+            <a:tbl>
+              <a:tblPr firstRow="1" bandRow="1">
+                <a:tableStyleId>{5C22544A-7EE6-4342-B048-85BDC9FD1C3A}</a:tableStyleId>
+              </a:tblPr>
+              <a:tblGrid>
+                <a:gridCol w="351155">
+                  <a:extLst>
+                    <a:ext uri="{9D8B030D-6E8A-4147-A177-3AD203B41FA5}">
+                      <a16:colId xmlns:a16="http://schemas.microsoft.com/office/drawing/2014/main" val="3335979813"/>
+                    </a:ext>
+                  </a:extLst>
+                </a:gridCol>
+                <a:gridCol w="2235829">
+                  <a:extLst>
+                    <a:ext uri="{9D8B030D-6E8A-4147-A177-3AD203B41FA5}">
+                      <a16:colId xmlns:a16="http://schemas.microsoft.com/office/drawing/2014/main" val="2425399736"/>
+                    </a:ext>
+                  </a:extLst>
+                </a:gridCol>
+                <a:gridCol w="3981951">
+                  <a:extLst>
+                    <a:ext uri="{9D8B030D-6E8A-4147-A177-3AD203B41FA5}">
+                      <a16:colId xmlns:a16="http://schemas.microsoft.com/office/drawing/2014/main" val="1644113723"/>
+                    </a:ext>
+                  </a:extLst>
+                </a:gridCol>
+                <a:gridCol w="1162368">
+                  <a:extLst>
+                    <a:ext uri="{9D8B030D-6E8A-4147-A177-3AD203B41FA5}">
+                      <a16:colId xmlns:a16="http://schemas.microsoft.com/office/drawing/2014/main" val="711569524"/>
+                    </a:ext>
+                  </a:extLst>
+                </a:gridCol>
+              </a:tblGrid>
+              <a:tr h="370840">
+                <a:tc gridSpan="2">
+                  <a:txBody>
+                    <a:bodyPr/>
+                    <a:lstStyle/>
+                    <a:p>
+                      <a:r>
+                        <a:rPr lang="en-US" sz="1400" dirty="0"/>
+                        <a:t>Step</a:t>
+                      </a:r>
+                    </a:p>
+                  </a:txBody>
+                  <a:tcPr/>
+                </a:tc>
+                <a:tc hMerge="1">
+                  <a:txBody>
+                    <a:bodyPr/>
+                    <a:lstStyle/>
+                    <a:p>
+                      <a:endParaRPr dirty="0"/>
+                    </a:p>
+                  </a:txBody>
+                  <a:tcPr/>
+                </a:tc>
+                <a:tc>
+                  <a:txBody>
+                    <a:bodyPr/>
+                    <a:lstStyle/>
+                    <a:p>
+                      <a:r>
+                        <a:rPr lang="en-US" sz="1400" dirty="0"/>
+                        <a:t>Description</a:t>
+                      </a:r>
+                    </a:p>
+                  </a:txBody>
+                  <a:tcPr/>
+                </a:tc>
+                <a:tc>
+                  <a:txBody>
+                    <a:bodyPr/>
+                    <a:lstStyle/>
+                    <a:p>
+                      <a:r>
+                        <a:rPr lang="en-US" sz="1400" dirty="0"/>
+                        <a:t># Models</a:t>
+                      </a:r>
+                    </a:p>
+                  </a:txBody>
+                  <a:tcPr/>
+                </a:tc>
+                <a:extLst>
+                  <a:ext uri="{0D108BD9-81ED-4DB2-BD59-A6C34878D82A}">
+                    <a16:rowId xmlns:a16="http://schemas.microsoft.com/office/drawing/2014/main" val="4140505163"/>
+                  </a:ext>
+                </a:extLst>
+              </a:tr>
+              <a:tr h="370840">
+                <a:tc>
+                  <a:txBody>
+                    <a:bodyPr/>
+                    <a:lstStyle/>
+                    <a:p>
+                      <a:r>
+                        <a:rPr lang="en-US" sz="1400" dirty="0"/>
+                        <a:t>1</a:t>
+                      </a:r>
+                    </a:p>
+                  </a:txBody>
+                  <a:tcPr/>
+                </a:tc>
+                <a:tc>
+                  <a:txBody>
+                    <a:bodyPr/>
+                    <a:lstStyle/>
+                    <a:p>
+                      <a:r>
+                        <a:rPr lang="en-US" sz="1400" dirty="0"/>
+                        <a:t>Topology Modeling</a:t>
+                      </a:r>
+                    </a:p>
+                  </a:txBody>
+                  <a:tcPr/>
+                </a:tc>
+                <a:tc>
+                  <a:txBody>
+                    <a:bodyPr/>
+                    <a:lstStyle/>
+                    <a:p>
+                      <a:pPr marL="0" marR="0" lvl="0" indent="0" algn="l" defTabSz="914400" rtl="0" eaLnBrk="1" fontAlgn="auto" latinLnBrk="0" hangingPunct="1">
+                        <a:lnSpc>
+                          <a:spcPct val="100000"/>
+                        </a:lnSpc>
+                        <a:spcBef>
+                          <a:spcPts val="0"/>
+                        </a:spcBef>
+                        <a:spcAft>
+                          <a:spcPts val="0"/>
+                        </a:spcAft>
+                        <a:buClrTx/>
+                        <a:buSzTx/>
+                        <a:buFontTx/>
+                        <a:buNone/>
+                        <a:tabLst/>
+                        <a:defRPr/>
+                      </a:pPr>
+                      <a:r>
+                        <a:rPr lang="en-US" sz="1400" dirty="0"/>
+                        <a:t>Create CNS all-atom topology</a:t>
+                      </a:r>
+                    </a:p>
+                  </a:txBody>
+                  <a:tcPr/>
+                </a:tc>
+                <a:tc>
+                  <a:txBody>
+                    <a:bodyPr/>
+                    <a:lstStyle/>
+                    <a:p>
+                      <a:endParaRPr lang="en-US" sz="1400" dirty="0"/>
+                    </a:p>
+                  </a:txBody>
+                  <a:tcPr/>
+                </a:tc>
+                <a:extLst>
+                  <a:ext uri="{0D108BD9-81ED-4DB2-BD59-A6C34878D82A}">
+                    <a16:rowId xmlns:a16="http://schemas.microsoft.com/office/drawing/2014/main" val="1857545487"/>
+                  </a:ext>
+                </a:extLst>
+              </a:tr>
+              <a:tr h="370840">
+                <a:tc>
+                  <a:txBody>
+                    <a:bodyPr/>
+                    <a:lstStyle/>
+                    <a:p>
+                      <a:r>
+                        <a:rPr lang="en-US" sz="1400" dirty="0"/>
+                        <a:t>2</a:t>
+                      </a:r>
+                    </a:p>
+                  </a:txBody>
+                  <a:tcPr/>
+                </a:tc>
+                <a:tc>
+                  <a:txBody>
+                    <a:bodyPr/>
+                    <a:lstStyle/>
+                    <a:p>
+                      <a:r>
+                        <a:rPr lang="en-US" sz="1400" dirty="0"/>
+                        <a:t>Rigid Body Modeling</a:t>
+                      </a:r>
+                    </a:p>
+                  </a:txBody>
+                  <a:tcPr/>
+                </a:tc>
+                <a:tc>
+                  <a:txBody>
+                    <a:bodyPr/>
+                    <a:lstStyle/>
+                    <a:p>
+                      <a:pPr marL="0" marR="0" lvl="0" indent="0" algn="l" defTabSz="914400" rtl="0" eaLnBrk="1" fontAlgn="auto" latinLnBrk="0" hangingPunct="1">
+                        <a:lnSpc>
+                          <a:spcPct val="100000"/>
+                        </a:lnSpc>
+                        <a:spcBef>
+                          <a:spcPts val="0"/>
+                        </a:spcBef>
+                        <a:spcAft>
+                          <a:spcPts val="0"/>
+                        </a:spcAft>
+                        <a:buClrTx/>
+                        <a:buSzTx/>
+                        <a:buFontTx/>
+                        <a:buNone/>
+                        <a:tabLst/>
+                        <a:defRPr/>
+                      </a:pPr>
+                      <a:r>
+                        <a:rPr lang="en-US" sz="1400" i="1" dirty="0"/>
+                        <a:t>Rigid body energy minimization with CNS (it0)</a:t>
+                      </a:r>
+                      <a:endParaRPr lang="en-US" sz="1400" dirty="0"/>
+                    </a:p>
+                  </a:txBody>
+                  <a:tcPr/>
+                </a:tc>
+                <a:tc>
+                  <a:txBody>
+                    <a:bodyPr/>
+                    <a:lstStyle/>
+                    <a:p>
+                      <a:r>
+                        <a:rPr lang="en-US" sz="1400" dirty="0"/>
+                        <a:t>200</a:t>
+                      </a:r>
+                    </a:p>
+                  </a:txBody>
+                  <a:tcPr/>
+                </a:tc>
+                <a:extLst>
+                  <a:ext uri="{0D108BD9-81ED-4DB2-BD59-A6C34878D82A}">
+                    <a16:rowId xmlns:a16="http://schemas.microsoft.com/office/drawing/2014/main" val="3564740465"/>
+                  </a:ext>
+                </a:extLst>
+              </a:tr>
+              <a:tr h="370840">
+                <a:tc>
+                  <a:txBody>
+                    <a:bodyPr/>
+                    <a:lstStyle/>
+                    <a:p>
+                      <a:r>
+                        <a:rPr lang="en-US" sz="1400" dirty="0"/>
+                        <a:t>3</a:t>
+                      </a:r>
+                    </a:p>
+                  </a:txBody>
+                  <a:tcPr/>
+                </a:tc>
+                <a:tc>
+                  <a:txBody>
+                    <a:bodyPr/>
+                    <a:lstStyle/>
+                    <a:p>
+                      <a:r>
+                        <a:rPr lang="en-US" sz="1400" dirty="0"/>
+                        <a:t>Select Top</a:t>
+                      </a:r>
+                    </a:p>
+                  </a:txBody>
+                  <a:tcPr/>
+                </a:tc>
+                <a:tc>
+                  <a:txBody>
+                    <a:bodyPr/>
+                    <a:lstStyle/>
+                    <a:p>
+                      <a:r>
+                        <a:rPr lang="en-US" sz="1400" dirty="0"/>
+                        <a:t>Select top </a:t>
+                      </a:r>
+                      <a:r>
+                        <a:rPr lang="en-US" sz="1400" i="1" dirty="0"/>
+                        <a:t>n</a:t>
+                      </a:r>
+                      <a:r>
+                        <a:rPr lang="en-US" sz="1400" dirty="0"/>
+                        <a:t> models based on HADDOCK score</a:t>
+                      </a:r>
+                    </a:p>
+                  </a:txBody>
+                  <a:tcPr/>
+                </a:tc>
+                <a:tc>
+                  <a:txBody>
+                    <a:bodyPr/>
+                    <a:lstStyle/>
+                    <a:p>
+                      <a:r>
+                        <a:rPr lang="en-US" sz="1400" dirty="0"/>
+                        <a:t>50</a:t>
+                      </a:r>
+                    </a:p>
+                  </a:txBody>
+                  <a:tcPr/>
+                </a:tc>
+                <a:extLst>
+                  <a:ext uri="{0D108BD9-81ED-4DB2-BD59-A6C34878D82A}">
+                    <a16:rowId xmlns:a16="http://schemas.microsoft.com/office/drawing/2014/main" val="1596735100"/>
+                  </a:ext>
+                </a:extLst>
+              </a:tr>
+              <a:tr h="370840">
+                <a:tc>
+                  <a:txBody>
+                    <a:bodyPr/>
+                    <a:lstStyle/>
+                    <a:p>
+                      <a:r>
+                        <a:rPr lang="en-US" sz="1400" dirty="0"/>
+                        <a:t>4</a:t>
+                      </a:r>
+                    </a:p>
+                  </a:txBody>
+                  <a:tcPr/>
+                </a:tc>
+                <a:tc>
+                  <a:txBody>
+                    <a:bodyPr/>
+                    <a:lstStyle/>
+                    <a:p>
+                      <a:r>
+                        <a:rPr lang="en-US" sz="1400" dirty="0"/>
+                        <a:t>Flexible Refinement</a:t>
+                      </a:r>
+                    </a:p>
+                  </a:txBody>
+                  <a:tcPr/>
+                </a:tc>
+                <a:tc>
+                  <a:txBody>
+                    <a:bodyPr/>
+                    <a:lstStyle/>
+                    <a:p>
+                      <a:pPr marL="0" marR="0" lvl="0" indent="0" algn="l" defTabSz="914400" rtl="0" eaLnBrk="1" fontAlgn="auto" latinLnBrk="0" hangingPunct="1">
+                        <a:lnSpc>
+                          <a:spcPct val="100000"/>
+                        </a:lnSpc>
+                        <a:spcBef>
+                          <a:spcPts val="0"/>
+                        </a:spcBef>
+                        <a:spcAft>
+                          <a:spcPts val="0"/>
+                        </a:spcAft>
+                        <a:buClrTx/>
+                        <a:buSzTx/>
+                        <a:buFontTx/>
+                        <a:buNone/>
+                        <a:tabLst/>
+                        <a:defRPr/>
+                      </a:pPr>
+                      <a:r>
+                        <a:rPr lang="en-US" sz="1400" i="1" dirty="0"/>
+                        <a:t>Semi-flexible refinement using a simulated annealing protocol through molecular dynamics simulations in torsion angle space (it1)</a:t>
+                      </a:r>
+                      <a:endParaRPr lang="en-US" sz="1400" dirty="0"/>
+                    </a:p>
+                  </a:txBody>
+                  <a:tcPr/>
+                </a:tc>
+                <a:tc>
+                  <a:txBody>
+                    <a:bodyPr/>
+                    <a:lstStyle/>
+                    <a:p>
+                      <a:r>
+                        <a:rPr lang="en-US" sz="1400" dirty="0"/>
+                        <a:t>50</a:t>
+                      </a:r>
+                    </a:p>
+                  </a:txBody>
+                  <a:tcPr/>
+                </a:tc>
+                <a:extLst>
+                  <a:ext uri="{0D108BD9-81ED-4DB2-BD59-A6C34878D82A}">
+                    <a16:rowId xmlns:a16="http://schemas.microsoft.com/office/drawing/2014/main" val="2984885279"/>
+                  </a:ext>
+                </a:extLst>
+              </a:tr>
+              <a:tr h="370840">
+                <a:tc>
+                  <a:txBody>
+                    <a:bodyPr/>
+                    <a:lstStyle/>
+                    <a:p>
+                      <a:r>
+                        <a:rPr lang="en-US" sz="1400" dirty="0"/>
+                        <a:t>5</a:t>
+                      </a:r>
+                    </a:p>
+                  </a:txBody>
+                  <a:tcPr/>
+                </a:tc>
+                <a:tc>
+                  <a:txBody>
+                    <a:bodyPr/>
+                    <a:lstStyle/>
+                    <a:p>
+                      <a:r>
+                        <a:rPr lang="en-US" sz="1400" dirty="0"/>
+                        <a:t>Select Top</a:t>
+                      </a:r>
+                    </a:p>
+                  </a:txBody>
+                  <a:tcPr/>
+                </a:tc>
+                <a:tc>
+                  <a:txBody>
+                    <a:bodyPr/>
+                    <a:lstStyle/>
+                    <a:p>
+                      <a:r>
+                        <a:rPr lang="en-US" sz="1400" dirty="0"/>
+                        <a:t>Select top </a:t>
+                      </a:r>
+                      <a:r>
+                        <a:rPr lang="en-US" sz="1400" i="1" dirty="0"/>
+                        <a:t>n</a:t>
+                      </a:r>
+                      <a:r>
+                        <a:rPr lang="en-US" sz="1400" dirty="0"/>
+                        <a:t> models based on HADDOCK score</a:t>
+                      </a:r>
+                    </a:p>
+                  </a:txBody>
+                  <a:tcPr/>
+                </a:tc>
+                <a:tc>
+                  <a:txBody>
+                    <a:bodyPr/>
+                    <a:lstStyle/>
+                    <a:p>
+                      <a:r>
+                        <a:rPr lang="en-US" sz="1400" dirty="0"/>
+                        <a:t>10</a:t>
+                      </a:r>
+                    </a:p>
+                  </a:txBody>
+                  <a:tcPr/>
+                </a:tc>
+                <a:extLst>
+                  <a:ext uri="{0D108BD9-81ED-4DB2-BD59-A6C34878D82A}">
+                    <a16:rowId xmlns:a16="http://schemas.microsoft.com/office/drawing/2014/main" val="961438372"/>
+                  </a:ext>
+                </a:extLst>
+              </a:tr>
+              <a:tr h="370840">
+                <a:tc>
+                  <a:txBody>
+                    <a:bodyPr/>
+                    <a:lstStyle/>
+                    <a:p>
+                      <a:r>
+                        <a:rPr lang="en-US" sz="1400" dirty="0"/>
+                        <a:t>6</a:t>
+                      </a:r>
+                    </a:p>
+                  </a:txBody>
+                  <a:tcPr/>
+                </a:tc>
+                <a:tc>
+                  <a:txBody>
+                    <a:bodyPr/>
+                    <a:lstStyle/>
+                    <a:p>
+                      <a:r>
+                        <a:rPr lang="en-US" sz="1400" dirty="0"/>
+                        <a:t>Solvent Refinement </a:t>
+                      </a:r>
+                    </a:p>
+                  </a:txBody>
+                  <a:tcPr/>
+                </a:tc>
+                <a:tc>
+                  <a:txBody>
+                    <a:bodyPr/>
+                    <a:lstStyle/>
+                    <a:p>
+                      <a:pPr marL="0" marR="0" lvl="0" indent="0" algn="l" defTabSz="914400" rtl="0" eaLnBrk="1" fontAlgn="auto" latinLnBrk="0" hangingPunct="1">
+                        <a:lnSpc>
+                          <a:spcPct val="100000"/>
+                        </a:lnSpc>
+                        <a:spcBef>
+                          <a:spcPts val="0"/>
+                        </a:spcBef>
+                        <a:spcAft>
+                          <a:spcPts val="0"/>
+                        </a:spcAft>
+                        <a:buClrTx/>
+                        <a:buSzTx/>
+                        <a:buFontTx/>
+                        <a:buNone/>
+                        <a:tabLst/>
+                        <a:defRPr/>
+                      </a:pPr>
+                      <a:r>
+                        <a:rPr lang="en-US" sz="1400" i="1" dirty="0"/>
+                        <a:t>Refinement by a short molecular dynamics simulation in explicit solvent (</a:t>
+                      </a:r>
+                      <a:r>
+                        <a:rPr lang="en-US" sz="1400" i="1" dirty="0" err="1"/>
+                        <a:t>itw</a:t>
+                      </a:r>
+                      <a:r>
+                        <a:rPr lang="en-US" sz="1400" i="1" dirty="0"/>
+                        <a:t>)</a:t>
+                      </a:r>
+                      <a:endParaRPr lang="en-US" sz="1400" dirty="0"/>
+                    </a:p>
+                  </a:txBody>
+                  <a:tcPr/>
+                </a:tc>
+                <a:tc>
+                  <a:txBody>
+                    <a:bodyPr/>
+                    <a:lstStyle/>
+                    <a:p>
+                      <a:r>
+                        <a:rPr lang="en-US" sz="1400" dirty="0"/>
+                        <a:t>10</a:t>
+                      </a:r>
+                    </a:p>
+                  </a:txBody>
+                  <a:tcPr/>
+                </a:tc>
+                <a:extLst>
+                  <a:ext uri="{0D108BD9-81ED-4DB2-BD59-A6C34878D82A}">
+                    <a16:rowId xmlns:a16="http://schemas.microsoft.com/office/drawing/2014/main" val="46806217"/>
+                  </a:ext>
+                </a:extLst>
+              </a:tr>
+              <a:tr h="473354">
+                <a:tc>
+                  <a:txBody>
+                    <a:bodyPr/>
+                    <a:lstStyle/>
+                    <a:p>
+                      <a:r>
+                        <a:rPr lang="en-US" sz="1400" dirty="0"/>
+                        <a:t>7</a:t>
+                      </a:r>
+                    </a:p>
+                  </a:txBody>
+                  <a:tcPr/>
+                </a:tc>
+                <a:tc>
+                  <a:txBody>
+                    <a:bodyPr/>
+                    <a:lstStyle/>
+                    <a:p>
+                      <a:r>
+                        <a:rPr lang="en-US" sz="1400" dirty="0"/>
+                        <a:t>Molecular Dynamics Scoring</a:t>
+                      </a:r>
+                    </a:p>
+                  </a:txBody>
+                  <a:tcPr/>
+                </a:tc>
+                <a:tc>
+                  <a:txBody>
+                    <a:bodyPr/>
+                    <a:lstStyle/>
+                    <a:p>
+                      <a:pPr marL="0" marR="0" lvl="0" indent="0" algn="l" defTabSz="914400" rtl="0" eaLnBrk="1" fontAlgn="auto" latinLnBrk="0" hangingPunct="1">
+                        <a:lnSpc>
+                          <a:spcPct val="100000"/>
+                        </a:lnSpc>
+                        <a:spcBef>
+                          <a:spcPts val="0"/>
+                        </a:spcBef>
+                        <a:spcAft>
+                          <a:spcPts val="0"/>
+                        </a:spcAft>
+                        <a:buClrTx/>
+                        <a:buSzTx/>
+                        <a:buFontTx/>
+                        <a:buNone/>
+                        <a:tabLst/>
+                        <a:defRPr/>
+                      </a:pPr>
+                      <a:r>
+                        <a:rPr lang="en-US" sz="1400" dirty="0"/>
+                        <a:t>Performs a short molecular dynamics simulation on the input models and scores them.</a:t>
+                      </a:r>
+                    </a:p>
+                  </a:txBody>
+                  <a:tcPr/>
+                </a:tc>
+                <a:tc>
+                  <a:txBody>
+                    <a:bodyPr/>
+                    <a:lstStyle/>
+                    <a:p>
+                      <a:r>
+                        <a:rPr lang="en-US" sz="1400" dirty="0"/>
+                        <a:t>10</a:t>
+                      </a:r>
+                    </a:p>
+                  </a:txBody>
+                  <a:tcPr/>
+                </a:tc>
+                <a:extLst>
+                  <a:ext uri="{0D108BD9-81ED-4DB2-BD59-A6C34878D82A}">
+                    <a16:rowId xmlns:a16="http://schemas.microsoft.com/office/drawing/2014/main" val="2842569068"/>
+                  </a:ext>
+                </a:extLst>
+              </a:tr>
+              <a:tr h="370840">
+                <a:tc>
+                  <a:txBody>
+                    <a:bodyPr/>
+                    <a:lstStyle/>
+                    <a:p>
+                      <a:r>
+                        <a:rPr lang="en-US" sz="1400" dirty="0"/>
+                        <a:t>8</a:t>
+                      </a:r>
+                    </a:p>
+                  </a:txBody>
+                  <a:tcPr/>
+                </a:tc>
+                <a:tc>
+                  <a:txBody>
+                    <a:bodyPr/>
+                    <a:lstStyle/>
+                    <a:p>
+                      <a:pPr marL="0" marR="0" lvl="0" indent="0" algn="l" defTabSz="914400" rtl="0" eaLnBrk="1" fontAlgn="auto" latinLnBrk="0" hangingPunct="1">
+                        <a:lnSpc>
+                          <a:spcPct val="100000"/>
+                        </a:lnSpc>
+                        <a:spcBef>
+                          <a:spcPts val="0"/>
+                        </a:spcBef>
+                        <a:spcAft>
+                          <a:spcPts val="0"/>
+                        </a:spcAft>
+                        <a:buClrTx/>
+                        <a:buSzTx/>
+                        <a:buFontTx/>
+                        <a:buNone/>
+                        <a:tabLst/>
+                        <a:defRPr/>
+                      </a:pPr>
+                      <a:r>
+                        <a:rPr lang="en-US" sz="1400" dirty="0"/>
+                        <a:t>Cluster based on Contacts</a:t>
+                      </a:r>
+                    </a:p>
+                  </a:txBody>
+                  <a:tcPr/>
+                </a:tc>
+                <a:tc>
+                  <a:txBody>
+                    <a:bodyPr/>
+                    <a:lstStyle/>
+                    <a:p>
+                      <a:endParaRPr lang="en-US" sz="1400" dirty="0"/>
+                    </a:p>
+                  </a:txBody>
+                  <a:tcPr/>
+                </a:tc>
+                <a:tc>
+                  <a:txBody>
+                    <a:bodyPr/>
+                    <a:lstStyle/>
+                    <a:p>
+                      <a:r>
+                        <a:rPr lang="en-US" sz="1400" dirty="0"/>
+                        <a:t>10</a:t>
+                      </a:r>
+                    </a:p>
+                  </a:txBody>
+                  <a:tcPr/>
+                </a:tc>
+                <a:extLst>
+                  <a:ext uri="{0D108BD9-81ED-4DB2-BD59-A6C34878D82A}">
+                    <a16:rowId xmlns:a16="http://schemas.microsoft.com/office/drawing/2014/main" val="1218646413"/>
+                  </a:ext>
+                </a:extLst>
+              </a:tr>
+              <a:tr h="370840">
+                <a:tc>
+                  <a:txBody>
+                    <a:bodyPr/>
+                    <a:lstStyle/>
+                    <a:p>
+                      <a:r>
+                        <a:rPr lang="en-US" sz="1400" dirty="0"/>
+                        <a:t>9</a:t>
+                      </a:r>
+                    </a:p>
+                  </a:txBody>
+                  <a:tcPr/>
+                </a:tc>
+                <a:tc>
+                  <a:txBody>
+                    <a:bodyPr/>
+                    <a:lstStyle/>
+                    <a:p>
+                      <a:r>
+                        <a:rPr lang="en-US" sz="1400" dirty="0"/>
+                        <a:t>Calculate CAPRI Metrics</a:t>
+                      </a:r>
+                    </a:p>
+                  </a:txBody>
+                  <a:tcPr/>
+                </a:tc>
+                <a:tc>
+                  <a:txBody>
+                    <a:bodyPr/>
+                    <a:lstStyle/>
+                    <a:p>
+                      <a:endParaRPr lang="en-US" sz="1400"/>
+                    </a:p>
+                  </a:txBody>
+                  <a:tcPr/>
+                </a:tc>
+                <a:tc>
+                  <a:txBody>
+                    <a:bodyPr/>
+                    <a:lstStyle/>
+                    <a:p>
+                      <a:r>
+                        <a:rPr lang="en-US" sz="1400" dirty="0"/>
+                        <a:t>10</a:t>
+                      </a:r>
+                    </a:p>
+                  </a:txBody>
+                  <a:tcPr/>
+                </a:tc>
+                <a:extLst>
+                  <a:ext uri="{0D108BD9-81ED-4DB2-BD59-A6C34878D82A}">
+                    <a16:rowId xmlns:a16="http://schemas.microsoft.com/office/drawing/2014/main" val="909870362"/>
+                  </a:ext>
+                </a:extLst>
+              </a:tr>
+            </a:tbl>
+          </a:graphicData>
+        </a:graphic>
+      </p:graphicFrame>
+    </p:spTree>
+    <p:extLst>
+      <p:ext uri="{BB962C8B-B14F-4D97-AF65-F5344CB8AC3E}">
+        <p14:creationId xmlns:p14="http://schemas.microsoft.com/office/powerpoint/2010/main" val="3609139387"/>
       </p:ext>
     </p:extLst>
   </p:cSld>

--- a/figures/Workflow.pptx
+++ b/figures/Workflow.pptx
@@ -1420,42 +1420,6 @@
         </a:p>
       </dgm:t>
     </dgm:pt>
-    <dgm:pt modelId="{ACC33CEC-62A0-47DB-B6A8-36619620365E}">
-      <dgm:prSet phldrT="[Text]"/>
-      <dgm:spPr/>
-      <dgm:t>
-        <a:bodyPr/>
-        <a:lstStyle/>
-        <a:p>
-          <a:r>
-            <a:rPr lang="en-US" dirty="0"/>
-            <a:t>Cluster based on Contacts</a:t>
-          </a:r>
-        </a:p>
-      </dgm:t>
-    </dgm:pt>
-    <dgm:pt modelId="{408B8078-38AD-41B5-B9F7-2EF45DD9DF3A}" type="parTrans" cxnId="{EB70D869-B0E2-4471-A3CA-845E7DFC3B7E}">
-      <dgm:prSet/>
-      <dgm:spPr/>
-      <dgm:t>
-        <a:bodyPr/>
-        <a:lstStyle/>
-        <a:p>
-          <a:endParaRPr lang="en-US"/>
-        </a:p>
-      </dgm:t>
-    </dgm:pt>
-    <dgm:pt modelId="{78AFC349-EA41-48AA-8FC4-3D6C2AB5D4A9}" type="sibTrans" cxnId="{EB70D869-B0E2-4471-A3CA-845E7DFC3B7E}">
-      <dgm:prSet/>
-      <dgm:spPr/>
-      <dgm:t>
-        <a:bodyPr/>
-        <a:lstStyle/>
-        <a:p>
-          <a:endParaRPr lang="en-US"/>
-        </a:p>
-      </dgm:t>
-    </dgm:pt>
     <dgm:pt modelId="{3947D610-E62D-4C28-9CBF-57E380EEC5B6}" type="pres">
       <dgm:prSet presAssocID="{2C51816A-3FA0-4E56-BBB7-EB629C6769DA}" presName="Name0" presStyleCnt="0">
         <dgm:presLayoutVars>
@@ -1466,7 +1430,7 @@
       <dgm:spPr/>
     </dgm:pt>
     <dgm:pt modelId="{D88FD4A9-3995-4332-905A-770D098929CA}" type="pres">
-      <dgm:prSet presAssocID="{07EFBE8F-148A-44BE-BE37-B2F953F2A897}" presName="node" presStyleLbl="node1" presStyleIdx="0" presStyleCnt="9">
+      <dgm:prSet presAssocID="{07EFBE8F-148A-44BE-BE37-B2F953F2A897}" presName="node" presStyleLbl="node1" presStyleIdx="0" presStyleCnt="8">
         <dgm:presLayoutVars>
           <dgm:bulletEnabled val="1"/>
         </dgm:presLayoutVars>
@@ -1474,15 +1438,15 @@
       <dgm:spPr/>
     </dgm:pt>
     <dgm:pt modelId="{92540282-BCAF-4823-96AC-89F7B7B0E3B6}" type="pres">
-      <dgm:prSet presAssocID="{0E882212-4C7C-4437-9A27-70CF7DD7A2E0}" presName="sibTrans" presStyleLbl="sibTrans1D1" presStyleIdx="0" presStyleCnt="8"/>
+      <dgm:prSet presAssocID="{0E882212-4C7C-4437-9A27-70CF7DD7A2E0}" presName="sibTrans" presStyleLbl="sibTrans1D1" presStyleIdx="0" presStyleCnt="7"/>
       <dgm:spPr/>
     </dgm:pt>
     <dgm:pt modelId="{1717C6B7-1BAD-4E13-AA96-6045594F3BEA}" type="pres">
-      <dgm:prSet presAssocID="{0E882212-4C7C-4437-9A27-70CF7DD7A2E0}" presName="connectorText" presStyleLbl="sibTrans1D1" presStyleIdx="0" presStyleCnt="8"/>
+      <dgm:prSet presAssocID="{0E882212-4C7C-4437-9A27-70CF7DD7A2E0}" presName="connectorText" presStyleLbl="sibTrans1D1" presStyleIdx="0" presStyleCnt="7"/>
       <dgm:spPr/>
     </dgm:pt>
     <dgm:pt modelId="{8321943B-8E0D-48D5-9AC3-FE8F25A1ABD8}" type="pres">
-      <dgm:prSet presAssocID="{D7F4CB82-F4A9-46E6-974B-A91AD55DD853}" presName="node" presStyleLbl="node1" presStyleIdx="1" presStyleCnt="9">
+      <dgm:prSet presAssocID="{D7F4CB82-F4A9-46E6-974B-A91AD55DD853}" presName="node" presStyleLbl="node1" presStyleIdx="1" presStyleCnt="8">
         <dgm:presLayoutVars>
           <dgm:bulletEnabled val="1"/>
         </dgm:presLayoutVars>
@@ -1490,15 +1454,15 @@
       <dgm:spPr/>
     </dgm:pt>
     <dgm:pt modelId="{CF25F124-B583-4992-8CF8-080D77F9FEE2}" type="pres">
-      <dgm:prSet presAssocID="{865263D2-48B5-4CD2-9418-E0C0443D6022}" presName="sibTrans" presStyleLbl="sibTrans1D1" presStyleIdx="1" presStyleCnt="8"/>
+      <dgm:prSet presAssocID="{865263D2-48B5-4CD2-9418-E0C0443D6022}" presName="sibTrans" presStyleLbl="sibTrans1D1" presStyleIdx="1" presStyleCnt="7"/>
       <dgm:spPr/>
     </dgm:pt>
     <dgm:pt modelId="{13E7DF31-E9D7-4631-8620-B0769DBF55BB}" type="pres">
-      <dgm:prSet presAssocID="{865263D2-48B5-4CD2-9418-E0C0443D6022}" presName="connectorText" presStyleLbl="sibTrans1D1" presStyleIdx="1" presStyleCnt="8"/>
+      <dgm:prSet presAssocID="{865263D2-48B5-4CD2-9418-E0C0443D6022}" presName="connectorText" presStyleLbl="sibTrans1D1" presStyleIdx="1" presStyleCnt="7"/>
       <dgm:spPr/>
     </dgm:pt>
     <dgm:pt modelId="{73699401-302B-42CE-A5F3-F348C717DA12}" type="pres">
-      <dgm:prSet presAssocID="{ED7EF4D6-F530-4E5C-9C5E-A455F28C1138}" presName="node" presStyleLbl="node1" presStyleIdx="2" presStyleCnt="9">
+      <dgm:prSet presAssocID="{ED7EF4D6-F530-4E5C-9C5E-A455F28C1138}" presName="node" presStyleLbl="node1" presStyleIdx="2" presStyleCnt="8">
         <dgm:presLayoutVars>
           <dgm:bulletEnabled val="1"/>
         </dgm:presLayoutVars>
@@ -1506,15 +1470,15 @@
       <dgm:spPr/>
     </dgm:pt>
     <dgm:pt modelId="{BD5C47F2-53D6-480B-A685-7E34492B1444}" type="pres">
-      <dgm:prSet presAssocID="{D61C189E-D013-4CE7-A79B-9AF2D7AFDB90}" presName="sibTrans" presStyleLbl="sibTrans1D1" presStyleIdx="2" presStyleCnt="8"/>
+      <dgm:prSet presAssocID="{D61C189E-D013-4CE7-A79B-9AF2D7AFDB90}" presName="sibTrans" presStyleLbl="sibTrans1D1" presStyleIdx="2" presStyleCnt="7"/>
       <dgm:spPr/>
     </dgm:pt>
     <dgm:pt modelId="{78B16691-6DEF-49F2-9C48-8F4424DE1059}" type="pres">
-      <dgm:prSet presAssocID="{D61C189E-D013-4CE7-A79B-9AF2D7AFDB90}" presName="connectorText" presStyleLbl="sibTrans1D1" presStyleIdx="2" presStyleCnt="8"/>
+      <dgm:prSet presAssocID="{D61C189E-D013-4CE7-A79B-9AF2D7AFDB90}" presName="connectorText" presStyleLbl="sibTrans1D1" presStyleIdx="2" presStyleCnt="7"/>
       <dgm:spPr/>
     </dgm:pt>
     <dgm:pt modelId="{AC9F0B07-24CA-4A66-8DEF-77A0451AF17A}" type="pres">
-      <dgm:prSet presAssocID="{984B680A-88DA-44A4-A8D0-3317105BE9F7}" presName="node" presStyleLbl="node1" presStyleIdx="3" presStyleCnt="9">
+      <dgm:prSet presAssocID="{984B680A-88DA-44A4-A8D0-3317105BE9F7}" presName="node" presStyleLbl="node1" presStyleIdx="3" presStyleCnt="8">
         <dgm:presLayoutVars>
           <dgm:bulletEnabled val="1"/>
         </dgm:presLayoutVars>
@@ -1522,15 +1486,15 @@
       <dgm:spPr/>
     </dgm:pt>
     <dgm:pt modelId="{73976861-8F4B-43E1-8A95-173B626F0190}" type="pres">
-      <dgm:prSet presAssocID="{1E65890B-E9B3-4D62-BEBE-D307DFB09A9A}" presName="sibTrans" presStyleLbl="sibTrans1D1" presStyleIdx="3" presStyleCnt="8"/>
+      <dgm:prSet presAssocID="{1E65890B-E9B3-4D62-BEBE-D307DFB09A9A}" presName="sibTrans" presStyleLbl="sibTrans1D1" presStyleIdx="3" presStyleCnt="7"/>
       <dgm:spPr/>
     </dgm:pt>
     <dgm:pt modelId="{30641874-2E81-44E9-B1D0-48F8520552C9}" type="pres">
-      <dgm:prSet presAssocID="{1E65890B-E9B3-4D62-BEBE-D307DFB09A9A}" presName="connectorText" presStyleLbl="sibTrans1D1" presStyleIdx="3" presStyleCnt="8"/>
+      <dgm:prSet presAssocID="{1E65890B-E9B3-4D62-BEBE-D307DFB09A9A}" presName="connectorText" presStyleLbl="sibTrans1D1" presStyleIdx="3" presStyleCnt="7"/>
       <dgm:spPr/>
     </dgm:pt>
     <dgm:pt modelId="{A1B27C3C-5F14-4E51-BF23-216FA9BE7CA6}" type="pres">
-      <dgm:prSet presAssocID="{12EFD806-F31A-4191-BAEF-64B530415ED9}" presName="node" presStyleLbl="node1" presStyleIdx="4" presStyleCnt="9">
+      <dgm:prSet presAssocID="{12EFD806-F31A-4191-BAEF-64B530415ED9}" presName="node" presStyleLbl="node1" presStyleIdx="4" presStyleCnt="8">
         <dgm:presLayoutVars>
           <dgm:bulletEnabled val="1"/>
         </dgm:presLayoutVars>
@@ -1538,15 +1502,15 @@
       <dgm:spPr/>
     </dgm:pt>
     <dgm:pt modelId="{A1BC6239-5103-4706-8E52-FA3077528A80}" type="pres">
-      <dgm:prSet presAssocID="{31CAA017-AF37-48A9-A805-B587B3A2EE3C}" presName="sibTrans" presStyleLbl="sibTrans1D1" presStyleIdx="4" presStyleCnt="8"/>
+      <dgm:prSet presAssocID="{31CAA017-AF37-48A9-A805-B587B3A2EE3C}" presName="sibTrans" presStyleLbl="sibTrans1D1" presStyleIdx="4" presStyleCnt="7"/>
       <dgm:spPr/>
     </dgm:pt>
     <dgm:pt modelId="{F6211ECB-920E-4D06-8833-B9B8981C6EAD}" type="pres">
-      <dgm:prSet presAssocID="{31CAA017-AF37-48A9-A805-B587B3A2EE3C}" presName="connectorText" presStyleLbl="sibTrans1D1" presStyleIdx="4" presStyleCnt="8"/>
+      <dgm:prSet presAssocID="{31CAA017-AF37-48A9-A805-B587B3A2EE3C}" presName="connectorText" presStyleLbl="sibTrans1D1" presStyleIdx="4" presStyleCnt="7"/>
       <dgm:spPr/>
     </dgm:pt>
     <dgm:pt modelId="{EDC6CA5C-B64E-4B60-9976-9E345153EA88}" type="pres">
-      <dgm:prSet presAssocID="{94A83885-D46D-4A6B-84E1-866FE27DF947}" presName="node" presStyleLbl="node1" presStyleIdx="5" presStyleCnt="9">
+      <dgm:prSet presAssocID="{94A83885-D46D-4A6B-84E1-866FE27DF947}" presName="node" presStyleLbl="node1" presStyleIdx="5" presStyleCnt="8">
         <dgm:presLayoutVars>
           <dgm:bulletEnabled val="1"/>
         </dgm:presLayoutVars>
@@ -1554,15 +1518,15 @@
       <dgm:spPr/>
     </dgm:pt>
     <dgm:pt modelId="{ED6C4AB7-0221-41B2-9045-556CC456ED7B}" type="pres">
-      <dgm:prSet presAssocID="{03704BC2-A6D9-47FE-B5E4-F926BD565EEC}" presName="sibTrans" presStyleLbl="sibTrans1D1" presStyleIdx="5" presStyleCnt="8"/>
+      <dgm:prSet presAssocID="{03704BC2-A6D9-47FE-B5E4-F926BD565EEC}" presName="sibTrans" presStyleLbl="sibTrans1D1" presStyleIdx="5" presStyleCnt="7"/>
       <dgm:spPr/>
     </dgm:pt>
     <dgm:pt modelId="{845EABB7-048E-4992-B7B1-4EE749EAD2F1}" type="pres">
-      <dgm:prSet presAssocID="{03704BC2-A6D9-47FE-B5E4-F926BD565EEC}" presName="connectorText" presStyleLbl="sibTrans1D1" presStyleIdx="5" presStyleCnt="8"/>
+      <dgm:prSet presAssocID="{03704BC2-A6D9-47FE-B5E4-F926BD565EEC}" presName="connectorText" presStyleLbl="sibTrans1D1" presStyleIdx="5" presStyleCnt="7"/>
       <dgm:spPr/>
     </dgm:pt>
     <dgm:pt modelId="{923096E4-1758-4523-B7E6-BE8FFC7B7063}" type="pres">
-      <dgm:prSet presAssocID="{71F968E8-F80B-4880-B033-5BA463255BC7}" presName="node" presStyleLbl="node1" presStyleIdx="6" presStyleCnt="9">
+      <dgm:prSet presAssocID="{71F968E8-F80B-4880-B033-5BA463255BC7}" presName="node" presStyleLbl="node1" presStyleIdx="6" presStyleCnt="8">
         <dgm:presLayoutVars>
           <dgm:bulletEnabled val="1"/>
         </dgm:presLayoutVars>
@@ -1570,31 +1534,15 @@
       <dgm:spPr/>
     </dgm:pt>
     <dgm:pt modelId="{96C8288A-0509-4FCB-9E82-3887A2A8869B}" type="pres">
-      <dgm:prSet presAssocID="{5B4F7496-7FC8-4BD0-AEFF-B530855C32EC}" presName="sibTrans" presStyleLbl="sibTrans1D1" presStyleIdx="6" presStyleCnt="8"/>
+      <dgm:prSet presAssocID="{5B4F7496-7FC8-4BD0-AEFF-B530855C32EC}" presName="sibTrans" presStyleLbl="sibTrans1D1" presStyleIdx="6" presStyleCnt="7"/>
       <dgm:spPr/>
     </dgm:pt>
     <dgm:pt modelId="{E015EB6F-0F2B-438B-BACD-667E42EF8E46}" type="pres">
-      <dgm:prSet presAssocID="{5B4F7496-7FC8-4BD0-AEFF-B530855C32EC}" presName="connectorText" presStyleLbl="sibTrans1D1" presStyleIdx="6" presStyleCnt="8"/>
-      <dgm:spPr/>
-    </dgm:pt>
-    <dgm:pt modelId="{C87BB87B-ACFE-488C-A167-BD8F9AC661A7}" type="pres">
-      <dgm:prSet presAssocID="{ACC33CEC-62A0-47DB-B6A8-36619620365E}" presName="node" presStyleLbl="node1" presStyleIdx="7" presStyleCnt="9">
-        <dgm:presLayoutVars>
-          <dgm:bulletEnabled val="1"/>
-        </dgm:presLayoutVars>
-      </dgm:prSet>
-      <dgm:spPr/>
-    </dgm:pt>
-    <dgm:pt modelId="{77F6E8B4-A6D7-4017-9682-D211F506C15B}" type="pres">
-      <dgm:prSet presAssocID="{78AFC349-EA41-48AA-8FC4-3D6C2AB5D4A9}" presName="sibTrans" presStyleLbl="sibTrans1D1" presStyleIdx="7" presStyleCnt="8"/>
-      <dgm:spPr/>
-    </dgm:pt>
-    <dgm:pt modelId="{62CB8948-565E-41D6-9545-E1D92807D28E}" type="pres">
-      <dgm:prSet presAssocID="{78AFC349-EA41-48AA-8FC4-3D6C2AB5D4A9}" presName="connectorText" presStyleLbl="sibTrans1D1" presStyleIdx="7" presStyleCnt="8"/>
+      <dgm:prSet presAssocID="{5B4F7496-7FC8-4BD0-AEFF-B530855C32EC}" presName="connectorText" presStyleLbl="sibTrans1D1" presStyleIdx="6" presStyleCnt="7"/>
       <dgm:spPr/>
     </dgm:pt>
     <dgm:pt modelId="{24F1E0BE-FA49-4108-B537-FFD2917A3653}" type="pres">
-      <dgm:prSet presAssocID="{08FE72B4-6FD4-40F3-97F0-C24060459316}" presName="node" presStyleLbl="node1" presStyleIdx="8" presStyleCnt="9">
+      <dgm:prSet presAssocID="{08FE72B4-6FD4-40F3-97F0-C24060459316}" presName="node" presStyleLbl="node1" presStyleIdx="7" presStyleCnt="8">
         <dgm:presLayoutVars>
           <dgm:bulletEnabled val="1"/>
         </dgm:presLayoutVars>
@@ -1614,11 +1562,9 @@
     <dgm:cxn modelId="{00C8712F-6623-4E1E-82CB-A0F6D0EA0658}" type="presOf" srcId="{D7F4CB82-F4A9-46E6-974B-A91AD55DD853}" destId="{8321943B-8E0D-48D5-9AC3-FE8F25A1ABD8}" srcOrd="0" destOrd="0" presId="urn:microsoft.com/office/officeart/2005/8/layout/bProcess3"/>
     <dgm:cxn modelId="{955C4432-A903-49AE-AD97-C856E324C803}" type="presOf" srcId="{03704BC2-A6D9-47FE-B5E4-F926BD565EEC}" destId="{845EABB7-048E-4992-B7B1-4EE749EAD2F1}" srcOrd="1" destOrd="0" presId="urn:microsoft.com/office/officeart/2005/8/layout/bProcess3"/>
     <dgm:cxn modelId="{2541EA33-88FB-405C-8275-8DCD26240025}" type="presOf" srcId="{5B4F7496-7FC8-4BD0-AEFF-B530855C32EC}" destId="{96C8288A-0509-4FCB-9E82-3887A2A8869B}" srcOrd="0" destOrd="0" presId="urn:microsoft.com/office/officeart/2005/8/layout/bProcess3"/>
-    <dgm:cxn modelId="{31308137-8595-4456-B3B7-8ED05ABD7B4F}" type="presOf" srcId="{ACC33CEC-62A0-47DB-B6A8-36619620365E}" destId="{C87BB87B-ACFE-488C-A167-BD8F9AC661A7}" srcOrd="0" destOrd="0" presId="urn:microsoft.com/office/officeart/2005/8/layout/bProcess3"/>
     <dgm:cxn modelId="{9F74693B-00AE-451D-ABBE-10E522161BA5}" srcId="{2C51816A-3FA0-4E56-BBB7-EB629C6769DA}" destId="{12EFD806-F31A-4191-BAEF-64B530415ED9}" srcOrd="4" destOrd="0" parTransId="{7632AED8-FF0A-4379-9318-AC19679D32AA}" sibTransId="{31CAA017-AF37-48A9-A805-B587B3A2EE3C}"/>
     <dgm:cxn modelId="{3F3B2B3D-DCBF-47F8-A84F-9F1A1D47B3BE}" srcId="{D7F4CB82-F4A9-46E6-974B-A91AD55DD853}" destId="{8B9D00D3-2F6E-42E2-A34A-F58E22C0EEE4}" srcOrd="0" destOrd="0" parTransId="{D1716229-44EE-44DB-A48C-1B302B234E31}" sibTransId="{F67DE878-65D1-4A66-8400-80F54683220C}"/>
     <dgm:cxn modelId="{22B27467-803B-4D2A-9E0A-96FFC48C479E}" type="presOf" srcId="{8B9D00D3-2F6E-42E2-A34A-F58E22C0EEE4}" destId="{8321943B-8E0D-48D5-9AC3-FE8F25A1ABD8}" srcOrd="0" destOrd="1" presId="urn:microsoft.com/office/officeart/2005/8/layout/bProcess3"/>
-    <dgm:cxn modelId="{EB70D869-B0E2-4471-A3CA-845E7DFC3B7E}" srcId="{2C51816A-3FA0-4E56-BBB7-EB629C6769DA}" destId="{ACC33CEC-62A0-47DB-B6A8-36619620365E}" srcOrd="7" destOrd="0" parTransId="{408B8078-38AD-41B5-B9F7-2EF45DD9DF3A}" sibTransId="{78AFC349-EA41-48AA-8FC4-3D6C2AB5D4A9}"/>
     <dgm:cxn modelId="{CF25014A-8011-4E64-9188-542C17048C61}" type="presOf" srcId="{31CAA017-AF37-48A9-A805-B587B3A2EE3C}" destId="{F6211ECB-920E-4D06-8833-B9B8981C6EAD}" srcOrd="1" destOrd="0" presId="urn:microsoft.com/office/officeart/2005/8/layout/bProcess3"/>
     <dgm:cxn modelId="{966FAF6A-1F75-419A-8E38-13C50EA3C477}" type="presOf" srcId="{1E65890B-E9B3-4D62-BEBE-D307DFB09A9A}" destId="{30641874-2E81-44E9-B1D0-48F8520552C9}" srcOrd="1" destOrd="0" presId="urn:microsoft.com/office/officeart/2005/8/layout/bProcess3"/>
     <dgm:cxn modelId="{680CF051-C61C-4979-A22D-25EFEDAFB9AF}" type="presOf" srcId="{984B680A-88DA-44A4-A8D0-3317105BE9F7}" destId="{AC9F0B07-24CA-4A66-8DEF-77A0451AF17A}" srcOrd="0" destOrd="0" presId="urn:microsoft.com/office/officeart/2005/8/layout/bProcess3"/>
@@ -1633,7 +1579,6 @@
     <dgm:cxn modelId="{59527998-BCDE-432A-B5A5-7CC4D72040BD}" type="presOf" srcId="{3D25B6C0-5560-4B6A-A479-01C187E65D94}" destId="{AC9F0B07-24CA-4A66-8DEF-77A0451AF17A}" srcOrd="0" destOrd="1" presId="urn:microsoft.com/office/officeart/2005/8/layout/bProcess3"/>
     <dgm:cxn modelId="{D4880999-FEA0-4D4D-A02F-6FB10A67D2B2}" type="presOf" srcId="{D61C189E-D013-4CE7-A79B-9AF2D7AFDB90}" destId="{BD5C47F2-53D6-480B-A685-7E34492B1444}" srcOrd="0" destOrd="0" presId="urn:microsoft.com/office/officeart/2005/8/layout/bProcess3"/>
     <dgm:cxn modelId="{72FC92A4-F022-47E9-A415-329148AC408E}" type="presOf" srcId="{0E882212-4C7C-4437-9A27-70CF7DD7A2E0}" destId="{1717C6B7-1BAD-4E13-AA96-6045594F3BEA}" srcOrd="1" destOrd="0" presId="urn:microsoft.com/office/officeart/2005/8/layout/bProcess3"/>
-    <dgm:cxn modelId="{2042D6AB-3F8C-4897-93E2-F37A37C89347}" type="presOf" srcId="{78AFC349-EA41-48AA-8FC4-3D6C2AB5D4A9}" destId="{62CB8948-565E-41D6-9545-E1D92807D28E}" srcOrd="1" destOrd="0" presId="urn:microsoft.com/office/officeart/2005/8/layout/bProcess3"/>
     <dgm:cxn modelId="{5E81F6B4-D495-4206-B576-A58302102D7C}" type="presOf" srcId="{12EFD806-F31A-4191-BAEF-64B530415ED9}" destId="{A1B27C3C-5F14-4E51-BF23-216FA9BE7CA6}" srcOrd="0" destOrd="0" presId="urn:microsoft.com/office/officeart/2005/8/layout/bProcess3"/>
     <dgm:cxn modelId="{A44152BB-E18E-4E7E-A33B-76CBF29B79DD}" type="presOf" srcId="{2C51816A-3FA0-4E56-BBB7-EB629C6769DA}" destId="{3947D610-E62D-4C28-9CBF-57E380EEC5B6}" srcOrd="0" destOrd="0" presId="urn:microsoft.com/office/officeart/2005/8/layout/bProcess3"/>
     <dgm:cxn modelId="{23F5FABD-9A91-4B03-AFFF-41F474D21B9A}" type="presOf" srcId="{D61C189E-D013-4CE7-A79B-9AF2D7AFDB90}" destId="{78B16691-6DEF-49F2-9C48-8F4424DE1059}" srcOrd="1" destOrd="0" presId="urn:microsoft.com/office/officeart/2005/8/layout/bProcess3"/>
@@ -1641,10 +1586,9 @@
     <dgm:cxn modelId="{168F99BF-E342-4B87-9F6F-5FE047FCFBE3}" type="presOf" srcId="{5B4F7496-7FC8-4BD0-AEFF-B530855C32EC}" destId="{E015EB6F-0F2B-438B-BACD-667E42EF8E46}" srcOrd="1" destOrd="0" presId="urn:microsoft.com/office/officeart/2005/8/layout/bProcess3"/>
     <dgm:cxn modelId="{5B1D2CCA-F15D-43C6-8794-7D87552DF92B}" type="presOf" srcId="{1E65890B-E9B3-4D62-BEBE-D307DFB09A9A}" destId="{73976861-8F4B-43E1-8A95-173B626F0190}" srcOrd="0" destOrd="0" presId="urn:microsoft.com/office/officeart/2005/8/layout/bProcess3"/>
     <dgm:cxn modelId="{D32F1BD9-50A1-4924-A10D-903F10B9CA05}" type="presOf" srcId="{865263D2-48B5-4CD2-9418-E0C0443D6022}" destId="{13E7DF31-E9D7-4631-8620-B0769DBF55BB}" srcOrd="1" destOrd="0" presId="urn:microsoft.com/office/officeart/2005/8/layout/bProcess3"/>
-    <dgm:cxn modelId="{4C2223D9-043B-47E6-9E47-1F30164EBC58}" srcId="{2C51816A-3FA0-4E56-BBB7-EB629C6769DA}" destId="{08FE72B4-6FD4-40F3-97F0-C24060459316}" srcOrd="8" destOrd="0" parTransId="{7B7C5D81-AE38-4BBE-A523-F538D48CE92B}" sibTransId="{34FD114B-C9B1-4330-8A8B-5742DDA85739}"/>
+    <dgm:cxn modelId="{4C2223D9-043B-47E6-9E47-1F30164EBC58}" srcId="{2C51816A-3FA0-4E56-BBB7-EB629C6769DA}" destId="{08FE72B4-6FD4-40F3-97F0-C24060459316}" srcOrd="7" destOrd="0" parTransId="{7B7C5D81-AE38-4BBE-A523-F538D48CE92B}" sibTransId="{34FD114B-C9B1-4330-8A8B-5742DDA85739}"/>
     <dgm:cxn modelId="{17B9E1E6-03AE-443D-A7BF-362BB476416A}" type="presOf" srcId="{9AAA9540-26EA-4280-A3D0-95AA9007C3BC}" destId="{D88FD4A9-3995-4332-905A-770D098929CA}" srcOrd="0" destOrd="1" presId="urn:microsoft.com/office/officeart/2005/8/layout/bProcess3"/>
     <dgm:cxn modelId="{411D51E7-EDDD-42ED-8FF5-9344714FD95E}" srcId="{07EFBE8F-148A-44BE-BE37-B2F953F2A897}" destId="{9AAA9540-26EA-4280-A3D0-95AA9007C3BC}" srcOrd="0" destOrd="0" parTransId="{90E3FA91-9E8F-48D5-8A94-534680A23D30}" sibTransId="{D414168A-2800-4446-AB6C-3B3EF9E1C066}"/>
-    <dgm:cxn modelId="{AC98DBEC-D1B9-49CF-8AE2-57B8BD8CE0F0}" type="presOf" srcId="{78AFC349-EA41-48AA-8FC4-3D6C2AB5D4A9}" destId="{77F6E8B4-A6D7-4017-9682-D211F506C15B}" srcOrd="0" destOrd="0" presId="urn:microsoft.com/office/officeart/2005/8/layout/bProcess3"/>
     <dgm:cxn modelId="{9CC6F0F0-5E03-4ABD-B2DB-59658705AB7C}" type="presOf" srcId="{F179A573-4738-49D2-B04D-7E8554085003}" destId="{8321943B-8E0D-48D5-9AC3-FE8F25A1ABD8}" srcOrd="0" destOrd="2" presId="urn:microsoft.com/office/officeart/2005/8/layout/bProcess3"/>
     <dgm:cxn modelId="{50DFF9F7-4196-4429-AAE7-3C2AE0CF1735}" type="presOf" srcId="{07EFBE8F-148A-44BE-BE37-B2F953F2A897}" destId="{D88FD4A9-3995-4332-905A-770D098929CA}" srcOrd="0" destOrd="0" presId="urn:microsoft.com/office/officeart/2005/8/layout/bProcess3"/>
     <dgm:cxn modelId="{4099BAF9-0B83-4BAA-9BEF-A6C203D43668}" srcId="{2C51816A-3FA0-4E56-BBB7-EB629C6769DA}" destId="{984B680A-88DA-44A4-A8D0-3317105BE9F7}" srcOrd="3" destOrd="0" parTransId="{7557EE51-3E30-4AB1-8769-4627FE70C984}" sibTransId="{1E65890B-E9B3-4D62-BEBE-D307DFB09A9A}"/>
@@ -1671,10 +1615,7 @@
     <dgm:cxn modelId="{76C27591-14A2-4993-9F12-7A6400334821}" type="presParOf" srcId="{3947D610-E62D-4C28-9CBF-57E380EEC5B6}" destId="{923096E4-1758-4523-B7E6-BE8FFC7B7063}" srcOrd="12" destOrd="0" presId="urn:microsoft.com/office/officeart/2005/8/layout/bProcess3"/>
     <dgm:cxn modelId="{191B2E60-DA83-4904-99DF-CA81FF620EDF}" type="presParOf" srcId="{3947D610-E62D-4C28-9CBF-57E380EEC5B6}" destId="{96C8288A-0509-4FCB-9E82-3887A2A8869B}" srcOrd="13" destOrd="0" presId="urn:microsoft.com/office/officeart/2005/8/layout/bProcess3"/>
     <dgm:cxn modelId="{46B86C73-2DBC-4F05-BF61-0E3F98F50B20}" type="presParOf" srcId="{96C8288A-0509-4FCB-9E82-3887A2A8869B}" destId="{E015EB6F-0F2B-438B-BACD-667E42EF8E46}" srcOrd="0" destOrd="0" presId="urn:microsoft.com/office/officeart/2005/8/layout/bProcess3"/>
-    <dgm:cxn modelId="{C7C030B3-0CFE-4199-AB39-9B3C379261B3}" type="presParOf" srcId="{3947D610-E62D-4C28-9CBF-57E380EEC5B6}" destId="{C87BB87B-ACFE-488C-A167-BD8F9AC661A7}" srcOrd="14" destOrd="0" presId="urn:microsoft.com/office/officeart/2005/8/layout/bProcess3"/>
-    <dgm:cxn modelId="{E5860949-AED8-46E1-8599-3B461D44622E}" type="presParOf" srcId="{3947D610-E62D-4C28-9CBF-57E380EEC5B6}" destId="{77F6E8B4-A6D7-4017-9682-D211F506C15B}" srcOrd="15" destOrd="0" presId="urn:microsoft.com/office/officeart/2005/8/layout/bProcess3"/>
-    <dgm:cxn modelId="{5FE23455-5027-4673-ADAF-839D5BF1110D}" type="presParOf" srcId="{77F6E8B4-A6D7-4017-9682-D211F506C15B}" destId="{62CB8948-565E-41D6-9545-E1D92807D28E}" srcOrd="0" destOrd="0" presId="urn:microsoft.com/office/officeart/2005/8/layout/bProcess3"/>
-    <dgm:cxn modelId="{68B98159-F1AA-4BB1-A1E5-C17BDCC0C682}" type="presParOf" srcId="{3947D610-E62D-4C28-9CBF-57E380EEC5B6}" destId="{24F1E0BE-FA49-4108-B537-FFD2917A3653}" srcOrd="16" destOrd="0" presId="urn:microsoft.com/office/officeart/2005/8/layout/bProcess3"/>
+    <dgm:cxn modelId="{68B98159-F1AA-4BB1-A1E5-C17BDCC0C682}" type="presParOf" srcId="{3947D610-E62D-4C28-9CBF-57E380EEC5B6}" destId="{24F1E0BE-FA49-4108-B537-FFD2917A3653}" srcOrd="14" destOrd="0" presId="urn:microsoft.com/office/officeart/2005/8/layout/bProcess3"/>
   </dgm:cxnLst>
   <dgm:bg/>
   <dgm:whole/>
@@ -1701,8 +1642,8 @@
       </dsp:nvSpPr>
       <dsp:spPr>
         <a:xfrm>
-          <a:off x="1808058" y="426968"/>
-          <a:ext cx="331132" cy="91440"/>
+          <a:off x="1783689" y="815840"/>
+          <a:ext cx="379870" cy="91440"/>
         </a:xfrm>
         <a:custGeom>
           <a:avLst/>
@@ -1716,7 +1657,7 @@
                 <a:pt x="0" y="45720"/>
               </a:moveTo>
               <a:lnTo>
-                <a:pt x="331132" y="45720"/>
+                <a:pt x="379870" y="45720"/>
               </a:lnTo>
             </a:path>
           </a:pathLst>
@@ -1771,8 +1712,8 @@
         </a:p>
       </dsp:txBody>
       <dsp:txXfrm>
-        <a:off x="1964581" y="470879"/>
-        <a:ext cx="18086" cy="3617"/>
+        <a:off x="1963363" y="859508"/>
+        <a:ext cx="20523" cy="4104"/>
       </dsp:txXfrm>
     </dsp:sp>
     <dsp:sp modelId="{D88FD4A9-3995-4332-905A-770D098929CA}">
@@ -1782,8 +1723,8 @@
       </dsp:nvSpPr>
       <dsp:spPr>
         <a:xfrm>
-          <a:off x="237108" y="863"/>
-          <a:ext cx="1572750" cy="943650"/>
+          <a:off x="835" y="326164"/>
+          <a:ext cx="1784653" cy="1070792"/>
         </a:xfrm>
         <a:prstGeom prst="rect">
           <a:avLst/>
@@ -1825,12 +1766,12 @@
         </a:fontRef>
       </dsp:style>
       <dsp:txBody>
-        <a:bodyPr spcFirstLastPara="0" vert="horz" wrap="square" lIns="71120" tIns="71120" rIns="71120" bIns="71120" numCol="1" spcCol="1270" anchor="t" anchorCtr="0">
+        <a:bodyPr spcFirstLastPara="0" vert="horz" wrap="square" lIns="85344" tIns="85344" rIns="85344" bIns="85344" numCol="1" spcCol="1270" anchor="t" anchorCtr="0">
           <a:noAutofit/>
         </a:bodyPr>
         <a:lstStyle/>
         <a:p>
-          <a:pPr marL="0" lvl="0" indent="0" algn="l" defTabSz="444500">
+          <a:pPr marL="0" lvl="0" indent="0" algn="l" defTabSz="533400">
             <a:lnSpc>
               <a:spcPct val="90000"/>
             </a:lnSpc>
@@ -1843,12 +1784,12 @@
             <a:buNone/>
           </a:pPr>
           <a:r>
-            <a:rPr lang="en-US" sz="1000" kern="1200" dirty="0"/>
+            <a:rPr lang="en-US" sz="1200" kern="1200" dirty="0"/>
             <a:t>Topology Modeling</a:t>
           </a:r>
         </a:p>
         <a:p>
-          <a:pPr marL="57150" lvl="1" indent="-57150" algn="l" defTabSz="355600">
+          <a:pPr marL="57150" lvl="1" indent="-57150" algn="l" defTabSz="400050">
             <a:lnSpc>
               <a:spcPct val="90000"/>
             </a:lnSpc>
@@ -1861,14 +1802,14 @@
             <a:buChar char="•"/>
           </a:pPr>
           <a:r>
-            <a:rPr lang="en-US" sz="800" kern="1200" dirty="0"/>
+            <a:rPr lang="en-US" sz="900" kern="1200" dirty="0"/>
             <a:t>Create CNS all-atom topology</a:t>
           </a:r>
         </a:p>
       </dsp:txBody>
       <dsp:txXfrm>
-        <a:off x="237108" y="863"/>
-        <a:ext cx="1572750" cy="943650"/>
+        <a:off x="835" y="326164"/>
+        <a:ext cx="1784653" cy="1070792"/>
       </dsp:txXfrm>
     </dsp:sp>
     <dsp:sp modelId="{CF25F124-B583-4992-8CF8-080D77F9FEE2}">
@@ -1878,8 +1819,8 @@
       </dsp:nvSpPr>
       <dsp:spPr>
         <a:xfrm>
-          <a:off x="1023483" y="942713"/>
-          <a:ext cx="1934483" cy="331132"/>
+          <a:off x="893162" y="1395156"/>
+          <a:ext cx="2195124" cy="379870"/>
         </a:xfrm>
         <a:custGeom>
           <a:avLst/>
@@ -1890,16 +1831,16 @@
           <a:pathLst>
             <a:path>
               <a:moveTo>
-                <a:pt x="1934483" y="0"/>
+                <a:pt x="2195124" y="0"/>
               </a:moveTo>
               <a:lnTo>
-                <a:pt x="1934483" y="182666"/>
+                <a:pt x="2195124" y="207035"/>
               </a:lnTo>
               <a:lnTo>
-                <a:pt x="0" y="182666"/>
+                <a:pt x="0" y="207035"/>
               </a:lnTo>
               <a:lnTo>
-                <a:pt x="0" y="331132"/>
+                <a:pt x="0" y="379870"/>
               </a:lnTo>
             </a:path>
           </a:pathLst>
@@ -1908,9 +1849,9 @@
         <a:ln w="12700" cap="flat" cmpd="sng" algn="ctr">
           <a:solidFill>
             <a:schemeClr val="accent2">
-              <a:hueOff val="810733"/>
-              <a:satOff val="2196"/>
-              <a:lumOff val="-1737"/>
+              <a:hueOff val="945855"/>
+              <a:satOff val="2563"/>
+              <a:lumOff val="-2026"/>
               <a:alphaOff val="0"/>
             </a:schemeClr>
           </a:solidFill>
@@ -1954,8 +1895,8 @@
         </a:p>
       </dsp:txBody>
       <dsp:txXfrm>
-        <a:off x="1941524" y="1106471"/>
-        <a:ext cx="98400" cy="3617"/>
+        <a:off x="1934895" y="1583039"/>
+        <a:ext cx="111658" cy="4104"/>
       </dsp:txXfrm>
     </dsp:sp>
     <dsp:sp modelId="{8321943B-8E0D-48D5-9AC3-FE8F25A1ABD8}">
@@ -1965,17 +1906,17 @@
       </dsp:nvSpPr>
       <dsp:spPr>
         <a:xfrm>
-          <a:off x="2171591" y="863"/>
-          <a:ext cx="1572750" cy="943650"/>
+          <a:off x="2195960" y="326164"/>
+          <a:ext cx="1784653" cy="1070792"/>
         </a:xfrm>
         <a:prstGeom prst="rect">
           <a:avLst/>
         </a:prstGeom>
         <a:solidFill>
           <a:schemeClr val="accent2">
-            <a:hueOff val="709391"/>
-            <a:satOff val="1922"/>
-            <a:lumOff val="-1520"/>
+            <a:hueOff val="810733"/>
+            <a:satOff val="2196"/>
+            <a:lumOff val="-1737"/>
             <a:alphaOff val="0"/>
           </a:schemeClr>
         </a:solidFill>
@@ -2008,12 +1949,12 @@
         </a:fontRef>
       </dsp:style>
       <dsp:txBody>
-        <a:bodyPr spcFirstLastPara="0" vert="horz" wrap="square" lIns="71120" tIns="71120" rIns="71120" bIns="71120" numCol="1" spcCol="1270" anchor="t" anchorCtr="0">
+        <a:bodyPr spcFirstLastPara="0" vert="horz" wrap="square" lIns="85344" tIns="85344" rIns="85344" bIns="85344" numCol="1" spcCol="1270" anchor="t" anchorCtr="0">
           <a:noAutofit/>
         </a:bodyPr>
         <a:lstStyle/>
         <a:p>
-          <a:pPr marL="0" lvl="0" indent="0" algn="l" defTabSz="444500">
+          <a:pPr marL="0" lvl="0" indent="0" algn="l" defTabSz="533400">
             <a:lnSpc>
               <a:spcPct val="90000"/>
             </a:lnSpc>
@@ -2026,12 +1967,12 @@
             <a:buNone/>
           </a:pPr>
           <a:r>
-            <a:rPr lang="en-US" sz="1000" kern="1200" dirty="0"/>
+            <a:rPr lang="en-US" sz="1200" kern="1200" dirty="0"/>
             <a:t>Rigid Body</a:t>
           </a:r>
         </a:p>
         <a:p>
-          <a:pPr marL="57150" lvl="1" indent="-57150" algn="l" defTabSz="355600">
+          <a:pPr marL="57150" lvl="1" indent="-57150" algn="l" defTabSz="400050">
             <a:lnSpc>
               <a:spcPct val="90000"/>
             </a:lnSpc>
@@ -2044,13 +1985,13 @@
             <a:buChar char="•"/>
           </a:pPr>
           <a:r>
-            <a:rPr lang="en-US" sz="800" i="1" kern="1200" dirty="0"/>
+            <a:rPr lang="en-US" sz="900" i="1" kern="1200" dirty="0"/>
             <a:t>Rigid body energy minimization with CNS (it0)</a:t>
           </a:r>
-          <a:endParaRPr lang="en-US" sz="800" kern="1200" dirty="0"/>
+          <a:endParaRPr lang="en-US" sz="900" kern="1200" dirty="0"/>
         </a:p>
         <a:p>
-          <a:pPr marL="57150" lvl="1" indent="-57150" algn="l" defTabSz="355600">
+          <a:pPr marL="57150" lvl="1" indent="-57150" algn="l" defTabSz="400050">
             <a:lnSpc>
               <a:spcPct val="90000"/>
             </a:lnSpc>
@@ -2063,14 +2004,14 @@
             <a:buChar char="•"/>
           </a:pPr>
           <a:r>
-            <a:rPr lang="en-US" sz="800" kern="1200" dirty="0"/>
+            <a:rPr lang="en-US" sz="900" kern="1200" dirty="0"/>
             <a:t>Samples 200 models</a:t>
           </a:r>
         </a:p>
       </dsp:txBody>
       <dsp:txXfrm>
-        <a:off x="2171591" y="863"/>
-        <a:ext cx="1572750" cy="943650"/>
+        <a:off x="2195960" y="326164"/>
+        <a:ext cx="1784653" cy="1070792"/>
       </dsp:txXfrm>
     </dsp:sp>
     <dsp:sp modelId="{BD5C47F2-53D6-480B-A685-7E34492B1444}">
@@ -2080,8 +2021,8 @@
       </dsp:nvSpPr>
       <dsp:spPr>
         <a:xfrm>
-          <a:off x="1808058" y="1732351"/>
-          <a:ext cx="331132" cy="91440"/>
+          <a:off x="1783689" y="2297103"/>
+          <a:ext cx="379870" cy="91440"/>
         </a:xfrm>
         <a:custGeom>
           <a:avLst/>
@@ -2095,7 +2036,7 @@
                 <a:pt x="0" y="45720"/>
               </a:moveTo>
               <a:lnTo>
-                <a:pt x="331132" y="45720"/>
+                <a:pt x="379870" y="45720"/>
               </a:lnTo>
             </a:path>
           </a:pathLst>
@@ -2104,9 +2045,9 @@
         <a:ln w="12700" cap="flat" cmpd="sng" algn="ctr">
           <a:solidFill>
             <a:schemeClr val="accent2">
-              <a:hueOff val="1621465"/>
-              <a:satOff val="4393"/>
-              <a:lumOff val="-3473"/>
+              <a:hueOff val="1891709"/>
+              <a:satOff val="5125"/>
+              <a:lumOff val="-4052"/>
               <a:alphaOff val="0"/>
             </a:schemeClr>
           </a:solidFill>
@@ -2150,8 +2091,8 @@
         </a:p>
       </dsp:txBody>
       <dsp:txXfrm>
-        <a:off x="1964581" y="1776262"/>
-        <a:ext cx="18086" cy="3617"/>
+        <a:off x="1963363" y="2340770"/>
+        <a:ext cx="20523" cy="4104"/>
       </dsp:txXfrm>
     </dsp:sp>
     <dsp:sp modelId="{73699401-302B-42CE-A5F3-F348C717DA12}">
@@ -2161,17 +2102,17 @@
       </dsp:nvSpPr>
       <dsp:spPr>
         <a:xfrm>
-          <a:off x="237108" y="1306246"/>
-          <a:ext cx="1572750" cy="943650"/>
+          <a:off x="835" y="1807426"/>
+          <a:ext cx="1784653" cy="1070792"/>
         </a:xfrm>
         <a:prstGeom prst="rect">
           <a:avLst/>
         </a:prstGeom>
         <a:solidFill>
           <a:schemeClr val="accent2">
-            <a:hueOff val="1418782"/>
-            <a:satOff val="3844"/>
-            <a:lumOff val="-3039"/>
+            <a:hueOff val="1621465"/>
+            <a:satOff val="4393"/>
+            <a:lumOff val="-3473"/>
             <a:alphaOff val="0"/>
           </a:schemeClr>
         </a:solidFill>
@@ -2204,12 +2145,12 @@
         </a:fontRef>
       </dsp:style>
       <dsp:txBody>
-        <a:bodyPr spcFirstLastPara="0" vert="horz" wrap="square" lIns="71120" tIns="71120" rIns="71120" bIns="71120" numCol="1" spcCol="1270" anchor="ctr" anchorCtr="0">
+        <a:bodyPr spcFirstLastPara="0" vert="horz" wrap="square" lIns="85344" tIns="85344" rIns="85344" bIns="85344" numCol="1" spcCol="1270" anchor="ctr" anchorCtr="0">
           <a:noAutofit/>
         </a:bodyPr>
         <a:lstStyle/>
         <a:p>
-          <a:pPr marL="0" lvl="0" indent="0" algn="ctr" defTabSz="444500">
+          <a:pPr marL="0" lvl="0" indent="0" algn="ctr" defTabSz="533400">
             <a:lnSpc>
               <a:spcPct val="90000"/>
             </a:lnSpc>
@@ -2222,14 +2163,14 @@
             <a:buNone/>
           </a:pPr>
           <a:r>
-            <a:rPr lang="en-US" sz="1000" kern="1200" dirty="0"/>
+            <a:rPr lang="en-US" sz="1200" kern="1200" dirty="0"/>
             <a:t>Select Top 50</a:t>
           </a:r>
         </a:p>
       </dsp:txBody>
       <dsp:txXfrm>
-        <a:off x="237108" y="1306246"/>
-        <a:ext cx="1572750" cy="943650"/>
+        <a:off x="835" y="1807426"/>
+        <a:ext cx="1784653" cy="1070792"/>
       </dsp:txXfrm>
     </dsp:sp>
     <dsp:sp modelId="{73976861-8F4B-43E1-8A95-173B626F0190}">
@@ -2239,8 +2180,8 @@
       </dsp:nvSpPr>
       <dsp:spPr>
         <a:xfrm>
-          <a:off x="1023483" y="2248096"/>
-          <a:ext cx="1934483" cy="331132"/>
+          <a:off x="893162" y="2876419"/>
+          <a:ext cx="2195124" cy="379870"/>
         </a:xfrm>
         <a:custGeom>
           <a:avLst/>
@@ -2251,16 +2192,16 @@
           <a:pathLst>
             <a:path>
               <a:moveTo>
-                <a:pt x="1934483" y="0"/>
+                <a:pt x="2195124" y="0"/>
               </a:moveTo>
               <a:lnTo>
-                <a:pt x="1934483" y="182666"/>
+                <a:pt x="2195124" y="207035"/>
               </a:lnTo>
               <a:lnTo>
-                <a:pt x="0" y="182666"/>
+                <a:pt x="0" y="207035"/>
               </a:lnTo>
               <a:lnTo>
-                <a:pt x="0" y="331132"/>
+                <a:pt x="0" y="379870"/>
               </a:lnTo>
             </a:path>
           </a:pathLst>
@@ -2269,9 +2210,9 @@
         <a:ln w="12700" cap="flat" cmpd="sng" algn="ctr">
           <a:solidFill>
             <a:schemeClr val="accent2">
-              <a:hueOff val="2432198"/>
-              <a:satOff val="6589"/>
-              <a:lumOff val="-5210"/>
+              <a:hueOff val="2837564"/>
+              <a:satOff val="7688"/>
+              <a:lumOff val="-6079"/>
               <a:alphaOff val="0"/>
             </a:schemeClr>
           </a:solidFill>
@@ -2315,8 +2256,8 @@
         </a:p>
       </dsp:txBody>
       <dsp:txXfrm>
-        <a:off x="1941524" y="2411854"/>
-        <a:ext cx="98400" cy="3617"/>
+        <a:off x="1934895" y="3064302"/>
+        <a:ext cx="111658" cy="4104"/>
       </dsp:txXfrm>
     </dsp:sp>
     <dsp:sp modelId="{AC9F0B07-24CA-4A66-8DEF-77A0451AF17A}">
@@ -2326,17 +2267,17 @@
       </dsp:nvSpPr>
       <dsp:spPr>
         <a:xfrm>
-          <a:off x="2171591" y="1306246"/>
-          <a:ext cx="1572750" cy="943650"/>
+          <a:off x="2195960" y="1807426"/>
+          <a:ext cx="1784653" cy="1070792"/>
         </a:xfrm>
         <a:prstGeom prst="rect">
           <a:avLst/>
         </a:prstGeom>
         <a:solidFill>
           <a:schemeClr val="accent2">
-            <a:hueOff val="2128173"/>
-            <a:satOff val="5766"/>
-            <a:lumOff val="-4559"/>
+            <a:hueOff val="2432198"/>
+            <a:satOff val="6589"/>
+            <a:lumOff val="-5210"/>
             <a:alphaOff val="0"/>
           </a:schemeClr>
         </a:solidFill>
@@ -2369,12 +2310,12 @@
         </a:fontRef>
       </dsp:style>
       <dsp:txBody>
-        <a:bodyPr spcFirstLastPara="0" vert="horz" wrap="square" lIns="71120" tIns="71120" rIns="71120" bIns="71120" numCol="1" spcCol="1270" anchor="t" anchorCtr="0">
+        <a:bodyPr spcFirstLastPara="0" vert="horz" wrap="square" lIns="85344" tIns="85344" rIns="85344" bIns="85344" numCol="1" spcCol="1270" anchor="t" anchorCtr="0">
           <a:noAutofit/>
         </a:bodyPr>
         <a:lstStyle/>
         <a:p>
-          <a:pPr marL="0" lvl="0" indent="0" algn="l" defTabSz="444500">
+          <a:pPr marL="0" lvl="0" indent="0" algn="l" defTabSz="533400">
             <a:lnSpc>
               <a:spcPct val="90000"/>
             </a:lnSpc>
@@ -2387,12 +2328,12 @@
             <a:buNone/>
           </a:pPr>
           <a:r>
-            <a:rPr lang="en-US" sz="1000" kern="1200" dirty="0"/>
+            <a:rPr lang="en-US" sz="1200" kern="1200" dirty="0"/>
             <a:t>Flexible Refinement</a:t>
           </a:r>
         </a:p>
         <a:p>
-          <a:pPr marL="57150" lvl="1" indent="-57150" algn="l" defTabSz="355600">
+          <a:pPr marL="57150" lvl="1" indent="-57150" algn="l" defTabSz="400050">
             <a:lnSpc>
               <a:spcPct val="90000"/>
             </a:lnSpc>
@@ -2405,15 +2346,15 @@
             <a:buChar char="•"/>
           </a:pPr>
           <a:r>
-            <a:rPr lang="en-US" sz="800" i="1" kern="1200" dirty="0"/>
+            <a:rPr lang="en-US" sz="900" i="1" kern="1200" dirty="0"/>
             <a:t>semi-flexible refinement using a simulated annealing protocol through molecular dynamics simulations in torsion angle space (it1)</a:t>
           </a:r>
-          <a:endParaRPr lang="en-US" sz="800" kern="1200" dirty="0"/>
+          <a:endParaRPr lang="en-US" sz="900" kern="1200" dirty="0"/>
         </a:p>
       </dsp:txBody>
       <dsp:txXfrm>
-        <a:off x="2171591" y="1306246"/>
-        <a:ext cx="1572750" cy="943650"/>
+        <a:off x="2195960" y="1807426"/>
+        <a:ext cx="1784653" cy="1070792"/>
       </dsp:txXfrm>
     </dsp:sp>
     <dsp:sp modelId="{A1BC6239-5103-4706-8E52-FA3077528A80}">
@@ -2423,8 +2364,8 @@
       </dsp:nvSpPr>
       <dsp:spPr>
         <a:xfrm>
-          <a:off x="1808058" y="3037734"/>
-          <a:ext cx="331132" cy="91440"/>
+          <a:off x="1783689" y="3778365"/>
+          <a:ext cx="379870" cy="91440"/>
         </a:xfrm>
         <a:custGeom>
           <a:avLst/>
@@ -2438,7 +2379,7 @@
                 <a:pt x="0" y="45720"/>
               </a:moveTo>
               <a:lnTo>
-                <a:pt x="331132" y="45720"/>
+                <a:pt x="379870" y="45720"/>
               </a:lnTo>
             </a:path>
           </a:pathLst>
@@ -2447,9 +2388,9 @@
         <a:ln w="12700" cap="flat" cmpd="sng" algn="ctr">
           <a:solidFill>
             <a:schemeClr val="accent2">
-              <a:hueOff val="3242930"/>
-              <a:satOff val="8786"/>
-              <a:lumOff val="-6947"/>
+              <a:hueOff val="3783419"/>
+              <a:satOff val="10250"/>
+              <a:lumOff val="-8105"/>
               <a:alphaOff val="0"/>
             </a:schemeClr>
           </a:solidFill>
@@ -2493,8 +2434,8 @@
         </a:p>
       </dsp:txBody>
       <dsp:txXfrm>
-        <a:off x="1964581" y="3081645"/>
-        <a:ext cx="18086" cy="3617"/>
+        <a:off x="1963363" y="3822033"/>
+        <a:ext cx="20523" cy="4104"/>
       </dsp:txXfrm>
     </dsp:sp>
     <dsp:sp modelId="{A1B27C3C-5F14-4E51-BF23-216FA9BE7CA6}">
@@ -2504,17 +2445,17 @@
       </dsp:nvSpPr>
       <dsp:spPr>
         <a:xfrm>
-          <a:off x="237108" y="2611629"/>
-          <a:ext cx="1572750" cy="943650"/>
+          <a:off x="835" y="3288689"/>
+          <a:ext cx="1784653" cy="1070792"/>
         </a:xfrm>
         <a:prstGeom prst="rect">
           <a:avLst/>
         </a:prstGeom>
         <a:solidFill>
           <a:schemeClr val="accent2">
-            <a:hueOff val="2837564"/>
-            <a:satOff val="7688"/>
-            <a:lumOff val="-6079"/>
+            <a:hueOff val="3242930"/>
+            <a:satOff val="8786"/>
+            <a:lumOff val="-6947"/>
             <a:alphaOff val="0"/>
           </a:schemeClr>
         </a:solidFill>
@@ -2547,12 +2488,12 @@
         </a:fontRef>
       </dsp:style>
       <dsp:txBody>
-        <a:bodyPr spcFirstLastPara="0" vert="horz" wrap="square" lIns="71120" tIns="71120" rIns="71120" bIns="71120" numCol="1" spcCol="1270" anchor="ctr" anchorCtr="0">
+        <a:bodyPr spcFirstLastPara="0" vert="horz" wrap="square" lIns="85344" tIns="85344" rIns="85344" bIns="85344" numCol="1" spcCol="1270" anchor="ctr" anchorCtr="0">
           <a:noAutofit/>
         </a:bodyPr>
         <a:lstStyle/>
         <a:p>
-          <a:pPr marL="0" lvl="0" indent="0" algn="ctr" defTabSz="444500">
+          <a:pPr marL="0" lvl="0" indent="0" algn="ctr" defTabSz="533400">
             <a:lnSpc>
               <a:spcPct val="90000"/>
             </a:lnSpc>
@@ -2565,14 +2506,14 @@
             <a:buNone/>
           </a:pPr>
           <a:r>
-            <a:rPr lang="en-US" sz="1000" kern="1200" dirty="0"/>
+            <a:rPr lang="en-US" sz="1200" kern="1200" dirty="0"/>
             <a:t>Select Top 1 Cluster</a:t>
           </a:r>
         </a:p>
       </dsp:txBody>
       <dsp:txXfrm>
-        <a:off x="237108" y="2611629"/>
-        <a:ext cx="1572750" cy="943650"/>
+        <a:off x="835" y="3288689"/>
+        <a:ext cx="1784653" cy="1070792"/>
       </dsp:txXfrm>
     </dsp:sp>
     <dsp:sp modelId="{ED6C4AB7-0221-41B2-9045-556CC456ED7B}">
@@ -2582,8 +2523,8 @@
       </dsp:nvSpPr>
       <dsp:spPr>
         <a:xfrm>
-          <a:off x="1023483" y="3553479"/>
-          <a:ext cx="1934483" cy="331132"/>
+          <a:off x="893162" y="4357682"/>
+          <a:ext cx="2195124" cy="379870"/>
         </a:xfrm>
         <a:custGeom>
           <a:avLst/>
@@ -2594,16 +2535,16 @@
           <a:pathLst>
             <a:path>
               <a:moveTo>
-                <a:pt x="1934483" y="0"/>
+                <a:pt x="2195124" y="0"/>
               </a:moveTo>
               <a:lnTo>
-                <a:pt x="1934483" y="182666"/>
+                <a:pt x="2195124" y="207035"/>
               </a:lnTo>
               <a:lnTo>
-                <a:pt x="0" y="182666"/>
+                <a:pt x="0" y="207035"/>
               </a:lnTo>
               <a:lnTo>
-                <a:pt x="0" y="331132"/>
+                <a:pt x="0" y="379870"/>
               </a:lnTo>
             </a:path>
           </a:pathLst>
@@ -2612,9 +2553,9 @@
         <a:ln w="12700" cap="flat" cmpd="sng" algn="ctr">
           <a:solidFill>
             <a:schemeClr val="accent2">
-              <a:hueOff val="4053663"/>
-              <a:satOff val="10982"/>
-              <a:lumOff val="-8684"/>
+              <a:hueOff val="4729273"/>
+              <a:satOff val="12812"/>
+              <a:lumOff val="-10131"/>
               <a:alphaOff val="0"/>
             </a:schemeClr>
           </a:solidFill>
@@ -2658,8 +2599,8 @@
         </a:p>
       </dsp:txBody>
       <dsp:txXfrm>
-        <a:off x="1941524" y="3717237"/>
-        <a:ext cx="98400" cy="3617"/>
+        <a:off x="1934895" y="4545564"/>
+        <a:ext cx="111658" cy="4104"/>
       </dsp:txXfrm>
     </dsp:sp>
     <dsp:sp modelId="{EDC6CA5C-B64E-4B60-9976-9E345153EA88}">
@@ -2669,17 +2610,17 @@
       </dsp:nvSpPr>
       <dsp:spPr>
         <a:xfrm>
-          <a:off x="2171591" y="2611629"/>
-          <a:ext cx="1572750" cy="943650"/>
+          <a:off x="2195960" y="3288689"/>
+          <a:ext cx="1784653" cy="1070792"/>
         </a:xfrm>
         <a:prstGeom prst="rect">
           <a:avLst/>
         </a:prstGeom>
         <a:solidFill>
           <a:schemeClr val="accent2">
-            <a:hueOff val="3546955"/>
-            <a:satOff val="9609"/>
-            <a:lumOff val="-7598"/>
+            <a:hueOff val="4053663"/>
+            <a:satOff val="10982"/>
+            <a:lumOff val="-8684"/>
             <a:alphaOff val="0"/>
           </a:schemeClr>
         </a:solidFill>
@@ -2712,12 +2653,12 @@
         </a:fontRef>
       </dsp:style>
       <dsp:txBody>
-        <a:bodyPr spcFirstLastPara="0" vert="horz" wrap="square" lIns="71120" tIns="71120" rIns="71120" bIns="71120" numCol="1" spcCol="1270" anchor="t" anchorCtr="0">
+        <a:bodyPr spcFirstLastPara="0" vert="horz" wrap="square" lIns="85344" tIns="85344" rIns="85344" bIns="85344" numCol="1" spcCol="1270" anchor="t" anchorCtr="0">
           <a:noAutofit/>
         </a:bodyPr>
         <a:lstStyle/>
         <a:p>
-          <a:pPr marL="0" lvl="0" indent="0" algn="l" defTabSz="444500">
+          <a:pPr marL="0" lvl="0" indent="0" algn="l" defTabSz="533400">
             <a:lnSpc>
               <a:spcPct val="90000"/>
             </a:lnSpc>
@@ -2730,12 +2671,12 @@
             <a:buNone/>
           </a:pPr>
           <a:r>
-            <a:rPr lang="en-US" sz="1000" kern="1200" dirty="0"/>
+            <a:rPr lang="en-US" sz="1200" kern="1200" dirty="0"/>
             <a:t>Solvent Refinement</a:t>
           </a:r>
         </a:p>
         <a:p>
-          <a:pPr marL="57150" lvl="1" indent="-57150" algn="l" defTabSz="355600">
+          <a:pPr marL="57150" lvl="1" indent="-57150" algn="l" defTabSz="400050">
             <a:lnSpc>
               <a:spcPct val="90000"/>
             </a:lnSpc>
@@ -2748,23 +2689,23 @@
             <a:buChar char="•"/>
           </a:pPr>
           <a:r>
-            <a:rPr lang="en-US" sz="800" i="1" kern="1200" dirty="0"/>
+            <a:rPr lang="en-US" sz="900" i="1" kern="1200" dirty="0"/>
             <a:t>Refinement by a short molecular dynamics simulation in explicit solvent (</a:t>
           </a:r>
           <a:r>
-            <a:rPr lang="en-US" sz="800" i="1" kern="1200" dirty="0" err="1"/>
+            <a:rPr lang="en-US" sz="900" i="1" kern="1200" dirty="0" err="1"/>
             <a:t>itw</a:t>
           </a:r>
           <a:r>
-            <a:rPr lang="en-US" sz="800" i="1" kern="1200" dirty="0"/>
+            <a:rPr lang="en-US" sz="900" i="1" kern="1200" dirty="0"/>
             <a:t>)</a:t>
           </a:r>
-          <a:endParaRPr lang="en-US" sz="800" kern="1200" dirty="0"/>
+          <a:endParaRPr lang="en-US" sz="900" kern="1200" dirty="0"/>
         </a:p>
       </dsp:txBody>
       <dsp:txXfrm>
-        <a:off x="2171591" y="2611629"/>
-        <a:ext cx="1572750" cy="943650"/>
+        <a:off x="2195960" y="3288689"/>
+        <a:ext cx="1784653" cy="1070792"/>
       </dsp:txXfrm>
     </dsp:sp>
     <dsp:sp modelId="{96C8288A-0509-4FCB-9E82-3887A2A8869B}">
@@ -2774,8 +2715,8 @@
       </dsp:nvSpPr>
       <dsp:spPr>
         <a:xfrm>
-          <a:off x="1808058" y="4343117"/>
-          <a:ext cx="331132" cy="91440"/>
+          <a:off x="1783689" y="5259628"/>
+          <a:ext cx="379870" cy="91440"/>
         </a:xfrm>
         <a:custGeom>
           <a:avLst/>
@@ -2789,190 +2730,7 @@
                 <a:pt x="0" y="45720"/>
               </a:moveTo>
               <a:lnTo>
-                <a:pt x="331132" y="45720"/>
-              </a:lnTo>
-            </a:path>
-          </a:pathLst>
-        </a:custGeom>
-        <a:noFill/>
-        <a:ln w="12700" cap="flat" cmpd="sng" algn="ctr">
-          <a:solidFill>
-            <a:schemeClr val="accent2">
-              <a:hueOff val="4864395"/>
-              <a:satOff val="13179"/>
-              <a:lumOff val="-10420"/>
-              <a:alphaOff val="0"/>
-            </a:schemeClr>
-          </a:solidFill>
-          <a:prstDash val="solid"/>
-          <a:miter lim="800000"/>
-          <a:tailEnd type="arrow"/>
-        </a:ln>
-        <a:effectLst/>
-      </dsp:spPr>
-      <dsp:style>
-        <a:lnRef idx="1">
-          <a:scrgbClr r="0" g="0" b="0"/>
-        </a:lnRef>
-        <a:fillRef idx="0">
-          <a:scrgbClr r="0" g="0" b="0"/>
-        </a:fillRef>
-        <a:effectRef idx="0">
-          <a:scrgbClr r="0" g="0" b="0"/>
-        </a:effectRef>
-        <a:fontRef idx="minor"/>
-      </dsp:style>
-      <dsp:txBody>
-        <a:bodyPr spcFirstLastPara="0" vert="horz" wrap="square" lIns="12700" tIns="0" rIns="12700" bIns="0" numCol="1" spcCol="1270" anchor="ctr" anchorCtr="0">
-          <a:noAutofit/>
-        </a:bodyPr>
-        <a:lstStyle/>
-        <a:p>
-          <a:pPr marL="0" lvl="0" indent="0" algn="ctr" defTabSz="222250">
-            <a:lnSpc>
-              <a:spcPct val="90000"/>
-            </a:lnSpc>
-            <a:spcBef>
-              <a:spcPct val="0"/>
-            </a:spcBef>
-            <a:spcAft>
-              <a:spcPct val="35000"/>
-            </a:spcAft>
-            <a:buNone/>
-          </a:pPr>
-          <a:endParaRPr lang="en-US" sz="500" kern="1200"/>
-        </a:p>
-      </dsp:txBody>
-      <dsp:txXfrm>
-        <a:off x="1964581" y="4387028"/>
-        <a:ext cx="18086" cy="3617"/>
-      </dsp:txXfrm>
-    </dsp:sp>
-    <dsp:sp modelId="{923096E4-1758-4523-B7E6-BE8FFC7B7063}">
-      <dsp:nvSpPr>
-        <dsp:cNvPr id="0" name=""/>
-        <dsp:cNvSpPr/>
-      </dsp:nvSpPr>
-      <dsp:spPr>
-        <a:xfrm>
-          <a:off x="237108" y="3917012"/>
-          <a:ext cx="1572750" cy="943650"/>
-        </a:xfrm>
-        <a:prstGeom prst="rect">
-          <a:avLst/>
-        </a:prstGeom>
-        <a:solidFill>
-          <a:schemeClr val="accent2">
-            <a:hueOff val="4256346"/>
-            <a:satOff val="11531"/>
-            <a:lumOff val="-9118"/>
-            <a:alphaOff val="0"/>
-          </a:schemeClr>
-        </a:solidFill>
-        <a:ln w="19050" cap="flat" cmpd="sng" algn="ctr">
-          <a:solidFill>
-            <a:schemeClr val="lt1">
-              <a:hueOff val="0"/>
-              <a:satOff val="0"/>
-              <a:lumOff val="0"/>
-              <a:alphaOff val="0"/>
-            </a:schemeClr>
-          </a:solidFill>
-          <a:prstDash val="solid"/>
-          <a:miter lim="800000"/>
-        </a:ln>
-        <a:effectLst/>
-      </dsp:spPr>
-      <dsp:style>
-        <a:lnRef idx="2">
-          <a:scrgbClr r="0" g="0" b="0"/>
-        </a:lnRef>
-        <a:fillRef idx="1">
-          <a:scrgbClr r="0" g="0" b="0"/>
-        </a:fillRef>
-        <a:effectRef idx="0">
-          <a:scrgbClr r="0" g="0" b="0"/>
-        </a:effectRef>
-        <a:fontRef idx="minor">
-          <a:schemeClr val="lt1"/>
-        </a:fontRef>
-      </dsp:style>
-      <dsp:txBody>
-        <a:bodyPr spcFirstLastPara="0" vert="horz" wrap="square" lIns="71120" tIns="71120" rIns="71120" bIns="71120" numCol="1" spcCol="1270" anchor="t" anchorCtr="0">
-          <a:noAutofit/>
-        </a:bodyPr>
-        <a:lstStyle/>
-        <a:p>
-          <a:pPr marL="0" lvl="0" indent="0" algn="l" defTabSz="444500">
-            <a:lnSpc>
-              <a:spcPct val="90000"/>
-            </a:lnSpc>
-            <a:spcBef>
-              <a:spcPct val="0"/>
-            </a:spcBef>
-            <a:spcAft>
-              <a:spcPct val="35000"/>
-            </a:spcAft>
-            <a:buNone/>
-          </a:pPr>
-          <a:r>
-            <a:rPr lang="en-US" sz="1000" kern="1200" dirty="0"/>
-            <a:t>Molecular Dynamics Scoring</a:t>
-          </a:r>
-        </a:p>
-        <a:p>
-          <a:pPr marL="57150" lvl="1" indent="-57150" algn="l" defTabSz="355600">
-            <a:lnSpc>
-              <a:spcPct val="90000"/>
-            </a:lnSpc>
-            <a:spcBef>
-              <a:spcPct val="0"/>
-            </a:spcBef>
-            <a:spcAft>
-              <a:spcPct val="15000"/>
-            </a:spcAft>
-            <a:buChar char="•"/>
-          </a:pPr>
-          <a:r>
-            <a:rPr lang="en-US" sz="800" kern="1200" dirty="0"/>
-            <a:t>Performs a short molecular dynamics simulation on the input models and scores them.</a:t>
-          </a:r>
-        </a:p>
-      </dsp:txBody>
-      <dsp:txXfrm>
-        <a:off x="237108" y="3917012"/>
-        <a:ext cx="1572750" cy="943650"/>
-      </dsp:txXfrm>
-    </dsp:sp>
-    <dsp:sp modelId="{77F6E8B4-A6D7-4017-9682-D211F506C15B}">
-      <dsp:nvSpPr>
-        <dsp:cNvPr id="0" name=""/>
-        <dsp:cNvSpPr/>
-      </dsp:nvSpPr>
-      <dsp:spPr>
-        <a:xfrm>
-          <a:off x="1023483" y="4858862"/>
-          <a:ext cx="1934483" cy="331132"/>
-        </a:xfrm>
-        <a:custGeom>
-          <a:avLst/>
-          <a:gdLst/>
-          <a:ahLst/>
-          <a:cxnLst/>
-          <a:rect l="0" t="0" r="0" b="0"/>
-          <a:pathLst>
-            <a:path>
-              <a:moveTo>
-                <a:pt x="1934483" y="0"/>
-              </a:moveTo>
-              <a:lnTo>
-                <a:pt x="1934483" y="182666"/>
-              </a:lnTo>
-              <a:lnTo>
-                <a:pt x="0" y="182666"/>
-              </a:lnTo>
-              <a:lnTo>
-                <a:pt x="0" y="331132"/>
+                <a:pt x="379870" y="45720"/>
               </a:lnTo>
             </a:path>
           </a:pathLst>
@@ -3027,28 +2785,28 @@
         </a:p>
       </dsp:txBody>
       <dsp:txXfrm>
-        <a:off x="1941524" y="5022620"/>
-        <a:ext cx="98400" cy="3617"/>
+        <a:off x="1963363" y="5303296"/>
+        <a:ext cx="20523" cy="4104"/>
       </dsp:txXfrm>
     </dsp:sp>
-    <dsp:sp modelId="{C87BB87B-ACFE-488C-A167-BD8F9AC661A7}">
+    <dsp:sp modelId="{923096E4-1758-4523-B7E6-BE8FFC7B7063}">
       <dsp:nvSpPr>
         <dsp:cNvPr id="0" name=""/>
         <dsp:cNvSpPr/>
       </dsp:nvSpPr>
       <dsp:spPr>
         <a:xfrm>
-          <a:off x="2171591" y="3917012"/>
-          <a:ext cx="1572750" cy="943650"/>
+          <a:off x="835" y="4769952"/>
+          <a:ext cx="1784653" cy="1070792"/>
         </a:xfrm>
         <a:prstGeom prst="rect">
           <a:avLst/>
         </a:prstGeom>
         <a:solidFill>
           <a:schemeClr val="accent2">
-            <a:hueOff val="4965737"/>
-            <a:satOff val="13453"/>
-            <a:lumOff val="-10637"/>
+            <a:hueOff val="4864395"/>
+            <a:satOff val="13179"/>
+            <a:lumOff val="-10420"/>
             <a:alphaOff val="0"/>
           </a:schemeClr>
         </a:solidFill>
@@ -3081,12 +2839,12 @@
         </a:fontRef>
       </dsp:style>
       <dsp:txBody>
-        <a:bodyPr spcFirstLastPara="0" vert="horz" wrap="square" lIns="71120" tIns="71120" rIns="71120" bIns="71120" numCol="1" spcCol="1270" anchor="ctr" anchorCtr="0">
+        <a:bodyPr spcFirstLastPara="0" vert="horz" wrap="square" lIns="85344" tIns="85344" rIns="85344" bIns="85344" numCol="1" spcCol="1270" anchor="t" anchorCtr="0">
           <a:noAutofit/>
         </a:bodyPr>
         <a:lstStyle/>
         <a:p>
-          <a:pPr marL="0" lvl="0" indent="0" algn="ctr" defTabSz="444500">
+          <a:pPr marL="0" lvl="0" indent="0" algn="l" defTabSz="533400">
             <a:lnSpc>
               <a:spcPct val="90000"/>
             </a:lnSpc>
@@ -3099,14 +2857,32 @@
             <a:buNone/>
           </a:pPr>
           <a:r>
-            <a:rPr lang="en-US" sz="1000" kern="1200" dirty="0"/>
-            <a:t>Cluster based on Contacts</a:t>
+            <a:rPr lang="en-US" sz="1200" kern="1200" dirty="0"/>
+            <a:t>Molecular Dynamics Scoring</a:t>
+          </a:r>
+        </a:p>
+        <a:p>
+          <a:pPr marL="57150" lvl="1" indent="-57150" algn="l" defTabSz="400050">
+            <a:lnSpc>
+              <a:spcPct val="90000"/>
+            </a:lnSpc>
+            <a:spcBef>
+              <a:spcPct val="0"/>
+            </a:spcBef>
+            <a:spcAft>
+              <a:spcPct val="15000"/>
+            </a:spcAft>
+            <a:buChar char="•"/>
+          </a:pPr>
+          <a:r>
+            <a:rPr lang="en-US" sz="900" kern="1200" dirty="0"/>
+            <a:t>Performs a short molecular dynamics simulation on the input models and scores them.</a:t>
           </a:r>
         </a:p>
       </dsp:txBody>
       <dsp:txXfrm>
-        <a:off x="2171591" y="3917012"/>
-        <a:ext cx="1572750" cy="943650"/>
+        <a:off x="835" y="4769952"/>
+        <a:ext cx="1784653" cy="1070792"/>
       </dsp:txXfrm>
     </dsp:sp>
     <dsp:sp modelId="{24F1E0BE-FA49-4108-B537-FFD2917A3653}">
@@ -3116,8 +2892,8 @@
       </dsp:nvSpPr>
       <dsp:spPr>
         <a:xfrm>
-          <a:off x="237108" y="5222395"/>
-          <a:ext cx="1572750" cy="943650"/>
+          <a:off x="2195960" y="4769952"/>
+          <a:ext cx="1784653" cy="1070792"/>
         </a:xfrm>
         <a:prstGeom prst="rect">
           <a:avLst/>
@@ -3159,12 +2935,12 @@
         </a:fontRef>
       </dsp:style>
       <dsp:txBody>
-        <a:bodyPr spcFirstLastPara="0" vert="horz" wrap="square" lIns="71120" tIns="71120" rIns="71120" bIns="71120" numCol="1" spcCol="1270" anchor="ctr" anchorCtr="0">
+        <a:bodyPr spcFirstLastPara="0" vert="horz" wrap="square" lIns="85344" tIns="85344" rIns="85344" bIns="85344" numCol="1" spcCol="1270" anchor="ctr" anchorCtr="0">
           <a:noAutofit/>
         </a:bodyPr>
         <a:lstStyle/>
         <a:p>
-          <a:pPr marL="0" lvl="0" indent="0" algn="ctr" defTabSz="444500">
+          <a:pPr marL="0" lvl="0" indent="0" algn="ctr" defTabSz="533400">
             <a:lnSpc>
               <a:spcPct val="90000"/>
             </a:lnSpc>
@@ -3177,14 +2953,14 @@
             <a:buNone/>
           </a:pPr>
           <a:r>
-            <a:rPr lang="en-US" sz="1000" i="0" kern="1200" dirty="0"/>
+            <a:rPr lang="en-US" sz="1200" i="0" kern="1200" dirty="0"/>
             <a:t>Calculate CAPRI metrics</a:t>
           </a:r>
         </a:p>
       </dsp:txBody>
       <dsp:txXfrm>
-        <a:off x="237108" y="5222395"/>
-        <a:ext cx="1572750" cy="943650"/>
+        <a:off x="2195960" y="4769952"/>
+        <a:ext cx="1784653" cy="1070792"/>
       </dsp:txXfrm>
     </dsp:sp>
   </dsp:spTree>
@@ -9478,7 +9254,7 @@
           <p:nvPr>
             <p:extLst>
               <p:ext uri="{D42A27DB-BD31-4B8C-83A1-F6EECF244321}">
-                <p14:modId xmlns:p14="http://schemas.microsoft.com/office/powerpoint/2010/main" val="1390497092"/>
+                <p14:modId xmlns:p14="http://schemas.microsoft.com/office/powerpoint/2010/main" val="2178874078"/>
               </p:ext>
             </p:extLst>
           </p:nvPr>
@@ -9543,14 +9319,14 @@
           <p:nvPr>
             <p:extLst>
               <p:ext uri="{D42A27DB-BD31-4B8C-83A1-F6EECF244321}">
-                <p14:modId xmlns:p14="http://schemas.microsoft.com/office/powerpoint/2010/main" val="4090034450"/>
+                <p14:modId xmlns:p14="http://schemas.microsoft.com/office/powerpoint/2010/main" val="503567176"/>
               </p:ext>
             </p:extLst>
           </p:nvPr>
         </p:nvGraphicFramePr>
         <p:xfrm>
-          <a:off x="4259175" y="1125960"/>
-          <a:ext cx="7731303" cy="4363720"/>
+          <a:off x="4193391" y="448383"/>
+          <a:ext cx="7731303" cy="5074920"/>
         </p:xfrm>
         <a:graphic>
           <a:graphicData uri="http://schemas.openxmlformats.org/drawingml/2006/table">
@@ -9573,14 +9349,14 @@
                     </a:ext>
                   </a:extLst>
                 </a:gridCol>
-                <a:gridCol w="3981951">
+                <a:gridCol w="3225398">
                   <a:extLst>
                     <a:ext uri="{9D8B030D-6E8A-4147-A177-3AD203B41FA5}">
                       <a16:colId xmlns:a16="http://schemas.microsoft.com/office/drawing/2014/main" val="1644113723"/>
                     </a:ext>
                   </a:extLst>
                 </a:gridCol>
-                <a:gridCol w="1162368">
+                <a:gridCol w="1918921">
                   <a:extLst>
                     <a:ext uri="{9D8B030D-6E8A-4147-A177-3AD203B41FA5}">
                       <a16:colId xmlns:a16="http://schemas.microsoft.com/office/drawing/2014/main" val="711569524"/>
@@ -9767,10 +9543,9 @@
                         <a:defRPr/>
                       </a:pPr>
                       <a:r>
-                        <a:rPr lang="en-US" sz="1400" i="1" dirty="0"/>
+                        <a:rPr lang="en-US" sz="1400" i="0" dirty="0"/>
                         <a:t>Rigid body energy minimization with CNS (it0)</a:t>
                       </a:r>
-                      <a:endParaRPr lang="en-US" sz="1400" dirty="0"/>
                     </a:p>
                   </a:txBody>
                   <a:tcPr/>
@@ -9911,10 +9686,9 @@
                         <a:defRPr/>
                       </a:pPr>
                       <a:r>
-                        <a:rPr lang="en-US" sz="1400" i="1" dirty="0"/>
+                        <a:rPr lang="en-US" sz="1400" i="0" u="none" dirty="0"/>
                         <a:t>Semi-flexible refinement using a simulated annealing protocol through molecular dynamics simulations in torsion angle space (it1)</a:t>
                       </a:r>
-                      <a:endParaRPr lang="en-US" sz="1400" dirty="0"/>
                     </a:p>
                   </a:txBody>
                   <a:tcPr/>
@@ -10055,18 +9829,17 @@
                         <a:defRPr/>
                       </a:pPr>
                       <a:r>
-                        <a:rPr lang="en-US" sz="1400" i="1" dirty="0"/>
+                        <a:rPr lang="en-US" sz="1400" i="0" dirty="0"/>
                         <a:t>Refinement by a short molecular dynamics simulation in explicit solvent (</a:t>
                       </a:r>
                       <a:r>
-                        <a:rPr lang="en-US" sz="1400" i="1" dirty="0" err="1"/>
+                        <a:rPr lang="en-US" sz="1400" i="0" dirty="0" err="1"/>
                         <a:t>itw</a:t>
                       </a:r>
                       <a:r>
-                        <a:rPr lang="en-US" sz="1400" i="1" dirty="0"/>
+                        <a:rPr lang="en-US" sz="1400" i="0" dirty="0"/>
                         <a:t>)</a:t>
                       </a:r>
-                      <a:endParaRPr lang="en-US" sz="1400" dirty="0"/>
                     </a:p>
                   </a:txBody>
                   <a:tcPr/>
@@ -10175,79 +9948,6 @@
                       <a:r>
                         <a:rPr lang="en-US" sz="1400" dirty="0"/>
                         <a:t>8</a:t>
-                      </a:r>
-                    </a:p>
-                  </a:txBody>
-                  <a:tcPr/>
-                </a:tc>
-                <a:tc>
-                  <a:txBody>
-                    <a:bodyPr/>
-                    <a:lstStyle/>
-                    <a:p>
-                      <a:pPr marL="0" marR="0" lvl="0" indent="0" algn="l" defTabSz="914400" rtl="0" eaLnBrk="1" fontAlgn="auto" latinLnBrk="0" hangingPunct="1">
-                        <a:lnSpc>
-                          <a:spcPct val="100000"/>
-                        </a:lnSpc>
-                        <a:spcBef>
-                          <a:spcPts val="0"/>
-                        </a:spcBef>
-                        <a:spcAft>
-                          <a:spcPts val="0"/>
-                        </a:spcAft>
-                        <a:buClrTx/>
-                        <a:buSzTx/>
-                        <a:buFontTx/>
-                        <a:buNone/>
-                        <a:tabLst/>
-                        <a:defRPr/>
-                      </a:pPr>
-                      <a:r>
-                        <a:rPr lang="en-US" sz="1400" dirty="0"/>
-                        <a:t>Cluster based on Contacts</a:t>
-                      </a:r>
-                    </a:p>
-                  </a:txBody>
-                  <a:tcPr/>
-                </a:tc>
-                <a:tc>
-                  <a:txBody>
-                    <a:bodyPr/>
-                    <a:lstStyle/>
-                    <a:p>
-                      <a:endParaRPr lang="en-US" sz="1400" dirty="0"/>
-                    </a:p>
-                  </a:txBody>
-                  <a:tcPr/>
-                </a:tc>
-                <a:tc>
-                  <a:txBody>
-                    <a:bodyPr/>
-                    <a:lstStyle/>
-                    <a:p>
-                      <a:r>
-                        <a:rPr lang="en-US" sz="1400" dirty="0"/>
-                        <a:t>10</a:t>
-                      </a:r>
-                    </a:p>
-                  </a:txBody>
-                  <a:tcPr/>
-                </a:tc>
-                <a:extLst>
-                  <a:ext uri="{0D108BD9-81ED-4DB2-BD59-A6C34878D82A}">
-                    <a16:rowId xmlns:a16="http://schemas.microsoft.com/office/drawing/2014/main" val="1218646413"/>
-                  </a:ext>
-                </a:extLst>
-              </a:tr>
-              <a:tr h="370840">
-                <a:tc>
-                  <a:txBody>
-                    <a:bodyPr/>
-                    <a:lstStyle/>
-                    <a:p>
-                      <a:r>
-                        <a:rPr lang="en-US" sz="1400" dirty="0"/>
-                        <a:t>9</a:t>
                       </a:r>
                     </a:p>
                   </a:txBody>

--- a/figures/Workflow.pptx
+++ b/figures/Workflow.pptx
@@ -1564,11 +1564,11 @@
     <dgm:cxn modelId="{2541EA33-88FB-405C-8275-8DCD26240025}" type="presOf" srcId="{5B4F7496-7FC8-4BD0-AEFF-B530855C32EC}" destId="{96C8288A-0509-4FCB-9E82-3887A2A8869B}" srcOrd="0" destOrd="0" presId="urn:microsoft.com/office/officeart/2005/8/layout/bProcess3"/>
     <dgm:cxn modelId="{9F74693B-00AE-451D-ABBE-10E522161BA5}" srcId="{2C51816A-3FA0-4E56-BBB7-EB629C6769DA}" destId="{12EFD806-F31A-4191-BAEF-64B530415ED9}" srcOrd="4" destOrd="0" parTransId="{7632AED8-FF0A-4379-9318-AC19679D32AA}" sibTransId="{31CAA017-AF37-48A9-A805-B587B3A2EE3C}"/>
     <dgm:cxn modelId="{3F3B2B3D-DCBF-47F8-A84F-9F1A1D47B3BE}" srcId="{D7F4CB82-F4A9-46E6-974B-A91AD55DD853}" destId="{8B9D00D3-2F6E-42E2-A34A-F58E22C0EEE4}" srcOrd="0" destOrd="0" parTransId="{D1716229-44EE-44DB-A48C-1B302B234E31}" sibTransId="{F67DE878-65D1-4A66-8400-80F54683220C}"/>
-    <dgm:cxn modelId="{22B27467-803B-4D2A-9E0A-96FFC48C479E}" type="presOf" srcId="{8B9D00D3-2F6E-42E2-A34A-F58E22C0EEE4}" destId="{8321943B-8E0D-48D5-9AC3-FE8F25A1ABD8}" srcOrd="0" destOrd="1" presId="urn:microsoft.com/office/officeart/2005/8/layout/bProcess3"/>
     <dgm:cxn modelId="{CF25014A-8011-4E64-9188-542C17048C61}" type="presOf" srcId="{31CAA017-AF37-48A9-A805-B587B3A2EE3C}" destId="{F6211ECB-920E-4D06-8833-B9B8981C6EAD}" srcOrd="1" destOrd="0" presId="urn:microsoft.com/office/officeart/2005/8/layout/bProcess3"/>
-    <dgm:cxn modelId="{966FAF6A-1F75-419A-8E38-13C50EA3C477}" type="presOf" srcId="{1E65890B-E9B3-4D62-BEBE-D307DFB09A9A}" destId="{30641874-2E81-44E9-B1D0-48F8520552C9}" srcOrd="1" destOrd="0" presId="urn:microsoft.com/office/officeart/2005/8/layout/bProcess3"/>
     <dgm:cxn modelId="{680CF051-C61C-4979-A22D-25EFEDAFB9AF}" type="presOf" srcId="{984B680A-88DA-44A4-A8D0-3317105BE9F7}" destId="{AC9F0B07-24CA-4A66-8DEF-77A0451AF17A}" srcOrd="0" destOrd="0" presId="urn:microsoft.com/office/officeart/2005/8/layout/bProcess3"/>
     <dgm:cxn modelId="{4E8D4957-DAF9-4C12-9A13-096CF567F74B}" srcId="{2C51816A-3FA0-4E56-BBB7-EB629C6769DA}" destId="{07EFBE8F-148A-44BE-BE37-B2F953F2A897}" srcOrd="0" destOrd="0" parTransId="{37D048EE-2CBA-44EF-BBAB-5B6AE503F5EC}" sibTransId="{0E882212-4C7C-4437-9A27-70CF7DD7A2E0}"/>
+    <dgm:cxn modelId="{22B27467-803B-4D2A-9E0A-96FFC48C479E}" type="presOf" srcId="{8B9D00D3-2F6E-42E2-A34A-F58E22C0EEE4}" destId="{8321943B-8E0D-48D5-9AC3-FE8F25A1ABD8}" srcOrd="0" destOrd="1" presId="urn:microsoft.com/office/officeart/2005/8/layout/bProcess3"/>
+    <dgm:cxn modelId="{966FAF6A-1F75-419A-8E38-13C50EA3C477}" type="presOf" srcId="{1E65890B-E9B3-4D62-BEBE-D307DFB09A9A}" destId="{30641874-2E81-44E9-B1D0-48F8520552C9}" srcOrd="1" destOrd="0" presId="urn:microsoft.com/office/officeart/2005/8/layout/bProcess3"/>
     <dgm:cxn modelId="{013C1579-82BA-4FC7-A833-043F63249B4E}" type="presOf" srcId="{F9764D7F-2F44-4EFA-80EC-F82992912FBE}" destId="{923096E4-1758-4523-B7E6-BE8FFC7B7063}" srcOrd="0" destOrd="1" presId="urn:microsoft.com/office/officeart/2005/8/layout/bProcess3"/>
     <dgm:cxn modelId="{8E759A7A-3322-4496-B2F9-156B717BD360}" srcId="{94A83885-D46D-4A6B-84E1-866FE27DF947}" destId="{746C7A8A-0E73-45A9-93E0-794954DCA5D9}" srcOrd="0" destOrd="0" parTransId="{A85D9534-1CB8-40BC-BACE-727EE4DAB202}" sibTransId="{9662BB07-E360-4DA1-B229-5FF242637A56}"/>
     <dgm:cxn modelId="{4281AA88-BDC5-47A6-B27F-EAA39E29EA32}" type="presOf" srcId="{746C7A8A-0E73-45A9-93E0-794954DCA5D9}" destId="{EDC6CA5C-B64E-4B60-9976-9E345153EA88}" srcOrd="0" destOrd="1" presId="urn:microsoft.com/office/officeart/2005/8/layout/bProcess3"/>
@@ -2045,7 +2045,7 @@
         <a:ln w="12700" cap="flat" cmpd="sng" algn="ctr">
           <a:solidFill>
             <a:schemeClr val="accent2">
-              <a:hueOff val="1891709"/>
+              <a:hueOff val="1891710"/>
               <a:satOff val="5125"/>
               <a:lumOff val="-4052"/>
               <a:alphaOff val="0"/>
@@ -2453,7 +2453,7 @@
         </a:prstGeom>
         <a:solidFill>
           <a:schemeClr val="accent2">
-            <a:hueOff val="3242930"/>
+            <a:hueOff val="3242931"/>
             <a:satOff val="8786"/>
             <a:lumOff val="-6947"/>
             <a:alphaOff val="0"/>
@@ -2553,7 +2553,7 @@
         <a:ln w="12700" cap="flat" cmpd="sng" algn="ctr">
           <a:solidFill>
             <a:schemeClr val="accent2">
-              <a:hueOff val="4729273"/>
+              <a:hueOff val="4729274"/>
               <a:satOff val="12812"/>
               <a:lumOff val="-10131"/>
               <a:alphaOff val="0"/>
@@ -2739,7 +2739,7 @@
         <a:ln w="12700" cap="flat" cmpd="sng" algn="ctr">
           <a:solidFill>
             <a:schemeClr val="accent2">
-              <a:hueOff val="5675128"/>
+              <a:hueOff val="5675129"/>
               <a:satOff val="15375"/>
               <a:lumOff val="-12157"/>
               <a:alphaOff val="0"/>
@@ -2804,7 +2804,7 @@
         </a:prstGeom>
         <a:solidFill>
           <a:schemeClr val="accent2">
-            <a:hueOff val="4864395"/>
+            <a:hueOff val="4864396"/>
             <a:satOff val="13179"/>
             <a:lumOff val="-10420"/>
             <a:alphaOff val="0"/>
@@ -2900,7 +2900,7 @@
         </a:prstGeom>
         <a:solidFill>
           <a:schemeClr val="accent2">
-            <a:hueOff val="5675128"/>
+            <a:hueOff val="5675129"/>
             <a:satOff val="15375"/>
             <a:lumOff val="-12157"/>
             <a:alphaOff val="0"/>
@@ -4271,7 +4271,7 @@
           <a:p>
             <a:fld id="{6A6E1F60-1704-431C-B0BF-FB2EECBD5FFE}" type="datetimeFigureOut">
               <a:rPr lang="en-US" smtClean="0"/>
-              <a:t>6/4/2024</a:t>
+              <a:t>6/5/24</a:t>
             </a:fld>
             <a:endParaRPr lang="en-US"/>
           </a:p>
@@ -4753,7 +4753,7 @@
           <a:p>
             <a:fld id="{042E5A71-3EAB-4179-B449-B9E45921E0E1}" type="datetimeFigureOut">
               <a:rPr lang="en-US" smtClean="0"/>
-              <a:t>6/4/2024</a:t>
+              <a:t>6/5/24</a:t>
             </a:fld>
             <a:endParaRPr lang="en-US"/>
           </a:p>
@@ -4923,7 +4923,7 @@
           <a:p>
             <a:fld id="{042E5A71-3EAB-4179-B449-B9E45921E0E1}" type="datetimeFigureOut">
               <a:rPr lang="en-US" smtClean="0"/>
-              <a:t>6/4/2024</a:t>
+              <a:t>6/5/24</a:t>
             </a:fld>
             <a:endParaRPr lang="en-US"/>
           </a:p>
@@ -5103,7 +5103,7 @@
           <a:p>
             <a:fld id="{042E5A71-3EAB-4179-B449-B9E45921E0E1}" type="datetimeFigureOut">
               <a:rPr lang="en-US" smtClean="0"/>
-              <a:t>6/4/2024</a:t>
+              <a:t>6/5/24</a:t>
             </a:fld>
             <a:endParaRPr lang="en-US"/>
           </a:p>
@@ -5273,7 +5273,7 @@
           <a:p>
             <a:fld id="{042E5A71-3EAB-4179-B449-B9E45921E0E1}" type="datetimeFigureOut">
               <a:rPr lang="en-US" smtClean="0"/>
-              <a:t>6/4/2024</a:t>
+              <a:t>6/5/24</a:t>
             </a:fld>
             <a:endParaRPr lang="en-US"/>
           </a:p>
@@ -5519,7 +5519,7 @@
           <a:p>
             <a:fld id="{042E5A71-3EAB-4179-B449-B9E45921E0E1}" type="datetimeFigureOut">
               <a:rPr lang="en-US" smtClean="0"/>
-              <a:t>6/4/2024</a:t>
+              <a:t>6/5/24</a:t>
             </a:fld>
             <a:endParaRPr lang="en-US"/>
           </a:p>
@@ -5751,7 +5751,7 @@
           <a:p>
             <a:fld id="{042E5A71-3EAB-4179-B449-B9E45921E0E1}" type="datetimeFigureOut">
               <a:rPr lang="en-US" smtClean="0"/>
-              <a:t>6/4/2024</a:t>
+              <a:t>6/5/24</a:t>
             </a:fld>
             <a:endParaRPr lang="en-US"/>
           </a:p>
@@ -6118,7 +6118,7 @@
           <a:p>
             <a:fld id="{042E5A71-3EAB-4179-B449-B9E45921E0E1}" type="datetimeFigureOut">
               <a:rPr lang="en-US" smtClean="0"/>
-              <a:t>6/4/2024</a:t>
+              <a:t>6/5/24</a:t>
             </a:fld>
             <a:endParaRPr lang="en-US"/>
           </a:p>
@@ -6236,7 +6236,7 @@
           <a:p>
             <a:fld id="{042E5A71-3EAB-4179-B449-B9E45921E0E1}" type="datetimeFigureOut">
               <a:rPr lang="en-US" smtClean="0"/>
-              <a:t>6/4/2024</a:t>
+              <a:t>6/5/24</a:t>
             </a:fld>
             <a:endParaRPr lang="en-US"/>
           </a:p>
@@ -6331,7 +6331,7 @@
           <a:p>
             <a:fld id="{042E5A71-3EAB-4179-B449-B9E45921E0E1}" type="datetimeFigureOut">
               <a:rPr lang="en-US" smtClean="0"/>
-              <a:t>6/4/2024</a:t>
+              <a:t>6/5/24</a:t>
             </a:fld>
             <a:endParaRPr lang="en-US"/>
           </a:p>
@@ -6608,7 +6608,7 @@
           <a:p>
             <a:fld id="{042E5A71-3EAB-4179-B449-B9E45921E0E1}" type="datetimeFigureOut">
               <a:rPr lang="en-US" smtClean="0"/>
-              <a:t>6/4/2024</a:t>
+              <a:t>6/5/24</a:t>
             </a:fld>
             <a:endParaRPr lang="en-US"/>
           </a:p>
@@ -6865,7 +6865,7 @@
           <a:p>
             <a:fld id="{042E5A71-3EAB-4179-B449-B9E45921E0E1}" type="datetimeFigureOut">
               <a:rPr lang="en-US" smtClean="0"/>
-              <a:t>6/4/2024</a:t>
+              <a:t>6/5/24</a:t>
             </a:fld>
             <a:endParaRPr lang="en-US"/>
           </a:p>
@@ -7078,7 +7078,7 @@
           <a:p>
             <a:fld id="{042E5A71-3EAB-4179-B449-B9E45921E0E1}" type="datetimeFigureOut">
               <a:rPr lang="en-US" smtClean="0"/>
-              <a:t>6/4/2024</a:t>
+              <a:t>6/5/24</a:t>
             </a:fld>
             <a:endParaRPr lang="en-US"/>
           </a:p>
@@ -9319,7 +9319,7 @@
           <p:nvPr>
             <p:extLst>
               <p:ext uri="{D42A27DB-BD31-4B8C-83A1-F6EECF244321}">
-                <p14:modId xmlns:p14="http://schemas.microsoft.com/office/powerpoint/2010/main" val="503567176"/>
+                <p14:modId xmlns:p14="http://schemas.microsoft.com/office/powerpoint/2010/main" val="3416168436"/>
               </p:ext>
             </p:extLst>
           </p:nvPr>
@@ -9733,7 +9733,7 @@
                     <a:p>
                       <a:r>
                         <a:rPr lang="en-US" sz="1400" dirty="0"/>
-                        <a:t>Select Top</a:t>
+                        <a:t>Select Top Cluster</a:t>
                       </a:r>
                     </a:p>
                   </a:txBody>
@@ -9754,7 +9754,7 @@
                       </a:r>
                       <a:r>
                         <a:rPr lang="en-US" sz="1400" dirty="0"/>
-                        <a:t> models based on HADDOCK score</a:t>
+                        <a:t> cluster based on HADDOCK score</a:t>
                       </a:r>
                     </a:p>
                   </a:txBody>
@@ -9767,7 +9767,7 @@
                     <a:p>
                       <a:r>
                         <a:rPr lang="en-US" sz="1400" dirty="0"/>
-                        <a:t>10</a:t>
+                        <a:t>~10</a:t>
                       </a:r>
                     </a:p>
                   </a:txBody>
@@ -9851,7 +9851,7 @@
                     <a:p>
                       <a:r>
                         <a:rPr lang="en-US" sz="1400" dirty="0"/>
-                        <a:t>10</a:t>
+                        <a:t>~10</a:t>
                       </a:r>
                     </a:p>
                   </a:txBody>
@@ -9927,7 +9927,7 @@
                     <a:p>
                       <a:r>
                         <a:rPr lang="en-US" sz="1400" dirty="0"/>
-                        <a:t>10</a:t>
+                        <a:t>~10</a:t>
                       </a:r>
                     </a:p>
                   </a:txBody>
@@ -9983,7 +9983,7 @@
                     <a:p>
                       <a:r>
                         <a:rPr lang="en-US" sz="1400" dirty="0"/>
-                        <a:t>10</a:t>
+                        <a:t>~10</a:t>
                       </a:r>
                     </a:p>
                   </a:txBody>

--- a/figures/Workflow.pptx
+++ b/figures/Workflow.pptx
@@ -114,4079 +114,6 @@
     </p:ext>
   </p:extLst>
 </p:presentation>
-</file>
-
-<file path=ppt/diagrams/colors1.xml><?xml version="1.0" encoding="utf-8"?>
-<dgm:colorsDef xmlns:dgm="http://schemas.openxmlformats.org/drawingml/2006/diagram" xmlns:a="http://schemas.openxmlformats.org/drawingml/2006/main" uniqueId="urn:microsoft.com/office/officeart/2005/8/colors/colorful2">
-  <dgm:title val=""/>
-  <dgm:desc val=""/>
-  <dgm:catLst>
-    <dgm:cat type="colorful" pri="10200"/>
-  </dgm:catLst>
-  <dgm:styleLbl name="node0">
-    <dgm:fillClrLst meth="repeat">
-      <a:schemeClr val="accent1"/>
-    </dgm:fillClrLst>
-    <dgm:linClrLst meth="repeat">
-      <a:schemeClr val="lt1"/>
-    </dgm:linClrLst>
-    <dgm:effectClrLst/>
-    <dgm:txLinClrLst/>
-    <dgm:txFillClrLst/>
-    <dgm:txEffectClrLst/>
-  </dgm:styleLbl>
-  <dgm:styleLbl name="node1">
-    <dgm:fillClrLst>
-      <a:schemeClr val="accent2"/>
-      <a:schemeClr val="accent3"/>
-    </dgm:fillClrLst>
-    <dgm:linClrLst meth="repeat">
-      <a:schemeClr val="lt1"/>
-    </dgm:linClrLst>
-    <dgm:effectClrLst/>
-    <dgm:txLinClrLst/>
-    <dgm:txFillClrLst/>
-    <dgm:txEffectClrLst/>
-  </dgm:styleLbl>
-  <dgm:styleLbl name="alignNode1">
-    <dgm:fillClrLst>
-      <a:schemeClr val="accent2"/>
-      <a:schemeClr val="accent3"/>
-    </dgm:fillClrLst>
-    <dgm:linClrLst>
-      <a:schemeClr val="accent2"/>
-      <a:schemeClr val="accent3"/>
-    </dgm:linClrLst>
-    <dgm:effectClrLst/>
-    <dgm:txLinClrLst/>
-    <dgm:txFillClrLst/>
-    <dgm:txEffectClrLst/>
-  </dgm:styleLbl>
-  <dgm:styleLbl name="lnNode1">
-    <dgm:fillClrLst>
-      <a:schemeClr val="accent2"/>
-      <a:schemeClr val="accent3"/>
-    </dgm:fillClrLst>
-    <dgm:linClrLst meth="repeat">
-      <a:schemeClr val="lt1"/>
-    </dgm:linClrLst>
-    <dgm:effectClrLst/>
-    <dgm:txLinClrLst/>
-    <dgm:txFillClrLst/>
-    <dgm:txEffectClrLst/>
-  </dgm:styleLbl>
-  <dgm:styleLbl name="vennNode1">
-    <dgm:fillClrLst>
-      <a:schemeClr val="accent2">
-        <a:alpha val="50000"/>
-      </a:schemeClr>
-      <a:schemeClr val="accent3">
-        <a:alpha val="50000"/>
-      </a:schemeClr>
-    </dgm:fillClrLst>
-    <dgm:linClrLst meth="repeat">
-      <a:schemeClr val="lt1"/>
-    </dgm:linClrLst>
-    <dgm:effectClrLst/>
-    <dgm:txLinClrLst/>
-    <dgm:txFillClrLst/>
-    <dgm:txEffectClrLst/>
-  </dgm:styleLbl>
-  <dgm:styleLbl name="node2">
-    <dgm:fillClrLst>
-      <a:schemeClr val="accent3"/>
-    </dgm:fillClrLst>
-    <dgm:linClrLst meth="repeat">
-      <a:schemeClr val="lt1"/>
-    </dgm:linClrLst>
-    <dgm:effectClrLst/>
-    <dgm:txLinClrLst/>
-    <dgm:txFillClrLst/>
-    <dgm:txEffectClrLst/>
-  </dgm:styleLbl>
-  <dgm:styleLbl name="node3">
-    <dgm:fillClrLst>
-      <a:schemeClr val="accent4"/>
-    </dgm:fillClrLst>
-    <dgm:linClrLst meth="repeat">
-      <a:schemeClr val="lt1"/>
-    </dgm:linClrLst>
-    <dgm:effectClrLst/>
-    <dgm:txLinClrLst/>
-    <dgm:txFillClrLst/>
-    <dgm:txEffectClrLst/>
-  </dgm:styleLbl>
-  <dgm:styleLbl name="node4">
-    <dgm:fillClrLst>
-      <a:schemeClr val="accent5"/>
-    </dgm:fillClrLst>
-    <dgm:linClrLst meth="repeat">
-      <a:schemeClr val="lt1"/>
-    </dgm:linClrLst>
-    <dgm:effectClrLst/>
-    <dgm:txLinClrLst/>
-    <dgm:txFillClrLst/>
-    <dgm:txEffectClrLst/>
-  </dgm:styleLbl>
-  <dgm:styleLbl name="fgImgPlace1">
-    <dgm:fillClrLst>
-      <a:schemeClr val="accent2">
-        <a:tint val="50000"/>
-      </a:schemeClr>
-      <a:schemeClr val="accent3">
-        <a:tint val="50000"/>
-      </a:schemeClr>
-    </dgm:fillClrLst>
-    <dgm:linClrLst meth="repeat">
-      <a:schemeClr val="lt1"/>
-    </dgm:linClrLst>
-    <dgm:effectClrLst/>
-    <dgm:txLinClrLst/>
-    <dgm:txFillClrLst meth="repeat">
-      <a:schemeClr val="lt1"/>
-    </dgm:txFillClrLst>
-    <dgm:txEffectClrLst/>
-  </dgm:styleLbl>
-  <dgm:styleLbl name="alignImgPlace1">
-    <dgm:fillClrLst>
-      <a:schemeClr val="accent2">
-        <a:tint val="50000"/>
-      </a:schemeClr>
-      <a:schemeClr val="accent3">
-        <a:tint val="20000"/>
-      </a:schemeClr>
-    </dgm:fillClrLst>
-    <dgm:linClrLst meth="repeat">
-      <a:schemeClr val="lt1"/>
-    </dgm:linClrLst>
-    <dgm:effectClrLst/>
-    <dgm:txLinClrLst/>
-    <dgm:txFillClrLst meth="repeat">
-      <a:schemeClr val="lt1"/>
-    </dgm:txFillClrLst>
-    <dgm:txEffectClrLst/>
-  </dgm:styleLbl>
-  <dgm:styleLbl name="bgImgPlace1">
-    <dgm:fillClrLst>
-      <a:schemeClr val="accent2">
-        <a:tint val="50000"/>
-      </a:schemeClr>
-      <a:schemeClr val="accent3">
-        <a:tint val="20000"/>
-      </a:schemeClr>
-    </dgm:fillClrLst>
-    <dgm:linClrLst meth="repeat">
-      <a:schemeClr val="lt1"/>
-    </dgm:linClrLst>
-    <dgm:effectClrLst/>
-    <dgm:txLinClrLst/>
-    <dgm:txFillClrLst meth="repeat">
-      <a:schemeClr val="lt1"/>
-    </dgm:txFillClrLst>
-    <dgm:txEffectClrLst/>
-  </dgm:styleLbl>
-  <dgm:styleLbl name="sibTrans2D1">
-    <dgm:fillClrLst>
-      <a:schemeClr val="accent2"/>
-      <a:schemeClr val="accent3"/>
-    </dgm:fillClrLst>
-    <dgm:linClrLst meth="repeat">
-      <a:schemeClr val="lt1"/>
-    </dgm:linClrLst>
-    <dgm:effectClrLst/>
-    <dgm:txLinClrLst/>
-    <dgm:txFillClrLst/>
-    <dgm:txEffectClrLst/>
-  </dgm:styleLbl>
-  <dgm:styleLbl name="fgSibTrans2D1">
-    <dgm:fillClrLst>
-      <a:schemeClr val="accent2"/>
-      <a:schemeClr val="accent3"/>
-    </dgm:fillClrLst>
-    <dgm:linClrLst meth="repeat">
-      <a:schemeClr val="lt1"/>
-    </dgm:linClrLst>
-    <dgm:effectClrLst/>
-    <dgm:txLinClrLst/>
-    <dgm:txFillClrLst meth="repeat">
-      <a:schemeClr val="lt1"/>
-    </dgm:txFillClrLst>
-    <dgm:txEffectClrLst/>
-  </dgm:styleLbl>
-  <dgm:styleLbl name="bgSibTrans2D1">
-    <dgm:fillClrLst>
-      <a:schemeClr val="accent2"/>
-      <a:schemeClr val="accent3"/>
-    </dgm:fillClrLst>
-    <dgm:linClrLst meth="repeat">
-      <a:schemeClr val="lt1"/>
-    </dgm:linClrLst>
-    <dgm:effectClrLst/>
-    <dgm:txLinClrLst/>
-    <dgm:txFillClrLst meth="repeat">
-      <a:schemeClr val="lt1"/>
-    </dgm:txFillClrLst>
-    <dgm:txEffectClrLst/>
-  </dgm:styleLbl>
-  <dgm:styleLbl name="sibTrans1D1">
-    <dgm:fillClrLst/>
-    <dgm:linClrLst>
-      <a:schemeClr val="accent2"/>
-      <a:schemeClr val="accent3"/>
-    </dgm:linClrLst>
-    <dgm:effectClrLst/>
-    <dgm:txLinClrLst/>
-    <dgm:txFillClrLst meth="repeat">
-      <a:schemeClr val="tx1"/>
-    </dgm:txFillClrLst>
-    <dgm:txEffectClrLst/>
-  </dgm:styleLbl>
-  <dgm:styleLbl name="callout">
-    <dgm:fillClrLst meth="repeat">
-      <a:schemeClr val="accent2"/>
-    </dgm:fillClrLst>
-    <dgm:linClrLst meth="repeat">
-      <a:schemeClr val="accent2">
-        <a:tint val="50000"/>
-      </a:schemeClr>
-    </dgm:linClrLst>
-    <dgm:effectClrLst/>
-    <dgm:txLinClrLst/>
-    <dgm:txFillClrLst meth="repeat">
-      <a:schemeClr val="tx1"/>
-    </dgm:txFillClrLst>
-    <dgm:txEffectClrLst/>
-  </dgm:styleLbl>
-  <dgm:styleLbl name="asst0">
-    <dgm:fillClrLst meth="repeat">
-      <a:schemeClr val="accent2"/>
-    </dgm:fillClrLst>
-    <dgm:linClrLst meth="repeat">
-      <a:schemeClr val="lt1">
-        <a:shade val="80000"/>
-      </a:schemeClr>
-    </dgm:linClrLst>
-    <dgm:effectClrLst/>
-    <dgm:txLinClrLst/>
-    <dgm:txFillClrLst/>
-    <dgm:txEffectClrLst/>
-  </dgm:styleLbl>
-  <dgm:styleLbl name="asst1">
-    <dgm:fillClrLst meth="repeat">
-      <a:schemeClr val="accent3"/>
-    </dgm:fillClrLst>
-    <dgm:linClrLst meth="repeat">
-      <a:schemeClr val="lt1">
-        <a:shade val="80000"/>
-      </a:schemeClr>
-    </dgm:linClrLst>
-    <dgm:effectClrLst/>
-    <dgm:txLinClrLst/>
-    <dgm:txFillClrLst/>
-    <dgm:txEffectClrLst/>
-  </dgm:styleLbl>
-  <dgm:styleLbl name="asst2">
-    <dgm:fillClrLst>
-      <a:schemeClr val="accent4"/>
-    </dgm:fillClrLst>
-    <dgm:linClrLst meth="repeat">
-      <a:schemeClr val="lt1"/>
-    </dgm:linClrLst>
-    <dgm:effectClrLst/>
-    <dgm:txLinClrLst/>
-    <dgm:txFillClrLst/>
-    <dgm:txEffectClrLst/>
-  </dgm:styleLbl>
-  <dgm:styleLbl name="asst3">
-    <dgm:fillClrLst>
-      <a:schemeClr val="accent5"/>
-    </dgm:fillClrLst>
-    <dgm:linClrLst meth="repeat">
-      <a:schemeClr val="lt1"/>
-    </dgm:linClrLst>
-    <dgm:effectClrLst/>
-    <dgm:txLinClrLst/>
-    <dgm:txFillClrLst/>
-    <dgm:txEffectClrLst/>
-  </dgm:styleLbl>
-  <dgm:styleLbl name="asst4">
-    <dgm:fillClrLst>
-      <a:schemeClr val="accent6"/>
-    </dgm:fillClrLst>
-    <dgm:linClrLst meth="repeat">
-      <a:schemeClr val="lt1"/>
-    </dgm:linClrLst>
-    <dgm:effectClrLst/>
-    <dgm:txLinClrLst/>
-    <dgm:txFillClrLst/>
-    <dgm:txEffectClrLst/>
-  </dgm:styleLbl>
-  <dgm:styleLbl name="parChTrans2D1">
-    <dgm:fillClrLst meth="repeat">
-      <a:schemeClr val="accent2"/>
-    </dgm:fillClrLst>
-    <dgm:linClrLst meth="repeat">
-      <a:schemeClr val="lt1"/>
-    </dgm:linClrLst>
-    <dgm:effectClrLst/>
-    <dgm:txLinClrLst/>
-    <dgm:txFillClrLst meth="repeat">
-      <a:schemeClr val="lt1"/>
-    </dgm:txFillClrLst>
-    <dgm:txEffectClrLst/>
-  </dgm:styleLbl>
-  <dgm:styleLbl name="parChTrans2D2">
-    <dgm:fillClrLst meth="repeat">
-      <a:schemeClr val="accent3"/>
-    </dgm:fillClrLst>
-    <dgm:linClrLst meth="repeat">
-      <a:schemeClr val="lt1"/>
-    </dgm:linClrLst>
-    <dgm:effectClrLst/>
-    <dgm:txLinClrLst/>
-    <dgm:txFillClrLst/>
-    <dgm:txEffectClrLst/>
-  </dgm:styleLbl>
-  <dgm:styleLbl name="parChTrans2D3">
-    <dgm:fillClrLst meth="repeat">
-      <a:schemeClr val="accent4"/>
-    </dgm:fillClrLst>
-    <dgm:linClrLst meth="repeat">
-      <a:schemeClr val="lt1"/>
-    </dgm:linClrLst>
-    <dgm:effectClrLst/>
-    <dgm:txLinClrLst/>
-    <dgm:txFillClrLst/>
-    <dgm:txEffectClrLst/>
-  </dgm:styleLbl>
-  <dgm:styleLbl name="parChTrans2D4">
-    <dgm:fillClrLst meth="repeat">
-      <a:schemeClr val="accent5"/>
-    </dgm:fillClrLst>
-    <dgm:linClrLst meth="repeat">
-      <a:schemeClr val="lt1"/>
-    </dgm:linClrLst>
-    <dgm:effectClrLst/>
-    <dgm:txLinClrLst/>
-    <dgm:txFillClrLst meth="repeat">
-      <a:schemeClr val="lt1"/>
-    </dgm:txFillClrLst>
-    <dgm:txEffectClrLst/>
-  </dgm:styleLbl>
-  <dgm:styleLbl name="parChTrans1D1">
-    <dgm:fillClrLst meth="repeat">
-      <a:schemeClr val="accent2"/>
-    </dgm:fillClrLst>
-    <dgm:linClrLst meth="repeat">
-      <a:schemeClr val="accent2"/>
-    </dgm:linClrLst>
-    <dgm:effectClrLst/>
-    <dgm:txLinClrLst/>
-    <dgm:txFillClrLst meth="repeat">
-      <a:schemeClr val="tx1"/>
-    </dgm:txFillClrLst>
-    <dgm:txEffectClrLst/>
-  </dgm:styleLbl>
-  <dgm:styleLbl name="parChTrans1D2">
-    <dgm:fillClrLst meth="repeat">
-      <a:schemeClr val="accent2">
-        <a:tint val="90000"/>
-      </a:schemeClr>
-    </dgm:fillClrLst>
-    <dgm:linClrLst meth="repeat">
-      <a:schemeClr val="accent3"/>
-    </dgm:linClrLst>
-    <dgm:effectClrLst/>
-    <dgm:txLinClrLst/>
-    <dgm:txFillClrLst meth="repeat">
-      <a:schemeClr val="tx1"/>
-    </dgm:txFillClrLst>
-    <dgm:txEffectClrLst/>
-  </dgm:styleLbl>
-  <dgm:styleLbl name="parChTrans1D3">
-    <dgm:fillClrLst meth="repeat">
-      <a:schemeClr val="accent2">
-        <a:tint val="70000"/>
-      </a:schemeClr>
-    </dgm:fillClrLst>
-    <dgm:linClrLst meth="repeat">
-      <a:schemeClr val="accent4"/>
-    </dgm:linClrLst>
-    <dgm:effectClrLst/>
-    <dgm:txLinClrLst/>
-    <dgm:txFillClrLst meth="repeat">
-      <a:schemeClr val="tx1"/>
-    </dgm:txFillClrLst>
-    <dgm:txEffectClrLst/>
-  </dgm:styleLbl>
-  <dgm:styleLbl name="parChTrans1D4">
-    <dgm:fillClrLst meth="repeat">
-      <a:schemeClr val="accent2">
-        <a:tint val="50000"/>
-      </a:schemeClr>
-    </dgm:fillClrLst>
-    <dgm:linClrLst meth="repeat">
-      <a:schemeClr val="accent5"/>
-    </dgm:linClrLst>
-    <dgm:effectClrLst/>
-    <dgm:txLinClrLst/>
-    <dgm:txFillClrLst meth="repeat">
-      <a:schemeClr val="tx1"/>
-    </dgm:txFillClrLst>
-    <dgm:txEffectClrLst/>
-  </dgm:styleLbl>
-  <dgm:styleLbl name="fgAcc1">
-    <dgm:fillClrLst meth="repeat">
-      <a:schemeClr val="lt1">
-        <a:alpha val="90000"/>
-      </a:schemeClr>
-    </dgm:fillClrLst>
-    <dgm:linClrLst>
-      <a:schemeClr val="accent2"/>
-      <a:schemeClr val="accent3"/>
-    </dgm:linClrLst>
-    <dgm:effectClrLst/>
-    <dgm:txLinClrLst/>
-    <dgm:txFillClrLst meth="repeat">
-      <a:schemeClr val="dk1"/>
-    </dgm:txFillClrLst>
-    <dgm:txEffectClrLst/>
-  </dgm:styleLbl>
-  <dgm:styleLbl name="conFgAcc1">
-    <dgm:fillClrLst meth="repeat">
-      <a:schemeClr val="lt1">
-        <a:alpha val="90000"/>
-      </a:schemeClr>
-    </dgm:fillClrLst>
-    <dgm:linClrLst>
-      <a:schemeClr val="accent2"/>
-      <a:schemeClr val="accent3"/>
-    </dgm:linClrLst>
-    <dgm:effectClrLst/>
-    <dgm:txLinClrLst/>
-    <dgm:txFillClrLst meth="repeat">
-      <a:schemeClr val="dk1"/>
-    </dgm:txFillClrLst>
-    <dgm:txEffectClrLst/>
-  </dgm:styleLbl>
-  <dgm:styleLbl name="alignAcc1">
-    <dgm:fillClrLst meth="repeat">
-      <a:schemeClr val="lt1">
-        <a:alpha val="90000"/>
-      </a:schemeClr>
-    </dgm:fillClrLst>
-    <dgm:linClrLst>
-      <a:schemeClr val="accent2"/>
-      <a:schemeClr val="accent3"/>
-    </dgm:linClrLst>
-    <dgm:effectClrLst/>
-    <dgm:txLinClrLst/>
-    <dgm:txFillClrLst meth="repeat">
-      <a:schemeClr val="dk1"/>
-    </dgm:txFillClrLst>
-    <dgm:txEffectClrLst/>
-  </dgm:styleLbl>
-  <dgm:styleLbl name="trAlignAcc1">
-    <dgm:fillClrLst meth="repeat">
-      <a:schemeClr val="lt1">
-        <a:alpha val="40000"/>
-      </a:schemeClr>
-    </dgm:fillClrLst>
-    <dgm:linClrLst meth="repeat">
-      <a:schemeClr val="accent2"/>
-    </dgm:linClrLst>
-    <dgm:effectClrLst/>
-    <dgm:txLinClrLst/>
-    <dgm:txFillClrLst meth="repeat">
-      <a:schemeClr val="dk1"/>
-    </dgm:txFillClrLst>
-    <dgm:txEffectClrLst/>
-  </dgm:styleLbl>
-  <dgm:styleLbl name="bgAcc1">
-    <dgm:fillClrLst meth="repeat">
-      <a:schemeClr val="lt1">
-        <a:alpha val="90000"/>
-      </a:schemeClr>
-    </dgm:fillClrLst>
-    <dgm:linClrLst>
-      <a:schemeClr val="accent2"/>
-      <a:schemeClr val="accent3"/>
-    </dgm:linClrLst>
-    <dgm:effectClrLst/>
-    <dgm:txLinClrLst/>
-    <dgm:txFillClrLst meth="repeat">
-      <a:schemeClr val="dk1"/>
-    </dgm:txFillClrLst>
-    <dgm:txEffectClrLst/>
-  </dgm:styleLbl>
-  <dgm:styleLbl name="solidFgAcc1">
-    <dgm:fillClrLst meth="repeat">
-      <a:schemeClr val="lt1"/>
-    </dgm:fillClrLst>
-    <dgm:linClrLst>
-      <a:schemeClr val="accent2"/>
-      <a:schemeClr val="accent3"/>
-    </dgm:linClrLst>
-    <dgm:effectClrLst/>
-    <dgm:txLinClrLst/>
-    <dgm:txFillClrLst meth="repeat">
-      <a:schemeClr val="dk1"/>
-    </dgm:txFillClrLst>
-    <dgm:txEffectClrLst/>
-  </dgm:styleLbl>
-  <dgm:styleLbl name="solidAlignAcc1">
-    <dgm:fillClrLst meth="repeat">
-      <a:schemeClr val="lt1"/>
-    </dgm:fillClrLst>
-    <dgm:linClrLst>
-      <a:schemeClr val="accent2"/>
-      <a:schemeClr val="accent3"/>
-    </dgm:linClrLst>
-    <dgm:effectClrLst/>
-    <dgm:txLinClrLst/>
-    <dgm:txFillClrLst meth="repeat">
-      <a:schemeClr val="dk1"/>
-    </dgm:txFillClrLst>
-    <dgm:txEffectClrLst/>
-  </dgm:styleLbl>
-  <dgm:styleLbl name="solidBgAcc1">
-    <dgm:fillClrLst meth="repeat">
-      <a:schemeClr val="lt1"/>
-    </dgm:fillClrLst>
-    <dgm:linClrLst>
-      <a:schemeClr val="accent2"/>
-      <a:schemeClr val="accent3"/>
-    </dgm:linClrLst>
-    <dgm:effectClrLst/>
-    <dgm:txLinClrLst/>
-    <dgm:txFillClrLst meth="repeat">
-      <a:schemeClr val="dk1"/>
-    </dgm:txFillClrLst>
-    <dgm:txEffectClrLst/>
-  </dgm:styleLbl>
-  <dgm:styleLbl name="fgAccFollowNode1">
-    <dgm:fillClrLst>
-      <a:schemeClr val="accent2">
-        <a:tint val="40000"/>
-        <a:alpha val="90000"/>
-      </a:schemeClr>
-      <a:schemeClr val="accent3">
-        <a:tint val="40000"/>
-        <a:alpha val="90000"/>
-      </a:schemeClr>
-    </dgm:fillClrLst>
-    <dgm:linClrLst>
-      <a:schemeClr val="accent2">
-        <a:tint val="40000"/>
-        <a:alpha val="90000"/>
-      </a:schemeClr>
-      <a:schemeClr val="accent3">
-        <a:tint val="40000"/>
-        <a:alpha val="90000"/>
-      </a:schemeClr>
-    </dgm:linClrLst>
-    <dgm:effectClrLst/>
-    <dgm:txLinClrLst/>
-    <dgm:txFillClrLst meth="repeat">
-      <a:schemeClr val="dk1"/>
-    </dgm:txFillClrLst>
-    <dgm:txEffectClrLst/>
-  </dgm:styleLbl>
-  <dgm:styleLbl name="alignAccFollowNode1">
-    <dgm:fillClrLst>
-      <a:schemeClr val="accent2">
-        <a:tint val="40000"/>
-        <a:alpha val="90000"/>
-      </a:schemeClr>
-      <a:schemeClr val="accent3">
-        <a:tint val="40000"/>
-        <a:alpha val="90000"/>
-      </a:schemeClr>
-    </dgm:fillClrLst>
-    <dgm:linClrLst>
-      <a:schemeClr val="accent2">
-        <a:tint val="40000"/>
-        <a:alpha val="90000"/>
-      </a:schemeClr>
-      <a:schemeClr val="accent3">
-        <a:tint val="40000"/>
-        <a:alpha val="90000"/>
-      </a:schemeClr>
-    </dgm:linClrLst>
-    <dgm:effectClrLst/>
-    <dgm:txLinClrLst/>
-    <dgm:txFillClrLst meth="repeat">
-      <a:schemeClr val="dk1"/>
-    </dgm:txFillClrLst>
-    <dgm:txEffectClrLst/>
-  </dgm:styleLbl>
-  <dgm:styleLbl name="bgAccFollowNode1">
-    <dgm:fillClrLst>
-      <a:schemeClr val="accent2">
-        <a:tint val="40000"/>
-        <a:alpha val="90000"/>
-      </a:schemeClr>
-      <a:schemeClr val="accent3">
-        <a:tint val="40000"/>
-        <a:alpha val="90000"/>
-      </a:schemeClr>
-    </dgm:fillClrLst>
-    <dgm:linClrLst>
-      <a:schemeClr val="accent2">
-        <a:tint val="40000"/>
-        <a:alpha val="90000"/>
-      </a:schemeClr>
-      <a:schemeClr val="accent3">
-        <a:tint val="40000"/>
-        <a:alpha val="90000"/>
-      </a:schemeClr>
-    </dgm:linClrLst>
-    <dgm:effectClrLst/>
-    <dgm:txLinClrLst/>
-    <dgm:txFillClrLst meth="repeat">
-      <a:schemeClr val="dk1"/>
-    </dgm:txFillClrLst>
-    <dgm:txEffectClrLst/>
-  </dgm:styleLbl>
-  <dgm:styleLbl name="fgAcc0">
-    <dgm:fillClrLst meth="repeat">
-      <a:schemeClr val="lt1">
-        <a:alpha val="90000"/>
-      </a:schemeClr>
-    </dgm:fillClrLst>
-    <dgm:linClrLst>
-      <a:schemeClr val="accent1"/>
-    </dgm:linClrLst>
-    <dgm:effectClrLst/>
-    <dgm:txLinClrLst/>
-    <dgm:txFillClrLst meth="repeat">
-      <a:schemeClr val="dk1"/>
-    </dgm:txFillClrLst>
-    <dgm:txEffectClrLst/>
-  </dgm:styleLbl>
-  <dgm:styleLbl name="fgAcc2">
-    <dgm:fillClrLst meth="repeat">
-      <a:schemeClr val="lt1">
-        <a:alpha val="90000"/>
-      </a:schemeClr>
-    </dgm:fillClrLst>
-    <dgm:linClrLst>
-      <a:schemeClr val="accent3"/>
-    </dgm:linClrLst>
-    <dgm:effectClrLst/>
-    <dgm:txLinClrLst/>
-    <dgm:txFillClrLst meth="repeat">
-      <a:schemeClr val="dk1"/>
-    </dgm:txFillClrLst>
-    <dgm:txEffectClrLst/>
-  </dgm:styleLbl>
-  <dgm:styleLbl name="fgAcc3">
-    <dgm:fillClrLst meth="repeat">
-      <a:schemeClr val="lt1">
-        <a:alpha val="90000"/>
-      </a:schemeClr>
-    </dgm:fillClrLst>
-    <dgm:linClrLst>
-      <a:schemeClr val="accent4"/>
-    </dgm:linClrLst>
-    <dgm:effectClrLst/>
-    <dgm:txLinClrLst/>
-    <dgm:txFillClrLst meth="repeat">
-      <a:schemeClr val="dk1"/>
-    </dgm:txFillClrLst>
-    <dgm:txEffectClrLst/>
-  </dgm:styleLbl>
-  <dgm:styleLbl name="fgAcc4">
-    <dgm:fillClrLst meth="repeat">
-      <a:schemeClr val="lt1">
-        <a:alpha val="90000"/>
-      </a:schemeClr>
-    </dgm:fillClrLst>
-    <dgm:linClrLst>
-      <a:schemeClr val="accent5"/>
-    </dgm:linClrLst>
-    <dgm:effectClrLst/>
-    <dgm:txLinClrLst/>
-    <dgm:txFillClrLst meth="repeat">
-      <a:schemeClr val="dk1"/>
-    </dgm:txFillClrLst>
-    <dgm:txEffectClrLst/>
-  </dgm:styleLbl>
-  <dgm:styleLbl name="bgShp">
-    <dgm:fillClrLst meth="repeat">
-      <a:schemeClr val="accent2">
-        <a:tint val="40000"/>
-      </a:schemeClr>
-    </dgm:fillClrLst>
-    <dgm:linClrLst meth="repeat">
-      <a:schemeClr val="dk1"/>
-    </dgm:linClrLst>
-    <dgm:effectClrLst/>
-    <dgm:txLinClrLst/>
-    <dgm:txFillClrLst meth="repeat">
-      <a:schemeClr val="dk1"/>
-    </dgm:txFillClrLst>
-    <dgm:txEffectClrLst/>
-  </dgm:styleLbl>
-  <dgm:styleLbl name="dkBgShp">
-    <dgm:fillClrLst meth="repeat">
-      <a:schemeClr val="accent2">
-        <a:shade val="90000"/>
-      </a:schemeClr>
-    </dgm:fillClrLst>
-    <dgm:linClrLst meth="repeat">
-      <a:schemeClr val="dk1"/>
-    </dgm:linClrLst>
-    <dgm:effectClrLst/>
-    <dgm:txLinClrLst/>
-    <dgm:txFillClrLst meth="repeat">
-      <a:schemeClr val="lt1"/>
-    </dgm:txFillClrLst>
-    <dgm:txEffectClrLst/>
-  </dgm:styleLbl>
-  <dgm:styleLbl name="trBgShp">
-    <dgm:fillClrLst meth="repeat">
-      <a:schemeClr val="accent2">
-        <a:tint val="50000"/>
-        <a:alpha val="40000"/>
-      </a:schemeClr>
-    </dgm:fillClrLst>
-    <dgm:linClrLst meth="repeat">
-      <a:schemeClr val="accent2"/>
-    </dgm:linClrLst>
-    <dgm:effectClrLst/>
-    <dgm:txLinClrLst/>
-    <dgm:txFillClrLst meth="repeat">
-      <a:schemeClr val="lt1"/>
-    </dgm:txFillClrLst>
-    <dgm:txEffectClrLst/>
-  </dgm:styleLbl>
-  <dgm:styleLbl name="fgShp">
-    <dgm:fillClrLst meth="repeat">
-      <a:schemeClr val="accent2">
-        <a:tint val="40000"/>
-      </a:schemeClr>
-    </dgm:fillClrLst>
-    <dgm:linClrLst meth="repeat">
-      <a:schemeClr val="lt1"/>
-    </dgm:linClrLst>
-    <dgm:effectClrLst/>
-    <dgm:txLinClrLst/>
-    <dgm:txFillClrLst meth="repeat">
-      <a:schemeClr val="dk1"/>
-    </dgm:txFillClrLst>
-    <dgm:txEffectClrLst/>
-  </dgm:styleLbl>
-  <dgm:styleLbl name="revTx">
-    <dgm:fillClrLst meth="repeat">
-      <a:schemeClr val="lt1">
-        <a:alpha val="0"/>
-      </a:schemeClr>
-    </dgm:fillClrLst>
-    <dgm:linClrLst meth="repeat">
-      <a:schemeClr val="dk1">
-        <a:alpha val="0"/>
-      </a:schemeClr>
-    </dgm:linClrLst>
-    <dgm:effectClrLst/>
-    <dgm:txLinClrLst/>
-    <dgm:txFillClrLst meth="repeat">
-      <a:schemeClr val="tx1"/>
-    </dgm:txFillClrLst>
-    <dgm:txEffectClrLst/>
-  </dgm:styleLbl>
-</dgm:colorsDef>
-</file>
-
-<file path=ppt/diagrams/data1.xml><?xml version="1.0" encoding="utf-8"?>
-<dgm:dataModel xmlns:dgm="http://schemas.openxmlformats.org/drawingml/2006/diagram" xmlns:a="http://schemas.openxmlformats.org/drawingml/2006/main">
-  <dgm:ptLst>
-    <dgm:pt modelId="{2C51816A-3FA0-4E56-BBB7-EB629C6769DA}" type="doc">
-      <dgm:prSet loTypeId="urn:microsoft.com/office/officeart/2005/8/layout/bProcess3" loCatId="process" qsTypeId="urn:microsoft.com/office/officeart/2005/8/quickstyle/simple1" qsCatId="simple" csTypeId="urn:microsoft.com/office/officeart/2005/8/colors/colorful2" csCatId="colorful" phldr="1"/>
-      <dgm:spPr/>
-    </dgm:pt>
-    <dgm:pt modelId="{ED7EF4D6-F530-4E5C-9C5E-A455F28C1138}">
-      <dgm:prSet phldrT="[Text]"/>
-      <dgm:spPr/>
-      <dgm:t>
-        <a:bodyPr/>
-        <a:lstStyle/>
-        <a:p>
-          <a:r>
-            <a:rPr lang="en-US" dirty="0"/>
-            <a:t>Select Top 50</a:t>
-          </a:r>
-        </a:p>
-      </dgm:t>
-    </dgm:pt>
-    <dgm:pt modelId="{BE975FC3-1052-43EA-BE5F-73248E12B20E}" type="parTrans" cxnId="{EFA49CFD-A434-4092-9A09-190949F37A2E}">
-      <dgm:prSet/>
-      <dgm:spPr/>
-      <dgm:t>
-        <a:bodyPr/>
-        <a:lstStyle/>
-        <a:p>
-          <a:endParaRPr lang="en-US"/>
-        </a:p>
-      </dgm:t>
-    </dgm:pt>
-    <dgm:pt modelId="{D61C189E-D013-4CE7-A79B-9AF2D7AFDB90}" type="sibTrans" cxnId="{EFA49CFD-A434-4092-9A09-190949F37A2E}">
-      <dgm:prSet/>
-      <dgm:spPr/>
-      <dgm:t>
-        <a:bodyPr/>
-        <a:lstStyle/>
-        <a:p>
-          <a:endParaRPr lang="en-US"/>
-        </a:p>
-      </dgm:t>
-    </dgm:pt>
-    <dgm:pt modelId="{984B680A-88DA-44A4-A8D0-3317105BE9F7}">
-      <dgm:prSet phldrT="[Text]"/>
-      <dgm:spPr/>
-      <dgm:t>
-        <a:bodyPr/>
-        <a:lstStyle/>
-        <a:p>
-          <a:r>
-            <a:rPr lang="en-US" dirty="0"/>
-            <a:t>Flexible Refinement</a:t>
-          </a:r>
-        </a:p>
-      </dgm:t>
-    </dgm:pt>
-    <dgm:pt modelId="{7557EE51-3E30-4AB1-8769-4627FE70C984}" type="parTrans" cxnId="{4099BAF9-0B83-4BAA-9BEF-A6C203D43668}">
-      <dgm:prSet/>
-      <dgm:spPr/>
-      <dgm:t>
-        <a:bodyPr/>
-        <a:lstStyle/>
-        <a:p>
-          <a:endParaRPr lang="en-US"/>
-        </a:p>
-      </dgm:t>
-    </dgm:pt>
-    <dgm:pt modelId="{1E65890B-E9B3-4D62-BEBE-D307DFB09A9A}" type="sibTrans" cxnId="{4099BAF9-0B83-4BAA-9BEF-A6C203D43668}">
-      <dgm:prSet/>
-      <dgm:spPr/>
-      <dgm:t>
-        <a:bodyPr/>
-        <a:lstStyle/>
-        <a:p>
-          <a:endParaRPr lang="en-US"/>
-        </a:p>
-      </dgm:t>
-    </dgm:pt>
-    <dgm:pt modelId="{8B9D00D3-2F6E-42E2-A34A-F58E22C0EEE4}">
-      <dgm:prSet phldrT="[Text]"/>
-      <dgm:spPr/>
-      <dgm:t>
-        <a:bodyPr/>
-        <a:lstStyle/>
-        <a:p>
-          <a:r>
-            <a:rPr lang="en-US" i="1" dirty="0"/>
-            <a:t>Rigid body energy minimization with CNS (it0)</a:t>
-          </a:r>
-          <a:endParaRPr lang="en-US" dirty="0"/>
-        </a:p>
-      </dgm:t>
-    </dgm:pt>
-    <dgm:pt modelId="{D1716229-44EE-44DB-A48C-1B302B234E31}" type="parTrans" cxnId="{3F3B2B3D-DCBF-47F8-A84F-9F1A1D47B3BE}">
-      <dgm:prSet/>
-      <dgm:spPr/>
-      <dgm:t>
-        <a:bodyPr/>
-        <a:lstStyle/>
-        <a:p>
-          <a:endParaRPr lang="en-US"/>
-        </a:p>
-      </dgm:t>
-    </dgm:pt>
-    <dgm:pt modelId="{F67DE878-65D1-4A66-8400-80F54683220C}" type="sibTrans" cxnId="{3F3B2B3D-DCBF-47F8-A84F-9F1A1D47B3BE}">
-      <dgm:prSet/>
-      <dgm:spPr/>
-      <dgm:t>
-        <a:bodyPr/>
-        <a:lstStyle/>
-        <a:p>
-          <a:endParaRPr lang="en-US"/>
-        </a:p>
-      </dgm:t>
-    </dgm:pt>
-    <dgm:pt modelId="{D7F4CB82-F4A9-46E6-974B-A91AD55DD853}">
-      <dgm:prSet phldrT="[Text]"/>
-      <dgm:spPr/>
-      <dgm:t>
-        <a:bodyPr/>
-        <a:lstStyle/>
-        <a:p>
-          <a:r>
-            <a:rPr lang="en-US" dirty="0"/>
-            <a:t>Rigid Body</a:t>
-          </a:r>
-        </a:p>
-      </dgm:t>
-    </dgm:pt>
-    <dgm:pt modelId="{32880A71-A937-4203-8C89-EE17CCF4F14F}" type="parTrans" cxnId="{9E88D995-EAE4-4A3F-B1E5-AC1499AA3204}">
-      <dgm:prSet/>
-      <dgm:spPr/>
-      <dgm:t>
-        <a:bodyPr/>
-        <a:lstStyle/>
-        <a:p>
-          <a:endParaRPr lang="en-US"/>
-        </a:p>
-      </dgm:t>
-    </dgm:pt>
-    <dgm:pt modelId="{865263D2-48B5-4CD2-9418-E0C0443D6022}" type="sibTrans" cxnId="{9E88D995-EAE4-4A3F-B1E5-AC1499AA3204}">
-      <dgm:prSet/>
-      <dgm:spPr/>
-      <dgm:t>
-        <a:bodyPr/>
-        <a:lstStyle/>
-        <a:p>
-          <a:endParaRPr lang="en-US"/>
-        </a:p>
-      </dgm:t>
-    </dgm:pt>
-    <dgm:pt modelId="{3D25B6C0-5560-4B6A-A479-01C187E65D94}">
-      <dgm:prSet phldrT="[Text]"/>
-      <dgm:spPr/>
-      <dgm:t>
-        <a:bodyPr/>
-        <a:lstStyle/>
-        <a:p>
-          <a:r>
-            <a:rPr lang="en-US" i="1" dirty="0"/>
-            <a:t>semi-flexible refinement using a simulated annealing protocol through molecular dynamics simulations in torsion angle space (it1)</a:t>
-          </a:r>
-          <a:endParaRPr lang="en-US" dirty="0"/>
-        </a:p>
-      </dgm:t>
-    </dgm:pt>
-    <dgm:pt modelId="{6E8CFBFB-C86B-4252-950E-FE474459E467}" type="parTrans" cxnId="{0383AFFE-3181-4285-8734-20E1D28584D6}">
-      <dgm:prSet/>
-      <dgm:spPr/>
-      <dgm:t>
-        <a:bodyPr/>
-        <a:lstStyle/>
-        <a:p>
-          <a:endParaRPr lang="en-US"/>
-        </a:p>
-      </dgm:t>
-    </dgm:pt>
-    <dgm:pt modelId="{E230F4C7-BFE6-4801-8C2B-B1CDAD9EC16A}" type="sibTrans" cxnId="{0383AFFE-3181-4285-8734-20E1D28584D6}">
-      <dgm:prSet/>
-      <dgm:spPr/>
-      <dgm:t>
-        <a:bodyPr/>
-        <a:lstStyle/>
-        <a:p>
-          <a:endParaRPr lang="en-US"/>
-        </a:p>
-      </dgm:t>
-    </dgm:pt>
-    <dgm:pt modelId="{12EFD806-F31A-4191-BAEF-64B530415ED9}">
-      <dgm:prSet phldrT="[Text]"/>
-      <dgm:spPr/>
-      <dgm:t>
-        <a:bodyPr/>
-        <a:lstStyle/>
-        <a:p>
-          <a:r>
-            <a:rPr lang="en-US" dirty="0"/>
-            <a:t>Select Top 1 Cluster</a:t>
-          </a:r>
-        </a:p>
-      </dgm:t>
-    </dgm:pt>
-    <dgm:pt modelId="{7632AED8-FF0A-4379-9318-AC19679D32AA}" type="parTrans" cxnId="{9F74693B-00AE-451D-ABBE-10E522161BA5}">
-      <dgm:prSet/>
-      <dgm:spPr/>
-      <dgm:t>
-        <a:bodyPr/>
-        <a:lstStyle/>
-        <a:p>
-          <a:endParaRPr lang="en-US"/>
-        </a:p>
-      </dgm:t>
-    </dgm:pt>
-    <dgm:pt modelId="{31CAA017-AF37-48A9-A805-B587B3A2EE3C}" type="sibTrans" cxnId="{9F74693B-00AE-451D-ABBE-10E522161BA5}">
-      <dgm:prSet/>
-      <dgm:spPr/>
-      <dgm:t>
-        <a:bodyPr/>
-        <a:lstStyle/>
-        <a:p>
-          <a:endParaRPr lang="en-US"/>
-        </a:p>
-      </dgm:t>
-    </dgm:pt>
-    <dgm:pt modelId="{94A83885-D46D-4A6B-84E1-866FE27DF947}">
-      <dgm:prSet phldrT="[Text]"/>
-      <dgm:spPr/>
-      <dgm:t>
-        <a:bodyPr/>
-        <a:lstStyle/>
-        <a:p>
-          <a:r>
-            <a:rPr lang="en-US" dirty="0"/>
-            <a:t>Solvent Refinement</a:t>
-          </a:r>
-        </a:p>
-      </dgm:t>
-    </dgm:pt>
-    <dgm:pt modelId="{B3F4E22C-2E79-43D0-8676-AF149EDD2971}" type="parTrans" cxnId="{8938F08B-0D7C-48C8-A480-5F660DE746E9}">
-      <dgm:prSet/>
-      <dgm:spPr/>
-      <dgm:t>
-        <a:bodyPr/>
-        <a:lstStyle/>
-        <a:p>
-          <a:endParaRPr lang="en-US"/>
-        </a:p>
-      </dgm:t>
-    </dgm:pt>
-    <dgm:pt modelId="{03704BC2-A6D9-47FE-B5E4-F926BD565EEC}" type="sibTrans" cxnId="{8938F08B-0D7C-48C8-A480-5F660DE746E9}">
-      <dgm:prSet/>
-      <dgm:spPr/>
-      <dgm:t>
-        <a:bodyPr/>
-        <a:lstStyle/>
-        <a:p>
-          <a:endParaRPr lang="en-US"/>
-        </a:p>
-      </dgm:t>
-    </dgm:pt>
-    <dgm:pt modelId="{746C7A8A-0E73-45A9-93E0-794954DCA5D9}">
-      <dgm:prSet phldrT="[Text]"/>
-      <dgm:spPr/>
-      <dgm:t>
-        <a:bodyPr/>
-        <a:lstStyle/>
-        <a:p>
-          <a:r>
-            <a:rPr lang="en-US" i="1" dirty="0"/>
-            <a:t>Refinement by a short molecular dynamics simulation in explicit solvent (</a:t>
-          </a:r>
-          <a:r>
-            <a:rPr lang="en-US" i="1" dirty="0" err="1"/>
-            <a:t>itw</a:t>
-          </a:r>
-          <a:r>
-            <a:rPr lang="en-US" i="1" dirty="0"/>
-            <a:t>)</a:t>
-          </a:r>
-          <a:endParaRPr lang="en-US" dirty="0"/>
-        </a:p>
-      </dgm:t>
-    </dgm:pt>
-    <dgm:pt modelId="{A85D9534-1CB8-40BC-BACE-727EE4DAB202}" type="parTrans" cxnId="{8E759A7A-3322-4496-B2F9-156B717BD360}">
-      <dgm:prSet/>
-      <dgm:spPr/>
-      <dgm:t>
-        <a:bodyPr/>
-        <a:lstStyle/>
-        <a:p>
-          <a:endParaRPr lang="en-US"/>
-        </a:p>
-      </dgm:t>
-    </dgm:pt>
-    <dgm:pt modelId="{9662BB07-E360-4DA1-B229-5FF242637A56}" type="sibTrans" cxnId="{8E759A7A-3322-4496-B2F9-156B717BD360}">
-      <dgm:prSet/>
-      <dgm:spPr/>
-      <dgm:t>
-        <a:bodyPr/>
-        <a:lstStyle/>
-        <a:p>
-          <a:endParaRPr lang="en-US"/>
-        </a:p>
-      </dgm:t>
-    </dgm:pt>
-    <dgm:pt modelId="{71F968E8-F80B-4880-B033-5BA463255BC7}">
-      <dgm:prSet phldrT="[Text]"/>
-      <dgm:spPr/>
-      <dgm:t>
-        <a:bodyPr/>
-        <a:lstStyle/>
-        <a:p>
-          <a:r>
-            <a:rPr lang="en-US" dirty="0"/>
-            <a:t>Molecular Dynamics Scoring</a:t>
-          </a:r>
-        </a:p>
-      </dgm:t>
-    </dgm:pt>
-    <dgm:pt modelId="{CB2F5534-8CDA-4511-9E4F-6A73F9D10052}" type="parTrans" cxnId="{33B3638F-B9AF-4F87-AC84-EF3B3C0F5422}">
-      <dgm:prSet/>
-      <dgm:spPr/>
-      <dgm:t>
-        <a:bodyPr/>
-        <a:lstStyle/>
-        <a:p>
-          <a:endParaRPr lang="en-US"/>
-        </a:p>
-      </dgm:t>
-    </dgm:pt>
-    <dgm:pt modelId="{5B4F7496-7FC8-4BD0-AEFF-B530855C32EC}" type="sibTrans" cxnId="{33B3638F-B9AF-4F87-AC84-EF3B3C0F5422}">
-      <dgm:prSet/>
-      <dgm:spPr/>
-      <dgm:t>
-        <a:bodyPr/>
-        <a:lstStyle/>
-        <a:p>
-          <a:endParaRPr lang="en-US"/>
-        </a:p>
-      </dgm:t>
-    </dgm:pt>
-    <dgm:pt modelId="{08FE72B4-6FD4-40F3-97F0-C24060459316}">
-      <dgm:prSet phldrT="[Text]"/>
-      <dgm:spPr/>
-      <dgm:t>
-        <a:bodyPr/>
-        <a:lstStyle/>
-        <a:p>
-          <a:r>
-            <a:rPr lang="en-US" i="0" dirty="0"/>
-            <a:t>Calculate CAPRI metrics</a:t>
-          </a:r>
-        </a:p>
-      </dgm:t>
-    </dgm:pt>
-    <dgm:pt modelId="{7B7C5D81-AE38-4BBE-A523-F538D48CE92B}" type="parTrans" cxnId="{4C2223D9-043B-47E6-9E47-1F30164EBC58}">
-      <dgm:prSet/>
-      <dgm:spPr/>
-      <dgm:t>
-        <a:bodyPr/>
-        <a:lstStyle/>
-        <a:p>
-          <a:endParaRPr lang="en-US"/>
-        </a:p>
-      </dgm:t>
-    </dgm:pt>
-    <dgm:pt modelId="{34FD114B-C9B1-4330-8A8B-5742DDA85739}" type="sibTrans" cxnId="{4C2223D9-043B-47E6-9E47-1F30164EBC58}">
-      <dgm:prSet/>
-      <dgm:spPr/>
-      <dgm:t>
-        <a:bodyPr/>
-        <a:lstStyle/>
-        <a:p>
-          <a:endParaRPr lang="en-US"/>
-        </a:p>
-      </dgm:t>
-    </dgm:pt>
-    <dgm:pt modelId="{F179A573-4738-49D2-B04D-7E8554085003}">
-      <dgm:prSet phldrT="[Text]"/>
-      <dgm:spPr/>
-      <dgm:t>
-        <a:bodyPr/>
-        <a:lstStyle/>
-        <a:p>
-          <a:r>
-            <a:rPr lang="en-US" dirty="0"/>
-            <a:t>Samples 200 models</a:t>
-          </a:r>
-        </a:p>
-      </dgm:t>
-    </dgm:pt>
-    <dgm:pt modelId="{AAFE7FC5-3142-49BB-B351-D497868348CC}" type="parTrans" cxnId="{123FA91D-CD61-4E58-99ED-E2043F70BD4A}">
-      <dgm:prSet/>
-      <dgm:spPr/>
-      <dgm:t>
-        <a:bodyPr/>
-        <a:lstStyle/>
-        <a:p>
-          <a:endParaRPr lang="en-US"/>
-        </a:p>
-      </dgm:t>
-    </dgm:pt>
-    <dgm:pt modelId="{CB1A9742-9DD7-40C6-97B9-09C123034D70}" type="sibTrans" cxnId="{123FA91D-CD61-4E58-99ED-E2043F70BD4A}">
-      <dgm:prSet/>
-      <dgm:spPr/>
-      <dgm:t>
-        <a:bodyPr/>
-        <a:lstStyle/>
-        <a:p>
-          <a:endParaRPr lang="en-US"/>
-        </a:p>
-      </dgm:t>
-    </dgm:pt>
-    <dgm:pt modelId="{07EFBE8F-148A-44BE-BE37-B2F953F2A897}">
-      <dgm:prSet phldrT="[Text]"/>
-      <dgm:spPr/>
-      <dgm:t>
-        <a:bodyPr/>
-        <a:lstStyle/>
-        <a:p>
-          <a:r>
-            <a:rPr lang="en-US" dirty="0"/>
-            <a:t>Topology Modeling</a:t>
-          </a:r>
-        </a:p>
-      </dgm:t>
-    </dgm:pt>
-    <dgm:pt modelId="{37D048EE-2CBA-44EF-BBAB-5B6AE503F5EC}" type="parTrans" cxnId="{4E8D4957-DAF9-4C12-9A13-096CF567F74B}">
-      <dgm:prSet/>
-      <dgm:spPr/>
-      <dgm:t>
-        <a:bodyPr/>
-        <a:lstStyle/>
-        <a:p>
-          <a:endParaRPr lang="en-US"/>
-        </a:p>
-      </dgm:t>
-    </dgm:pt>
-    <dgm:pt modelId="{0E882212-4C7C-4437-9A27-70CF7DD7A2E0}" type="sibTrans" cxnId="{4E8D4957-DAF9-4C12-9A13-096CF567F74B}">
-      <dgm:prSet/>
-      <dgm:spPr/>
-      <dgm:t>
-        <a:bodyPr/>
-        <a:lstStyle/>
-        <a:p>
-          <a:endParaRPr lang="en-US"/>
-        </a:p>
-      </dgm:t>
-    </dgm:pt>
-    <dgm:pt modelId="{9AAA9540-26EA-4280-A3D0-95AA9007C3BC}">
-      <dgm:prSet phldrT="[Text]"/>
-      <dgm:spPr/>
-      <dgm:t>
-        <a:bodyPr/>
-        <a:lstStyle/>
-        <a:p>
-          <a:r>
-            <a:rPr lang="en-US" dirty="0"/>
-            <a:t>Create CNS all-atom topology</a:t>
-          </a:r>
-        </a:p>
-      </dgm:t>
-    </dgm:pt>
-    <dgm:pt modelId="{90E3FA91-9E8F-48D5-8A94-534680A23D30}" type="parTrans" cxnId="{411D51E7-EDDD-42ED-8FF5-9344714FD95E}">
-      <dgm:prSet/>
-      <dgm:spPr/>
-      <dgm:t>
-        <a:bodyPr/>
-        <a:lstStyle/>
-        <a:p>
-          <a:endParaRPr lang="en-US"/>
-        </a:p>
-      </dgm:t>
-    </dgm:pt>
-    <dgm:pt modelId="{D414168A-2800-4446-AB6C-3B3EF9E1C066}" type="sibTrans" cxnId="{411D51E7-EDDD-42ED-8FF5-9344714FD95E}">
-      <dgm:prSet/>
-      <dgm:spPr/>
-      <dgm:t>
-        <a:bodyPr/>
-        <a:lstStyle/>
-        <a:p>
-          <a:endParaRPr lang="en-US"/>
-        </a:p>
-      </dgm:t>
-    </dgm:pt>
-    <dgm:pt modelId="{F9764D7F-2F44-4EFA-80EC-F82992912FBE}">
-      <dgm:prSet phldrT="[Text]"/>
-      <dgm:spPr/>
-      <dgm:t>
-        <a:bodyPr/>
-        <a:lstStyle/>
-        <a:p>
-          <a:r>
-            <a:rPr lang="en-US" dirty="0"/>
-            <a:t>Performs a short molecular dynamics simulation on the input models and scores them.</a:t>
-          </a:r>
-        </a:p>
-      </dgm:t>
-    </dgm:pt>
-    <dgm:pt modelId="{5A316F46-9385-44E1-97A7-62C6C9030441}" type="parTrans" cxnId="{08282229-F536-4462-B9B0-696B483C7D37}">
-      <dgm:prSet/>
-      <dgm:spPr/>
-      <dgm:t>
-        <a:bodyPr/>
-        <a:lstStyle/>
-        <a:p>
-          <a:endParaRPr lang="en-US"/>
-        </a:p>
-      </dgm:t>
-    </dgm:pt>
-    <dgm:pt modelId="{CB0A7F79-5589-473A-B925-C4B72C13F9A3}" type="sibTrans" cxnId="{08282229-F536-4462-B9B0-696B483C7D37}">
-      <dgm:prSet/>
-      <dgm:spPr/>
-      <dgm:t>
-        <a:bodyPr/>
-        <a:lstStyle/>
-        <a:p>
-          <a:endParaRPr lang="en-US"/>
-        </a:p>
-      </dgm:t>
-    </dgm:pt>
-    <dgm:pt modelId="{3947D610-E62D-4C28-9CBF-57E380EEC5B6}" type="pres">
-      <dgm:prSet presAssocID="{2C51816A-3FA0-4E56-BBB7-EB629C6769DA}" presName="Name0" presStyleCnt="0">
-        <dgm:presLayoutVars>
-          <dgm:dir/>
-          <dgm:resizeHandles val="exact"/>
-        </dgm:presLayoutVars>
-      </dgm:prSet>
-      <dgm:spPr/>
-    </dgm:pt>
-    <dgm:pt modelId="{D88FD4A9-3995-4332-905A-770D098929CA}" type="pres">
-      <dgm:prSet presAssocID="{07EFBE8F-148A-44BE-BE37-B2F953F2A897}" presName="node" presStyleLbl="node1" presStyleIdx="0" presStyleCnt="8">
-        <dgm:presLayoutVars>
-          <dgm:bulletEnabled val="1"/>
-        </dgm:presLayoutVars>
-      </dgm:prSet>
-      <dgm:spPr/>
-    </dgm:pt>
-    <dgm:pt modelId="{92540282-BCAF-4823-96AC-89F7B7B0E3B6}" type="pres">
-      <dgm:prSet presAssocID="{0E882212-4C7C-4437-9A27-70CF7DD7A2E0}" presName="sibTrans" presStyleLbl="sibTrans1D1" presStyleIdx="0" presStyleCnt="7"/>
-      <dgm:spPr/>
-    </dgm:pt>
-    <dgm:pt modelId="{1717C6B7-1BAD-4E13-AA96-6045594F3BEA}" type="pres">
-      <dgm:prSet presAssocID="{0E882212-4C7C-4437-9A27-70CF7DD7A2E0}" presName="connectorText" presStyleLbl="sibTrans1D1" presStyleIdx="0" presStyleCnt="7"/>
-      <dgm:spPr/>
-    </dgm:pt>
-    <dgm:pt modelId="{8321943B-8E0D-48D5-9AC3-FE8F25A1ABD8}" type="pres">
-      <dgm:prSet presAssocID="{D7F4CB82-F4A9-46E6-974B-A91AD55DD853}" presName="node" presStyleLbl="node1" presStyleIdx="1" presStyleCnt="8">
-        <dgm:presLayoutVars>
-          <dgm:bulletEnabled val="1"/>
-        </dgm:presLayoutVars>
-      </dgm:prSet>
-      <dgm:spPr/>
-    </dgm:pt>
-    <dgm:pt modelId="{CF25F124-B583-4992-8CF8-080D77F9FEE2}" type="pres">
-      <dgm:prSet presAssocID="{865263D2-48B5-4CD2-9418-E0C0443D6022}" presName="sibTrans" presStyleLbl="sibTrans1D1" presStyleIdx="1" presStyleCnt="7"/>
-      <dgm:spPr/>
-    </dgm:pt>
-    <dgm:pt modelId="{13E7DF31-E9D7-4631-8620-B0769DBF55BB}" type="pres">
-      <dgm:prSet presAssocID="{865263D2-48B5-4CD2-9418-E0C0443D6022}" presName="connectorText" presStyleLbl="sibTrans1D1" presStyleIdx="1" presStyleCnt="7"/>
-      <dgm:spPr/>
-    </dgm:pt>
-    <dgm:pt modelId="{73699401-302B-42CE-A5F3-F348C717DA12}" type="pres">
-      <dgm:prSet presAssocID="{ED7EF4D6-F530-4E5C-9C5E-A455F28C1138}" presName="node" presStyleLbl="node1" presStyleIdx="2" presStyleCnt="8">
-        <dgm:presLayoutVars>
-          <dgm:bulletEnabled val="1"/>
-        </dgm:presLayoutVars>
-      </dgm:prSet>
-      <dgm:spPr/>
-    </dgm:pt>
-    <dgm:pt modelId="{BD5C47F2-53D6-480B-A685-7E34492B1444}" type="pres">
-      <dgm:prSet presAssocID="{D61C189E-D013-4CE7-A79B-9AF2D7AFDB90}" presName="sibTrans" presStyleLbl="sibTrans1D1" presStyleIdx="2" presStyleCnt="7"/>
-      <dgm:spPr/>
-    </dgm:pt>
-    <dgm:pt modelId="{78B16691-6DEF-49F2-9C48-8F4424DE1059}" type="pres">
-      <dgm:prSet presAssocID="{D61C189E-D013-4CE7-A79B-9AF2D7AFDB90}" presName="connectorText" presStyleLbl="sibTrans1D1" presStyleIdx="2" presStyleCnt="7"/>
-      <dgm:spPr/>
-    </dgm:pt>
-    <dgm:pt modelId="{AC9F0B07-24CA-4A66-8DEF-77A0451AF17A}" type="pres">
-      <dgm:prSet presAssocID="{984B680A-88DA-44A4-A8D0-3317105BE9F7}" presName="node" presStyleLbl="node1" presStyleIdx="3" presStyleCnt="8">
-        <dgm:presLayoutVars>
-          <dgm:bulletEnabled val="1"/>
-        </dgm:presLayoutVars>
-      </dgm:prSet>
-      <dgm:spPr/>
-    </dgm:pt>
-    <dgm:pt modelId="{73976861-8F4B-43E1-8A95-173B626F0190}" type="pres">
-      <dgm:prSet presAssocID="{1E65890B-E9B3-4D62-BEBE-D307DFB09A9A}" presName="sibTrans" presStyleLbl="sibTrans1D1" presStyleIdx="3" presStyleCnt="7"/>
-      <dgm:spPr/>
-    </dgm:pt>
-    <dgm:pt modelId="{30641874-2E81-44E9-B1D0-48F8520552C9}" type="pres">
-      <dgm:prSet presAssocID="{1E65890B-E9B3-4D62-BEBE-D307DFB09A9A}" presName="connectorText" presStyleLbl="sibTrans1D1" presStyleIdx="3" presStyleCnt="7"/>
-      <dgm:spPr/>
-    </dgm:pt>
-    <dgm:pt modelId="{A1B27C3C-5F14-4E51-BF23-216FA9BE7CA6}" type="pres">
-      <dgm:prSet presAssocID="{12EFD806-F31A-4191-BAEF-64B530415ED9}" presName="node" presStyleLbl="node1" presStyleIdx="4" presStyleCnt="8">
-        <dgm:presLayoutVars>
-          <dgm:bulletEnabled val="1"/>
-        </dgm:presLayoutVars>
-      </dgm:prSet>
-      <dgm:spPr/>
-    </dgm:pt>
-    <dgm:pt modelId="{A1BC6239-5103-4706-8E52-FA3077528A80}" type="pres">
-      <dgm:prSet presAssocID="{31CAA017-AF37-48A9-A805-B587B3A2EE3C}" presName="sibTrans" presStyleLbl="sibTrans1D1" presStyleIdx="4" presStyleCnt="7"/>
-      <dgm:spPr/>
-    </dgm:pt>
-    <dgm:pt modelId="{F6211ECB-920E-4D06-8833-B9B8981C6EAD}" type="pres">
-      <dgm:prSet presAssocID="{31CAA017-AF37-48A9-A805-B587B3A2EE3C}" presName="connectorText" presStyleLbl="sibTrans1D1" presStyleIdx="4" presStyleCnt="7"/>
-      <dgm:spPr/>
-    </dgm:pt>
-    <dgm:pt modelId="{EDC6CA5C-B64E-4B60-9976-9E345153EA88}" type="pres">
-      <dgm:prSet presAssocID="{94A83885-D46D-4A6B-84E1-866FE27DF947}" presName="node" presStyleLbl="node1" presStyleIdx="5" presStyleCnt="8">
-        <dgm:presLayoutVars>
-          <dgm:bulletEnabled val="1"/>
-        </dgm:presLayoutVars>
-      </dgm:prSet>
-      <dgm:spPr/>
-    </dgm:pt>
-    <dgm:pt modelId="{ED6C4AB7-0221-41B2-9045-556CC456ED7B}" type="pres">
-      <dgm:prSet presAssocID="{03704BC2-A6D9-47FE-B5E4-F926BD565EEC}" presName="sibTrans" presStyleLbl="sibTrans1D1" presStyleIdx="5" presStyleCnt="7"/>
-      <dgm:spPr/>
-    </dgm:pt>
-    <dgm:pt modelId="{845EABB7-048E-4992-B7B1-4EE749EAD2F1}" type="pres">
-      <dgm:prSet presAssocID="{03704BC2-A6D9-47FE-B5E4-F926BD565EEC}" presName="connectorText" presStyleLbl="sibTrans1D1" presStyleIdx="5" presStyleCnt="7"/>
-      <dgm:spPr/>
-    </dgm:pt>
-    <dgm:pt modelId="{923096E4-1758-4523-B7E6-BE8FFC7B7063}" type="pres">
-      <dgm:prSet presAssocID="{71F968E8-F80B-4880-B033-5BA463255BC7}" presName="node" presStyleLbl="node1" presStyleIdx="6" presStyleCnt="8">
-        <dgm:presLayoutVars>
-          <dgm:bulletEnabled val="1"/>
-        </dgm:presLayoutVars>
-      </dgm:prSet>
-      <dgm:spPr/>
-    </dgm:pt>
-    <dgm:pt modelId="{96C8288A-0509-4FCB-9E82-3887A2A8869B}" type="pres">
-      <dgm:prSet presAssocID="{5B4F7496-7FC8-4BD0-AEFF-B530855C32EC}" presName="sibTrans" presStyleLbl="sibTrans1D1" presStyleIdx="6" presStyleCnt="7"/>
-      <dgm:spPr/>
-    </dgm:pt>
-    <dgm:pt modelId="{E015EB6F-0F2B-438B-BACD-667E42EF8E46}" type="pres">
-      <dgm:prSet presAssocID="{5B4F7496-7FC8-4BD0-AEFF-B530855C32EC}" presName="connectorText" presStyleLbl="sibTrans1D1" presStyleIdx="6" presStyleCnt="7"/>
-      <dgm:spPr/>
-    </dgm:pt>
-    <dgm:pt modelId="{24F1E0BE-FA49-4108-B537-FFD2917A3653}" type="pres">
-      <dgm:prSet presAssocID="{08FE72B4-6FD4-40F3-97F0-C24060459316}" presName="node" presStyleLbl="node1" presStyleIdx="7" presStyleCnt="8">
-        <dgm:presLayoutVars>
-          <dgm:bulletEnabled val="1"/>
-        </dgm:presLayoutVars>
-      </dgm:prSet>
-      <dgm:spPr/>
-    </dgm:pt>
-  </dgm:ptLst>
-  <dgm:cxnLst>
-    <dgm:cxn modelId="{5248E304-8157-4D3E-8EB1-2C75EA27F27C}" type="presOf" srcId="{71F968E8-F80B-4880-B033-5BA463255BC7}" destId="{923096E4-1758-4523-B7E6-BE8FFC7B7063}" srcOrd="0" destOrd="0" presId="urn:microsoft.com/office/officeart/2005/8/layout/bProcess3"/>
-    <dgm:cxn modelId="{05A93209-3080-47D9-BB8A-5276DC5E0E10}" type="presOf" srcId="{ED7EF4D6-F530-4E5C-9C5E-A455F28C1138}" destId="{73699401-302B-42CE-A5F3-F348C717DA12}" srcOrd="0" destOrd="0" presId="urn:microsoft.com/office/officeart/2005/8/layout/bProcess3"/>
-    <dgm:cxn modelId="{C5701A10-646F-4AA7-8F7C-9C0A1FBA1873}" type="presOf" srcId="{0E882212-4C7C-4437-9A27-70CF7DD7A2E0}" destId="{92540282-BCAF-4823-96AC-89F7B7B0E3B6}" srcOrd="0" destOrd="0" presId="urn:microsoft.com/office/officeart/2005/8/layout/bProcess3"/>
-    <dgm:cxn modelId="{448DCB13-79B4-4AC1-BC4B-8C08B4A6B0AF}" type="presOf" srcId="{08FE72B4-6FD4-40F3-97F0-C24060459316}" destId="{24F1E0BE-FA49-4108-B537-FFD2917A3653}" srcOrd="0" destOrd="0" presId="urn:microsoft.com/office/officeart/2005/8/layout/bProcess3"/>
-    <dgm:cxn modelId="{A8E94314-B5BA-494C-905D-B289C8C6A044}" type="presOf" srcId="{31CAA017-AF37-48A9-A805-B587B3A2EE3C}" destId="{A1BC6239-5103-4706-8E52-FA3077528A80}" srcOrd="0" destOrd="0" presId="urn:microsoft.com/office/officeart/2005/8/layout/bProcess3"/>
-    <dgm:cxn modelId="{123FA91D-CD61-4E58-99ED-E2043F70BD4A}" srcId="{D7F4CB82-F4A9-46E6-974B-A91AD55DD853}" destId="{F179A573-4738-49D2-B04D-7E8554085003}" srcOrd="1" destOrd="0" parTransId="{AAFE7FC5-3142-49BB-B351-D497868348CC}" sibTransId="{CB1A9742-9DD7-40C6-97B9-09C123034D70}"/>
-    <dgm:cxn modelId="{538BC21D-3D87-4E3B-B877-8F1FC9AF0FED}" type="presOf" srcId="{865263D2-48B5-4CD2-9418-E0C0443D6022}" destId="{CF25F124-B583-4992-8CF8-080D77F9FEE2}" srcOrd="0" destOrd="0" presId="urn:microsoft.com/office/officeart/2005/8/layout/bProcess3"/>
-    <dgm:cxn modelId="{08282229-F536-4462-B9B0-696B483C7D37}" srcId="{71F968E8-F80B-4880-B033-5BA463255BC7}" destId="{F9764D7F-2F44-4EFA-80EC-F82992912FBE}" srcOrd="0" destOrd="0" parTransId="{5A316F46-9385-44E1-97A7-62C6C9030441}" sibTransId="{CB0A7F79-5589-473A-B925-C4B72C13F9A3}"/>
-    <dgm:cxn modelId="{00C8712F-6623-4E1E-82CB-A0F6D0EA0658}" type="presOf" srcId="{D7F4CB82-F4A9-46E6-974B-A91AD55DD853}" destId="{8321943B-8E0D-48D5-9AC3-FE8F25A1ABD8}" srcOrd="0" destOrd="0" presId="urn:microsoft.com/office/officeart/2005/8/layout/bProcess3"/>
-    <dgm:cxn modelId="{955C4432-A903-49AE-AD97-C856E324C803}" type="presOf" srcId="{03704BC2-A6D9-47FE-B5E4-F926BD565EEC}" destId="{845EABB7-048E-4992-B7B1-4EE749EAD2F1}" srcOrd="1" destOrd="0" presId="urn:microsoft.com/office/officeart/2005/8/layout/bProcess3"/>
-    <dgm:cxn modelId="{2541EA33-88FB-405C-8275-8DCD26240025}" type="presOf" srcId="{5B4F7496-7FC8-4BD0-AEFF-B530855C32EC}" destId="{96C8288A-0509-4FCB-9E82-3887A2A8869B}" srcOrd="0" destOrd="0" presId="urn:microsoft.com/office/officeart/2005/8/layout/bProcess3"/>
-    <dgm:cxn modelId="{9F74693B-00AE-451D-ABBE-10E522161BA5}" srcId="{2C51816A-3FA0-4E56-BBB7-EB629C6769DA}" destId="{12EFD806-F31A-4191-BAEF-64B530415ED9}" srcOrd="4" destOrd="0" parTransId="{7632AED8-FF0A-4379-9318-AC19679D32AA}" sibTransId="{31CAA017-AF37-48A9-A805-B587B3A2EE3C}"/>
-    <dgm:cxn modelId="{3F3B2B3D-DCBF-47F8-A84F-9F1A1D47B3BE}" srcId="{D7F4CB82-F4A9-46E6-974B-A91AD55DD853}" destId="{8B9D00D3-2F6E-42E2-A34A-F58E22C0EEE4}" srcOrd="0" destOrd="0" parTransId="{D1716229-44EE-44DB-A48C-1B302B234E31}" sibTransId="{F67DE878-65D1-4A66-8400-80F54683220C}"/>
-    <dgm:cxn modelId="{CF25014A-8011-4E64-9188-542C17048C61}" type="presOf" srcId="{31CAA017-AF37-48A9-A805-B587B3A2EE3C}" destId="{F6211ECB-920E-4D06-8833-B9B8981C6EAD}" srcOrd="1" destOrd="0" presId="urn:microsoft.com/office/officeart/2005/8/layout/bProcess3"/>
-    <dgm:cxn modelId="{680CF051-C61C-4979-A22D-25EFEDAFB9AF}" type="presOf" srcId="{984B680A-88DA-44A4-A8D0-3317105BE9F7}" destId="{AC9F0B07-24CA-4A66-8DEF-77A0451AF17A}" srcOrd="0" destOrd="0" presId="urn:microsoft.com/office/officeart/2005/8/layout/bProcess3"/>
-    <dgm:cxn modelId="{4E8D4957-DAF9-4C12-9A13-096CF567F74B}" srcId="{2C51816A-3FA0-4E56-BBB7-EB629C6769DA}" destId="{07EFBE8F-148A-44BE-BE37-B2F953F2A897}" srcOrd="0" destOrd="0" parTransId="{37D048EE-2CBA-44EF-BBAB-5B6AE503F5EC}" sibTransId="{0E882212-4C7C-4437-9A27-70CF7DD7A2E0}"/>
-    <dgm:cxn modelId="{22B27467-803B-4D2A-9E0A-96FFC48C479E}" type="presOf" srcId="{8B9D00D3-2F6E-42E2-A34A-F58E22C0EEE4}" destId="{8321943B-8E0D-48D5-9AC3-FE8F25A1ABD8}" srcOrd="0" destOrd="1" presId="urn:microsoft.com/office/officeart/2005/8/layout/bProcess3"/>
-    <dgm:cxn modelId="{966FAF6A-1F75-419A-8E38-13C50EA3C477}" type="presOf" srcId="{1E65890B-E9B3-4D62-BEBE-D307DFB09A9A}" destId="{30641874-2E81-44E9-B1D0-48F8520552C9}" srcOrd="1" destOrd="0" presId="urn:microsoft.com/office/officeart/2005/8/layout/bProcess3"/>
-    <dgm:cxn modelId="{013C1579-82BA-4FC7-A833-043F63249B4E}" type="presOf" srcId="{F9764D7F-2F44-4EFA-80EC-F82992912FBE}" destId="{923096E4-1758-4523-B7E6-BE8FFC7B7063}" srcOrd="0" destOrd="1" presId="urn:microsoft.com/office/officeart/2005/8/layout/bProcess3"/>
-    <dgm:cxn modelId="{8E759A7A-3322-4496-B2F9-156B717BD360}" srcId="{94A83885-D46D-4A6B-84E1-866FE27DF947}" destId="{746C7A8A-0E73-45A9-93E0-794954DCA5D9}" srcOrd="0" destOrd="0" parTransId="{A85D9534-1CB8-40BC-BACE-727EE4DAB202}" sibTransId="{9662BB07-E360-4DA1-B229-5FF242637A56}"/>
-    <dgm:cxn modelId="{4281AA88-BDC5-47A6-B27F-EAA39E29EA32}" type="presOf" srcId="{746C7A8A-0E73-45A9-93E0-794954DCA5D9}" destId="{EDC6CA5C-B64E-4B60-9976-9E345153EA88}" srcOrd="0" destOrd="1" presId="urn:microsoft.com/office/officeart/2005/8/layout/bProcess3"/>
-    <dgm:cxn modelId="{8938F08B-0D7C-48C8-A480-5F660DE746E9}" srcId="{2C51816A-3FA0-4E56-BBB7-EB629C6769DA}" destId="{94A83885-D46D-4A6B-84E1-866FE27DF947}" srcOrd="5" destOrd="0" parTransId="{B3F4E22C-2E79-43D0-8676-AF149EDD2971}" sibTransId="{03704BC2-A6D9-47FE-B5E4-F926BD565EEC}"/>
-    <dgm:cxn modelId="{33B3638F-B9AF-4F87-AC84-EF3B3C0F5422}" srcId="{2C51816A-3FA0-4E56-BBB7-EB629C6769DA}" destId="{71F968E8-F80B-4880-B033-5BA463255BC7}" srcOrd="6" destOrd="0" parTransId="{CB2F5534-8CDA-4511-9E4F-6A73F9D10052}" sibTransId="{5B4F7496-7FC8-4BD0-AEFF-B530855C32EC}"/>
-    <dgm:cxn modelId="{8B9A4F90-E1D7-4294-86A0-7355E7008BE3}" type="presOf" srcId="{94A83885-D46D-4A6B-84E1-866FE27DF947}" destId="{EDC6CA5C-B64E-4B60-9976-9E345153EA88}" srcOrd="0" destOrd="0" presId="urn:microsoft.com/office/officeart/2005/8/layout/bProcess3"/>
-    <dgm:cxn modelId="{9E88D995-EAE4-4A3F-B1E5-AC1499AA3204}" srcId="{2C51816A-3FA0-4E56-BBB7-EB629C6769DA}" destId="{D7F4CB82-F4A9-46E6-974B-A91AD55DD853}" srcOrd="1" destOrd="0" parTransId="{32880A71-A937-4203-8C89-EE17CCF4F14F}" sibTransId="{865263D2-48B5-4CD2-9418-E0C0443D6022}"/>
-    <dgm:cxn modelId="{59527998-BCDE-432A-B5A5-7CC4D72040BD}" type="presOf" srcId="{3D25B6C0-5560-4B6A-A479-01C187E65D94}" destId="{AC9F0B07-24CA-4A66-8DEF-77A0451AF17A}" srcOrd="0" destOrd="1" presId="urn:microsoft.com/office/officeart/2005/8/layout/bProcess3"/>
-    <dgm:cxn modelId="{D4880999-FEA0-4D4D-A02F-6FB10A67D2B2}" type="presOf" srcId="{D61C189E-D013-4CE7-A79B-9AF2D7AFDB90}" destId="{BD5C47F2-53D6-480B-A685-7E34492B1444}" srcOrd="0" destOrd="0" presId="urn:microsoft.com/office/officeart/2005/8/layout/bProcess3"/>
-    <dgm:cxn modelId="{72FC92A4-F022-47E9-A415-329148AC408E}" type="presOf" srcId="{0E882212-4C7C-4437-9A27-70CF7DD7A2E0}" destId="{1717C6B7-1BAD-4E13-AA96-6045594F3BEA}" srcOrd="1" destOrd="0" presId="urn:microsoft.com/office/officeart/2005/8/layout/bProcess3"/>
-    <dgm:cxn modelId="{5E81F6B4-D495-4206-B576-A58302102D7C}" type="presOf" srcId="{12EFD806-F31A-4191-BAEF-64B530415ED9}" destId="{A1B27C3C-5F14-4E51-BF23-216FA9BE7CA6}" srcOrd="0" destOrd="0" presId="urn:microsoft.com/office/officeart/2005/8/layout/bProcess3"/>
-    <dgm:cxn modelId="{A44152BB-E18E-4E7E-A33B-76CBF29B79DD}" type="presOf" srcId="{2C51816A-3FA0-4E56-BBB7-EB629C6769DA}" destId="{3947D610-E62D-4C28-9CBF-57E380EEC5B6}" srcOrd="0" destOrd="0" presId="urn:microsoft.com/office/officeart/2005/8/layout/bProcess3"/>
-    <dgm:cxn modelId="{23F5FABD-9A91-4B03-AFFF-41F474D21B9A}" type="presOf" srcId="{D61C189E-D013-4CE7-A79B-9AF2D7AFDB90}" destId="{78B16691-6DEF-49F2-9C48-8F4424DE1059}" srcOrd="1" destOrd="0" presId="urn:microsoft.com/office/officeart/2005/8/layout/bProcess3"/>
-    <dgm:cxn modelId="{2B547FBE-BF41-4797-B3F9-0DAECB903A32}" type="presOf" srcId="{03704BC2-A6D9-47FE-B5E4-F926BD565EEC}" destId="{ED6C4AB7-0221-41B2-9045-556CC456ED7B}" srcOrd="0" destOrd="0" presId="urn:microsoft.com/office/officeart/2005/8/layout/bProcess3"/>
-    <dgm:cxn modelId="{168F99BF-E342-4B87-9F6F-5FE047FCFBE3}" type="presOf" srcId="{5B4F7496-7FC8-4BD0-AEFF-B530855C32EC}" destId="{E015EB6F-0F2B-438B-BACD-667E42EF8E46}" srcOrd="1" destOrd="0" presId="urn:microsoft.com/office/officeart/2005/8/layout/bProcess3"/>
-    <dgm:cxn modelId="{5B1D2CCA-F15D-43C6-8794-7D87552DF92B}" type="presOf" srcId="{1E65890B-E9B3-4D62-BEBE-D307DFB09A9A}" destId="{73976861-8F4B-43E1-8A95-173B626F0190}" srcOrd="0" destOrd="0" presId="urn:microsoft.com/office/officeart/2005/8/layout/bProcess3"/>
-    <dgm:cxn modelId="{D32F1BD9-50A1-4924-A10D-903F10B9CA05}" type="presOf" srcId="{865263D2-48B5-4CD2-9418-E0C0443D6022}" destId="{13E7DF31-E9D7-4631-8620-B0769DBF55BB}" srcOrd="1" destOrd="0" presId="urn:microsoft.com/office/officeart/2005/8/layout/bProcess3"/>
-    <dgm:cxn modelId="{4C2223D9-043B-47E6-9E47-1F30164EBC58}" srcId="{2C51816A-3FA0-4E56-BBB7-EB629C6769DA}" destId="{08FE72B4-6FD4-40F3-97F0-C24060459316}" srcOrd="7" destOrd="0" parTransId="{7B7C5D81-AE38-4BBE-A523-F538D48CE92B}" sibTransId="{34FD114B-C9B1-4330-8A8B-5742DDA85739}"/>
-    <dgm:cxn modelId="{17B9E1E6-03AE-443D-A7BF-362BB476416A}" type="presOf" srcId="{9AAA9540-26EA-4280-A3D0-95AA9007C3BC}" destId="{D88FD4A9-3995-4332-905A-770D098929CA}" srcOrd="0" destOrd="1" presId="urn:microsoft.com/office/officeart/2005/8/layout/bProcess3"/>
-    <dgm:cxn modelId="{411D51E7-EDDD-42ED-8FF5-9344714FD95E}" srcId="{07EFBE8F-148A-44BE-BE37-B2F953F2A897}" destId="{9AAA9540-26EA-4280-A3D0-95AA9007C3BC}" srcOrd="0" destOrd="0" parTransId="{90E3FA91-9E8F-48D5-8A94-534680A23D30}" sibTransId="{D414168A-2800-4446-AB6C-3B3EF9E1C066}"/>
-    <dgm:cxn modelId="{9CC6F0F0-5E03-4ABD-B2DB-59658705AB7C}" type="presOf" srcId="{F179A573-4738-49D2-B04D-7E8554085003}" destId="{8321943B-8E0D-48D5-9AC3-FE8F25A1ABD8}" srcOrd="0" destOrd="2" presId="urn:microsoft.com/office/officeart/2005/8/layout/bProcess3"/>
-    <dgm:cxn modelId="{50DFF9F7-4196-4429-AAE7-3C2AE0CF1735}" type="presOf" srcId="{07EFBE8F-148A-44BE-BE37-B2F953F2A897}" destId="{D88FD4A9-3995-4332-905A-770D098929CA}" srcOrd="0" destOrd="0" presId="urn:microsoft.com/office/officeart/2005/8/layout/bProcess3"/>
-    <dgm:cxn modelId="{4099BAF9-0B83-4BAA-9BEF-A6C203D43668}" srcId="{2C51816A-3FA0-4E56-BBB7-EB629C6769DA}" destId="{984B680A-88DA-44A4-A8D0-3317105BE9F7}" srcOrd="3" destOrd="0" parTransId="{7557EE51-3E30-4AB1-8769-4627FE70C984}" sibTransId="{1E65890B-E9B3-4D62-BEBE-D307DFB09A9A}"/>
-    <dgm:cxn modelId="{EFA49CFD-A434-4092-9A09-190949F37A2E}" srcId="{2C51816A-3FA0-4E56-BBB7-EB629C6769DA}" destId="{ED7EF4D6-F530-4E5C-9C5E-A455F28C1138}" srcOrd="2" destOrd="0" parTransId="{BE975FC3-1052-43EA-BE5F-73248E12B20E}" sibTransId="{D61C189E-D013-4CE7-A79B-9AF2D7AFDB90}"/>
-    <dgm:cxn modelId="{0383AFFE-3181-4285-8734-20E1D28584D6}" srcId="{984B680A-88DA-44A4-A8D0-3317105BE9F7}" destId="{3D25B6C0-5560-4B6A-A479-01C187E65D94}" srcOrd="0" destOrd="0" parTransId="{6E8CFBFB-C86B-4252-950E-FE474459E467}" sibTransId="{E230F4C7-BFE6-4801-8C2B-B1CDAD9EC16A}"/>
-    <dgm:cxn modelId="{75F76686-F22A-4062-8597-AC3A96B55BE5}" type="presParOf" srcId="{3947D610-E62D-4C28-9CBF-57E380EEC5B6}" destId="{D88FD4A9-3995-4332-905A-770D098929CA}" srcOrd="0" destOrd="0" presId="urn:microsoft.com/office/officeart/2005/8/layout/bProcess3"/>
-    <dgm:cxn modelId="{C5905991-5A2F-4A62-ACEE-267144A2738F}" type="presParOf" srcId="{3947D610-E62D-4C28-9CBF-57E380EEC5B6}" destId="{92540282-BCAF-4823-96AC-89F7B7B0E3B6}" srcOrd="1" destOrd="0" presId="urn:microsoft.com/office/officeart/2005/8/layout/bProcess3"/>
-    <dgm:cxn modelId="{91C3E2F9-0201-4454-914D-B1D33FF8AB86}" type="presParOf" srcId="{92540282-BCAF-4823-96AC-89F7B7B0E3B6}" destId="{1717C6B7-1BAD-4E13-AA96-6045594F3BEA}" srcOrd="0" destOrd="0" presId="urn:microsoft.com/office/officeart/2005/8/layout/bProcess3"/>
-    <dgm:cxn modelId="{87032703-F9F9-4CA4-8284-D0CE9919FAC4}" type="presParOf" srcId="{3947D610-E62D-4C28-9CBF-57E380EEC5B6}" destId="{8321943B-8E0D-48D5-9AC3-FE8F25A1ABD8}" srcOrd="2" destOrd="0" presId="urn:microsoft.com/office/officeart/2005/8/layout/bProcess3"/>
-    <dgm:cxn modelId="{9D000773-6C30-46B8-8641-CC6E427973FD}" type="presParOf" srcId="{3947D610-E62D-4C28-9CBF-57E380EEC5B6}" destId="{CF25F124-B583-4992-8CF8-080D77F9FEE2}" srcOrd="3" destOrd="0" presId="urn:microsoft.com/office/officeart/2005/8/layout/bProcess3"/>
-    <dgm:cxn modelId="{43A29D40-38EA-4E03-B2F6-E8DAEDAC2046}" type="presParOf" srcId="{CF25F124-B583-4992-8CF8-080D77F9FEE2}" destId="{13E7DF31-E9D7-4631-8620-B0769DBF55BB}" srcOrd="0" destOrd="0" presId="urn:microsoft.com/office/officeart/2005/8/layout/bProcess3"/>
-    <dgm:cxn modelId="{491F8773-4BC2-4460-AB5B-10AAEFA99FEB}" type="presParOf" srcId="{3947D610-E62D-4C28-9CBF-57E380EEC5B6}" destId="{73699401-302B-42CE-A5F3-F348C717DA12}" srcOrd="4" destOrd="0" presId="urn:microsoft.com/office/officeart/2005/8/layout/bProcess3"/>
-    <dgm:cxn modelId="{8E6D595C-C930-4433-A74B-0F059AF896D9}" type="presParOf" srcId="{3947D610-E62D-4C28-9CBF-57E380EEC5B6}" destId="{BD5C47F2-53D6-480B-A685-7E34492B1444}" srcOrd="5" destOrd="0" presId="urn:microsoft.com/office/officeart/2005/8/layout/bProcess3"/>
-    <dgm:cxn modelId="{4273E953-C401-472C-8B66-F889DED95404}" type="presParOf" srcId="{BD5C47F2-53D6-480B-A685-7E34492B1444}" destId="{78B16691-6DEF-49F2-9C48-8F4424DE1059}" srcOrd="0" destOrd="0" presId="urn:microsoft.com/office/officeart/2005/8/layout/bProcess3"/>
-    <dgm:cxn modelId="{A98735D1-8C9E-4A3D-A1D9-3FB1C45C890B}" type="presParOf" srcId="{3947D610-E62D-4C28-9CBF-57E380EEC5B6}" destId="{AC9F0B07-24CA-4A66-8DEF-77A0451AF17A}" srcOrd="6" destOrd="0" presId="urn:microsoft.com/office/officeart/2005/8/layout/bProcess3"/>
-    <dgm:cxn modelId="{598BA696-0F4D-42A8-AD5D-FA77BBF965A4}" type="presParOf" srcId="{3947D610-E62D-4C28-9CBF-57E380EEC5B6}" destId="{73976861-8F4B-43E1-8A95-173B626F0190}" srcOrd="7" destOrd="0" presId="urn:microsoft.com/office/officeart/2005/8/layout/bProcess3"/>
-    <dgm:cxn modelId="{E1E0B715-E9DA-4A2C-8570-4752B92B8595}" type="presParOf" srcId="{73976861-8F4B-43E1-8A95-173B626F0190}" destId="{30641874-2E81-44E9-B1D0-48F8520552C9}" srcOrd="0" destOrd="0" presId="urn:microsoft.com/office/officeart/2005/8/layout/bProcess3"/>
-    <dgm:cxn modelId="{C3A1069E-9186-4113-A750-BD059F762619}" type="presParOf" srcId="{3947D610-E62D-4C28-9CBF-57E380EEC5B6}" destId="{A1B27C3C-5F14-4E51-BF23-216FA9BE7CA6}" srcOrd="8" destOrd="0" presId="urn:microsoft.com/office/officeart/2005/8/layout/bProcess3"/>
-    <dgm:cxn modelId="{06EB7299-3002-4585-97E7-6D5AE7FB36EC}" type="presParOf" srcId="{3947D610-E62D-4C28-9CBF-57E380EEC5B6}" destId="{A1BC6239-5103-4706-8E52-FA3077528A80}" srcOrd="9" destOrd="0" presId="urn:microsoft.com/office/officeart/2005/8/layout/bProcess3"/>
-    <dgm:cxn modelId="{7B1F2D9A-DD93-4781-8353-D0B3FF232615}" type="presParOf" srcId="{A1BC6239-5103-4706-8E52-FA3077528A80}" destId="{F6211ECB-920E-4D06-8833-B9B8981C6EAD}" srcOrd="0" destOrd="0" presId="urn:microsoft.com/office/officeart/2005/8/layout/bProcess3"/>
-    <dgm:cxn modelId="{447D04BF-C4B9-4549-B201-2C501096844E}" type="presParOf" srcId="{3947D610-E62D-4C28-9CBF-57E380EEC5B6}" destId="{EDC6CA5C-B64E-4B60-9976-9E345153EA88}" srcOrd="10" destOrd="0" presId="urn:microsoft.com/office/officeart/2005/8/layout/bProcess3"/>
-    <dgm:cxn modelId="{B87A7856-567C-40C3-8C26-ADC2BF68FCE4}" type="presParOf" srcId="{3947D610-E62D-4C28-9CBF-57E380EEC5B6}" destId="{ED6C4AB7-0221-41B2-9045-556CC456ED7B}" srcOrd="11" destOrd="0" presId="urn:microsoft.com/office/officeart/2005/8/layout/bProcess3"/>
-    <dgm:cxn modelId="{9B7C0CF0-007F-4B1A-A642-590CDAA89612}" type="presParOf" srcId="{ED6C4AB7-0221-41B2-9045-556CC456ED7B}" destId="{845EABB7-048E-4992-B7B1-4EE749EAD2F1}" srcOrd="0" destOrd="0" presId="urn:microsoft.com/office/officeart/2005/8/layout/bProcess3"/>
-    <dgm:cxn modelId="{76C27591-14A2-4993-9F12-7A6400334821}" type="presParOf" srcId="{3947D610-E62D-4C28-9CBF-57E380EEC5B6}" destId="{923096E4-1758-4523-B7E6-BE8FFC7B7063}" srcOrd="12" destOrd="0" presId="urn:microsoft.com/office/officeart/2005/8/layout/bProcess3"/>
-    <dgm:cxn modelId="{191B2E60-DA83-4904-99DF-CA81FF620EDF}" type="presParOf" srcId="{3947D610-E62D-4C28-9CBF-57E380EEC5B6}" destId="{96C8288A-0509-4FCB-9E82-3887A2A8869B}" srcOrd="13" destOrd="0" presId="urn:microsoft.com/office/officeart/2005/8/layout/bProcess3"/>
-    <dgm:cxn modelId="{46B86C73-2DBC-4F05-BF61-0E3F98F50B20}" type="presParOf" srcId="{96C8288A-0509-4FCB-9E82-3887A2A8869B}" destId="{E015EB6F-0F2B-438B-BACD-667E42EF8E46}" srcOrd="0" destOrd="0" presId="urn:microsoft.com/office/officeart/2005/8/layout/bProcess3"/>
-    <dgm:cxn modelId="{68B98159-F1AA-4BB1-A1E5-C17BDCC0C682}" type="presParOf" srcId="{3947D610-E62D-4C28-9CBF-57E380EEC5B6}" destId="{24F1E0BE-FA49-4108-B537-FFD2917A3653}" srcOrd="14" destOrd="0" presId="urn:microsoft.com/office/officeart/2005/8/layout/bProcess3"/>
-  </dgm:cxnLst>
-  <dgm:bg/>
-  <dgm:whole/>
-  <dgm:extLst>
-    <a:ext uri="http://schemas.microsoft.com/office/drawing/2008/diagram">
-      <dsp:dataModelExt xmlns:dsp="http://schemas.microsoft.com/office/drawing/2008/diagram" relId="rId6" minVer="http://schemas.openxmlformats.org/drawingml/2006/diagram"/>
-    </a:ext>
-  </dgm:extLst>
-</dgm:dataModel>
-</file>
-
-<file path=ppt/diagrams/drawing1.xml><?xml version="1.0" encoding="utf-8"?>
-<dsp:drawing xmlns:dgm="http://schemas.openxmlformats.org/drawingml/2006/diagram" xmlns:dsp="http://schemas.microsoft.com/office/drawing/2008/diagram" xmlns:a="http://schemas.openxmlformats.org/drawingml/2006/main">
-  <dsp:spTree>
-    <dsp:nvGrpSpPr>
-      <dsp:cNvPr id="0" name=""/>
-      <dsp:cNvGrpSpPr/>
-    </dsp:nvGrpSpPr>
-    <dsp:grpSpPr/>
-    <dsp:sp modelId="{92540282-BCAF-4823-96AC-89F7B7B0E3B6}">
-      <dsp:nvSpPr>
-        <dsp:cNvPr id="0" name=""/>
-        <dsp:cNvSpPr/>
-      </dsp:nvSpPr>
-      <dsp:spPr>
-        <a:xfrm>
-          <a:off x="1783689" y="815840"/>
-          <a:ext cx="379870" cy="91440"/>
-        </a:xfrm>
-        <a:custGeom>
-          <a:avLst/>
-          <a:gdLst/>
-          <a:ahLst/>
-          <a:cxnLst/>
-          <a:rect l="0" t="0" r="0" b="0"/>
-          <a:pathLst>
-            <a:path>
-              <a:moveTo>
-                <a:pt x="0" y="45720"/>
-              </a:moveTo>
-              <a:lnTo>
-                <a:pt x="379870" y="45720"/>
-              </a:lnTo>
-            </a:path>
-          </a:pathLst>
-        </a:custGeom>
-        <a:noFill/>
-        <a:ln w="12700" cap="flat" cmpd="sng" algn="ctr">
-          <a:solidFill>
-            <a:schemeClr val="accent2">
-              <a:hueOff val="0"/>
-              <a:satOff val="0"/>
-              <a:lumOff val="0"/>
-              <a:alphaOff val="0"/>
-            </a:schemeClr>
-          </a:solidFill>
-          <a:prstDash val="solid"/>
-          <a:miter lim="800000"/>
-          <a:tailEnd type="arrow"/>
-        </a:ln>
-        <a:effectLst/>
-      </dsp:spPr>
-      <dsp:style>
-        <a:lnRef idx="1">
-          <a:scrgbClr r="0" g="0" b="0"/>
-        </a:lnRef>
-        <a:fillRef idx="0">
-          <a:scrgbClr r="0" g="0" b="0"/>
-        </a:fillRef>
-        <a:effectRef idx="0">
-          <a:scrgbClr r="0" g="0" b="0"/>
-        </a:effectRef>
-        <a:fontRef idx="minor"/>
-      </dsp:style>
-      <dsp:txBody>
-        <a:bodyPr spcFirstLastPara="0" vert="horz" wrap="square" lIns="12700" tIns="0" rIns="12700" bIns="0" numCol="1" spcCol="1270" anchor="ctr" anchorCtr="0">
-          <a:noAutofit/>
-        </a:bodyPr>
-        <a:lstStyle/>
-        <a:p>
-          <a:pPr marL="0" lvl="0" indent="0" algn="ctr" defTabSz="222250">
-            <a:lnSpc>
-              <a:spcPct val="90000"/>
-            </a:lnSpc>
-            <a:spcBef>
-              <a:spcPct val="0"/>
-            </a:spcBef>
-            <a:spcAft>
-              <a:spcPct val="35000"/>
-            </a:spcAft>
-            <a:buNone/>
-          </a:pPr>
-          <a:endParaRPr lang="en-US" sz="500" kern="1200"/>
-        </a:p>
-      </dsp:txBody>
-      <dsp:txXfrm>
-        <a:off x="1963363" y="859508"/>
-        <a:ext cx="20523" cy="4104"/>
-      </dsp:txXfrm>
-    </dsp:sp>
-    <dsp:sp modelId="{D88FD4A9-3995-4332-905A-770D098929CA}">
-      <dsp:nvSpPr>
-        <dsp:cNvPr id="0" name=""/>
-        <dsp:cNvSpPr/>
-      </dsp:nvSpPr>
-      <dsp:spPr>
-        <a:xfrm>
-          <a:off x="835" y="326164"/>
-          <a:ext cx="1784653" cy="1070792"/>
-        </a:xfrm>
-        <a:prstGeom prst="rect">
-          <a:avLst/>
-        </a:prstGeom>
-        <a:solidFill>
-          <a:schemeClr val="accent2">
-            <a:hueOff val="0"/>
-            <a:satOff val="0"/>
-            <a:lumOff val="0"/>
-            <a:alphaOff val="0"/>
-          </a:schemeClr>
-        </a:solidFill>
-        <a:ln w="19050" cap="flat" cmpd="sng" algn="ctr">
-          <a:solidFill>
-            <a:schemeClr val="lt1">
-              <a:hueOff val="0"/>
-              <a:satOff val="0"/>
-              <a:lumOff val="0"/>
-              <a:alphaOff val="0"/>
-            </a:schemeClr>
-          </a:solidFill>
-          <a:prstDash val="solid"/>
-          <a:miter lim="800000"/>
-        </a:ln>
-        <a:effectLst/>
-      </dsp:spPr>
-      <dsp:style>
-        <a:lnRef idx="2">
-          <a:scrgbClr r="0" g="0" b="0"/>
-        </a:lnRef>
-        <a:fillRef idx="1">
-          <a:scrgbClr r="0" g="0" b="0"/>
-        </a:fillRef>
-        <a:effectRef idx="0">
-          <a:scrgbClr r="0" g="0" b="0"/>
-        </a:effectRef>
-        <a:fontRef idx="minor">
-          <a:schemeClr val="lt1"/>
-        </a:fontRef>
-      </dsp:style>
-      <dsp:txBody>
-        <a:bodyPr spcFirstLastPara="0" vert="horz" wrap="square" lIns="85344" tIns="85344" rIns="85344" bIns="85344" numCol="1" spcCol="1270" anchor="t" anchorCtr="0">
-          <a:noAutofit/>
-        </a:bodyPr>
-        <a:lstStyle/>
-        <a:p>
-          <a:pPr marL="0" lvl="0" indent="0" algn="l" defTabSz="533400">
-            <a:lnSpc>
-              <a:spcPct val="90000"/>
-            </a:lnSpc>
-            <a:spcBef>
-              <a:spcPct val="0"/>
-            </a:spcBef>
-            <a:spcAft>
-              <a:spcPct val="35000"/>
-            </a:spcAft>
-            <a:buNone/>
-          </a:pPr>
-          <a:r>
-            <a:rPr lang="en-US" sz="1200" kern="1200" dirty="0"/>
-            <a:t>Topology Modeling</a:t>
-          </a:r>
-        </a:p>
-        <a:p>
-          <a:pPr marL="57150" lvl="1" indent="-57150" algn="l" defTabSz="400050">
-            <a:lnSpc>
-              <a:spcPct val="90000"/>
-            </a:lnSpc>
-            <a:spcBef>
-              <a:spcPct val="0"/>
-            </a:spcBef>
-            <a:spcAft>
-              <a:spcPct val="15000"/>
-            </a:spcAft>
-            <a:buChar char="•"/>
-          </a:pPr>
-          <a:r>
-            <a:rPr lang="en-US" sz="900" kern="1200" dirty="0"/>
-            <a:t>Create CNS all-atom topology</a:t>
-          </a:r>
-        </a:p>
-      </dsp:txBody>
-      <dsp:txXfrm>
-        <a:off x="835" y="326164"/>
-        <a:ext cx="1784653" cy="1070792"/>
-      </dsp:txXfrm>
-    </dsp:sp>
-    <dsp:sp modelId="{CF25F124-B583-4992-8CF8-080D77F9FEE2}">
-      <dsp:nvSpPr>
-        <dsp:cNvPr id="0" name=""/>
-        <dsp:cNvSpPr/>
-      </dsp:nvSpPr>
-      <dsp:spPr>
-        <a:xfrm>
-          <a:off x="893162" y="1395156"/>
-          <a:ext cx="2195124" cy="379870"/>
-        </a:xfrm>
-        <a:custGeom>
-          <a:avLst/>
-          <a:gdLst/>
-          <a:ahLst/>
-          <a:cxnLst/>
-          <a:rect l="0" t="0" r="0" b="0"/>
-          <a:pathLst>
-            <a:path>
-              <a:moveTo>
-                <a:pt x="2195124" y="0"/>
-              </a:moveTo>
-              <a:lnTo>
-                <a:pt x="2195124" y="207035"/>
-              </a:lnTo>
-              <a:lnTo>
-                <a:pt x="0" y="207035"/>
-              </a:lnTo>
-              <a:lnTo>
-                <a:pt x="0" y="379870"/>
-              </a:lnTo>
-            </a:path>
-          </a:pathLst>
-        </a:custGeom>
-        <a:noFill/>
-        <a:ln w="12700" cap="flat" cmpd="sng" algn="ctr">
-          <a:solidFill>
-            <a:schemeClr val="accent2">
-              <a:hueOff val="945855"/>
-              <a:satOff val="2563"/>
-              <a:lumOff val="-2026"/>
-              <a:alphaOff val="0"/>
-            </a:schemeClr>
-          </a:solidFill>
-          <a:prstDash val="solid"/>
-          <a:miter lim="800000"/>
-          <a:tailEnd type="arrow"/>
-        </a:ln>
-        <a:effectLst/>
-      </dsp:spPr>
-      <dsp:style>
-        <a:lnRef idx="1">
-          <a:scrgbClr r="0" g="0" b="0"/>
-        </a:lnRef>
-        <a:fillRef idx="0">
-          <a:scrgbClr r="0" g="0" b="0"/>
-        </a:fillRef>
-        <a:effectRef idx="0">
-          <a:scrgbClr r="0" g="0" b="0"/>
-        </a:effectRef>
-        <a:fontRef idx="minor"/>
-      </dsp:style>
-      <dsp:txBody>
-        <a:bodyPr spcFirstLastPara="0" vert="horz" wrap="square" lIns="12700" tIns="0" rIns="12700" bIns="0" numCol="1" spcCol="1270" anchor="ctr" anchorCtr="0">
-          <a:noAutofit/>
-        </a:bodyPr>
-        <a:lstStyle/>
-        <a:p>
-          <a:pPr marL="0" lvl="0" indent="0" algn="ctr" defTabSz="222250">
-            <a:lnSpc>
-              <a:spcPct val="90000"/>
-            </a:lnSpc>
-            <a:spcBef>
-              <a:spcPct val="0"/>
-            </a:spcBef>
-            <a:spcAft>
-              <a:spcPct val="35000"/>
-            </a:spcAft>
-            <a:buNone/>
-          </a:pPr>
-          <a:endParaRPr lang="en-US" sz="500" kern="1200"/>
-        </a:p>
-      </dsp:txBody>
-      <dsp:txXfrm>
-        <a:off x="1934895" y="1583039"/>
-        <a:ext cx="111658" cy="4104"/>
-      </dsp:txXfrm>
-    </dsp:sp>
-    <dsp:sp modelId="{8321943B-8E0D-48D5-9AC3-FE8F25A1ABD8}">
-      <dsp:nvSpPr>
-        <dsp:cNvPr id="0" name=""/>
-        <dsp:cNvSpPr/>
-      </dsp:nvSpPr>
-      <dsp:spPr>
-        <a:xfrm>
-          <a:off x="2195960" y="326164"/>
-          <a:ext cx="1784653" cy="1070792"/>
-        </a:xfrm>
-        <a:prstGeom prst="rect">
-          <a:avLst/>
-        </a:prstGeom>
-        <a:solidFill>
-          <a:schemeClr val="accent2">
-            <a:hueOff val="810733"/>
-            <a:satOff val="2196"/>
-            <a:lumOff val="-1737"/>
-            <a:alphaOff val="0"/>
-          </a:schemeClr>
-        </a:solidFill>
-        <a:ln w="19050" cap="flat" cmpd="sng" algn="ctr">
-          <a:solidFill>
-            <a:schemeClr val="lt1">
-              <a:hueOff val="0"/>
-              <a:satOff val="0"/>
-              <a:lumOff val="0"/>
-              <a:alphaOff val="0"/>
-            </a:schemeClr>
-          </a:solidFill>
-          <a:prstDash val="solid"/>
-          <a:miter lim="800000"/>
-        </a:ln>
-        <a:effectLst/>
-      </dsp:spPr>
-      <dsp:style>
-        <a:lnRef idx="2">
-          <a:scrgbClr r="0" g="0" b="0"/>
-        </a:lnRef>
-        <a:fillRef idx="1">
-          <a:scrgbClr r="0" g="0" b="0"/>
-        </a:fillRef>
-        <a:effectRef idx="0">
-          <a:scrgbClr r="0" g="0" b="0"/>
-        </a:effectRef>
-        <a:fontRef idx="minor">
-          <a:schemeClr val="lt1"/>
-        </a:fontRef>
-      </dsp:style>
-      <dsp:txBody>
-        <a:bodyPr spcFirstLastPara="0" vert="horz" wrap="square" lIns="85344" tIns="85344" rIns="85344" bIns="85344" numCol="1" spcCol="1270" anchor="t" anchorCtr="0">
-          <a:noAutofit/>
-        </a:bodyPr>
-        <a:lstStyle/>
-        <a:p>
-          <a:pPr marL="0" lvl="0" indent="0" algn="l" defTabSz="533400">
-            <a:lnSpc>
-              <a:spcPct val="90000"/>
-            </a:lnSpc>
-            <a:spcBef>
-              <a:spcPct val="0"/>
-            </a:spcBef>
-            <a:spcAft>
-              <a:spcPct val="35000"/>
-            </a:spcAft>
-            <a:buNone/>
-          </a:pPr>
-          <a:r>
-            <a:rPr lang="en-US" sz="1200" kern="1200" dirty="0"/>
-            <a:t>Rigid Body</a:t>
-          </a:r>
-        </a:p>
-        <a:p>
-          <a:pPr marL="57150" lvl="1" indent="-57150" algn="l" defTabSz="400050">
-            <a:lnSpc>
-              <a:spcPct val="90000"/>
-            </a:lnSpc>
-            <a:spcBef>
-              <a:spcPct val="0"/>
-            </a:spcBef>
-            <a:spcAft>
-              <a:spcPct val="15000"/>
-            </a:spcAft>
-            <a:buChar char="•"/>
-          </a:pPr>
-          <a:r>
-            <a:rPr lang="en-US" sz="900" i="1" kern="1200" dirty="0"/>
-            <a:t>Rigid body energy minimization with CNS (it0)</a:t>
-          </a:r>
-          <a:endParaRPr lang="en-US" sz="900" kern="1200" dirty="0"/>
-        </a:p>
-        <a:p>
-          <a:pPr marL="57150" lvl="1" indent="-57150" algn="l" defTabSz="400050">
-            <a:lnSpc>
-              <a:spcPct val="90000"/>
-            </a:lnSpc>
-            <a:spcBef>
-              <a:spcPct val="0"/>
-            </a:spcBef>
-            <a:spcAft>
-              <a:spcPct val="15000"/>
-            </a:spcAft>
-            <a:buChar char="•"/>
-          </a:pPr>
-          <a:r>
-            <a:rPr lang="en-US" sz="900" kern="1200" dirty="0"/>
-            <a:t>Samples 200 models</a:t>
-          </a:r>
-        </a:p>
-      </dsp:txBody>
-      <dsp:txXfrm>
-        <a:off x="2195960" y="326164"/>
-        <a:ext cx="1784653" cy="1070792"/>
-      </dsp:txXfrm>
-    </dsp:sp>
-    <dsp:sp modelId="{BD5C47F2-53D6-480B-A685-7E34492B1444}">
-      <dsp:nvSpPr>
-        <dsp:cNvPr id="0" name=""/>
-        <dsp:cNvSpPr/>
-      </dsp:nvSpPr>
-      <dsp:spPr>
-        <a:xfrm>
-          <a:off x="1783689" y="2297103"/>
-          <a:ext cx="379870" cy="91440"/>
-        </a:xfrm>
-        <a:custGeom>
-          <a:avLst/>
-          <a:gdLst/>
-          <a:ahLst/>
-          <a:cxnLst/>
-          <a:rect l="0" t="0" r="0" b="0"/>
-          <a:pathLst>
-            <a:path>
-              <a:moveTo>
-                <a:pt x="0" y="45720"/>
-              </a:moveTo>
-              <a:lnTo>
-                <a:pt x="379870" y="45720"/>
-              </a:lnTo>
-            </a:path>
-          </a:pathLst>
-        </a:custGeom>
-        <a:noFill/>
-        <a:ln w="12700" cap="flat" cmpd="sng" algn="ctr">
-          <a:solidFill>
-            <a:schemeClr val="accent2">
-              <a:hueOff val="1891710"/>
-              <a:satOff val="5125"/>
-              <a:lumOff val="-4052"/>
-              <a:alphaOff val="0"/>
-            </a:schemeClr>
-          </a:solidFill>
-          <a:prstDash val="solid"/>
-          <a:miter lim="800000"/>
-          <a:tailEnd type="arrow"/>
-        </a:ln>
-        <a:effectLst/>
-      </dsp:spPr>
-      <dsp:style>
-        <a:lnRef idx="1">
-          <a:scrgbClr r="0" g="0" b="0"/>
-        </a:lnRef>
-        <a:fillRef idx="0">
-          <a:scrgbClr r="0" g="0" b="0"/>
-        </a:fillRef>
-        <a:effectRef idx="0">
-          <a:scrgbClr r="0" g="0" b="0"/>
-        </a:effectRef>
-        <a:fontRef idx="minor"/>
-      </dsp:style>
-      <dsp:txBody>
-        <a:bodyPr spcFirstLastPara="0" vert="horz" wrap="square" lIns="12700" tIns="0" rIns="12700" bIns="0" numCol="1" spcCol="1270" anchor="ctr" anchorCtr="0">
-          <a:noAutofit/>
-        </a:bodyPr>
-        <a:lstStyle/>
-        <a:p>
-          <a:pPr marL="0" lvl="0" indent="0" algn="ctr" defTabSz="222250">
-            <a:lnSpc>
-              <a:spcPct val="90000"/>
-            </a:lnSpc>
-            <a:spcBef>
-              <a:spcPct val="0"/>
-            </a:spcBef>
-            <a:spcAft>
-              <a:spcPct val="35000"/>
-            </a:spcAft>
-            <a:buNone/>
-          </a:pPr>
-          <a:endParaRPr lang="en-US" sz="500" kern="1200"/>
-        </a:p>
-      </dsp:txBody>
-      <dsp:txXfrm>
-        <a:off x="1963363" y="2340770"/>
-        <a:ext cx="20523" cy="4104"/>
-      </dsp:txXfrm>
-    </dsp:sp>
-    <dsp:sp modelId="{73699401-302B-42CE-A5F3-F348C717DA12}">
-      <dsp:nvSpPr>
-        <dsp:cNvPr id="0" name=""/>
-        <dsp:cNvSpPr/>
-      </dsp:nvSpPr>
-      <dsp:spPr>
-        <a:xfrm>
-          <a:off x="835" y="1807426"/>
-          <a:ext cx="1784653" cy="1070792"/>
-        </a:xfrm>
-        <a:prstGeom prst="rect">
-          <a:avLst/>
-        </a:prstGeom>
-        <a:solidFill>
-          <a:schemeClr val="accent2">
-            <a:hueOff val="1621465"/>
-            <a:satOff val="4393"/>
-            <a:lumOff val="-3473"/>
-            <a:alphaOff val="0"/>
-          </a:schemeClr>
-        </a:solidFill>
-        <a:ln w="19050" cap="flat" cmpd="sng" algn="ctr">
-          <a:solidFill>
-            <a:schemeClr val="lt1">
-              <a:hueOff val="0"/>
-              <a:satOff val="0"/>
-              <a:lumOff val="0"/>
-              <a:alphaOff val="0"/>
-            </a:schemeClr>
-          </a:solidFill>
-          <a:prstDash val="solid"/>
-          <a:miter lim="800000"/>
-        </a:ln>
-        <a:effectLst/>
-      </dsp:spPr>
-      <dsp:style>
-        <a:lnRef idx="2">
-          <a:scrgbClr r="0" g="0" b="0"/>
-        </a:lnRef>
-        <a:fillRef idx="1">
-          <a:scrgbClr r="0" g="0" b="0"/>
-        </a:fillRef>
-        <a:effectRef idx="0">
-          <a:scrgbClr r="0" g="0" b="0"/>
-        </a:effectRef>
-        <a:fontRef idx="minor">
-          <a:schemeClr val="lt1"/>
-        </a:fontRef>
-      </dsp:style>
-      <dsp:txBody>
-        <a:bodyPr spcFirstLastPara="0" vert="horz" wrap="square" lIns="85344" tIns="85344" rIns="85344" bIns="85344" numCol="1" spcCol="1270" anchor="ctr" anchorCtr="0">
-          <a:noAutofit/>
-        </a:bodyPr>
-        <a:lstStyle/>
-        <a:p>
-          <a:pPr marL="0" lvl="0" indent="0" algn="ctr" defTabSz="533400">
-            <a:lnSpc>
-              <a:spcPct val="90000"/>
-            </a:lnSpc>
-            <a:spcBef>
-              <a:spcPct val="0"/>
-            </a:spcBef>
-            <a:spcAft>
-              <a:spcPct val="35000"/>
-            </a:spcAft>
-            <a:buNone/>
-          </a:pPr>
-          <a:r>
-            <a:rPr lang="en-US" sz="1200" kern="1200" dirty="0"/>
-            <a:t>Select Top 50</a:t>
-          </a:r>
-        </a:p>
-      </dsp:txBody>
-      <dsp:txXfrm>
-        <a:off x="835" y="1807426"/>
-        <a:ext cx="1784653" cy="1070792"/>
-      </dsp:txXfrm>
-    </dsp:sp>
-    <dsp:sp modelId="{73976861-8F4B-43E1-8A95-173B626F0190}">
-      <dsp:nvSpPr>
-        <dsp:cNvPr id="0" name=""/>
-        <dsp:cNvSpPr/>
-      </dsp:nvSpPr>
-      <dsp:spPr>
-        <a:xfrm>
-          <a:off x="893162" y="2876419"/>
-          <a:ext cx="2195124" cy="379870"/>
-        </a:xfrm>
-        <a:custGeom>
-          <a:avLst/>
-          <a:gdLst/>
-          <a:ahLst/>
-          <a:cxnLst/>
-          <a:rect l="0" t="0" r="0" b="0"/>
-          <a:pathLst>
-            <a:path>
-              <a:moveTo>
-                <a:pt x="2195124" y="0"/>
-              </a:moveTo>
-              <a:lnTo>
-                <a:pt x="2195124" y="207035"/>
-              </a:lnTo>
-              <a:lnTo>
-                <a:pt x="0" y="207035"/>
-              </a:lnTo>
-              <a:lnTo>
-                <a:pt x="0" y="379870"/>
-              </a:lnTo>
-            </a:path>
-          </a:pathLst>
-        </a:custGeom>
-        <a:noFill/>
-        <a:ln w="12700" cap="flat" cmpd="sng" algn="ctr">
-          <a:solidFill>
-            <a:schemeClr val="accent2">
-              <a:hueOff val="2837564"/>
-              <a:satOff val="7688"/>
-              <a:lumOff val="-6079"/>
-              <a:alphaOff val="0"/>
-            </a:schemeClr>
-          </a:solidFill>
-          <a:prstDash val="solid"/>
-          <a:miter lim="800000"/>
-          <a:tailEnd type="arrow"/>
-        </a:ln>
-        <a:effectLst/>
-      </dsp:spPr>
-      <dsp:style>
-        <a:lnRef idx="1">
-          <a:scrgbClr r="0" g="0" b="0"/>
-        </a:lnRef>
-        <a:fillRef idx="0">
-          <a:scrgbClr r="0" g="0" b="0"/>
-        </a:fillRef>
-        <a:effectRef idx="0">
-          <a:scrgbClr r="0" g="0" b="0"/>
-        </a:effectRef>
-        <a:fontRef idx="minor"/>
-      </dsp:style>
-      <dsp:txBody>
-        <a:bodyPr spcFirstLastPara="0" vert="horz" wrap="square" lIns="12700" tIns="0" rIns="12700" bIns="0" numCol="1" spcCol="1270" anchor="ctr" anchorCtr="0">
-          <a:noAutofit/>
-        </a:bodyPr>
-        <a:lstStyle/>
-        <a:p>
-          <a:pPr marL="0" lvl="0" indent="0" algn="ctr" defTabSz="222250">
-            <a:lnSpc>
-              <a:spcPct val="90000"/>
-            </a:lnSpc>
-            <a:spcBef>
-              <a:spcPct val="0"/>
-            </a:spcBef>
-            <a:spcAft>
-              <a:spcPct val="35000"/>
-            </a:spcAft>
-            <a:buNone/>
-          </a:pPr>
-          <a:endParaRPr lang="en-US" sz="500" kern="1200"/>
-        </a:p>
-      </dsp:txBody>
-      <dsp:txXfrm>
-        <a:off x="1934895" y="3064302"/>
-        <a:ext cx="111658" cy="4104"/>
-      </dsp:txXfrm>
-    </dsp:sp>
-    <dsp:sp modelId="{AC9F0B07-24CA-4A66-8DEF-77A0451AF17A}">
-      <dsp:nvSpPr>
-        <dsp:cNvPr id="0" name=""/>
-        <dsp:cNvSpPr/>
-      </dsp:nvSpPr>
-      <dsp:spPr>
-        <a:xfrm>
-          <a:off x="2195960" y="1807426"/>
-          <a:ext cx="1784653" cy="1070792"/>
-        </a:xfrm>
-        <a:prstGeom prst="rect">
-          <a:avLst/>
-        </a:prstGeom>
-        <a:solidFill>
-          <a:schemeClr val="accent2">
-            <a:hueOff val="2432198"/>
-            <a:satOff val="6589"/>
-            <a:lumOff val="-5210"/>
-            <a:alphaOff val="0"/>
-          </a:schemeClr>
-        </a:solidFill>
-        <a:ln w="19050" cap="flat" cmpd="sng" algn="ctr">
-          <a:solidFill>
-            <a:schemeClr val="lt1">
-              <a:hueOff val="0"/>
-              <a:satOff val="0"/>
-              <a:lumOff val="0"/>
-              <a:alphaOff val="0"/>
-            </a:schemeClr>
-          </a:solidFill>
-          <a:prstDash val="solid"/>
-          <a:miter lim="800000"/>
-        </a:ln>
-        <a:effectLst/>
-      </dsp:spPr>
-      <dsp:style>
-        <a:lnRef idx="2">
-          <a:scrgbClr r="0" g="0" b="0"/>
-        </a:lnRef>
-        <a:fillRef idx="1">
-          <a:scrgbClr r="0" g="0" b="0"/>
-        </a:fillRef>
-        <a:effectRef idx="0">
-          <a:scrgbClr r="0" g="0" b="0"/>
-        </a:effectRef>
-        <a:fontRef idx="minor">
-          <a:schemeClr val="lt1"/>
-        </a:fontRef>
-      </dsp:style>
-      <dsp:txBody>
-        <a:bodyPr spcFirstLastPara="0" vert="horz" wrap="square" lIns="85344" tIns="85344" rIns="85344" bIns="85344" numCol="1" spcCol="1270" anchor="t" anchorCtr="0">
-          <a:noAutofit/>
-        </a:bodyPr>
-        <a:lstStyle/>
-        <a:p>
-          <a:pPr marL="0" lvl="0" indent="0" algn="l" defTabSz="533400">
-            <a:lnSpc>
-              <a:spcPct val="90000"/>
-            </a:lnSpc>
-            <a:spcBef>
-              <a:spcPct val="0"/>
-            </a:spcBef>
-            <a:spcAft>
-              <a:spcPct val="35000"/>
-            </a:spcAft>
-            <a:buNone/>
-          </a:pPr>
-          <a:r>
-            <a:rPr lang="en-US" sz="1200" kern="1200" dirty="0"/>
-            <a:t>Flexible Refinement</a:t>
-          </a:r>
-        </a:p>
-        <a:p>
-          <a:pPr marL="57150" lvl="1" indent="-57150" algn="l" defTabSz="400050">
-            <a:lnSpc>
-              <a:spcPct val="90000"/>
-            </a:lnSpc>
-            <a:spcBef>
-              <a:spcPct val="0"/>
-            </a:spcBef>
-            <a:spcAft>
-              <a:spcPct val="15000"/>
-            </a:spcAft>
-            <a:buChar char="•"/>
-          </a:pPr>
-          <a:r>
-            <a:rPr lang="en-US" sz="900" i="1" kern="1200" dirty="0"/>
-            <a:t>semi-flexible refinement using a simulated annealing protocol through molecular dynamics simulations in torsion angle space (it1)</a:t>
-          </a:r>
-          <a:endParaRPr lang="en-US" sz="900" kern="1200" dirty="0"/>
-        </a:p>
-      </dsp:txBody>
-      <dsp:txXfrm>
-        <a:off x="2195960" y="1807426"/>
-        <a:ext cx="1784653" cy="1070792"/>
-      </dsp:txXfrm>
-    </dsp:sp>
-    <dsp:sp modelId="{A1BC6239-5103-4706-8E52-FA3077528A80}">
-      <dsp:nvSpPr>
-        <dsp:cNvPr id="0" name=""/>
-        <dsp:cNvSpPr/>
-      </dsp:nvSpPr>
-      <dsp:spPr>
-        <a:xfrm>
-          <a:off x="1783689" y="3778365"/>
-          <a:ext cx="379870" cy="91440"/>
-        </a:xfrm>
-        <a:custGeom>
-          <a:avLst/>
-          <a:gdLst/>
-          <a:ahLst/>
-          <a:cxnLst/>
-          <a:rect l="0" t="0" r="0" b="0"/>
-          <a:pathLst>
-            <a:path>
-              <a:moveTo>
-                <a:pt x="0" y="45720"/>
-              </a:moveTo>
-              <a:lnTo>
-                <a:pt x="379870" y="45720"/>
-              </a:lnTo>
-            </a:path>
-          </a:pathLst>
-        </a:custGeom>
-        <a:noFill/>
-        <a:ln w="12700" cap="flat" cmpd="sng" algn="ctr">
-          <a:solidFill>
-            <a:schemeClr val="accent2">
-              <a:hueOff val="3783419"/>
-              <a:satOff val="10250"/>
-              <a:lumOff val="-8105"/>
-              <a:alphaOff val="0"/>
-            </a:schemeClr>
-          </a:solidFill>
-          <a:prstDash val="solid"/>
-          <a:miter lim="800000"/>
-          <a:tailEnd type="arrow"/>
-        </a:ln>
-        <a:effectLst/>
-      </dsp:spPr>
-      <dsp:style>
-        <a:lnRef idx="1">
-          <a:scrgbClr r="0" g="0" b="0"/>
-        </a:lnRef>
-        <a:fillRef idx="0">
-          <a:scrgbClr r="0" g="0" b="0"/>
-        </a:fillRef>
-        <a:effectRef idx="0">
-          <a:scrgbClr r="0" g="0" b="0"/>
-        </a:effectRef>
-        <a:fontRef idx="minor"/>
-      </dsp:style>
-      <dsp:txBody>
-        <a:bodyPr spcFirstLastPara="0" vert="horz" wrap="square" lIns="12700" tIns="0" rIns="12700" bIns="0" numCol="1" spcCol="1270" anchor="ctr" anchorCtr="0">
-          <a:noAutofit/>
-        </a:bodyPr>
-        <a:lstStyle/>
-        <a:p>
-          <a:pPr marL="0" lvl="0" indent="0" algn="ctr" defTabSz="222250">
-            <a:lnSpc>
-              <a:spcPct val="90000"/>
-            </a:lnSpc>
-            <a:spcBef>
-              <a:spcPct val="0"/>
-            </a:spcBef>
-            <a:spcAft>
-              <a:spcPct val="35000"/>
-            </a:spcAft>
-            <a:buNone/>
-          </a:pPr>
-          <a:endParaRPr lang="en-US" sz="500" kern="1200"/>
-        </a:p>
-      </dsp:txBody>
-      <dsp:txXfrm>
-        <a:off x="1963363" y="3822033"/>
-        <a:ext cx="20523" cy="4104"/>
-      </dsp:txXfrm>
-    </dsp:sp>
-    <dsp:sp modelId="{A1B27C3C-5F14-4E51-BF23-216FA9BE7CA6}">
-      <dsp:nvSpPr>
-        <dsp:cNvPr id="0" name=""/>
-        <dsp:cNvSpPr/>
-      </dsp:nvSpPr>
-      <dsp:spPr>
-        <a:xfrm>
-          <a:off x="835" y="3288689"/>
-          <a:ext cx="1784653" cy="1070792"/>
-        </a:xfrm>
-        <a:prstGeom prst="rect">
-          <a:avLst/>
-        </a:prstGeom>
-        <a:solidFill>
-          <a:schemeClr val="accent2">
-            <a:hueOff val="3242931"/>
-            <a:satOff val="8786"/>
-            <a:lumOff val="-6947"/>
-            <a:alphaOff val="0"/>
-          </a:schemeClr>
-        </a:solidFill>
-        <a:ln w="19050" cap="flat" cmpd="sng" algn="ctr">
-          <a:solidFill>
-            <a:schemeClr val="lt1">
-              <a:hueOff val="0"/>
-              <a:satOff val="0"/>
-              <a:lumOff val="0"/>
-              <a:alphaOff val="0"/>
-            </a:schemeClr>
-          </a:solidFill>
-          <a:prstDash val="solid"/>
-          <a:miter lim="800000"/>
-        </a:ln>
-        <a:effectLst/>
-      </dsp:spPr>
-      <dsp:style>
-        <a:lnRef idx="2">
-          <a:scrgbClr r="0" g="0" b="0"/>
-        </a:lnRef>
-        <a:fillRef idx="1">
-          <a:scrgbClr r="0" g="0" b="0"/>
-        </a:fillRef>
-        <a:effectRef idx="0">
-          <a:scrgbClr r="0" g="0" b="0"/>
-        </a:effectRef>
-        <a:fontRef idx="minor">
-          <a:schemeClr val="lt1"/>
-        </a:fontRef>
-      </dsp:style>
-      <dsp:txBody>
-        <a:bodyPr spcFirstLastPara="0" vert="horz" wrap="square" lIns="85344" tIns="85344" rIns="85344" bIns="85344" numCol="1" spcCol="1270" anchor="ctr" anchorCtr="0">
-          <a:noAutofit/>
-        </a:bodyPr>
-        <a:lstStyle/>
-        <a:p>
-          <a:pPr marL="0" lvl="0" indent="0" algn="ctr" defTabSz="533400">
-            <a:lnSpc>
-              <a:spcPct val="90000"/>
-            </a:lnSpc>
-            <a:spcBef>
-              <a:spcPct val="0"/>
-            </a:spcBef>
-            <a:spcAft>
-              <a:spcPct val="35000"/>
-            </a:spcAft>
-            <a:buNone/>
-          </a:pPr>
-          <a:r>
-            <a:rPr lang="en-US" sz="1200" kern="1200" dirty="0"/>
-            <a:t>Select Top 1 Cluster</a:t>
-          </a:r>
-        </a:p>
-      </dsp:txBody>
-      <dsp:txXfrm>
-        <a:off x="835" y="3288689"/>
-        <a:ext cx="1784653" cy="1070792"/>
-      </dsp:txXfrm>
-    </dsp:sp>
-    <dsp:sp modelId="{ED6C4AB7-0221-41B2-9045-556CC456ED7B}">
-      <dsp:nvSpPr>
-        <dsp:cNvPr id="0" name=""/>
-        <dsp:cNvSpPr/>
-      </dsp:nvSpPr>
-      <dsp:spPr>
-        <a:xfrm>
-          <a:off x="893162" y="4357682"/>
-          <a:ext cx="2195124" cy="379870"/>
-        </a:xfrm>
-        <a:custGeom>
-          <a:avLst/>
-          <a:gdLst/>
-          <a:ahLst/>
-          <a:cxnLst/>
-          <a:rect l="0" t="0" r="0" b="0"/>
-          <a:pathLst>
-            <a:path>
-              <a:moveTo>
-                <a:pt x="2195124" y="0"/>
-              </a:moveTo>
-              <a:lnTo>
-                <a:pt x="2195124" y="207035"/>
-              </a:lnTo>
-              <a:lnTo>
-                <a:pt x="0" y="207035"/>
-              </a:lnTo>
-              <a:lnTo>
-                <a:pt x="0" y="379870"/>
-              </a:lnTo>
-            </a:path>
-          </a:pathLst>
-        </a:custGeom>
-        <a:noFill/>
-        <a:ln w="12700" cap="flat" cmpd="sng" algn="ctr">
-          <a:solidFill>
-            <a:schemeClr val="accent2">
-              <a:hueOff val="4729274"/>
-              <a:satOff val="12812"/>
-              <a:lumOff val="-10131"/>
-              <a:alphaOff val="0"/>
-            </a:schemeClr>
-          </a:solidFill>
-          <a:prstDash val="solid"/>
-          <a:miter lim="800000"/>
-          <a:tailEnd type="arrow"/>
-        </a:ln>
-        <a:effectLst/>
-      </dsp:spPr>
-      <dsp:style>
-        <a:lnRef idx="1">
-          <a:scrgbClr r="0" g="0" b="0"/>
-        </a:lnRef>
-        <a:fillRef idx="0">
-          <a:scrgbClr r="0" g="0" b="0"/>
-        </a:fillRef>
-        <a:effectRef idx="0">
-          <a:scrgbClr r="0" g="0" b="0"/>
-        </a:effectRef>
-        <a:fontRef idx="minor"/>
-      </dsp:style>
-      <dsp:txBody>
-        <a:bodyPr spcFirstLastPara="0" vert="horz" wrap="square" lIns="12700" tIns="0" rIns="12700" bIns="0" numCol="1" spcCol="1270" anchor="ctr" anchorCtr="0">
-          <a:noAutofit/>
-        </a:bodyPr>
-        <a:lstStyle/>
-        <a:p>
-          <a:pPr marL="0" lvl="0" indent="0" algn="ctr" defTabSz="222250">
-            <a:lnSpc>
-              <a:spcPct val="90000"/>
-            </a:lnSpc>
-            <a:spcBef>
-              <a:spcPct val="0"/>
-            </a:spcBef>
-            <a:spcAft>
-              <a:spcPct val="35000"/>
-            </a:spcAft>
-            <a:buNone/>
-          </a:pPr>
-          <a:endParaRPr lang="en-US" sz="500" kern="1200"/>
-        </a:p>
-      </dsp:txBody>
-      <dsp:txXfrm>
-        <a:off x="1934895" y="4545564"/>
-        <a:ext cx="111658" cy="4104"/>
-      </dsp:txXfrm>
-    </dsp:sp>
-    <dsp:sp modelId="{EDC6CA5C-B64E-4B60-9976-9E345153EA88}">
-      <dsp:nvSpPr>
-        <dsp:cNvPr id="0" name=""/>
-        <dsp:cNvSpPr/>
-      </dsp:nvSpPr>
-      <dsp:spPr>
-        <a:xfrm>
-          <a:off x="2195960" y="3288689"/>
-          <a:ext cx="1784653" cy="1070792"/>
-        </a:xfrm>
-        <a:prstGeom prst="rect">
-          <a:avLst/>
-        </a:prstGeom>
-        <a:solidFill>
-          <a:schemeClr val="accent2">
-            <a:hueOff val="4053663"/>
-            <a:satOff val="10982"/>
-            <a:lumOff val="-8684"/>
-            <a:alphaOff val="0"/>
-          </a:schemeClr>
-        </a:solidFill>
-        <a:ln w="19050" cap="flat" cmpd="sng" algn="ctr">
-          <a:solidFill>
-            <a:schemeClr val="lt1">
-              <a:hueOff val="0"/>
-              <a:satOff val="0"/>
-              <a:lumOff val="0"/>
-              <a:alphaOff val="0"/>
-            </a:schemeClr>
-          </a:solidFill>
-          <a:prstDash val="solid"/>
-          <a:miter lim="800000"/>
-        </a:ln>
-        <a:effectLst/>
-      </dsp:spPr>
-      <dsp:style>
-        <a:lnRef idx="2">
-          <a:scrgbClr r="0" g="0" b="0"/>
-        </a:lnRef>
-        <a:fillRef idx="1">
-          <a:scrgbClr r="0" g="0" b="0"/>
-        </a:fillRef>
-        <a:effectRef idx="0">
-          <a:scrgbClr r="0" g="0" b="0"/>
-        </a:effectRef>
-        <a:fontRef idx="minor">
-          <a:schemeClr val="lt1"/>
-        </a:fontRef>
-      </dsp:style>
-      <dsp:txBody>
-        <a:bodyPr spcFirstLastPara="0" vert="horz" wrap="square" lIns="85344" tIns="85344" rIns="85344" bIns="85344" numCol="1" spcCol="1270" anchor="t" anchorCtr="0">
-          <a:noAutofit/>
-        </a:bodyPr>
-        <a:lstStyle/>
-        <a:p>
-          <a:pPr marL="0" lvl="0" indent="0" algn="l" defTabSz="533400">
-            <a:lnSpc>
-              <a:spcPct val="90000"/>
-            </a:lnSpc>
-            <a:spcBef>
-              <a:spcPct val="0"/>
-            </a:spcBef>
-            <a:spcAft>
-              <a:spcPct val="35000"/>
-            </a:spcAft>
-            <a:buNone/>
-          </a:pPr>
-          <a:r>
-            <a:rPr lang="en-US" sz="1200" kern="1200" dirty="0"/>
-            <a:t>Solvent Refinement</a:t>
-          </a:r>
-        </a:p>
-        <a:p>
-          <a:pPr marL="57150" lvl="1" indent="-57150" algn="l" defTabSz="400050">
-            <a:lnSpc>
-              <a:spcPct val="90000"/>
-            </a:lnSpc>
-            <a:spcBef>
-              <a:spcPct val="0"/>
-            </a:spcBef>
-            <a:spcAft>
-              <a:spcPct val="15000"/>
-            </a:spcAft>
-            <a:buChar char="•"/>
-          </a:pPr>
-          <a:r>
-            <a:rPr lang="en-US" sz="900" i="1" kern="1200" dirty="0"/>
-            <a:t>Refinement by a short molecular dynamics simulation in explicit solvent (</a:t>
-          </a:r>
-          <a:r>
-            <a:rPr lang="en-US" sz="900" i="1" kern="1200" dirty="0" err="1"/>
-            <a:t>itw</a:t>
-          </a:r>
-          <a:r>
-            <a:rPr lang="en-US" sz="900" i="1" kern="1200" dirty="0"/>
-            <a:t>)</a:t>
-          </a:r>
-          <a:endParaRPr lang="en-US" sz="900" kern="1200" dirty="0"/>
-        </a:p>
-      </dsp:txBody>
-      <dsp:txXfrm>
-        <a:off x="2195960" y="3288689"/>
-        <a:ext cx="1784653" cy="1070792"/>
-      </dsp:txXfrm>
-    </dsp:sp>
-    <dsp:sp modelId="{96C8288A-0509-4FCB-9E82-3887A2A8869B}">
-      <dsp:nvSpPr>
-        <dsp:cNvPr id="0" name=""/>
-        <dsp:cNvSpPr/>
-      </dsp:nvSpPr>
-      <dsp:spPr>
-        <a:xfrm>
-          <a:off x="1783689" y="5259628"/>
-          <a:ext cx="379870" cy="91440"/>
-        </a:xfrm>
-        <a:custGeom>
-          <a:avLst/>
-          <a:gdLst/>
-          <a:ahLst/>
-          <a:cxnLst/>
-          <a:rect l="0" t="0" r="0" b="0"/>
-          <a:pathLst>
-            <a:path>
-              <a:moveTo>
-                <a:pt x="0" y="45720"/>
-              </a:moveTo>
-              <a:lnTo>
-                <a:pt x="379870" y="45720"/>
-              </a:lnTo>
-            </a:path>
-          </a:pathLst>
-        </a:custGeom>
-        <a:noFill/>
-        <a:ln w="12700" cap="flat" cmpd="sng" algn="ctr">
-          <a:solidFill>
-            <a:schemeClr val="accent2">
-              <a:hueOff val="5675129"/>
-              <a:satOff val="15375"/>
-              <a:lumOff val="-12157"/>
-              <a:alphaOff val="0"/>
-            </a:schemeClr>
-          </a:solidFill>
-          <a:prstDash val="solid"/>
-          <a:miter lim="800000"/>
-          <a:tailEnd type="arrow"/>
-        </a:ln>
-        <a:effectLst/>
-      </dsp:spPr>
-      <dsp:style>
-        <a:lnRef idx="1">
-          <a:scrgbClr r="0" g="0" b="0"/>
-        </a:lnRef>
-        <a:fillRef idx="0">
-          <a:scrgbClr r="0" g="0" b="0"/>
-        </a:fillRef>
-        <a:effectRef idx="0">
-          <a:scrgbClr r="0" g="0" b="0"/>
-        </a:effectRef>
-        <a:fontRef idx="minor"/>
-      </dsp:style>
-      <dsp:txBody>
-        <a:bodyPr spcFirstLastPara="0" vert="horz" wrap="square" lIns="12700" tIns="0" rIns="12700" bIns="0" numCol="1" spcCol="1270" anchor="ctr" anchorCtr="0">
-          <a:noAutofit/>
-        </a:bodyPr>
-        <a:lstStyle/>
-        <a:p>
-          <a:pPr marL="0" lvl="0" indent="0" algn="ctr" defTabSz="222250">
-            <a:lnSpc>
-              <a:spcPct val="90000"/>
-            </a:lnSpc>
-            <a:spcBef>
-              <a:spcPct val="0"/>
-            </a:spcBef>
-            <a:spcAft>
-              <a:spcPct val="35000"/>
-            </a:spcAft>
-            <a:buNone/>
-          </a:pPr>
-          <a:endParaRPr lang="en-US" sz="500" kern="1200"/>
-        </a:p>
-      </dsp:txBody>
-      <dsp:txXfrm>
-        <a:off x="1963363" y="5303296"/>
-        <a:ext cx="20523" cy="4104"/>
-      </dsp:txXfrm>
-    </dsp:sp>
-    <dsp:sp modelId="{923096E4-1758-4523-B7E6-BE8FFC7B7063}">
-      <dsp:nvSpPr>
-        <dsp:cNvPr id="0" name=""/>
-        <dsp:cNvSpPr/>
-      </dsp:nvSpPr>
-      <dsp:spPr>
-        <a:xfrm>
-          <a:off x="835" y="4769952"/>
-          <a:ext cx="1784653" cy="1070792"/>
-        </a:xfrm>
-        <a:prstGeom prst="rect">
-          <a:avLst/>
-        </a:prstGeom>
-        <a:solidFill>
-          <a:schemeClr val="accent2">
-            <a:hueOff val="4864396"/>
-            <a:satOff val="13179"/>
-            <a:lumOff val="-10420"/>
-            <a:alphaOff val="0"/>
-          </a:schemeClr>
-        </a:solidFill>
-        <a:ln w="19050" cap="flat" cmpd="sng" algn="ctr">
-          <a:solidFill>
-            <a:schemeClr val="lt1">
-              <a:hueOff val="0"/>
-              <a:satOff val="0"/>
-              <a:lumOff val="0"/>
-              <a:alphaOff val="0"/>
-            </a:schemeClr>
-          </a:solidFill>
-          <a:prstDash val="solid"/>
-          <a:miter lim="800000"/>
-        </a:ln>
-        <a:effectLst/>
-      </dsp:spPr>
-      <dsp:style>
-        <a:lnRef idx="2">
-          <a:scrgbClr r="0" g="0" b="0"/>
-        </a:lnRef>
-        <a:fillRef idx="1">
-          <a:scrgbClr r="0" g="0" b="0"/>
-        </a:fillRef>
-        <a:effectRef idx="0">
-          <a:scrgbClr r="0" g="0" b="0"/>
-        </a:effectRef>
-        <a:fontRef idx="minor">
-          <a:schemeClr val="lt1"/>
-        </a:fontRef>
-      </dsp:style>
-      <dsp:txBody>
-        <a:bodyPr spcFirstLastPara="0" vert="horz" wrap="square" lIns="85344" tIns="85344" rIns="85344" bIns="85344" numCol="1" spcCol="1270" anchor="t" anchorCtr="0">
-          <a:noAutofit/>
-        </a:bodyPr>
-        <a:lstStyle/>
-        <a:p>
-          <a:pPr marL="0" lvl="0" indent="0" algn="l" defTabSz="533400">
-            <a:lnSpc>
-              <a:spcPct val="90000"/>
-            </a:lnSpc>
-            <a:spcBef>
-              <a:spcPct val="0"/>
-            </a:spcBef>
-            <a:spcAft>
-              <a:spcPct val="35000"/>
-            </a:spcAft>
-            <a:buNone/>
-          </a:pPr>
-          <a:r>
-            <a:rPr lang="en-US" sz="1200" kern="1200" dirty="0"/>
-            <a:t>Molecular Dynamics Scoring</a:t>
-          </a:r>
-        </a:p>
-        <a:p>
-          <a:pPr marL="57150" lvl="1" indent="-57150" algn="l" defTabSz="400050">
-            <a:lnSpc>
-              <a:spcPct val="90000"/>
-            </a:lnSpc>
-            <a:spcBef>
-              <a:spcPct val="0"/>
-            </a:spcBef>
-            <a:spcAft>
-              <a:spcPct val="15000"/>
-            </a:spcAft>
-            <a:buChar char="•"/>
-          </a:pPr>
-          <a:r>
-            <a:rPr lang="en-US" sz="900" kern="1200" dirty="0"/>
-            <a:t>Performs a short molecular dynamics simulation on the input models and scores them.</a:t>
-          </a:r>
-        </a:p>
-      </dsp:txBody>
-      <dsp:txXfrm>
-        <a:off x="835" y="4769952"/>
-        <a:ext cx="1784653" cy="1070792"/>
-      </dsp:txXfrm>
-    </dsp:sp>
-    <dsp:sp modelId="{24F1E0BE-FA49-4108-B537-FFD2917A3653}">
-      <dsp:nvSpPr>
-        <dsp:cNvPr id="0" name=""/>
-        <dsp:cNvSpPr/>
-      </dsp:nvSpPr>
-      <dsp:spPr>
-        <a:xfrm>
-          <a:off x="2195960" y="4769952"/>
-          <a:ext cx="1784653" cy="1070792"/>
-        </a:xfrm>
-        <a:prstGeom prst="rect">
-          <a:avLst/>
-        </a:prstGeom>
-        <a:solidFill>
-          <a:schemeClr val="accent2">
-            <a:hueOff val="5675129"/>
-            <a:satOff val="15375"/>
-            <a:lumOff val="-12157"/>
-            <a:alphaOff val="0"/>
-          </a:schemeClr>
-        </a:solidFill>
-        <a:ln w="19050" cap="flat" cmpd="sng" algn="ctr">
-          <a:solidFill>
-            <a:schemeClr val="lt1">
-              <a:hueOff val="0"/>
-              <a:satOff val="0"/>
-              <a:lumOff val="0"/>
-              <a:alphaOff val="0"/>
-            </a:schemeClr>
-          </a:solidFill>
-          <a:prstDash val="solid"/>
-          <a:miter lim="800000"/>
-        </a:ln>
-        <a:effectLst/>
-      </dsp:spPr>
-      <dsp:style>
-        <a:lnRef idx="2">
-          <a:scrgbClr r="0" g="0" b="0"/>
-        </a:lnRef>
-        <a:fillRef idx="1">
-          <a:scrgbClr r="0" g="0" b="0"/>
-        </a:fillRef>
-        <a:effectRef idx="0">
-          <a:scrgbClr r="0" g="0" b="0"/>
-        </a:effectRef>
-        <a:fontRef idx="minor">
-          <a:schemeClr val="lt1"/>
-        </a:fontRef>
-      </dsp:style>
-      <dsp:txBody>
-        <a:bodyPr spcFirstLastPara="0" vert="horz" wrap="square" lIns="85344" tIns="85344" rIns="85344" bIns="85344" numCol="1" spcCol="1270" anchor="ctr" anchorCtr="0">
-          <a:noAutofit/>
-        </a:bodyPr>
-        <a:lstStyle/>
-        <a:p>
-          <a:pPr marL="0" lvl="0" indent="0" algn="ctr" defTabSz="533400">
-            <a:lnSpc>
-              <a:spcPct val="90000"/>
-            </a:lnSpc>
-            <a:spcBef>
-              <a:spcPct val="0"/>
-            </a:spcBef>
-            <a:spcAft>
-              <a:spcPct val="35000"/>
-            </a:spcAft>
-            <a:buNone/>
-          </a:pPr>
-          <a:r>
-            <a:rPr lang="en-US" sz="1200" i="0" kern="1200" dirty="0"/>
-            <a:t>Calculate CAPRI metrics</a:t>
-          </a:r>
-        </a:p>
-      </dsp:txBody>
-      <dsp:txXfrm>
-        <a:off x="2195960" y="4769952"/>
-        <a:ext cx="1784653" cy="1070792"/>
-      </dsp:txXfrm>
-    </dsp:sp>
-  </dsp:spTree>
-</dsp:drawing>
-</file>
-
-<file path=ppt/diagrams/layout1.xml><?xml version="1.0" encoding="utf-8"?>
-<dgm:layoutDef xmlns:dgm="http://schemas.openxmlformats.org/drawingml/2006/diagram" xmlns:a="http://schemas.openxmlformats.org/drawingml/2006/main" uniqueId="urn:microsoft.com/office/officeart/2005/8/layout/bProcess3">
-  <dgm:title val=""/>
-  <dgm:desc val=""/>
-  <dgm:catLst>
-    <dgm:cat type="process" pri="18000"/>
-  </dgm:catLst>
-  <dgm:sampData>
-    <dgm:dataModel>
-      <dgm:ptLst>
-        <dgm:pt modelId="0" type="doc"/>
-        <dgm:pt modelId="1">
-          <dgm:prSet phldr="1"/>
-        </dgm:pt>
-        <dgm:pt modelId="2">
-          <dgm:prSet phldr="1"/>
-        </dgm:pt>
-        <dgm:pt modelId="3">
-          <dgm:prSet phldr="1"/>
-        </dgm:pt>
-        <dgm:pt modelId="4">
-          <dgm:prSet phldr="1"/>
-        </dgm:pt>
-        <dgm:pt modelId="5">
-          <dgm:prSet phldr="1"/>
-        </dgm:pt>
-      </dgm:ptLst>
-      <dgm:cxnLst>
-        <dgm:cxn modelId="7" srcId="0" destId="1" srcOrd="0" destOrd="0"/>
-        <dgm:cxn modelId="8" srcId="0" destId="2" srcOrd="1" destOrd="0"/>
-        <dgm:cxn modelId="9" srcId="0" destId="3" srcOrd="2" destOrd="0"/>
-        <dgm:cxn modelId="10" srcId="0" destId="4" srcOrd="3" destOrd="0"/>
-        <dgm:cxn modelId="11" srcId="0" destId="5" srcOrd="4" destOrd="0"/>
-      </dgm:cxnLst>
-      <dgm:bg/>
-      <dgm:whole/>
-    </dgm:dataModel>
-  </dgm:sampData>
-  <dgm:styleData>
-    <dgm:dataModel>
-      <dgm:ptLst>
-        <dgm:pt modelId="0" type="doc"/>
-        <dgm:pt modelId="1"/>
-        <dgm:pt modelId="2"/>
-      </dgm:ptLst>
-      <dgm:cxnLst>
-        <dgm:cxn modelId="3" srcId="0" destId="1" srcOrd="0" destOrd="0"/>
-        <dgm:cxn modelId="4" srcId="0" destId="2" srcOrd="1" destOrd="0"/>
-      </dgm:cxnLst>
-      <dgm:bg/>
-      <dgm:whole/>
-    </dgm:dataModel>
-  </dgm:styleData>
-  <dgm:clrData>
-    <dgm:dataModel>
-      <dgm:ptLst>
-        <dgm:pt modelId="0" type="doc"/>
-        <dgm:pt modelId="1"/>
-        <dgm:pt modelId="2"/>
-        <dgm:pt modelId="3"/>
-        <dgm:pt modelId="4"/>
-      </dgm:ptLst>
-      <dgm:cxnLst>
-        <dgm:cxn modelId="5" srcId="0" destId="1" srcOrd="0" destOrd="0"/>
-        <dgm:cxn modelId="6" srcId="0" destId="2" srcOrd="1" destOrd="0"/>
-        <dgm:cxn modelId="7" srcId="0" destId="3" srcOrd="2" destOrd="0"/>
-        <dgm:cxn modelId="8" srcId="0" destId="4" srcOrd="3" destOrd="0"/>
-      </dgm:cxnLst>
-      <dgm:bg/>
-      <dgm:whole/>
-    </dgm:dataModel>
-  </dgm:clrData>
-  <dgm:layoutNode name="Name0">
-    <dgm:varLst>
-      <dgm:dir/>
-      <dgm:resizeHandles val="exact"/>
-    </dgm:varLst>
-    <dgm:choose name="Name1">
-      <dgm:if name="Name2" axis="self" func="var" arg="dir" op="equ" val="norm">
-        <dgm:alg type="snake">
-          <dgm:param type="grDir" val="tL"/>
-          <dgm:param type="flowDir" val="row"/>
-          <dgm:param type="contDir" val="sameDir"/>
-          <dgm:param type="bkpt" val="endCnv"/>
-        </dgm:alg>
-      </dgm:if>
-      <dgm:else name="Name3">
-        <dgm:alg type="snake">
-          <dgm:param type="grDir" val="tR"/>
-          <dgm:param type="flowDir" val="row"/>
-          <dgm:param type="contDir" val="sameDir"/>
-          <dgm:param type="bkpt" val="endCnv"/>
-        </dgm:alg>
-      </dgm:else>
-    </dgm:choose>
-    <dgm:shape xmlns:r="http://schemas.openxmlformats.org/officeDocument/2006/relationships" r:blip="">
-      <dgm:adjLst/>
-    </dgm:shape>
-    <dgm:presOf/>
-    <dgm:constrLst>
-      <dgm:constr type="w" for="ch" ptType="node" refType="w"/>
-      <dgm:constr type="w" for="ch" forName="sibTrans" refType="w" refFor="ch" refPtType="node" op="equ" fact="0.23"/>
-      <dgm:constr type="sp" refType="w" refFor="ch" refForName="sibTrans" op="equ"/>
-      <dgm:constr type="userB" for="des" forName="connectorText" refType="sp"/>
-      <dgm:constr type="primFontSz" for="ch" ptType="node" op="equ" val="65"/>
-      <dgm:constr type="h" for="ch" ptType="sibTrans" op="equ"/>
-      <dgm:constr type="primFontSz" for="des" forName="connectorText" op="equ" val="55"/>
-      <dgm:constr type="primFontSz" for="des" forName="connectorText" refType="primFontSz" refFor="ch" refPtType="node" op="lte" fact="0.8"/>
-    </dgm:constrLst>
-    <dgm:ruleLst/>
-    <dgm:forEach name="nodesForEach" axis="ch" ptType="node">
-      <dgm:layoutNode name="node">
-        <dgm:varLst>
-          <dgm:bulletEnabled val="1"/>
-        </dgm:varLst>
-        <dgm:alg type="tx"/>
-        <dgm:shape xmlns:r="http://schemas.openxmlformats.org/officeDocument/2006/relationships" type="rect" r:blip="">
-          <dgm:adjLst/>
-        </dgm:shape>
-        <dgm:presOf axis="desOrSelf" ptType="node"/>
-        <dgm:constrLst>
-          <dgm:constr type="h" refType="w" fact="0.6"/>
-        </dgm:constrLst>
-        <dgm:ruleLst>
-          <dgm:rule type="primFontSz" val="5" fact="NaN" max="NaN"/>
-        </dgm:ruleLst>
-      </dgm:layoutNode>
-      <dgm:forEach name="sibTransForEach" axis="followSib" ptType="sibTrans" cnt="1">
-        <dgm:layoutNode name="sibTrans">
-          <dgm:choose name="Name4">
-            <dgm:if name="Name5" axis="self" func="var" arg="dir" op="equ" val="norm">
-              <dgm:alg type="conn">
-                <dgm:param type="connRout" val="bend"/>
-                <dgm:param type="dim" val="1D"/>
-                <dgm:param type="begPts" val="midR bCtr"/>
-                <dgm:param type="endPts" val="midL tCtr"/>
-              </dgm:alg>
-            </dgm:if>
-            <dgm:else name="Name6">
-              <dgm:alg type="conn">
-                <dgm:param type="connRout" val="bend"/>
-                <dgm:param type="dim" val="1D"/>
-                <dgm:param type="begPts" val="midL bCtr"/>
-                <dgm:param type="endPts" val="midR tCtr"/>
-              </dgm:alg>
-            </dgm:else>
-          </dgm:choose>
-          <dgm:shape xmlns:r="http://schemas.openxmlformats.org/officeDocument/2006/relationships" type="conn" r:blip="" zOrderOff="-2">
-            <dgm:adjLst/>
-          </dgm:shape>
-          <dgm:presOf axis="self"/>
-          <dgm:constrLst>
-            <dgm:constr type="begPad" val="-0.05"/>
-            <dgm:constr type="endPad" val="0.9"/>
-            <dgm:constr type="userA" for="ch" refType="connDist"/>
-          </dgm:constrLst>
-          <dgm:ruleLst/>
-          <dgm:layoutNode name="connectorText">
-            <dgm:alg type="tx">
-              <dgm:param type="autoTxRot" val="upr"/>
-            </dgm:alg>
-            <dgm:shape xmlns:r="http://schemas.openxmlformats.org/officeDocument/2006/relationships" type="rect" r:blip="" hideGeom="1">
-              <dgm:adjLst/>
-            </dgm:shape>
-            <dgm:presOf axis="self"/>
-            <dgm:constrLst>
-              <dgm:constr type="userA"/>
-              <dgm:constr type="userB"/>
-              <dgm:constr type="w" refType="userA" fact="0.05"/>
-              <dgm:constr type="h" refType="userB" fact="0.01"/>
-              <dgm:constr type="lMarg" val="1"/>
-              <dgm:constr type="rMarg" val="1"/>
-              <dgm:constr type="tMarg"/>
-              <dgm:constr type="bMarg"/>
-            </dgm:constrLst>
-            <dgm:ruleLst>
-              <dgm:rule type="w" val="NaN" fact="0.6" max="NaN"/>
-              <dgm:rule type="h" val="NaN" fact="0.6" max="NaN"/>
-              <dgm:rule type="primFontSz" val="5" fact="NaN" max="NaN"/>
-            </dgm:ruleLst>
-          </dgm:layoutNode>
-        </dgm:layoutNode>
-      </dgm:forEach>
-    </dgm:forEach>
-  </dgm:layoutNode>
-</dgm:layoutDef>
-</file>
-
-<file path=ppt/diagrams/quickStyle1.xml><?xml version="1.0" encoding="utf-8"?>
-<dgm:styleDef xmlns:dgm="http://schemas.openxmlformats.org/drawingml/2006/diagram" xmlns:a="http://schemas.openxmlformats.org/drawingml/2006/main" uniqueId="urn:microsoft.com/office/officeart/2005/8/quickstyle/simple1">
-  <dgm:title val=""/>
-  <dgm:desc val=""/>
-  <dgm:catLst>
-    <dgm:cat type="simple" pri="10100"/>
-  </dgm:catLst>
-  <dgm:scene3d>
-    <a:camera prst="orthographicFront"/>
-    <a:lightRig rig="threePt" dir="t"/>
-  </dgm:scene3d>
-  <dgm:styleLbl name="node0">
-    <dgm:scene3d>
-      <a:camera prst="orthographicFront"/>
-      <a:lightRig rig="threePt" dir="t"/>
-    </dgm:scene3d>
-    <dgm:sp3d/>
-    <dgm:txPr/>
-    <dgm:style>
-      <a:lnRef idx="2">
-        <a:scrgbClr r="0" g="0" b="0"/>
-      </a:lnRef>
-      <a:fillRef idx="1">
-        <a:scrgbClr r="0" g="0" b="0"/>
-      </a:fillRef>
-      <a:effectRef idx="0">
-        <a:scrgbClr r="0" g="0" b="0"/>
-      </a:effectRef>
-      <a:fontRef idx="minor">
-        <a:schemeClr val="lt1"/>
-      </a:fontRef>
-    </dgm:style>
-  </dgm:styleLbl>
-  <dgm:styleLbl name="lnNode1">
-    <dgm:scene3d>
-      <a:camera prst="orthographicFront"/>
-      <a:lightRig rig="threePt" dir="t"/>
-    </dgm:scene3d>
-    <dgm:sp3d/>
-    <dgm:txPr/>
-    <dgm:style>
-      <a:lnRef idx="2">
-        <a:scrgbClr r="0" g="0" b="0"/>
-      </a:lnRef>
-      <a:fillRef idx="1">
-        <a:scrgbClr r="0" g="0" b="0"/>
-      </a:fillRef>
-      <a:effectRef idx="0">
-        <a:scrgbClr r="0" g="0" b="0"/>
-      </a:effectRef>
-      <a:fontRef idx="minor">
-        <a:schemeClr val="lt1"/>
-      </a:fontRef>
-    </dgm:style>
-  </dgm:styleLbl>
-  <dgm:styleLbl name="vennNode1">
-    <dgm:scene3d>
-      <a:camera prst="orthographicFront"/>
-      <a:lightRig rig="threePt" dir="t"/>
-    </dgm:scene3d>
-    <dgm:sp3d/>
-    <dgm:txPr/>
-    <dgm:style>
-      <a:lnRef idx="2">
-        <a:scrgbClr r="0" g="0" b="0"/>
-      </a:lnRef>
-      <a:fillRef idx="1">
-        <a:scrgbClr r="0" g="0" b="0"/>
-      </a:fillRef>
-      <a:effectRef idx="0">
-        <a:scrgbClr r="0" g="0" b="0"/>
-      </a:effectRef>
-      <a:fontRef idx="minor">
-        <a:schemeClr val="tx1"/>
-      </a:fontRef>
-    </dgm:style>
-  </dgm:styleLbl>
-  <dgm:styleLbl name="alignNode1">
-    <dgm:scene3d>
-      <a:camera prst="orthographicFront"/>
-      <a:lightRig rig="threePt" dir="t"/>
-    </dgm:scene3d>
-    <dgm:sp3d/>
-    <dgm:txPr/>
-    <dgm:style>
-      <a:lnRef idx="2">
-        <a:scrgbClr r="0" g="0" b="0"/>
-      </a:lnRef>
-      <a:fillRef idx="1">
-        <a:scrgbClr r="0" g="0" b="0"/>
-      </a:fillRef>
-      <a:effectRef idx="0">
-        <a:scrgbClr r="0" g="0" b="0"/>
-      </a:effectRef>
-      <a:fontRef idx="minor">
-        <a:schemeClr val="lt1"/>
-      </a:fontRef>
-    </dgm:style>
-  </dgm:styleLbl>
-  <dgm:styleLbl name="node1">
-    <dgm:scene3d>
-      <a:camera prst="orthographicFront"/>
-      <a:lightRig rig="threePt" dir="t"/>
-    </dgm:scene3d>
-    <dgm:sp3d/>
-    <dgm:txPr/>
-    <dgm:style>
-      <a:lnRef idx="2">
-        <a:scrgbClr r="0" g="0" b="0"/>
-      </a:lnRef>
-      <a:fillRef idx="1">
-        <a:scrgbClr r="0" g="0" b="0"/>
-      </a:fillRef>
-      <a:effectRef idx="0">
-        <a:scrgbClr r="0" g="0" b="0"/>
-      </a:effectRef>
-      <a:fontRef idx="minor">
-        <a:schemeClr val="lt1"/>
-      </a:fontRef>
-    </dgm:style>
-  </dgm:styleLbl>
-  <dgm:styleLbl name="node2">
-    <dgm:scene3d>
-      <a:camera prst="orthographicFront"/>
-      <a:lightRig rig="threePt" dir="t"/>
-    </dgm:scene3d>
-    <dgm:sp3d/>
-    <dgm:txPr/>
-    <dgm:style>
-      <a:lnRef idx="2">
-        <a:scrgbClr r="0" g="0" b="0"/>
-      </a:lnRef>
-      <a:fillRef idx="1">
-        <a:scrgbClr r="0" g="0" b="0"/>
-      </a:fillRef>
-      <a:effectRef idx="0">
-        <a:scrgbClr r="0" g="0" b="0"/>
-      </a:effectRef>
-      <a:fontRef idx="minor">
-        <a:schemeClr val="lt1"/>
-      </a:fontRef>
-    </dgm:style>
-  </dgm:styleLbl>
-  <dgm:styleLbl name="node3">
-    <dgm:scene3d>
-      <a:camera prst="orthographicFront"/>
-      <a:lightRig rig="threePt" dir="t"/>
-    </dgm:scene3d>
-    <dgm:sp3d/>
-    <dgm:txPr/>
-    <dgm:style>
-      <a:lnRef idx="2">
-        <a:scrgbClr r="0" g="0" b="0"/>
-      </a:lnRef>
-      <a:fillRef idx="1">
-        <a:scrgbClr r="0" g="0" b="0"/>
-      </a:fillRef>
-      <a:effectRef idx="0">
-        <a:scrgbClr r="0" g="0" b="0"/>
-      </a:effectRef>
-      <a:fontRef idx="minor">
-        <a:schemeClr val="lt1"/>
-      </a:fontRef>
-    </dgm:style>
-  </dgm:styleLbl>
-  <dgm:styleLbl name="node4">
-    <dgm:scene3d>
-      <a:camera prst="orthographicFront"/>
-      <a:lightRig rig="threePt" dir="t"/>
-    </dgm:scene3d>
-    <dgm:sp3d/>
-    <dgm:txPr/>
-    <dgm:style>
-      <a:lnRef idx="2">
-        <a:scrgbClr r="0" g="0" b="0"/>
-      </a:lnRef>
-      <a:fillRef idx="1">
-        <a:scrgbClr r="0" g="0" b="0"/>
-      </a:fillRef>
-      <a:effectRef idx="0">
-        <a:scrgbClr r="0" g="0" b="0"/>
-      </a:effectRef>
-      <a:fontRef idx="minor">
-        <a:schemeClr val="lt1"/>
-      </a:fontRef>
-    </dgm:style>
-  </dgm:styleLbl>
-  <dgm:styleLbl name="fgImgPlace1">
-    <dgm:scene3d>
-      <a:camera prst="orthographicFront"/>
-      <a:lightRig rig="threePt" dir="t"/>
-    </dgm:scene3d>
-    <dgm:sp3d/>
-    <dgm:txPr/>
-    <dgm:style>
-      <a:lnRef idx="2">
-        <a:scrgbClr r="0" g="0" b="0"/>
-      </a:lnRef>
-      <a:fillRef idx="1">
-        <a:scrgbClr r="0" g="0" b="0"/>
-      </a:fillRef>
-      <a:effectRef idx="0">
-        <a:scrgbClr r="0" g="0" b="0"/>
-      </a:effectRef>
-      <a:fontRef idx="minor"/>
-    </dgm:style>
-  </dgm:styleLbl>
-  <dgm:styleLbl name="alignImgPlace1">
-    <dgm:scene3d>
-      <a:camera prst="orthographicFront"/>
-      <a:lightRig rig="threePt" dir="t"/>
-    </dgm:scene3d>
-    <dgm:sp3d/>
-    <dgm:txPr/>
-    <dgm:style>
-      <a:lnRef idx="2">
-        <a:scrgbClr r="0" g="0" b="0"/>
-      </a:lnRef>
-      <a:fillRef idx="1">
-        <a:scrgbClr r="0" g="0" b="0"/>
-      </a:fillRef>
-      <a:effectRef idx="0">
-        <a:scrgbClr r="0" g="0" b="0"/>
-      </a:effectRef>
-      <a:fontRef idx="minor"/>
-    </dgm:style>
-  </dgm:styleLbl>
-  <dgm:styleLbl name="bgImgPlace1">
-    <dgm:scene3d>
-      <a:camera prst="orthographicFront"/>
-      <a:lightRig rig="threePt" dir="t"/>
-    </dgm:scene3d>
-    <dgm:sp3d/>
-    <dgm:txPr/>
-    <dgm:style>
-      <a:lnRef idx="2">
-        <a:scrgbClr r="0" g="0" b="0"/>
-      </a:lnRef>
-      <a:fillRef idx="1">
-        <a:scrgbClr r="0" g="0" b="0"/>
-      </a:fillRef>
-      <a:effectRef idx="0">
-        <a:scrgbClr r="0" g="0" b="0"/>
-      </a:effectRef>
-      <a:fontRef idx="minor"/>
-    </dgm:style>
-  </dgm:styleLbl>
-  <dgm:styleLbl name="sibTrans2D1">
-    <dgm:scene3d>
-      <a:camera prst="orthographicFront"/>
-      <a:lightRig rig="threePt" dir="t"/>
-    </dgm:scene3d>
-    <dgm:sp3d/>
-    <dgm:txPr/>
-    <dgm:style>
-      <a:lnRef idx="0">
-        <a:scrgbClr r="0" g="0" b="0"/>
-      </a:lnRef>
-      <a:fillRef idx="1">
-        <a:scrgbClr r="0" g="0" b="0"/>
-      </a:fillRef>
-      <a:effectRef idx="0">
-        <a:scrgbClr r="0" g="0" b="0"/>
-      </a:effectRef>
-      <a:fontRef idx="minor">
-        <a:schemeClr val="lt1"/>
-      </a:fontRef>
-    </dgm:style>
-  </dgm:styleLbl>
-  <dgm:styleLbl name="fgSibTrans2D1">
-    <dgm:scene3d>
-      <a:camera prst="orthographicFront"/>
-      <a:lightRig rig="threePt" dir="t"/>
-    </dgm:scene3d>
-    <dgm:sp3d/>
-    <dgm:txPr/>
-    <dgm:style>
-      <a:lnRef idx="0">
-        <a:scrgbClr r="0" g="0" b="0"/>
-      </a:lnRef>
-      <a:fillRef idx="1">
-        <a:scrgbClr r="0" g="0" b="0"/>
-      </a:fillRef>
-      <a:effectRef idx="0">
-        <a:scrgbClr r="0" g="0" b="0"/>
-      </a:effectRef>
-      <a:fontRef idx="minor">
-        <a:schemeClr val="lt1"/>
-      </a:fontRef>
-    </dgm:style>
-  </dgm:styleLbl>
-  <dgm:styleLbl name="bgSibTrans2D1">
-    <dgm:scene3d>
-      <a:camera prst="orthographicFront"/>
-      <a:lightRig rig="threePt" dir="t"/>
-    </dgm:scene3d>
-    <dgm:sp3d/>
-    <dgm:txPr/>
-    <dgm:style>
-      <a:lnRef idx="0">
-        <a:scrgbClr r="0" g="0" b="0"/>
-      </a:lnRef>
-      <a:fillRef idx="1">
-        <a:scrgbClr r="0" g="0" b="0"/>
-      </a:fillRef>
-      <a:effectRef idx="0">
-        <a:scrgbClr r="0" g="0" b="0"/>
-      </a:effectRef>
-      <a:fontRef idx="minor">
-        <a:schemeClr val="lt1"/>
-      </a:fontRef>
-    </dgm:style>
-  </dgm:styleLbl>
-  <dgm:styleLbl name="sibTrans1D1">
-    <dgm:scene3d>
-      <a:camera prst="orthographicFront"/>
-      <a:lightRig rig="threePt" dir="t"/>
-    </dgm:scene3d>
-    <dgm:sp3d/>
-    <dgm:txPr/>
-    <dgm:style>
-      <a:lnRef idx="1">
-        <a:scrgbClr r="0" g="0" b="0"/>
-      </a:lnRef>
-      <a:fillRef idx="0">
-        <a:scrgbClr r="0" g="0" b="0"/>
-      </a:fillRef>
-      <a:effectRef idx="0">
-        <a:scrgbClr r="0" g="0" b="0"/>
-      </a:effectRef>
-      <a:fontRef idx="minor"/>
-    </dgm:style>
-  </dgm:styleLbl>
-  <dgm:styleLbl name="callout">
-    <dgm:scene3d>
-      <a:camera prst="orthographicFront"/>
-      <a:lightRig rig="threePt" dir="t"/>
-    </dgm:scene3d>
-    <dgm:sp3d/>
-    <dgm:txPr/>
-    <dgm:style>
-      <a:lnRef idx="2">
-        <a:scrgbClr r="0" g="0" b="0"/>
-      </a:lnRef>
-      <a:fillRef idx="1">
-        <a:scrgbClr r="0" g="0" b="0"/>
-      </a:fillRef>
-      <a:effectRef idx="0">
-        <a:scrgbClr r="0" g="0" b="0"/>
-      </a:effectRef>
-      <a:fontRef idx="minor"/>
-    </dgm:style>
-  </dgm:styleLbl>
-  <dgm:styleLbl name="asst0">
-    <dgm:scene3d>
-      <a:camera prst="orthographicFront"/>
-      <a:lightRig rig="threePt" dir="t"/>
-    </dgm:scene3d>
-    <dgm:sp3d/>
-    <dgm:txPr/>
-    <dgm:style>
-      <a:lnRef idx="2">
-        <a:scrgbClr r="0" g="0" b="0"/>
-      </a:lnRef>
-      <a:fillRef idx="1">
-        <a:scrgbClr r="0" g="0" b="0"/>
-      </a:fillRef>
-      <a:effectRef idx="0">
-        <a:scrgbClr r="0" g="0" b="0"/>
-      </a:effectRef>
-      <a:fontRef idx="minor">
-        <a:schemeClr val="lt1"/>
-      </a:fontRef>
-    </dgm:style>
-  </dgm:styleLbl>
-  <dgm:styleLbl name="asst1">
-    <dgm:scene3d>
-      <a:camera prst="orthographicFront"/>
-      <a:lightRig rig="threePt" dir="t"/>
-    </dgm:scene3d>
-    <dgm:sp3d/>
-    <dgm:txPr/>
-    <dgm:style>
-      <a:lnRef idx="2">
-        <a:scrgbClr r="0" g="0" b="0"/>
-      </a:lnRef>
-      <a:fillRef idx="1">
-        <a:scrgbClr r="0" g="0" b="0"/>
-      </a:fillRef>
-      <a:effectRef idx="0">
-        <a:scrgbClr r="0" g="0" b="0"/>
-      </a:effectRef>
-      <a:fontRef idx="minor">
-        <a:schemeClr val="lt1"/>
-      </a:fontRef>
-    </dgm:style>
-  </dgm:styleLbl>
-  <dgm:styleLbl name="asst2">
-    <dgm:scene3d>
-      <a:camera prst="orthographicFront"/>
-      <a:lightRig rig="threePt" dir="t"/>
-    </dgm:scene3d>
-    <dgm:sp3d/>
-    <dgm:txPr/>
-    <dgm:style>
-      <a:lnRef idx="2">
-        <a:scrgbClr r="0" g="0" b="0"/>
-      </a:lnRef>
-      <a:fillRef idx="1">
-        <a:scrgbClr r="0" g="0" b="0"/>
-      </a:fillRef>
-      <a:effectRef idx="0">
-        <a:scrgbClr r="0" g="0" b="0"/>
-      </a:effectRef>
-      <a:fontRef idx="minor">
-        <a:schemeClr val="lt1"/>
-      </a:fontRef>
-    </dgm:style>
-  </dgm:styleLbl>
-  <dgm:styleLbl name="asst3">
-    <dgm:scene3d>
-      <a:camera prst="orthographicFront"/>
-      <a:lightRig rig="threePt" dir="t"/>
-    </dgm:scene3d>
-    <dgm:sp3d/>
-    <dgm:txPr/>
-    <dgm:style>
-      <a:lnRef idx="2">
-        <a:scrgbClr r="0" g="0" b="0"/>
-      </a:lnRef>
-      <a:fillRef idx="1">
-        <a:scrgbClr r="0" g="0" b="0"/>
-      </a:fillRef>
-      <a:effectRef idx="0">
-        <a:scrgbClr r="0" g="0" b="0"/>
-      </a:effectRef>
-      <a:fontRef idx="minor">
-        <a:schemeClr val="lt1"/>
-      </a:fontRef>
-    </dgm:style>
-  </dgm:styleLbl>
-  <dgm:styleLbl name="asst4">
-    <dgm:scene3d>
-      <a:camera prst="orthographicFront"/>
-      <a:lightRig rig="threePt" dir="t"/>
-    </dgm:scene3d>
-    <dgm:sp3d/>
-    <dgm:txPr/>
-    <dgm:style>
-      <a:lnRef idx="2">
-        <a:scrgbClr r="0" g="0" b="0"/>
-      </a:lnRef>
-      <a:fillRef idx="1">
-        <a:scrgbClr r="0" g="0" b="0"/>
-      </a:fillRef>
-      <a:effectRef idx="0">
-        <a:scrgbClr r="0" g="0" b="0"/>
-      </a:effectRef>
-      <a:fontRef idx="minor">
-        <a:schemeClr val="lt1"/>
-      </a:fontRef>
-    </dgm:style>
-  </dgm:styleLbl>
-  <dgm:styleLbl name="parChTrans2D1">
-    <dgm:scene3d>
-      <a:camera prst="orthographicFront"/>
-      <a:lightRig rig="threePt" dir="t"/>
-    </dgm:scene3d>
-    <dgm:sp3d/>
-    <dgm:txPr/>
-    <dgm:style>
-      <a:lnRef idx="2">
-        <a:scrgbClr r="0" g="0" b="0"/>
-      </a:lnRef>
-      <a:fillRef idx="1">
-        <a:scrgbClr r="0" g="0" b="0"/>
-      </a:fillRef>
-      <a:effectRef idx="0">
-        <a:scrgbClr r="0" g="0" b="0"/>
-      </a:effectRef>
-      <a:fontRef idx="minor">
-        <a:schemeClr val="lt1"/>
-      </a:fontRef>
-    </dgm:style>
-  </dgm:styleLbl>
-  <dgm:styleLbl name="parChTrans2D2">
-    <dgm:scene3d>
-      <a:camera prst="orthographicFront"/>
-      <a:lightRig rig="threePt" dir="t"/>
-    </dgm:scene3d>
-    <dgm:sp3d/>
-    <dgm:txPr/>
-    <dgm:style>
-      <a:lnRef idx="2">
-        <a:scrgbClr r="0" g="0" b="0"/>
-      </a:lnRef>
-      <a:fillRef idx="1">
-        <a:scrgbClr r="0" g="0" b="0"/>
-      </a:fillRef>
-      <a:effectRef idx="0">
-        <a:scrgbClr r="0" g="0" b="0"/>
-      </a:effectRef>
-      <a:fontRef idx="minor">
-        <a:schemeClr val="lt1"/>
-      </a:fontRef>
-    </dgm:style>
-  </dgm:styleLbl>
-  <dgm:styleLbl name="parChTrans2D3">
-    <dgm:scene3d>
-      <a:camera prst="orthographicFront"/>
-      <a:lightRig rig="threePt" dir="t"/>
-    </dgm:scene3d>
-    <dgm:sp3d/>
-    <dgm:txPr/>
-    <dgm:style>
-      <a:lnRef idx="2">
-        <a:scrgbClr r="0" g="0" b="0"/>
-      </a:lnRef>
-      <a:fillRef idx="1">
-        <a:scrgbClr r="0" g="0" b="0"/>
-      </a:fillRef>
-      <a:effectRef idx="0">
-        <a:scrgbClr r="0" g="0" b="0"/>
-      </a:effectRef>
-      <a:fontRef idx="minor">
-        <a:schemeClr val="lt1"/>
-      </a:fontRef>
-    </dgm:style>
-  </dgm:styleLbl>
-  <dgm:styleLbl name="parChTrans2D4">
-    <dgm:scene3d>
-      <a:camera prst="orthographicFront"/>
-      <a:lightRig rig="threePt" dir="t"/>
-    </dgm:scene3d>
-    <dgm:sp3d/>
-    <dgm:txPr/>
-    <dgm:style>
-      <a:lnRef idx="2">
-        <a:scrgbClr r="0" g="0" b="0"/>
-      </a:lnRef>
-      <a:fillRef idx="1">
-        <a:scrgbClr r="0" g="0" b="0"/>
-      </a:fillRef>
-      <a:effectRef idx="0">
-        <a:scrgbClr r="0" g="0" b="0"/>
-      </a:effectRef>
-      <a:fontRef idx="minor">
-        <a:schemeClr val="lt1"/>
-      </a:fontRef>
-    </dgm:style>
-  </dgm:styleLbl>
-  <dgm:styleLbl name="parChTrans1D1">
-    <dgm:scene3d>
-      <a:camera prst="orthographicFront"/>
-      <a:lightRig rig="threePt" dir="t"/>
-    </dgm:scene3d>
-    <dgm:sp3d/>
-    <dgm:txPr/>
-    <dgm:style>
-      <a:lnRef idx="2">
-        <a:scrgbClr r="0" g="0" b="0"/>
-      </a:lnRef>
-      <a:fillRef idx="0">
-        <a:scrgbClr r="0" g="0" b="0"/>
-      </a:fillRef>
-      <a:effectRef idx="0">
-        <a:scrgbClr r="0" g="0" b="0"/>
-      </a:effectRef>
-      <a:fontRef idx="minor"/>
-    </dgm:style>
-  </dgm:styleLbl>
-  <dgm:styleLbl name="parChTrans1D2">
-    <dgm:scene3d>
-      <a:camera prst="orthographicFront"/>
-      <a:lightRig rig="threePt" dir="t"/>
-    </dgm:scene3d>
-    <dgm:sp3d/>
-    <dgm:txPr/>
-    <dgm:style>
-      <a:lnRef idx="2">
-        <a:scrgbClr r="0" g="0" b="0"/>
-      </a:lnRef>
-      <a:fillRef idx="0">
-        <a:scrgbClr r="0" g="0" b="0"/>
-      </a:fillRef>
-      <a:effectRef idx="0">
-        <a:scrgbClr r="0" g="0" b="0"/>
-      </a:effectRef>
-      <a:fontRef idx="minor"/>
-    </dgm:style>
-  </dgm:styleLbl>
-  <dgm:styleLbl name="parChTrans1D3">
-    <dgm:scene3d>
-      <a:camera prst="orthographicFront"/>
-      <a:lightRig rig="threePt" dir="t"/>
-    </dgm:scene3d>
-    <dgm:sp3d/>
-    <dgm:txPr/>
-    <dgm:style>
-      <a:lnRef idx="2">
-        <a:scrgbClr r="0" g="0" b="0"/>
-      </a:lnRef>
-      <a:fillRef idx="0">
-        <a:scrgbClr r="0" g="0" b="0"/>
-      </a:fillRef>
-      <a:effectRef idx="0">
-        <a:scrgbClr r="0" g="0" b="0"/>
-      </a:effectRef>
-      <a:fontRef idx="minor"/>
-    </dgm:style>
-  </dgm:styleLbl>
-  <dgm:styleLbl name="parChTrans1D4">
-    <dgm:scene3d>
-      <a:camera prst="orthographicFront"/>
-      <a:lightRig rig="threePt" dir="t"/>
-    </dgm:scene3d>
-    <dgm:sp3d/>
-    <dgm:txPr/>
-    <dgm:style>
-      <a:lnRef idx="2">
-        <a:scrgbClr r="0" g="0" b="0"/>
-      </a:lnRef>
-      <a:fillRef idx="0">
-        <a:scrgbClr r="0" g="0" b="0"/>
-      </a:fillRef>
-      <a:effectRef idx="0">
-        <a:scrgbClr r="0" g="0" b="0"/>
-      </a:effectRef>
-      <a:fontRef idx="minor"/>
-    </dgm:style>
-  </dgm:styleLbl>
-  <dgm:styleLbl name="fgAcc1">
-    <dgm:scene3d>
-      <a:camera prst="orthographicFront"/>
-      <a:lightRig rig="threePt" dir="t"/>
-    </dgm:scene3d>
-    <dgm:sp3d/>
-    <dgm:txPr/>
-    <dgm:style>
-      <a:lnRef idx="2">
-        <a:scrgbClr r="0" g="0" b="0"/>
-      </a:lnRef>
-      <a:fillRef idx="1">
-        <a:scrgbClr r="0" g="0" b="0"/>
-      </a:fillRef>
-      <a:effectRef idx="0">
-        <a:scrgbClr r="0" g="0" b="0"/>
-      </a:effectRef>
-      <a:fontRef idx="minor"/>
-    </dgm:style>
-  </dgm:styleLbl>
-  <dgm:styleLbl name="conFgAcc1">
-    <dgm:scene3d>
-      <a:camera prst="orthographicFront"/>
-      <a:lightRig rig="threePt" dir="t"/>
-    </dgm:scene3d>
-    <dgm:sp3d/>
-    <dgm:txPr/>
-    <dgm:style>
-      <a:lnRef idx="2">
-        <a:scrgbClr r="0" g="0" b="0"/>
-      </a:lnRef>
-      <a:fillRef idx="1">
-        <a:scrgbClr r="0" g="0" b="0"/>
-      </a:fillRef>
-      <a:effectRef idx="0">
-        <a:scrgbClr r="0" g="0" b="0"/>
-      </a:effectRef>
-      <a:fontRef idx="minor"/>
-    </dgm:style>
-  </dgm:styleLbl>
-  <dgm:styleLbl name="alignAcc1">
-    <dgm:scene3d>
-      <a:camera prst="orthographicFront"/>
-      <a:lightRig rig="threePt" dir="t"/>
-    </dgm:scene3d>
-    <dgm:sp3d/>
-    <dgm:txPr/>
-    <dgm:style>
-      <a:lnRef idx="2">
-        <a:scrgbClr r="0" g="0" b="0"/>
-      </a:lnRef>
-      <a:fillRef idx="1">
-        <a:scrgbClr r="0" g="0" b="0"/>
-      </a:fillRef>
-      <a:effectRef idx="0">
-        <a:scrgbClr r="0" g="0" b="0"/>
-      </a:effectRef>
-      <a:fontRef idx="minor"/>
-    </dgm:style>
-  </dgm:styleLbl>
-  <dgm:styleLbl name="trAlignAcc1">
-    <dgm:scene3d>
-      <a:camera prst="orthographicFront"/>
-      <a:lightRig rig="threePt" dir="t"/>
-    </dgm:scene3d>
-    <dgm:sp3d/>
-    <dgm:txPr/>
-    <dgm:style>
-      <a:lnRef idx="1">
-        <a:scrgbClr r="0" g="0" b="0"/>
-      </a:lnRef>
-      <a:fillRef idx="1">
-        <a:scrgbClr r="0" g="0" b="0"/>
-      </a:fillRef>
-      <a:effectRef idx="0">
-        <a:scrgbClr r="0" g="0" b="0"/>
-      </a:effectRef>
-      <a:fontRef idx="minor"/>
-    </dgm:style>
-  </dgm:styleLbl>
-  <dgm:styleLbl name="bgAcc1">
-    <dgm:scene3d>
-      <a:camera prst="orthographicFront"/>
-      <a:lightRig rig="threePt" dir="t"/>
-    </dgm:scene3d>
-    <dgm:sp3d/>
-    <dgm:txPr/>
-    <dgm:style>
-      <a:lnRef idx="2">
-        <a:scrgbClr r="0" g="0" b="0"/>
-      </a:lnRef>
-      <a:fillRef idx="1">
-        <a:scrgbClr r="0" g="0" b="0"/>
-      </a:fillRef>
-      <a:effectRef idx="0">
-        <a:scrgbClr r="0" g="0" b="0"/>
-      </a:effectRef>
-      <a:fontRef idx="minor"/>
-    </dgm:style>
-  </dgm:styleLbl>
-  <dgm:styleLbl name="solidFgAcc1">
-    <dgm:scene3d>
-      <a:camera prst="orthographicFront"/>
-      <a:lightRig rig="threePt" dir="t"/>
-    </dgm:scene3d>
-    <dgm:sp3d/>
-    <dgm:txPr/>
-    <dgm:style>
-      <a:lnRef idx="2">
-        <a:scrgbClr r="0" g="0" b="0"/>
-      </a:lnRef>
-      <a:fillRef idx="1">
-        <a:scrgbClr r="0" g="0" b="0"/>
-      </a:fillRef>
-      <a:effectRef idx="0">
-        <a:scrgbClr r="0" g="0" b="0"/>
-      </a:effectRef>
-      <a:fontRef idx="minor"/>
-    </dgm:style>
-  </dgm:styleLbl>
-  <dgm:styleLbl name="solidAlignAcc1">
-    <dgm:scene3d>
-      <a:camera prst="orthographicFront"/>
-      <a:lightRig rig="threePt" dir="t"/>
-    </dgm:scene3d>
-    <dgm:sp3d/>
-    <dgm:txPr/>
-    <dgm:style>
-      <a:lnRef idx="2">
-        <a:scrgbClr r="0" g="0" b="0"/>
-      </a:lnRef>
-      <a:fillRef idx="1">
-        <a:scrgbClr r="0" g="0" b="0"/>
-      </a:fillRef>
-      <a:effectRef idx="0">
-        <a:scrgbClr r="0" g="0" b="0"/>
-      </a:effectRef>
-      <a:fontRef idx="minor"/>
-    </dgm:style>
-  </dgm:styleLbl>
-  <dgm:styleLbl name="solidBgAcc1">
-    <dgm:scene3d>
-      <a:camera prst="orthographicFront"/>
-      <a:lightRig rig="threePt" dir="t"/>
-    </dgm:scene3d>
-    <dgm:sp3d/>
-    <dgm:txPr/>
-    <dgm:style>
-      <a:lnRef idx="2">
-        <a:scrgbClr r="0" g="0" b="0"/>
-      </a:lnRef>
-      <a:fillRef idx="1">
-        <a:scrgbClr r="0" g="0" b="0"/>
-      </a:fillRef>
-      <a:effectRef idx="0">
-        <a:scrgbClr r="0" g="0" b="0"/>
-      </a:effectRef>
-      <a:fontRef idx="minor"/>
-    </dgm:style>
-  </dgm:styleLbl>
-  <dgm:styleLbl name="fgAccFollowNode1">
-    <dgm:scene3d>
-      <a:camera prst="orthographicFront"/>
-      <a:lightRig rig="threePt" dir="t"/>
-    </dgm:scene3d>
-    <dgm:sp3d/>
-    <dgm:txPr/>
-    <dgm:style>
-      <a:lnRef idx="2">
-        <a:scrgbClr r="0" g="0" b="0"/>
-      </a:lnRef>
-      <a:fillRef idx="1">
-        <a:scrgbClr r="0" g="0" b="0"/>
-      </a:fillRef>
-      <a:effectRef idx="0">
-        <a:scrgbClr r="0" g="0" b="0"/>
-      </a:effectRef>
-      <a:fontRef idx="minor"/>
-    </dgm:style>
-  </dgm:styleLbl>
-  <dgm:styleLbl name="alignAccFollowNode1">
-    <dgm:scene3d>
-      <a:camera prst="orthographicFront"/>
-      <a:lightRig rig="threePt" dir="t"/>
-    </dgm:scene3d>
-    <dgm:sp3d/>
-    <dgm:txPr/>
-    <dgm:style>
-      <a:lnRef idx="2">
-        <a:scrgbClr r="0" g="0" b="0"/>
-      </a:lnRef>
-      <a:fillRef idx="1">
-        <a:scrgbClr r="0" g="0" b="0"/>
-      </a:fillRef>
-      <a:effectRef idx="0">
-        <a:scrgbClr r="0" g="0" b="0"/>
-      </a:effectRef>
-      <a:fontRef idx="minor"/>
-    </dgm:style>
-  </dgm:styleLbl>
-  <dgm:styleLbl name="bgAccFollowNode1">
-    <dgm:scene3d>
-      <a:camera prst="orthographicFront"/>
-      <a:lightRig rig="threePt" dir="t"/>
-    </dgm:scene3d>
-    <dgm:sp3d/>
-    <dgm:txPr/>
-    <dgm:style>
-      <a:lnRef idx="2">
-        <a:scrgbClr r="0" g="0" b="0"/>
-      </a:lnRef>
-      <a:fillRef idx="1">
-        <a:scrgbClr r="0" g="0" b="0"/>
-      </a:fillRef>
-      <a:effectRef idx="0">
-        <a:scrgbClr r="0" g="0" b="0"/>
-      </a:effectRef>
-      <a:fontRef idx="minor"/>
-    </dgm:style>
-  </dgm:styleLbl>
-  <dgm:styleLbl name="fgAcc0">
-    <dgm:scene3d>
-      <a:camera prst="orthographicFront"/>
-      <a:lightRig rig="threePt" dir="t"/>
-    </dgm:scene3d>
-    <dgm:sp3d/>
-    <dgm:txPr/>
-    <dgm:style>
-      <a:lnRef idx="2">
-        <a:scrgbClr r="0" g="0" b="0"/>
-      </a:lnRef>
-      <a:fillRef idx="1">
-        <a:scrgbClr r="0" g="0" b="0"/>
-      </a:fillRef>
-      <a:effectRef idx="0">
-        <a:scrgbClr r="0" g="0" b="0"/>
-      </a:effectRef>
-      <a:fontRef idx="minor"/>
-    </dgm:style>
-  </dgm:styleLbl>
-  <dgm:styleLbl name="fgAcc2">
-    <dgm:scene3d>
-      <a:camera prst="orthographicFront"/>
-      <a:lightRig rig="threePt" dir="t"/>
-    </dgm:scene3d>
-    <dgm:sp3d/>
-    <dgm:txPr/>
-    <dgm:style>
-      <a:lnRef idx="2">
-        <a:scrgbClr r="0" g="0" b="0"/>
-      </a:lnRef>
-      <a:fillRef idx="1">
-        <a:scrgbClr r="0" g="0" b="0"/>
-      </a:fillRef>
-      <a:effectRef idx="0">
-        <a:scrgbClr r="0" g="0" b="0"/>
-      </a:effectRef>
-      <a:fontRef idx="minor"/>
-    </dgm:style>
-  </dgm:styleLbl>
-  <dgm:styleLbl name="fgAcc3">
-    <dgm:scene3d>
-      <a:camera prst="orthographicFront"/>
-      <a:lightRig rig="threePt" dir="t"/>
-    </dgm:scene3d>
-    <dgm:sp3d/>
-    <dgm:txPr/>
-    <dgm:style>
-      <a:lnRef idx="2">
-        <a:scrgbClr r="0" g="0" b="0"/>
-      </a:lnRef>
-      <a:fillRef idx="1">
-        <a:scrgbClr r="0" g="0" b="0"/>
-      </a:fillRef>
-      <a:effectRef idx="0">
-        <a:scrgbClr r="0" g="0" b="0"/>
-      </a:effectRef>
-      <a:fontRef idx="minor"/>
-    </dgm:style>
-  </dgm:styleLbl>
-  <dgm:styleLbl name="fgAcc4">
-    <dgm:scene3d>
-      <a:camera prst="orthographicFront"/>
-      <a:lightRig rig="threePt" dir="t"/>
-    </dgm:scene3d>
-    <dgm:sp3d/>
-    <dgm:txPr/>
-    <dgm:style>
-      <a:lnRef idx="2">
-        <a:scrgbClr r="0" g="0" b="0"/>
-      </a:lnRef>
-      <a:fillRef idx="1">
-        <a:scrgbClr r="0" g="0" b="0"/>
-      </a:fillRef>
-      <a:effectRef idx="0">
-        <a:scrgbClr r="0" g="0" b="0"/>
-      </a:effectRef>
-      <a:fontRef idx="minor"/>
-    </dgm:style>
-  </dgm:styleLbl>
-  <dgm:styleLbl name="bgShp">
-    <dgm:scene3d>
-      <a:camera prst="orthographicFront"/>
-      <a:lightRig rig="threePt" dir="t"/>
-    </dgm:scene3d>
-    <dgm:sp3d/>
-    <dgm:txPr/>
-    <dgm:style>
-      <a:lnRef idx="0">
-        <a:scrgbClr r="0" g="0" b="0"/>
-      </a:lnRef>
-      <a:fillRef idx="1">
-        <a:scrgbClr r="0" g="0" b="0"/>
-      </a:fillRef>
-      <a:effectRef idx="0">
-        <a:scrgbClr r="0" g="0" b="0"/>
-      </a:effectRef>
-      <a:fontRef idx="minor"/>
-    </dgm:style>
-  </dgm:styleLbl>
-  <dgm:styleLbl name="dkBgShp">
-    <dgm:scene3d>
-      <a:camera prst="orthographicFront"/>
-      <a:lightRig rig="threePt" dir="t"/>
-    </dgm:scene3d>
-    <dgm:sp3d/>
-    <dgm:txPr/>
-    <dgm:style>
-      <a:lnRef idx="0">
-        <a:scrgbClr r="0" g="0" b="0"/>
-      </a:lnRef>
-      <a:fillRef idx="1">
-        <a:scrgbClr r="0" g="0" b="0"/>
-      </a:fillRef>
-      <a:effectRef idx="0">
-        <a:scrgbClr r="0" g="0" b="0"/>
-      </a:effectRef>
-      <a:fontRef idx="minor"/>
-    </dgm:style>
-  </dgm:styleLbl>
-  <dgm:styleLbl name="trBgShp">
-    <dgm:scene3d>
-      <a:camera prst="orthographicFront"/>
-      <a:lightRig rig="threePt" dir="t"/>
-    </dgm:scene3d>
-    <dgm:sp3d/>
-    <dgm:txPr/>
-    <dgm:style>
-      <a:lnRef idx="0">
-        <a:scrgbClr r="0" g="0" b="0"/>
-      </a:lnRef>
-      <a:fillRef idx="1">
-        <a:scrgbClr r="0" g="0" b="0"/>
-      </a:fillRef>
-      <a:effectRef idx="0">
-        <a:scrgbClr r="0" g="0" b="0"/>
-      </a:effectRef>
-      <a:fontRef idx="minor"/>
-    </dgm:style>
-  </dgm:styleLbl>
-  <dgm:styleLbl name="fgShp">
-    <dgm:scene3d>
-      <a:camera prst="orthographicFront"/>
-      <a:lightRig rig="threePt" dir="t"/>
-    </dgm:scene3d>
-    <dgm:sp3d/>
-    <dgm:txPr/>
-    <dgm:style>
-      <a:lnRef idx="2">
-        <a:scrgbClr r="0" g="0" b="0"/>
-      </a:lnRef>
-      <a:fillRef idx="1">
-        <a:scrgbClr r="0" g="0" b="0"/>
-      </a:fillRef>
-      <a:effectRef idx="0">
-        <a:scrgbClr r="0" g="0" b="0"/>
-      </a:effectRef>
-      <a:fontRef idx="minor"/>
-    </dgm:style>
-  </dgm:styleLbl>
-  <dgm:styleLbl name="revTx">
-    <dgm:scene3d>
-      <a:camera prst="orthographicFront"/>
-      <a:lightRig rig="threePt" dir="t"/>
-    </dgm:scene3d>
-    <dgm:sp3d/>
-    <dgm:txPr/>
-    <dgm:style>
-      <a:lnRef idx="0">
-        <a:scrgbClr r="0" g="0" b="0"/>
-      </a:lnRef>
-      <a:fillRef idx="0">
-        <a:scrgbClr r="0" g="0" b="0"/>
-      </a:fillRef>
-      <a:effectRef idx="0">
-        <a:scrgbClr r="0" g="0" b="0"/>
-      </a:effectRef>
-      <a:fontRef idx="minor"/>
-    </dgm:style>
-  </dgm:styleLbl>
-</dgm:styleDef>
 </file>
 
 <file path=ppt/notesMasters/notesMaster1.xml><?xml version="1.0" encoding="utf-8"?>
@@ -9241,34 +5168,6 @@
           <a:chExt cx="0" cy="0"/>
         </a:xfrm>
       </p:grpSpPr>
-      <p:graphicFrame>
-        <p:nvGraphicFramePr>
-          <p:cNvPr id="2" name="Diagram 1">
-            <a:extLst>
-              <a:ext uri="{FF2B5EF4-FFF2-40B4-BE49-F238E27FC236}">
-                <a16:creationId xmlns:a16="http://schemas.microsoft.com/office/drawing/2014/main" id="{6954FB85-57BD-AE72-AF2F-655916A0070A}"/>
-              </a:ext>
-            </a:extLst>
-          </p:cNvPr>
-          <p:cNvGraphicFramePr/>
-          <p:nvPr>
-            <p:extLst>
-              <p:ext uri="{D42A27DB-BD31-4B8C-83A1-F6EECF244321}">
-                <p14:modId xmlns:p14="http://schemas.microsoft.com/office/powerpoint/2010/main" val="2178874078"/>
-              </p:ext>
-            </p:extLst>
-          </p:nvPr>
-        </p:nvGraphicFramePr>
-        <p:xfrm>
-          <a:off x="85725" y="224366"/>
-          <a:ext cx="3981450" cy="6166909"/>
-        </p:xfrm>
-        <a:graphic>
-          <a:graphicData uri="http://schemas.openxmlformats.org/drawingml/2006/diagram">
-            <dgm:relIds xmlns:dgm="http://schemas.openxmlformats.org/drawingml/2006/diagram" xmlns:r="http://schemas.openxmlformats.org/officeDocument/2006/relationships" r:dm="rId2" r:lo="rId3" r:qs="rId4" r:cs="rId5"/>
-          </a:graphicData>
-        </a:graphic>
-      </p:graphicFrame>
       <p:sp>
         <p:nvSpPr>
           <p:cNvPr id="4" name="TextBox 3">
@@ -9319,14 +5218,14 @@
           <p:nvPr>
             <p:extLst>
               <p:ext uri="{D42A27DB-BD31-4B8C-83A1-F6EECF244321}">
-                <p14:modId xmlns:p14="http://schemas.microsoft.com/office/powerpoint/2010/main" val="3416168436"/>
+                <p14:modId xmlns:p14="http://schemas.microsoft.com/office/powerpoint/2010/main" val="942131690"/>
               </p:ext>
             </p:extLst>
           </p:nvPr>
         </p:nvGraphicFramePr>
         <p:xfrm>
-          <a:off x="4193391" y="448383"/>
-          <a:ext cx="7731303" cy="5074920"/>
+          <a:off x="666427" y="126973"/>
+          <a:ext cx="11132051" cy="6482080"/>
         </p:xfrm>
         <a:graphic>
           <a:graphicData uri="http://schemas.openxmlformats.org/drawingml/2006/table">
@@ -9335,28 +5234,28 @@
                 <a:tableStyleId>{5C22544A-7EE6-4342-B048-85BDC9FD1C3A}</a:tableStyleId>
               </a:tblPr>
               <a:tblGrid>
-                <a:gridCol w="351155">
+                <a:gridCol w="505617">
                   <a:extLst>
                     <a:ext uri="{9D8B030D-6E8A-4147-A177-3AD203B41FA5}">
                       <a16:colId xmlns:a16="http://schemas.microsoft.com/office/drawing/2014/main" val="3335979813"/>
                     </a:ext>
                   </a:extLst>
                 </a:gridCol>
-                <a:gridCol w="2235829">
+                <a:gridCol w="3219297">
                   <a:extLst>
                     <a:ext uri="{9D8B030D-6E8A-4147-A177-3AD203B41FA5}">
                       <a16:colId xmlns:a16="http://schemas.microsoft.com/office/drawing/2014/main" val="2425399736"/>
                     </a:ext>
                   </a:extLst>
                 </a:gridCol>
-                <a:gridCol w="3225398">
+                <a:gridCol w="4644145">
                   <a:extLst>
                     <a:ext uri="{9D8B030D-6E8A-4147-A177-3AD203B41FA5}">
                       <a16:colId xmlns:a16="http://schemas.microsoft.com/office/drawing/2014/main" val="1644113723"/>
                     </a:ext>
                   </a:extLst>
                 </a:gridCol>
-                <a:gridCol w="1918921">
+                <a:gridCol w="2762992">
                   <a:extLst>
                     <a:ext uri="{9D8B030D-6E8A-4147-A177-3AD203B41FA5}">
                       <a16:colId xmlns:a16="http://schemas.microsoft.com/office/drawing/2014/main" val="711569524"/>
@@ -9482,6 +5381,10 @@
                     <a:bodyPr/>
                     <a:lstStyle/>
                     <a:p>
+                      <a:r>
+                        <a:rPr lang="en-US" sz="1400"/>
+                        <a:t>1</a:t>
+                      </a:r>
                       <a:endParaRPr lang="en-US" sz="1400" dirty="0"/>
                     </a:p>
                   </a:txBody>
@@ -9590,7 +5493,96 @@
                     <a:p>
                       <a:r>
                         <a:rPr lang="en-US" sz="1400" dirty="0"/>
-                        <a:t>Select Top</a:t>
+                        <a:t>Cluster with FCC</a:t>
+                      </a:r>
+                    </a:p>
+                  </a:txBody>
+                  <a:tcPr/>
+                </a:tc>
+                <a:tc>
+                  <a:txBody>
+                    <a:bodyPr/>
+                    <a:lstStyle/>
+                    <a:p>
+                      <a:pPr marL="0" marR="0" lvl="0" indent="0" algn="l" defTabSz="914400" rtl="0" eaLnBrk="1" fontAlgn="auto" latinLnBrk="0" hangingPunct="1">
+                        <a:lnSpc>
+                          <a:spcPct val="100000"/>
+                        </a:lnSpc>
+                        <a:spcBef>
+                          <a:spcPts val="0"/>
+                        </a:spcBef>
+                        <a:spcAft>
+                          <a:spcPts val="0"/>
+                        </a:spcAft>
+                        <a:buClrTx/>
+                        <a:buSzTx/>
+                        <a:buFontTx/>
+                        <a:buNone/>
+                        <a:tabLst/>
+                        <a:defRPr/>
+                      </a:pPr>
+                      <a:r>
+                        <a:rPr lang="en-US" sz="1400" i="0" u="none" kern="1200" dirty="0">
+                          <a:solidFill>
+                            <a:schemeClr val="dk1"/>
+                          </a:solidFill>
+                          <a:latin typeface="+mn-lt"/>
+                          <a:ea typeface="+mn-ea"/>
+                          <a:cs typeface="+mn-cs"/>
+                        </a:rPr>
+                        <a:t>Calculates the contacts between chains and then calculates the FCC matrix for each model. Clusters the models based on the calculated contacts.</a:t>
+                      </a:r>
+                    </a:p>
+                  </a:txBody>
+                  <a:tcPr/>
+                </a:tc>
+                <a:tc>
+                  <a:txBody>
+                    <a:bodyPr/>
+                    <a:lstStyle/>
+                    <a:p>
+                      <a:r>
+                        <a:rPr lang="en-US" sz="1400" dirty="0"/>
+                        <a:t>200</a:t>
+                      </a:r>
+                    </a:p>
+                  </a:txBody>
+                  <a:tcPr/>
+                </a:tc>
+                <a:extLst>
+                  <a:ext uri="{0D108BD9-81ED-4DB2-BD59-A6C34878D82A}">
+                    <a16:rowId xmlns:a16="http://schemas.microsoft.com/office/drawing/2014/main" val="414700105"/>
+                  </a:ext>
+                </a:extLst>
+              </a:tr>
+              <a:tr h="370840">
+                <a:tc>
+                  <a:txBody>
+                    <a:bodyPr/>
+                    <a:lstStyle/>
+                    <a:p>
+                      <a:r>
+                        <a:rPr lang="en-US" sz="1400" dirty="0"/>
+                        <a:t>3</a:t>
+                      </a:r>
+                    </a:p>
+                  </a:txBody>
+                  <a:tcPr/>
+                </a:tc>
+                <a:tc>
+                  <a:txBody>
+                    <a:bodyPr/>
+                    <a:lstStyle/>
+                    <a:p>
+                      <a:r>
+                        <a:rPr lang="en-US" sz="1400" dirty="0"/>
+                        <a:t>Select Top Clusters</a:t>
+                      </a:r>
+                    </a:p>
+                    <a:p>
+                      <a:r>
+                        <a:rPr lang="en-US" sz="1400" dirty="0"/>
+                        <a:t>n=5</a:t>
                       </a:r>
                     </a:p>
                   </a:txBody>
@@ -9611,7 +5603,7 @@
                       </a:r>
                       <a:r>
                         <a:rPr lang="en-US" sz="1400" dirty="0"/>
-                        <a:t> models based on HADDOCK score</a:t>
+                        <a:t> clusters based on HADDOCK score</a:t>
                       </a:r>
                     </a:p>
                   </a:txBody>
@@ -9733,7 +5725,96 @@
                     <a:p>
                       <a:r>
                         <a:rPr lang="en-US" sz="1400" dirty="0"/>
+                        <a:t>Cluster with FCC</a:t>
+                      </a:r>
+                    </a:p>
+                  </a:txBody>
+                  <a:tcPr/>
+                </a:tc>
+                <a:tc>
+                  <a:txBody>
+                    <a:bodyPr/>
+                    <a:lstStyle/>
+                    <a:p>
+                      <a:pPr marL="0" marR="0" lvl="0" indent="0" algn="l" defTabSz="914400" rtl="0" eaLnBrk="1" fontAlgn="auto" latinLnBrk="0" hangingPunct="1">
+                        <a:lnSpc>
+                          <a:spcPct val="100000"/>
+                        </a:lnSpc>
+                        <a:spcBef>
+                          <a:spcPts val="0"/>
+                        </a:spcBef>
+                        <a:spcAft>
+                          <a:spcPts val="0"/>
+                        </a:spcAft>
+                        <a:buClrTx/>
+                        <a:buSzTx/>
+                        <a:buFontTx/>
+                        <a:buNone/>
+                        <a:tabLst/>
+                        <a:defRPr/>
+                      </a:pPr>
+                      <a:r>
+                        <a:rPr lang="en-US" sz="1400" i="0" u="none" kern="1200" dirty="0">
+                          <a:solidFill>
+                            <a:schemeClr val="dk1"/>
+                          </a:solidFill>
+                          <a:latin typeface="+mn-lt"/>
+                          <a:ea typeface="+mn-ea"/>
+                          <a:cs typeface="+mn-cs"/>
+                        </a:rPr>
+                        <a:t>Calculates the contacts between chains and then calculates the FCC matrix for each model. Clusters the models based on the calculated contacts.</a:t>
+                      </a:r>
+                    </a:p>
+                  </a:txBody>
+                  <a:tcPr/>
+                </a:tc>
+                <a:tc>
+                  <a:txBody>
+                    <a:bodyPr/>
+                    <a:lstStyle/>
+                    <a:p>
+                      <a:r>
+                        <a:rPr lang="en-US" sz="1400" dirty="0"/>
+                        <a:t>50</a:t>
+                      </a:r>
+                    </a:p>
+                  </a:txBody>
+                  <a:tcPr/>
+                </a:tc>
+                <a:extLst>
+                  <a:ext uri="{0D108BD9-81ED-4DB2-BD59-A6C34878D82A}">
+                    <a16:rowId xmlns:a16="http://schemas.microsoft.com/office/drawing/2014/main" val="461485176"/>
+                  </a:ext>
+                </a:extLst>
+              </a:tr>
+              <a:tr h="370840">
+                <a:tc>
+                  <a:txBody>
+                    <a:bodyPr/>
+                    <a:lstStyle/>
+                    <a:p>
+                      <a:r>
+                        <a:rPr lang="en-US" sz="1400" dirty="0"/>
+                        <a:t>5</a:t>
+                      </a:r>
+                    </a:p>
+                  </a:txBody>
+                  <a:tcPr/>
+                </a:tc>
+                <a:tc>
+                  <a:txBody>
+                    <a:bodyPr/>
+                    <a:lstStyle/>
+                    <a:p>
+                      <a:r>
+                        <a:rPr lang="en-US" sz="1400" dirty="0"/>
                         <a:t>Select Top Cluster</a:t>
+                      </a:r>
+                    </a:p>
+                    <a:p>
+                      <a:r>
+                        <a:rPr lang="en-US" sz="1400" dirty="0"/>
+                        <a:t>n=1</a:t>
                       </a:r>
                     </a:p>
                   </a:txBody>
@@ -9767,7 +5848,7 @@
                     <a:p>
                       <a:r>
                         <a:rPr lang="en-US" sz="1400" dirty="0"/>
-                        <a:t>~10</a:t>
+                        <a:t>10</a:t>
                       </a:r>
                     </a:p>
                   </a:txBody>
@@ -9851,7 +5932,7 @@
                     <a:p>
                       <a:r>
                         <a:rPr lang="en-US" sz="1400" dirty="0"/>
-                        <a:t>~10</a:t>
+                        <a:t>10</a:t>
                       </a:r>
                     </a:p>
                   </a:txBody>
@@ -9927,7 +6008,7 @@
                     <a:p>
                       <a:r>
                         <a:rPr lang="en-US" sz="1400" dirty="0"/>
-                        <a:t>~10</a:t>
+                        <a:t>10</a:t>
                       </a:r>
                     </a:p>
                   </a:txBody>
@@ -9936,6 +6017,89 @@
                 <a:extLst>
                   <a:ext uri="{0D108BD9-81ED-4DB2-BD59-A6C34878D82A}">
                     <a16:rowId xmlns:a16="http://schemas.microsoft.com/office/drawing/2014/main" val="2842569068"/>
+                  </a:ext>
+                </a:extLst>
+              </a:tr>
+              <a:tr h="473354">
+                <a:tc>
+                  <a:txBody>
+                    <a:bodyPr/>
+                    <a:lstStyle/>
+                    <a:p>
+                      <a:r>
+                        <a:rPr lang="en-US" sz="1400" dirty="0"/>
+                        <a:t>8</a:t>
+                      </a:r>
+                    </a:p>
+                  </a:txBody>
+                  <a:tcPr/>
+                </a:tc>
+                <a:tc>
+                  <a:txBody>
+                    <a:bodyPr/>
+                    <a:lstStyle/>
+                    <a:p>
+                      <a:r>
+                        <a:rPr lang="en-US" sz="1400" dirty="0"/>
+                        <a:t>Cluster with FCC</a:t>
+                      </a:r>
+                    </a:p>
+                  </a:txBody>
+                  <a:tcPr/>
+                </a:tc>
+                <a:tc>
+                  <a:txBody>
+                    <a:bodyPr/>
+                    <a:lstStyle/>
+                    <a:p>
+                      <a:pPr marL="0" marR="0" lvl="0" indent="0" algn="l" defTabSz="914400" rtl="0" eaLnBrk="1" fontAlgn="auto" latinLnBrk="0" hangingPunct="1">
+                        <a:lnSpc>
+                          <a:spcPct val="100000"/>
+                        </a:lnSpc>
+                        <a:spcBef>
+                          <a:spcPts val="0"/>
+                        </a:spcBef>
+                        <a:spcAft>
+                          <a:spcPts val="0"/>
+                        </a:spcAft>
+                        <a:buClrTx/>
+                        <a:buSzTx/>
+                        <a:buFontTx/>
+                        <a:buNone/>
+                        <a:tabLst/>
+                        <a:defRPr/>
+                      </a:pPr>
+                      <a:r>
+                        <a:rPr lang="en-US" sz="1400" i="0" u="none" kern="1200" dirty="0">
+                          <a:solidFill>
+                            <a:schemeClr val="dk1"/>
+                          </a:solidFill>
+                          <a:latin typeface="+mn-lt"/>
+                          <a:ea typeface="+mn-ea"/>
+                          <a:cs typeface="+mn-cs"/>
+                        </a:rPr>
+                        <a:t>Calculates the contacts between chains and then calculates the FCC matrix for each model. Clusters the models based on the calculated contacts.</a:t>
+                      </a:r>
+                    </a:p>
+                  </a:txBody>
+                  <a:tcPr/>
+                </a:tc>
+                <a:tc>
+                  <a:txBody>
+                    <a:bodyPr/>
+                    <a:lstStyle/>
+                    <a:p>
+                      <a:r>
+                        <a:rPr lang="en-US" sz="1400" dirty="0"/>
+                        <a:t>10</a:t>
+                      </a:r>
+                    </a:p>
+                  </a:txBody>
+                  <a:tcPr/>
+                </a:tc>
+                <a:extLst>
+                  <a:ext uri="{0D108BD9-81ED-4DB2-BD59-A6C34878D82A}">
+                    <a16:rowId xmlns:a16="http://schemas.microsoft.com/office/drawing/2014/main" val="2144910433"/>
                   </a:ext>
                 </a:extLst>
               </a:tr>
@@ -9971,7 +6135,7 @@
                     <a:bodyPr/>
                     <a:lstStyle/>
                     <a:p>
-                      <a:endParaRPr lang="en-US" sz="1400"/>
+                      <a:endParaRPr lang="en-US" sz="1400" dirty="0"/>
                     </a:p>
                   </a:txBody>
                   <a:tcPr/>
@@ -9983,7 +6147,7 @@
                     <a:p>
                       <a:r>
                         <a:rPr lang="en-US" sz="1400" dirty="0"/>
-                        <a:t>~10</a:t>
+                        <a:t>10</a:t>
                       </a:r>
                     </a:p>
                   </a:txBody>

--- a/figures/Workflow.pptx
+++ b/figures/Workflow.pptx
@@ -198,7 +198,7 @@
           <a:p>
             <a:fld id="{6A6E1F60-1704-431C-B0BF-FB2EECBD5FFE}" type="datetimeFigureOut">
               <a:rPr lang="en-US" smtClean="0"/>
-              <a:t>6/5/24</a:t>
+              <a:t>6/6/2024</a:t>
             </a:fld>
             <a:endParaRPr lang="en-US"/>
           </a:p>
@@ -680,7 +680,7 @@
           <a:p>
             <a:fld id="{042E5A71-3EAB-4179-B449-B9E45921E0E1}" type="datetimeFigureOut">
               <a:rPr lang="en-US" smtClean="0"/>
-              <a:t>6/5/24</a:t>
+              <a:t>6/6/2024</a:t>
             </a:fld>
             <a:endParaRPr lang="en-US"/>
           </a:p>
@@ -850,7 +850,7 @@
           <a:p>
             <a:fld id="{042E5A71-3EAB-4179-B449-B9E45921E0E1}" type="datetimeFigureOut">
               <a:rPr lang="en-US" smtClean="0"/>
-              <a:t>6/5/24</a:t>
+              <a:t>6/6/2024</a:t>
             </a:fld>
             <a:endParaRPr lang="en-US"/>
           </a:p>
@@ -1030,7 +1030,7 @@
           <a:p>
             <a:fld id="{042E5A71-3EAB-4179-B449-B9E45921E0E1}" type="datetimeFigureOut">
               <a:rPr lang="en-US" smtClean="0"/>
-              <a:t>6/5/24</a:t>
+              <a:t>6/6/2024</a:t>
             </a:fld>
             <a:endParaRPr lang="en-US"/>
           </a:p>
@@ -1200,7 +1200,7 @@
           <a:p>
             <a:fld id="{042E5A71-3EAB-4179-B449-B9E45921E0E1}" type="datetimeFigureOut">
               <a:rPr lang="en-US" smtClean="0"/>
-              <a:t>6/5/24</a:t>
+              <a:t>6/6/2024</a:t>
             </a:fld>
             <a:endParaRPr lang="en-US"/>
           </a:p>
@@ -1446,7 +1446,7 @@
           <a:p>
             <a:fld id="{042E5A71-3EAB-4179-B449-B9E45921E0E1}" type="datetimeFigureOut">
               <a:rPr lang="en-US" smtClean="0"/>
-              <a:t>6/5/24</a:t>
+              <a:t>6/6/2024</a:t>
             </a:fld>
             <a:endParaRPr lang="en-US"/>
           </a:p>
@@ -1678,7 +1678,7 @@
           <a:p>
             <a:fld id="{042E5A71-3EAB-4179-B449-B9E45921E0E1}" type="datetimeFigureOut">
               <a:rPr lang="en-US" smtClean="0"/>
-              <a:t>6/5/24</a:t>
+              <a:t>6/6/2024</a:t>
             </a:fld>
             <a:endParaRPr lang="en-US"/>
           </a:p>
@@ -2045,7 +2045,7 @@
           <a:p>
             <a:fld id="{042E5A71-3EAB-4179-B449-B9E45921E0E1}" type="datetimeFigureOut">
               <a:rPr lang="en-US" smtClean="0"/>
-              <a:t>6/5/24</a:t>
+              <a:t>6/6/2024</a:t>
             </a:fld>
             <a:endParaRPr lang="en-US"/>
           </a:p>
@@ -2163,7 +2163,7 @@
           <a:p>
             <a:fld id="{042E5A71-3EAB-4179-B449-B9E45921E0E1}" type="datetimeFigureOut">
               <a:rPr lang="en-US" smtClean="0"/>
-              <a:t>6/5/24</a:t>
+              <a:t>6/6/2024</a:t>
             </a:fld>
             <a:endParaRPr lang="en-US"/>
           </a:p>
@@ -2258,7 +2258,7 @@
           <a:p>
             <a:fld id="{042E5A71-3EAB-4179-B449-B9E45921E0E1}" type="datetimeFigureOut">
               <a:rPr lang="en-US" smtClean="0"/>
-              <a:t>6/5/24</a:t>
+              <a:t>6/6/2024</a:t>
             </a:fld>
             <a:endParaRPr lang="en-US"/>
           </a:p>
@@ -2535,7 +2535,7 @@
           <a:p>
             <a:fld id="{042E5A71-3EAB-4179-B449-B9E45921E0E1}" type="datetimeFigureOut">
               <a:rPr lang="en-US" smtClean="0"/>
-              <a:t>6/5/24</a:t>
+              <a:t>6/6/2024</a:t>
             </a:fld>
             <a:endParaRPr lang="en-US"/>
           </a:p>
@@ -2792,7 +2792,7 @@
           <a:p>
             <a:fld id="{042E5A71-3EAB-4179-B449-B9E45921E0E1}" type="datetimeFigureOut">
               <a:rPr lang="en-US" smtClean="0"/>
-              <a:t>6/5/24</a:t>
+              <a:t>6/6/2024</a:t>
             </a:fld>
             <a:endParaRPr lang="en-US"/>
           </a:p>
@@ -3005,7 +3005,7 @@
           <a:p>
             <a:fld id="{042E5A71-3EAB-4179-B449-B9E45921E0E1}" type="datetimeFigureOut">
               <a:rPr lang="en-US" smtClean="0"/>
-              <a:t>6/5/24</a:t>
+              <a:t>6/6/2024</a:t>
             </a:fld>
             <a:endParaRPr lang="en-US"/>
           </a:p>
@@ -5218,14 +5218,14 @@
           <p:nvPr>
             <p:extLst>
               <p:ext uri="{D42A27DB-BD31-4B8C-83A1-F6EECF244321}">
-                <p14:modId xmlns:p14="http://schemas.microsoft.com/office/powerpoint/2010/main" val="942131690"/>
+                <p14:modId xmlns:p14="http://schemas.microsoft.com/office/powerpoint/2010/main" val="2934196279"/>
               </p:ext>
             </p:extLst>
           </p:nvPr>
         </p:nvGraphicFramePr>
         <p:xfrm>
-          <a:off x="666427" y="126973"/>
-          <a:ext cx="11132051" cy="6482080"/>
+          <a:off x="811570" y="688340"/>
+          <a:ext cx="10193233" cy="5628640"/>
         </p:xfrm>
         <a:graphic>
           <a:graphicData uri="http://schemas.openxmlformats.org/drawingml/2006/table">
@@ -5241,21 +5241,21 @@
                     </a:ext>
                   </a:extLst>
                 </a:gridCol>
-                <a:gridCol w="3219297">
+                <a:gridCol w="2413318">
                   <a:extLst>
                     <a:ext uri="{9D8B030D-6E8A-4147-A177-3AD203B41FA5}">
                       <a16:colId xmlns:a16="http://schemas.microsoft.com/office/drawing/2014/main" val="2425399736"/>
                     </a:ext>
                   </a:extLst>
                 </a:gridCol>
-                <a:gridCol w="4644145">
+                <a:gridCol w="6327830">
                   <a:extLst>
                     <a:ext uri="{9D8B030D-6E8A-4147-A177-3AD203B41FA5}">
                       <a16:colId xmlns:a16="http://schemas.microsoft.com/office/drawing/2014/main" val="1644113723"/>
                     </a:ext>
                   </a:extLst>
                 </a:gridCol>
-                <a:gridCol w="2762992">
+                <a:gridCol w="946468">
                   <a:extLst>
                     <a:ext uri="{9D8B030D-6E8A-4147-A177-3AD203B41FA5}">
                       <a16:colId xmlns:a16="http://schemas.microsoft.com/office/drawing/2014/main" val="711569524"/>
@@ -5269,6 +5269,7 @@
                     <a:bodyPr/>
                     <a:lstStyle/>
                     <a:p>
+                      <a:pPr algn="ctr"/>
                       <a:r>
                         <a:rPr lang="en-US" sz="1400" dirty="0"/>
                         <a:t>Step</a:t>
@@ -5292,6 +5293,7 @@
                     <a:bodyPr/>
                     <a:lstStyle/>
                     <a:p>
+                      <a:pPr algn="ctr"/>
                       <a:r>
                         <a:rPr lang="en-US" sz="1400" dirty="0"/>
                         <a:t>Description</a:t>
@@ -5305,6 +5307,7 @@
                     <a:bodyPr/>
                     <a:lstStyle/>
                     <a:p>
+                      <a:pPr algn="ctr"/>
                       <a:r>
                         <a:rPr lang="en-US" sz="1400" dirty="0"/>
                         <a:t># Models</a:t>
@@ -5381,11 +5384,11 @@
                     <a:bodyPr/>
                     <a:lstStyle/>
                     <a:p>
+                      <a:pPr algn="ctr"/>
                       <a:r>
-                        <a:rPr lang="en-US" sz="1400"/>
-                        <a:t>1</a:t>
+                        <a:rPr lang="en-US" sz="1400" dirty="0"/>
+                        <a:t>-</a:t>
                       </a:r>
-                      <a:endParaRPr lang="en-US" sz="1400" dirty="0"/>
                     </a:p>
                   </a:txBody>
                   <a:tcPr/>
@@ -5420,6 +5423,12 @@
                         <a:t>Rigid Body Modeling</a:t>
                       </a:r>
                     </a:p>
+                    <a:p>
+                      <a:r>
+                        <a:rPr lang="en-US" sz="1400" i="1" dirty="0"/>
+                        <a:t>n=200</a:t>
+                      </a:r>
+                    </a:p>
                   </a:txBody>
                   <a:tcPr/>
                 </a:tc>
@@ -5447,7 +5456,7 @@
                       </a:pPr>
                       <a:r>
                         <a:rPr lang="en-US" sz="1400" i="0" dirty="0"/>
-                        <a:t>Rigid body energy minimization with CNS (it0)</a:t>
+                        <a:t>Rigid body energy minimization with CNS (it0). Samples n models.</a:t>
                       </a:r>
                     </a:p>
                   </a:txBody>
@@ -5458,6 +5467,7 @@
                     <a:bodyPr/>
                     <a:lstStyle/>
                     <a:p>
+                      <a:pPr algn="ctr"/>
                       <a:r>
                         <a:rPr lang="en-US" sz="1400" dirty="0"/>
                         <a:t>200</a:t>
@@ -5541,6 +5551,7 @@
                     <a:bodyPr/>
                     <a:lstStyle/>
                     <a:p>
+                      <a:pPr algn="ctr"/>
                       <a:r>
                         <a:rPr lang="en-US" sz="1400" dirty="0"/>
                         <a:t>200</a:t>
@@ -5581,7 +5592,7 @@
                     </a:p>
                     <a:p>
                       <a:r>
-                        <a:rPr lang="en-US" sz="1400" dirty="0"/>
+                        <a:rPr lang="en-US" sz="1400" i="1" dirty="0"/>
                         <a:t>n=5</a:t>
                       </a:r>
                     </a:p>
@@ -5614,6 +5625,7 @@
                     <a:bodyPr/>
                     <a:lstStyle/>
                     <a:p>
+                      <a:pPr algn="ctr"/>
                       <a:r>
                         <a:rPr lang="en-US" sz="1400" dirty="0"/>
                         <a:t>50</a:t>
@@ -5690,6 +5702,7 @@
                     <a:bodyPr/>
                     <a:lstStyle/>
                     <a:p>
+                      <a:pPr algn="ctr"/>
                       <a:r>
                         <a:rPr lang="en-US" sz="1400" dirty="0"/>
                         <a:t>50</a:t>
@@ -5773,6 +5786,7 @@
                     <a:bodyPr/>
                     <a:lstStyle/>
                     <a:p>
+                      <a:pPr algn="ctr"/>
                       <a:r>
                         <a:rPr lang="en-US" sz="1400" dirty="0"/>
                         <a:t>50</a:t>
@@ -5813,7 +5827,7 @@
                     </a:p>
                     <a:p>
                       <a:r>
-                        <a:rPr lang="en-US" sz="1400" dirty="0"/>
+                        <a:rPr lang="en-US" sz="1400" i="1" dirty="0"/>
                         <a:t>n=1</a:t>
                       </a:r>
                     </a:p>
@@ -5846,6 +5860,7 @@
                     <a:bodyPr/>
                     <a:lstStyle/>
                     <a:p>
+                      <a:pPr algn="ctr"/>
                       <a:r>
                         <a:rPr lang="en-US" sz="1400" dirty="0"/>
                         <a:t>10</a:t>
@@ -5930,6 +5945,7 @@
                     <a:bodyPr/>
                     <a:lstStyle/>
                     <a:p>
+                      <a:pPr algn="ctr"/>
                       <a:r>
                         <a:rPr lang="en-US" sz="1400" dirty="0"/>
                         <a:t>10</a:t>
@@ -6006,6 +6022,7 @@
                     <a:bodyPr/>
                     <a:lstStyle/>
                     <a:p>
+                      <a:pPr algn="ctr"/>
                       <a:r>
                         <a:rPr lang="en-US" sz="1400" dirty="0"/>
                         <a:t>10</a:t>
@@ -6089,9 +6106,10 @@
                     <a:bodyPr/>
                     <a:lstStyle/>
                     <a:p>
+                      <a:pPr algn="ctr"/>
                       <a:r>
                         <a:rPr lang="en-US" sz="1400" dirty="0"/>
-                        <a:t>10</a:t>
+                        <a:t>~10</a:t>
                       </a:r>
                     </a:p>
                   </a:txBody>
@@ -6145,9 +6163,10 @@
                     <a:bodyPr/>
                     <a:lstStyle/>
                     <a:p>
+                      <a:pPr algn="ctr"/>
                       <a:r>
                         <a:rPr lang="en-US" sz="1400" dirty="0"/>
-                        <a:t>10</a:t>
+                        <a:t>~10</a:t>
                       </a:r>
                     </a:p>
                   </a:txBody>

--- a/figures/Workflow.pptx
+++ b/figures/Workflow.pptx
@@ -198,7 +198,7 @@
           <a:p>
             <a:fld id="{6A6E1F60-1704-431C-B0BF-FB2EECBD5FFE}" type="datetimeFigureOut">
               <a:rPr lang="en-US" smtClean="0"/>
-              <a:t>6/6/2024</a:t>
+              <a:t>6/20/2024</a:t>
             </a:fld>
             <a:endParaRPr lang="en-US"/>
           </a:p>
@@ -680,7 +680,7 @@
           <a:p>
             <a:fld id="{042E5A71-3EAB-4179-B449-B9E45921E0E1}" type="datetimeFigureOut">
               <a:rPr lang="en-US" smtClean="0"/>
-              <a:t>6/6/2024</a:t>
+              <a:t>6/20/2024</a:t>
             </a:fld>
             <a:endParaRPr lang="en-US"/>
           </a:p>
@@ -850,7 +850,7 @@
           <a:p>
             <a:fld id="{042E5A71-3EAB-4179-B449-B9E45921E0E1}" type="datetimeFigureOut">
               <a:rPr lang="en-US" smtClean="0"/>
-              <a:t>6/6/2024</a:t>
+              <a:t>6/20/2024</a:t>
             </a:fld>
             <a:endParaRPr lang="en-US"/>
           </a:p>
@@ -1030,7 +1030,7 @@
           <a:p>
             <a:fld id="{042E5A71-3EAB-4179-B449-B9E45921E0E1}" type="datetimeFigureOut">
               <a:rPr lang="en-US" smtClean="0"/>
-              <a:t>6/6/2024</a:t>
+              <a:t>6/20/2024</a:t>
             </a:fld>
             <a:endParaRPr lang="en-US"/>
           </a:p>
@@ -1200,7 +1200,7 @@
           <a:p>
             <a:fld id="{042E5A71-3EAB-4179-B449-B9E45921E0E1}" type="datetimeFigureOut">
               <a:rPr lang="en-US" smtClean="0"/>
-              <a:t>6/6/2024</a:t>
+              <a:t>6/20/2024</a:t>
             </a:fld>
             <a:endParaRPr lang="en-US"/>
           </a:p>
@@ -1446,7 +1446,7 @@
           <a:p>
             <a:fld id="{042E5A71-3EAB-4179-B449-B9E45921E0E1}" type="datetimeFigureOut">
               <a:rPr lang="en-US" smtClean="0"/>
-              <a:t>6/6/2024</a:t>
+              <a:t>6/20/2024</a:t>
             </a:fld>
             <a:endParaRPr lang="en-US"/>
           </a:p>
@@ -1678,7 +1678,7 @@
           <a:p>
             <a:fld id="{042E5A71-3EAB-4179-B449-B9E45921E0E1}" type="datetimeFigureOut">
               <a:rPr lang="en-US" smtClean="0"/>
-              <a:t>6/6/2024</a:t>
+              <a:t>6/20/2024</a:t>
             </a:fld>
             <a:endParaRPr lang="en-US"/>
           </a:p>
@@ -2045,7 +2045,7 @@
           <a:p>
             <a:fld id="{042E5A71-3EAB-4179-B449-B9E45921E0E1}" type="datetimeFigureOut">
               <a:rPr lang="en-US" smtClean="0"/>
-              <a:t>6/6/2024</a:t>
+              <a:t>6/20/2024</a:t>
             </a:fld>
             <a:endParaRPr lang="en-US"/>
           </a:p>
@@ -2163,7 +2163,7 @@
           <a:p>
             <a:fld id="{042E5A71-3EAB-4179-B449-B9E45921E0E1}" type="datetimeFigureOut">
               <a:rPr lang="en-US" smtClean="0"/>
-              <a:t>6/6/2024</a:t>
+              <a:t>6/20/2024</a:t>
             </a:fld>
             <a:endParaRPr lang="en-US"/>
           </a:p>
@@ -2258,7 +2258,7 @@
           <a:p>
             <a:fld id="{042E5A71-3EAB-4179-B449-B9E45921E0E1}" type="datetimeFigureOut">
               <a:rPr lang="en-US" smtClean="0"/>
-              <a:t>6/6/2024</a:t>
+              <a:t>6/20/2024</a:t>
             </a:fld>
             <a:endParaRPr lang="en-US"/>
           </a:p>
@@ -2535,7 +2535,7 @@
           <a:p>
             <a:fld id="{042E5A71-3EAB-4179-B449-B9E45921E0E1}" type="datetimeFigureOut">
               <a:rPr lang="en-US" smtClean="0"/>
-              <a:t>6/6/2024</a:t>
+              <a:t>6/20/2024</a:t>
             </a:fld>
             <a:endParaRPr lang="en-US"/>
           </a:p>
@@ -2792,7 +2792,7 @@
           <a:p>
             <a:fld id="{042E5A71-3EAB-4179-B449-B9E45921E0E1}" type="datetimeFigureOut">
               <a:rPr lang="en-US" smtClean="0"/>
-              <a:t>6/6/2024</a:t>
+              <a:t>6/20/2024</a:t>
             </a:fld>
             <a:endParaRPr lang="en-US"/>
           </a:p>
@@ -3005,7 +3005,7 @@
           <a:p>
             <a:fld id="{042E5A71-3EAB-4179-B449-B9E45921E0E1}" type="datetimeFigureOut">
               <a:rPr lang="en-US" smtClean="0"/>
-              <a:t>6/6/2024</a:t>
+              <a:t>6/20/2024</a:t>
             </a:fld>
             <a:endParaRPr lang="en-US"/>
           </a:p>
@@ -4445,7 +4445,7 @@
                   <a:schemeClr val="tx1"/>
                 </a:solidFill>
               </a:rPr>
-              <a:t>(n=1,793)</a:t>
+              <a:t>(n=1,804)</a:t>
             </a:r>
           </a:p>
         </p:txBody>
@@ -5021,7 +5021,7 @@
             <a:pPr algn="ctr"/>
             <a:r>
               <a:rPr lang="en-US" sz="1100" i="1" dirty="0"/>
-              <a:t>(n=163)</a:t>
+              <a:t>(n=164)</a:t>
             </a:r>
           </a:p>
         </p:txBody>
@@ -5218,7 +5218,7 @@
           <p:nvPr>
             <p:extLst>
               <p:ext uri="{D42A27DB-BD31-4B8C-83A1-F6EECF244321}">
-                <p14:modId xmlns:p14="http://schemas.microsoft.com/office/powerpoint/2010/main" val="2934196279"/>
+                <p14:modId xmlns:p14="http://schemas.microsoft.com/office/powerpoint/2010/main" val="11154468"/>
               </p:ext>
             </p:extLst>
           </p:nvPr>
@@ -5593,7 +5593,7 @@
                     <a:p>
                       <a:r>
                         <a:rPr lang="en-US" sz="1400" i="1" dirty="0"/>
-                        <a:t>n=5</a:t>
+                        <a:t>n=5, m=10</a:t>
                       </a:r>
                     </a:p>
                   </a:txBody>
@@ -5606,15 +5606,7 @@
                     <a:p>
                       <a:r>
                         <a:rPr lang="en-US" sz="1400" dirty="0"/>
-                        <a:t>Select top </a:t>
-                      </a:r>
-                      <a:r>
-                        <a:rPr lang="en-US" sz="1400" i="1" dirty="0"/>
-                        <a:t>n</a:t>
-                      </a:r>
-                      <a:r>
-                        <a:rPr lang="en-US" sz="1400" dirty="0"/>
-                        <a:t> clusters based on HADDOCK score</a:t>
+                        <a:t>Select top n clusters of m models based on HADDOCK score</a:t>
                       </a:r>
                     </a:p>
                   </a:txBody>
@@ -5828,7 +5820,7 @@
                     <a:p>
                       <a:r>
                         <a:rPr lang="en-US" sz="1400" i="1" dirty="0"/>
-                        <a:t>n=1</a:t>
+                        <a:t>n=1, m=10</a:t>
                       </a:r>
                     </a:p>
                   </a:txBody>
@@ -5845,11 +5837,19 @@
                       </a:r>
                       <a:r>
                         <a:rPr lang="en-US" sz="1400" i="1" dirty="0"/>
-                        <a:t>n</a:t>
+                        <a:t>n </a:t>
                       </a:r>
                       <a:r>
                         <a:rPr lang="en-US" sz="1400" dirty="0"/>
-                        <a:t> cluster based on HADDOCK score</a:t>
+                        <a:t>clusters of </a:t>
+                      </a:r>
+                      <a:r>
+                        <a:rPr lang="en-US" sz="1400" i="1" dirty="0"/>
+                        <a:t>m</a:t>
+                      </a:r>
+                      <a:r>
+                        <a:rPr lang="en-US" sz="1400" dirty="0"/>
+                        <a:t> models based on HADDOCK score</a:t>
                       </a:r>
                     </a:p>
                   </a:txBody>
@@ -6153,7 +6153,34 @@
                     <a:bodyPr/>
                     <a:lstStyle/>
                     <a:p>
-                      <a:endParaRPr lang="en-US" sz="1400" dirty="0"/>
+                      <a:r>
+                        <a:rPr lang="en-US" sz="1400" dirty="0"/>
+                        <a:t>Calculated </a:t>
+                      </a:r>
+                      <a:r>
+                        <a:rPr lang="en-US" sz="1400" dirty="0" err="1"/>
+                        <a:t>i</a:t>
+                      </a:r>
+                      <a:r>
+                        <a:rPr lang="en-US" sz="1400" dirty="0"/>
+                        <a:t>-RMSD, I-RMSD, </a:t>
+                      </a:r>
+                      <a:r>
+                        <a:rPr lang="en-US" sz="1400" dirty="0" err="1"/>
+                        <a:t>Fnat</a:t>
+                      </a:r>
+                      <a:r>
+                        <a:rPr lang="en-US" sz="1400" dirty="0"/>
+                        <a:t>, </a:t>
+                      </a:r>
+                      <a:r>
+                        <a:rPr lang="en-US" sz="1400" dirty="0" err="1"/>
+                        <a:t>DockQ</a:t>
+                      </a:r>
+                      <a:r>
+                        <a:rPr lang="en-US" sz="1400" dirty="0"/>
+                        <a:t> of the top scoring models.</a:t>
+                      </a:r>
                     </a:p>
                   </a:txBody>
                   <a:tcPr/>

--- a/figures/Workflow.pptx
+++ b/figures/Workflow.pptx
@@ -198,7 +198,7 @@
           <a:p>
             <a:fld id="{6A6E1F60-1704-431C-B0BF-FB2EECBD5FFE}" type="datetimeFigureOut">
               <a:rPr lang="en-US" smtClean="0"/>
-              <a:t>6/20/2024</a:t>
+              <a:t>6/21/2024</a:t>
             </a:fld>
             <a:endParaRPr lang="en-US"/>
           </a:p>
@@ -680,7 +680,7 @@
           <a:p>
             <a:fld id="{042E5A71-3EAB-4179-B449-B9E45921E0E1}" type="datetimeFigureOut">
               <a:rPr lang="en-US" smtClean="0"/>
-              <a:t>6/20/2024</a:t>
+              <a:t>6/21/2024</a:t>
             </a:fld>
             <a:endParaRPr lang="en-US"/>
           </a:p>
@@ -850,7 +850,7 @@
           <a:p>
             <a:fld id="{042E5A71-3EAB-4179-B449-B9E45921E0E1}" type="datetimeFigureOut">
               <a:rPr lang="en-US" smtClean="0"/>
-              <a:t>6/20/2024</a:t>
+              <a:t>6/21/2024</a:t>
             </a:fld>
             <a:endParaRPr lang="en-US"/>
           </a:p>
@@ -1030,7 +1030,7 @@
           <a:p>
             <a:fld id="{042E5A71-3EAB-4179-B449-B9E45921E0E1}" type="datetimeFigureOut">
               <a:rPr lang="en-US" smtClean="0"/>
-              <a:t>6/20/2024</a:t>
+              <a:t>6/21/2024</a:t>
             </a:fld>
             <a:endParaRPr lang="en-US"/>
           </a:p>
@@ -1200,7 +1200,7 @@
           <a:p>
             <a:fld id="{042E5A71-3EAB-4179-B449-B9E45921E0E1}" type="datetimeFigureOut">
               <a:rPr lang="en-US" smtClean="0"/>
-              <a:t>6/20/2024</a:t>
+              <a:t>6/21/2024</a:t>
             </a:fld>
             <a:endParaRPr lang="en-US"/>
           </a:p>
@@ -1446,7 +1446,7 @@
           <a:p>
             <a:fld id="{042E5A71-3EAB-4179-B449-B9E45921E0E1}" type="datetimeFigureOut">
               <a:rPr lang="en-US" smtClean="0"/>
-              <a:t>6/20/2024</a:t>
+              <a:t>6/21/2024</a:t>
             </a:fld>
             <a:endParaRPr lang="en-US"/>
           </a:p>
@@ -1678,7 +1678,7 @@
           <a:p>
             <a:fld id="{042E5A71-3EAB-4179-B449-B9E45921E0E1}" type="datetimeFigureOut">
               <a:rPr lang="en-US" smtClean="0"/>
-              <a:t>6/20/2024</a:t>
+              <a:t>6/21/2024</a:t>
             </a:fld>
             <a:endParaRPr lang="en-US"/>
           </a:p>
@@ -2045,7 +2045,7 @@
           <a:p>
             <a:fld id="{042E5A71-3EAB-4179-B449-B9E45921E0E1}" type="datetimeFigureOut">
               <a:rPr lang="en-US" smtClean="0"/>
-              <a:t>6/20/2024</a:t>
+              <a:t>6/21/2024</a:t>
             </a:fld>
             <a:endParaRPr lang="en-US"/>
           </a:p>
@@ -2163,7 +2163,7 @@
           <a:p>
             <a:fld id="{042E5A71-3EAB-4179-B449-B9E45921E0E1}" type="datetimeFigureOut">
               <a:rPr lang="en-US" smtClean="0"/>
-              <a:t>6/20/2024</a:t>
+              <a:t>6/21/2024</a:t>
             </a:fld>
             <a:endParaRPr lang="en-US"/>
           </a:p>
@@ -2258,7 +2258,7 @@
           <a:p>
             <a:fld id="{042E5A71-3EAB-4179-B449-B9E45921E0E1}" type="datetimeFigureOut">
               <a:rPr lang="en-US" smtClean="0"/>
-              <a:t>6/20/2024</a:t>
+              <a:t>6/21/2024</a:t>
             </a:fld>
             <a:endParaRPr lang="en-US"/>
           </a:p>
@@ -2535,7 +2535,7 @@
           <a:p>
             <a:fld id="{042E5A71-3EAB-4179-B449-B9E45921E0E1}" type="datetimeFigureOut">
               <a:rPr lang="en-US" smtClean="0"/>
-              <a:t>6/20/2024</a:t>
+              <a:t>6/21/2024</a:t>
             </a:fld>
             <a:endParaRPr lang="en-US"/>
           </a:p>
@@ -2792,7 +2792,7 @@
           <a:p>
             <a:fld id="{042E5A71-3EAB-4179-B449-B9E45921E0E1}" type="datetimeFigureOut">
               <a:rPr lang="en-US" smtClean="0"/>
-              <a:t>6/20/2024</a:t>
+              <a:t>6/21/2024</a:t>
             </a:fld>
             <a:endParaRPr lang="en-US"/>
           </a:p>
@@ -3005,7 +3005,7 @@
           <a:p>
             <a:fld id="{042E5A71-3EAB-4179-B449-B9E45921E0E1}" type="datetimeFigureOut">
               <a:rPr lang="en-US" smtClean="0"/>
-              <a:t>6/20/2024</a:t>
+              <a:t>6/21/2024</a:t>
             </a:fld>
             <a:endParaRPr lang="en-US"/>
           </a:p>
@@ -3424,8 +3424,8 @@
         </p:nvSpPr>
         <p:spPr>
           <a:xfrm>
-            <a:off x="1059868" y="4687027"/>
-            <a:ext cx="1371600" cy="731520"/>
+            <a:off x="1059868" y="4507027"/>
+            <a:ext cx="1371600" cy="911520"/>
           </a:xfrm>
           <a:prstGeom prst="flowChartMagneticDisk">
             <a:avLst/>
@@ -3473,8 +3473,8 @@
         </p:nvSpPr>
         <p:spPr>
           <a:xfrm>
-            <a:off x="2675492" y="4687029"/>
-            <a:ext cx="1371600" cy="731520"/>
+            <a:off x="2675492" y="4507029"/>
+            <a:ext cx="1371600" cy="911520"/>
           </a:xfrm>
           <a:prstGeom prst="flowChartMagneticDisk">
             <a:avLst/>
@@ -3669,7 +3669,11 @@
             <a:pPr algn="ctr"/>
             <a:r>
               <a:rPr lang="en-US" dirty="0"/>
-              <a:t>Run CD-HIT</a:t>
+              <a:t>Run </a:t>
+            </a:r>
+            <a:r>
+              <a:rPr lang="en-US" i="1" dirty="0"/>
+              <a:t>CD-HIT</a:t>
             </a:r>
           </a:p>
         </p:txBody>
@@ -3880,10 +3884,10 @@
               <a:t>Run </a:t>
             </a:r>
             <a:r>
-              <a:rPr lang="en-US" dirty="0" err="1"/>
+              <a:rPr lang="en-US" i="1" dirty="0" err="1"/>
               <a:t>ColabFold</a:t>
             </a:r>
-            <a:endParaRPr lang="en-US" dirty="0"/>
+            <a:endParaRPr lang="en-US" i="1" dirty="0"/>
           </a:p>
         </p:txBody>
       </p:sp>
@@ -4103,7 +4107,7 @@
             <a:pPr algn="ctr"/>
             <a:r>
               <a:rPr lang="en-US" dirty="0"/>
-              <a:t>Find Surface Residues</a:t>
+              <a:t>Find Random Surface Residues</a:t>
             </a:r>
           </a:p>
         </p:txBody>
@@ -4303,7 +4307,7 @@
         <p:spPr>
           <a:xfrm rot="10800000" flipH="1">
             <a:off x="1059867" y="1907873"/>
-            <a:ext cx="21539" cy="3144915"/>
+            <a:ext cx="21539" cy="3054915"/>
           </a:xfrm>
           <a:prstGeom prst="bentConnector3">
             <a:avLst>
@@ -4349,7 +4353,7 @@
         <p:spPr>
           <a:xfrm flipV="1">
             <a:off x="4047092" y="4362641"/>
-            <a:ext cx="576238" cy="690148"/>
+            <a:ext cx="576238" cy="600148"/>
           </a:xfrm>
           <a:prstGeom prst="bentConnector3">
             <a:avLst>
@@ -4464,7 +4468,7 @@
         </p:nvSpPr>
         <p:spPr>
           <a:xfrm>
-            <a:off x="8569837" y="1345398"/>
+            <a:off x="8563485" y="1436128"/>
             <a:ext cx="2157722" cy="549695"/>
           </a:xfrm>
           <a:prstGeom prst="rect">
@@ -4513,7 +4517,7 @@
         </p:nvSpPr>
         <p:spPr>
           <a:xfrm>
-            <a:off x="8569836" y="1985823"/>
+            <a:off x="8576184" y="2150566"/>
             <a:ext cx="2157721" cy="549695"/>
           </a:xfrm>
           <a:prstGeom prst="rect">
@@ -4685,7 +4689,7 @@
         </p:nvSpPr>
         <p:spPr>
           <a:xfrm>
-            <a:off x="8576185" y="4366501"/>
+            <a:off x="8569832" y="4362287"/>
             <a:ext cx="2157721" cy="901381"/>
           </a:xfrm>
           <a:prstGeom prst="rect">
@@ -4738,8 +4742,8 @@
         </p:nvCxnSpPr>
         <p:spPr>
           <a:xfrm rot="5400000">
-            <a:off x="9570574" y="2961269"/>
-            <a:ext cx="156243" cy="1"/>
+            <a:off x="9563044" y="2968799"/>
+            <a:ext cx="171302" cy="1"/>
           </a:xfrm>
           <a:prstGeom prst="bentConnector3">
             <a:avLst>
@@ -4827,7 +4831,7 @@
         </p:nvSpPr>
         <p:spPr>
           <a:xfrm>
-            <a:off x="8165260" y="3039391"/>
+            <a:off x="8165260" y="3054450"/>
             <a:ext cx="2966867" cy="805326"/>
           </a:xfrm>
           <a:prstGeom prst="roundRect">
@@ -4897,8 +4901,8 @@
         </p:nvCxnSpPr>
         <p:spPr>
           <a:xfrm rot="16200000" flipH="1">
-            <a:off x="9555516" y="3937894"/>
-            <a:ext cx="186360" cy="5"/>
+            <a:off x="9563046" y="3945423"/>
+            <a:ext cx="171301" cy="5"/>
           </a:xfrm>
           <a:prstGeom prst="bentConnector3">
             <a:avLst>
@@ -4971,7 +4975,11 @@
             <a:pPr algn="ctr"/>
             <a:r>
               <a:rPr lang="en-US" dirty="0"/>
-              <a:t>Run HADDOCK3</a:t>
+              <a:t>Run </a:t>
+            </a:r>
+            <a:r>
+              <a:rPr lang="en-US" i="1" dirty="0"/>
+              <a:t>HADDOCK3</a:t>
             </a:r>
           </a:p>
         </p:txBody>
@@ -5218,7 +5226,7 @@
           <p:nvPr>
             <p:extLst>
               <p:ext uri="{D42A27DB-BD31-4B8C-83A1-F6EECF244321}">
-                <p14:modId xmlns:p14="http://schemas.microsoft.com/office/powerpoint/2010/main" val="11154468"/>
+                <p14:modId xmlns:p14="http://schemas.microsoft.com/office/powerpoint/2010/main" val="1943439026"/>
               </p:ext>
             </p:extLst>
           </p:nvPr>
@@ -6155,7 +6163,7 @@
                     <a:p>
                       <a:r>
                         <a:rPr lang="en-US" sz="1400" dirty="0"/>
-                        <a:t>Calculated </a:t>
+                        <a:t>Calculates </a:t>
                       </a:r>
                       <a:r>
                         <a:rPr lang="en-US" sz="1400" dirty="0" err="1"/>

--- a/figures/Workflow.pptx
+++ b/figures/Workflow.pptx
@@ -198,7 +198,7 @@
           <a:p>
             <a:fld id="{6A6E1F60-1704-431C-B0BF-FB2EECBD5FFE}" type="datetimeFigureOut">
               <a:rPr lang="en-US" smtClean="0"/>
-              <a:t>6/21/2024</a:t>
+              <a:t>7/1/2024</a:t>
             </a:fld>
             <a:endParaRPr lang="en-US"/>
           </a:p>
@@ -680,7 +680,7 @@
           <a:p>
             <a:fld id="{042E5A71-3EAB-4179-B449-B9E45921E0E1}" type="datetimeFigureOut">
               <a:rPr lang="en-US" smtClean="0"/>
-              <a:t>6/21/2024</a:t>
+              <a:t>7/1/2024</a:t>
             </a:fld>
             <a:endParaRPr lang="en-US"/>
           </a:p>
@@ -850,7 +850,7 @@
           <a:p>
             <a:fld id="{042E5A71-3EAB-4179-B449-B9E45921E0E1}" type="datetimeFigureOut">
               <a:rPr lang="en-US" smtClean="0"/>
-              <a:t>6/21/2024</a:t>
+              <a:t>7/1/2024</a:t>
             </a:fld>
             <a:endParaRPr lang="en-US"/>
           </a:p>
@@ -1030,7 +1030,7 @@
           <a:p>
             <a:fld id="{042E5A71-3EAB-4179-B449-B9E45921E0E1}" type="datetimeFigureOut">
               <a:rPr lang="en-US" smtClean="0"/>
-              <a:t>6/21/2024</a:t>
+              <a:t>7/1/2024</a:t>
             </a:fld>
             <a:endParaRPr lang="en-US"/>
           </a:p>
@@ -1200,7 +1200,7 @@
           <a:p>
             <a:fld id="{042E5A71-3EAB-4179-B449-B9E45921E0E1}" type="datetimeFigureOut">
               <a:rPr lang="en-US" smtClean="0"/>
-              <a:t>6/21/2024</a:t>
+              <a:t>7/1/2024</a:t>
             </a:fld>
             <a:endParaRPr lang="en-US"/>
           </a:p>
@@ -1446,7 +1446,7 @@
           <a:p>
             <a:fld id="{042E5A71-3EAB-4179-B449-B9E45921E0E1}" type="datetimeFigureOut">
               <a:rPr lang="en-US" smtClean="0"/>
-              <a:t>6/21/2024</a:t>
+              <a:t>7/1/2024</a:t>
             </a:fld>
             <a:endParaRPr lang="en-US"/>
           </a:p>
@@ -1678,7 +1678,7 @@
           <a:p>
             <a:fld id="{042E5A71-3EAB-4179-B449-B9E45921E0E1}" type="datetimeFigureOut">
               <a:rPr lang="en-US" smtClean="0"/>
-              <a:t>6/21/2024</a:t>
+              <a:t>7/1/2024</a:t>
             </a:fld>
             <a:endParaRPr lang="en-US"/>
           </a:p>
@@ -2045,7 +2045,7 @@
           <a:p>
             <a:fld id="{042E5A71-3EAB-4179-B449-B9E45921E0E1}" type="datetimeFigureOut">
               <a:rPr lang="en-US" smtClean="0"/>
-              <a:t>6/21/2024</a:t>
+              <a:t>7/1/2024</a:t>
             </a:fld>
             <a:endParaRPr lang="en-US"/>
           </a:p>
@@ -2163,7 +2163,7 @@
           <a:p>
             <a:fld id="{042E5A71-3EAB-4179-B449-B9E45921E0E1}" type="datetimeFigureOut">
               <a:rPr lang="en-US" smtClean="0"/>
-              <a:t>6/21/2024</a:t>
+              <a:t>7/1/2024</a:t>
             </a:fld>
             <a:endParaRPr lang="en-US"/>
           </a:p>
@@ -2258,7 +2258,7 @@
           <a:p>
             <a:fld id="{042E5A71-3EAB-4179-B449-B9E45921E0E1}" type="datetimeFigureOut">
               <a:rPr lang="en-US" smtClean="0"/>
-              <a:t>6/21/2024</a:t>
+              <a:t>7/1/2024</a:t>
             </a:fld>
             <a:endParaRPr lang="en-US"/>
           </a:p>
@@ -2535,7 +2535,7 @@
           <a:p>
             <a:fld id="{042E5A71-3EAB-4179-B449-B9E45921E0E1}" type="datetimeFigureOut">
               <a:rPr lang="en-US" smtClean="0"/>
-              <a:t>6/21/2024</a:t>
+              <a:t>7/1/2024</a:t>
             </a:fld>
             <a:endParaRPr lang="en-US"/>
           </a:p>
@@ -2792,7 +2792,7 @@
           <a:p>
             <a:fld id="{042E5A71-3EAB-4179-B449-B9E45921E0E1}" type="datetimeFigureOut">
               <a:rPr lang="en-US" smtClean="0"/>
-              <a:t>6/21/2024</a:t>
+              <a:t>7/1/2024</a:t>
             </a:fld>
             <a:endParaRPr lang="en-US"/>
           </a:p>
@@ -3005,7 +3005,7 @@
           <a:p>
             <a:fld id="{042E5A71-3EAB-4179-B449-B9E45921E0E1}" type="datetimeFigureOut">
               <a:rPr lang="en-US" smtClean="0"/>
-              <a:t>6/21/2024</a:t>
+              <a:t>7/1/2024</a:t>
             </a:fld>
             <a:endParaRPr lang="en-US"/>
           </a:p>
@@ -3590,7 +3590,7 @@
         </p:nvSpPr>
         <p:spPr>
           <a:xfrm>
-            <a:off x="1485979" y="2078772"/>
+            <a:off x="1485980" y="1922022"/>
             <a:ext cx="2157721" cy="276293"/>
           </a:xfrm>
           <a:prstGeom prst="rect">
@@ -3639,7 +3639,7 @@
         </p:nvSpPr>
         <p:spPr>
           <a:xfrm>
-            <a:off x="1485979" y="1273743"/>
+            <a:off x="1485980" y="1116993"/>
             <a:ext cx="2157721" cy="276293"/>
           </a:xfrm>
           <a:prstGeom prst="rect">
@@ -3692,7 +3692,7 @@
         </p:nvSpPr>
         <p:spPr>
           <a:xfrm>
-            <a:off x="1485979" y="1676257"/>
+            <a:off x="1485979" y="1519507"/>
             <a:ext cx="2157722" cy="276293"/>
           </a:xfrm>
           <a:prstGeom prst="rect">
@@ -3741,7 +3741,7 @@
         </p:nvSpPr>
         <p:spPr>
           <a:xfrm>
-            <a:off x="1485979" y="2481286"/>
+            <a:off x="1485979" y="2324536"/>
             <a:ext cx="2157722" cy="276293"/>
           </a:xfrm>
           <a:prstGeom prst="rect">
@@ -5146,6 +5146,55 @@
           </a:fontRef>
         </p:style>
       </p:cxnSp>
+      <p:sp>
+        <p:nvSpPr>
+          <p:cNvPr id="2" name="Rectangle 1">
+            <a:extLst>
+              <a:ext uri="{FF2B5EF4-FFF2-40B4-BE49-F238E27FC236}">
+                <a16:creationId xmlns:a16="http://schemas.microsoft.com/office/drawing/2014/main" id="{034BFF9C-E658-AED0-1F42-5FB67A105ABF}"/>
+              </a:ext>
+            </a:extLst>
+          </p:cNvPr>
+          <p:cNvSpPr/>
+          <p:nvPr/>
+        </p:nvSpPr>
+        <p:spPr>
+          <a:xfrm>
+            <a:off x="1485979" y="2723690"/>
+            <a:ext cx="2157722" cy="276293"/>
+          </a:xfrm>
+          <a:prstGeom prst="rect">
+            <a:avLst/>
+          </a:prstGeom>
+        </p:spPr>
+        <p:style>
+          <a:lnRef idx="2">
+            <a:schemeClr val="accent1">
+              <a:shade val="15000"/>
+            </a:schemeClr>
+          </a:lnRef>
+          <a:fillRef idx="1">
+            <a:schemeClr val="accent1"/>
+          </a:fillRef>
+          <a:effectRef idx="0">
+            <a:schemeClr val="accent1"/>
+          </a:effectRef>
+          <a:fontRef idx="minor">
+            <a:schemeClr val="lt1"/>
+          </a:fontRef>
+        </p:style>
+        <p:txBody>
+          <a:bodyPr rtlCol="0" anchor="ctr"/>
+          <a:lstStyle/>
+          <a:p>
+            <a:pPr algn="ctr"/>
+            <a:r>
+              <a:rPr lang="en-US" dirty="0"/>
+              <a:t>Build Trees</a:t>
+            </a:r>
+          </a:p>
+        </p:txBody>
+      </p:sp>
     </p:spTree>
     <p:extLst>
       <p:ext uri="{BB962C8B-B14F-4D97-AF65-F5344CB8AC3E}">

--- a/figures/Workflow.pptx
+++ b/figures/Workflow.pptx
@@ -3430,6 +3430,9 @@
           <a:prstGeom prst="flowChartMagneticDisk">
             <a:avLst/>
           </a:prstGeom>
+          <a:solidFill>
+            <a:srgbClr val="005035"/>
+          </a:solidFill>
         </p:spPr>
         <p:style>
           <a:lnRef idx="2">
@@ -3479,6 +3482,9 @@
           <a:prstGeom prst="flowChartMagneticDisk">
             <a:avLst/>
           </a:prstGeom>
+          <a:solidFill>
+            <a:srgbClr val="007377"/>
+          </a:solidFill>
         </p:spPr>
         <p:style>
           <a:lnRef idx="2">
@@ -3596,6 +3602,9 @@
           <a:prstGeom prst="rect">
             <a:avLst/>
           </a:prstGeom>
+          <a:solidFill>
+            <a:srgbClr val="005035"/>
+          </a:solidFill>
         </p:spPr>
         <p:style>
           <a:lnRef idx="2">
@@ -3645,6 +3654,9 @@
           <a:prstGeom prst="rect">
             <a:avLst/>
           </a:prstGeom>
+          <a:solidFill>
+            <a:srgbClr val="005035"/>
+          </a:solidFill>
         </p:spPr>
         <p:style>
           <a:lnRef idx="2">
@@ -3698,6 +3710,9 @@
           <a:prstGeom prst="rect">
             <a:avLst/>
           </a:prstGeom>
+          <a:solidFill>
+            <a:srgbClr val="005035"/>
+          </a:solidFill>
         </p:spPr>
         <p:style>
           <a:lnRef idx="2">
@@ -3747,6 +3762,9 @@
           <a:prstGeom prst="rect">
             <a:avLst/>
           </a:prstGeom>
+          <a:solidFill>
+            <a:srgbClr val="005035"/>
+          </a:solidFill>
         </p:spPr>
         <p:style>
           <a:lnRef idx="2">
@@ -3857,6 +3875,9 @@
           <a:prstGeom prst="rect">
             <a:avLst/>
           </a:prstGeom>
+          <a:solidFill>
+            <a:srgbClr val="005035"/>
+          </a:solidFill>
         </p:spPr>
         <p:style>
           <a:lnRef idx="2">
@@ -3989,6 +4010,9 @@
             </a:avLst>
           </a:prstGeom>
           <a:ln w="57150">
+            <a:solidFill>
+              <a:srgbClr val="005035"/>
+            </a:solidFill>
             <a:tailEnd type="triangle"/>
           </a:ln>
         </p:spPr>
@@ -4027,6 +4051,9 @@
           <a:prstGeom prst="rect">
             <a:avLst/>
           </a:prstGeom>
+          <a:solidFill>
+            <a:srgbClr val="005035"/>
+          </a:solidFill>
         </p:spPr>
         <p:style>
           <a:lnRef idx="2">
@@ -4083,6 +4110,9 @@
           <a:prstGeom prst="rect">
             <a:avLst/>
           </a:prstGeom>
+          <a:solidFill>
+            <a:srgbClr val="005035"/>
+          </a:solidFill>
         </p:spPr>
         <p:style>
           <a:lnRef idx="2">
@@ -4203,6 +4233,9 @@
           <a:prstGeom prst="rect">
             <a:avLst/>
           </a:prstGeom>
+          <a:solidFill>
+            <a:srgbClr val="007377"/>
+          </a:solidFill>
         </p:spPr>
         <p:style>
           <a:lnRef idx="2">
@@ -4259,6 +4292,9 @@
           <a:prstGeom prst="rect">
             <a:avLst/>
           </a:prstGeom>
+          <a:solidFill>
+            <a:srgbClr val="007377"/>
+          </a:solidFill>
         </p:spPr>
         <p:style>
           <a:lnRef idx="2">
@@ -4315,6 +4351,9 @@
             </a:avLst>
           </a:prstGeom>
           <a:ln w="57150">
+            <a:solidFill>
+              <a:srgbClr val="005035"/>
+            </a:solidFill>
             <a:prstDash val="sysDash"/>
             <a:tailEnd type="triangle"/>
           </a:ln>
@@ -4362,7 +4401,7 @@
           </a:prstGeom>
           <a:ln w="57150">
             <a:solidFill>
-              <a:schemeClr val="accent3"/>
+              <a:srgbClr val="007377"/>
             </a:solidFill>
             <a:prstDash val="sysDash"/>
             <a:tailEnd type="triangle"/>
@@ -4474,6 +4513,9 @@
           <a:prstGeom prst="rect">
             <a:avLst/>
           </a:prstGeom>
+          <a:solidFill>
+            <a:srgbClr val="A49665"/>
+          </a:solidFill>
         </p:spPr>
         <p:style>
           <a:lnRef idx="2">
@@ -4523,6 +4565,9 @@
           <a:prstGeom prst="rect">
             <a:avLst/>
           </a:prstGeom>
+          <a:solidFill>
+            <a:srgbClr val="A49665"/>
+          </a:solidFill>
         </p:spPr>
         <p:style>
           <a:lnRef idx="2">
@@ -4582,10 +4627,10 @@
             <a:gradFill flip="none" rotWithShape="1">
               <a:gsLst>
                 <a:gs pos="0">
-                  <a:schemeClr val="accent1"/>
+                  <a:srgbClr val="005035"/>
                 </a:gs>
-                <a:gs pos="100000">
-                  <a:schemeClr val="accent5"/>
+                <a:gs pos="27000">
+                  <a:srgbClr val="A49665"/>
                 </a:gs>
               </a:gsLst>
               <a:lin ang="0" scaled="1"/>
@@ -4695,6 +4740,9 @@
           <a:prstGeom prst="rect">
             <a:avLst/>
           </a:prstGeom>
+          <a:solidFill>
+            <a:srgbClr val="A49665"/>
+          </a:solidFill>
         </p:spPr>
         <p:style>
           <a:lnRef idx="2">
@@ -4752,7 +4800,7 @@
           </a:prstGeom>
           <a:ln w="57150">
             <a:solidFill>
-              <a:schemeClr val="accent5"/>
+              <a:srgbClr val="A49665"/>
             </a:solidFill>
             <a:tailEnd type="triangle"/>
           </a:ln>
@@ -4799,6 +4847,9 @@
             </a:avLst>
           </a:prstGeom>
           <a:ln w="57150">
+            <a:solidFill>
+              <a:srgbClr val="005035"/>
+            </a:solidFill>
             <a:tailEnd type="triangle"/>
           </a:ln>
         </p:spPr>
@@ -4911,7 +4962,7 @@
           </a:prstGeom>
           <a:ln w="57150">
             <a:solidFill>
-              <a:schemeClr val="accent5"/>
+              <a:srgbClr val="A49665"/>
             </a:solidFill>
             <a:tailEnd type="triangle"/>
           </a:ln>
@@ -4951,6 +5002,9 @@
           <a:prstGeom prst="rect">
             <a:avLst/>
           </a:prstGeom>
+          <a:solidFill>
+            <a:srgbClr val="A49665"/>
+          </a:solidFill>
         </p:spPr>
         <p:style>
           <a:lnRef idx="2">
@@ -5119,10 +5173,10 @@
             <a:gradFill flip="none" rotWithShape="1">
               <a:gsLst>
                 <a:gs pos="0">
-                  <a:schemeClr val="accent3"/>
+                  <a:srgbClr val="007377"/>
                 </a:gs>
                 <a:gs pos="100000">
-                  <a:schemeClr val="accent5"/>
+                  <a:srgbClr val="A49665"/>
                 </a:gs>
               </a:gsLst>
               <a:lin ang="5400000" scaled="1"/>
@@ -5166,6 +5220,9 @@
           <a:prstGeom prst="rect">
             <a:avLst/>
           </a:prstGeom>
+          <a:solidFill>
+            <a:srgbClr val="005035"/>
+          </a:solidFill>
         </p:spPr>
         <p:style>
           <a:lnRef idx="2">
